--- a/Automation/EnvironmentAutomationGroupBy2021.pptx
+++ b/Automation/EnvironmentAutomationGroupBy2021.pptx
@@ -6,7 +6,7 @@
     <p:sldMasterId id="2147483652" r:id="rId5"/>
   </p:sldMasterIdLst>
   <p:notesMasterIdLst>
-    <p:notesMasterId r:id="rId38"/>
+    <p:notesMasterId r:id="rId41"/>
   </p:notesMasterIdLst>
   <p:sldIdLst>
     <p:sldId id="285" r:id="rId6"/>
@@ -39,8 +39,11 @@
     <p:sldId id="335" r:id="rId33"/>
     <p:sldId id="336" r:id="rId34"/>
     <p:sldId id="337" r:id="rId35"/>
-    <p:sldId id="338" r:id="rId36"/>
-    <p:sldId id="339" r:id="rId37"/>
+    <p:sldId id="340" r:id="rId36"/>
+    <p:sldId id="344" r:id="rId37"/>
+    <p:sldId id="342" r:id="rId38"/>
+    <p:sldId id="343" r:id="rId39"/>
+    <p:sldId id="339" r:id="rId40"/>
   </p:sldIdLst>
   <p:sldSz cx="12192000" cy="6858000"/>
   <p:notesSz cx="6858000" cy="9144000"/>
@@ -10584,7 +10587,7 @@
         <p:spPr>
           <a:xfrm>
             <a:off x="838199" y="1645920"/>
-            <a:ext cx="10515785" cy="3046988"/>
+            <a:ext cx="10515785" cy="3539430"/>
           </a:xfrm>
           <a:prstGeom prst="rect">
             <a:avLst/>
@@ -10713,6 +10716,26 @@
                 <a:latin typeface="Consolas" panose="020B0609020204030204" pitchFamily="49" charset="0"/>
               </a:rPr>
               <a:t>Execute a command in a running container</a:t>
+            </a:r>
+          </a:p>
+          <a:p>
+            <a:r>
+              <a:rPr lang="en-US" sz="3200" dirty="0">
+                <a:solidFill>
+                  <a:srgbClr val="FF0000"/>
+                </a:solidFill>
+                <a:latin typeface="Consolas" panose="020B0609020204030204" pitchFamily="49" charset="0"/>
+              </a:rPr>
+              <a:t>Docker cp: </a:t>
+            </a:r>
+            <a:r>
+              <a:rPr lang="en-US" sz="3200" dirty="0">
+                <a:solidFill>
+                  <a:srgbClr val="6A9955"/>
+                </a:solidFill>
+                <a:latin typeface="Consolas" panose="020B0609020204030204" pitchFamily="49" charset="0"/>
+              </a:rPr>
+              <a:t>Copy files to and from a container</a:t>
             </a:r>
           </a:p>
           <a:p>
@@ -29035,17 +29058,6 @@
               <a:buChar char="•"/>
             </a:pPr>
             <a:r>
-              <a:rPr lang="en-US" dirty="0" err="1"/>
-              <a:t>DbaChecks</a:t>
-            </a:r>
-            <a:endParaRPr lang="en-US" dirty="0"/>
-          </a:p>
-          <a:p>
-            <a:pPr marL="571500" indent="-571500">
-              <a:buFont typeface="Arial" panose="020B0604020202020204" pitchFamily="34" charset="0"/>
-              <a:buChar char="•"/>
-            </a:pPr>
-            <a:r>
               <a:rPr lang="en-US" dirty="0"/>
               <a:t>Security</a:t>
             </a:r>
@@ -29195,135 +29207,6 @@
           </a:fontRef>
         </p:style>
       </p:cxnSp>
-      <p:pic>
-        <p:nvPicPr>
-          <p:cNvPr id="16" name="Picture 4">
-            <a:extLst>
-              <a:ext uri="{FF2B5EF4-FFF2-40B4-BE49-F238E27FC236}">
-                <a16:creationId xmlns:a16="http://schemas.microsoft.com/office/drawing/2014/main" id="{967127AD-0773-4995-ACED-CCA1B213B1CD}"/>
-              </a:ext>
-            </a:extLst>
-          </p:cNvPr>
-          <p:cNvPicPr>
-            <a:picLocks noChangeAspect="1" noChangeArrowheads="1"/>
-          </p:cNvPicPr>
-          <p:nvPr/>
-        </p:nvPicPr>
-        <p:blipFill>
-          <a:blip r:embed="rId4">
-            <a:extLst>
-              <a:ext uri="{28A0092B-C50C-407E-A947-70E740481C1C}">
-                <a14:useLocalDpi xmlns:a14="http://schemas.microsoft.com/office/drawing/2010/main" val="0"/>
-              </a:ext>
-            </a:extLst>
-          </a:blip>
-          <a:srcRect/>
-          <a:stretch>
-            <a:fillRect/>
-          </a:stretch>
-        </p:blipFill>
-        <p:spPr bwMode="auto">
-          <a:xfrm>
-            <a:off x="6905442" y="3850624"/>
-            <a:ext cx="1790700" cy="1409700"/>
-          </a:xfrm>
-          <a:prstGeom prst="rect">
-            <a:avLst/>
-          </a:prstGeom>
-          <a:noFill/>
-          <a:extLst>
-            <a:ext uri="{909E8E84-426E-40DD-AFC4-6F175D3DCCD1}">
-              <a14:hiddenFill xmlns:a14="http://schemas.microsoft.com/office/drawing/2010/main">
-                <a:solidFill>
-                  <a:srgbClr val="FFFFFF"/>
-                </a:solidFill>
-              </a14:hiddenFill>
-            </a:ext>
-          </a:extLst>
-        </p:spPr>
-      </p:pic>
-      <p:sp>
-        <p:nvSpPr>
-          <p:cNvPr id="17" name="Rectangle 16">
-            <a:extLst>
-              <a:ext uri="{FF2B5EF4-FFF2-40B4-BE49-F238E27FC236}">
-                <a16:creationId xmlns:a16="http://schemas.microsoft.com/office/drawing/2014/main" id="{01E129B7-532A-4A87-B8E3-E29C1713158F}"/>
-              </a:ext>
-            </a:extLst>
-          </p:cNvPr>
-          <p:cNvSpPr/>
-          <p:nvPr/>
-        </p:nvSpPr>
-        <p:spPr>
-          <a:xfrm>
-            <a:off x="8594351" y="4369014"/>
-            <a:ext cx="2432397" cy="646331"/>
-          </a:xfrm>
-          <a:prstGeom prst="rect">
-            <a:avLst/>
-          </a:prstGeom>
-          <a:noFill/>
-          <a:ln>
-            <a:noFill/>
-          </a:ln>
-        </p:spPr>
-        <p:style>
-          <a:lnRef idx="0">
-            <a:scrgbClr r="0" g="0" b="0"/>
-          </a:lnRef>
-          <a:fillRef idx="0">
-            <a:scrgbClr r="0" g="0" b="0"/>
-          </a:fillRef>
-          <a:effectRef idx="0">
-            <a:scrgbClr r="0" g="0" b="0"/>
-          </a:effectRef>
-          <a:fontRef idx="minor">
-            <a:schemeClr val="accent5"/>
-          </a:fontRef>
-        </p:style>
-        <p:txBody>
-          <a:bodyPr wrap="none" lIns="91440" tIns="45720" rIns="91440" bIns="45720">
-            <a:spAutoFit/>
-          </a:bodyPr>
-          <a:lstStyle/>
-          <a:p>
-            <a:pPr algn="ctr"/>
-            <a:r>
-              <a:rPr lang="en-US" sz="3600" b="1" cap="none" spc="0" dirty="0" err="1">
-                <a:ln w="0"/>
-                <a:solidFill>
-                  <a:schemeClr val="accent5">
-                    <a:lumMod val="50000"/>
-                  </a:schemeClr>
-                </a:solidFill>
-                <a:effectLst>
-                  <a:outerShdw blurRad="38100" dist="19050" dir="2700000" algn="tl" rotWithShape="0">
-                    <a:schemeClr val="dk1">
-                      <a:alpha val="40000"/>
-                    </a:schemeClr>
-                  </a:outerShdw>
-                </a:effectLst>
-              </a:rPr>
-              <a:t>dbachecks</a:t>
-            </a:r>
-            <a:endParaRPr lang="en-US" sz="3600" b="1" cap="none" spc="0" dirty="0">
-              <a:ln w="0"/>
-              <a:solidFill>
-                <a:schemeClr val="accent5">
-                  <a:lumMod val="50000"/>
-                </a:schemeClr>
-              </a:solidFill>
-              <a:effectLst>
-                <a:outerShdw blurRad="38100" dist="19050" dir="2700000" algn="tl" rotWithShape="0">
-                  <a:schemeClr val="dk1">
-                    <a:alpha val="40000"/>
-                  </a:schemeClr>
-                </a:outerShdw>
-              </a:effectLst>
-            </a:endParaRPr>
-          </a:p>
-        </p:txBody>
-      </p:sp>
     </p:spTree>
     <p:extLst>
       <p:ext uri="{BB962C8B-B14F-4D97-AF65-F5344CB8AC3E}">
@@ -32496,7 +32379,7 @@
           <p:cNvPr id="2" name="Title 1">
             <a:extLst>
               <a:ext uri="{FF2B5EF4-FFF2-40B4-BE49-F238E27FC236}">
-                <a16:creationId xmlns:a16="http://schemas.microsoft.com/office/drawing/2014/main" id="{D1B6F6DD-94CA-4AD5-856E-14BD811F09AD}"/>
+                <a16:creationId xmlns:a16="http://schemas.microsoft.com/office/drawing/2014/main" id="{27A67401-095E-455F-93EC-A1639DBA9B30}"/>
               </a:ext>
             </a:extLst>
           </p:cNvPr>
@@ -32510,28 +32393,300 @@
         <p:spPr>
           <a:xfrm>
             <a:off x="838200" y="365126"/>
-            <a:ext cx="10515600" cy="649942"/>
+            <a:ext cx="10515600" cy="767388"/>
           </a:xfrm>
         </p:spPr>
         <p:txBody>
           <a:bodyPr>
-            <a:normAutofit fontScale="90000"/>
+            <a:normAutofit/>
           </a:bodyPr>
           <a:lstStyle/>
           <a:p>
             <a:r>
               <a:rPr lang="en-US" dirty="0"/>
-              <a:t>Database Testing</a:t>
-            </a:r>
+              <a:t>Docker Commands to Do Things</a:t>
+            </a:r>
+          </a:p>
+        </p:txBody>
+      </p:sp>
+      <p:sp>
+        <p:nvSpPr>
+          <p:cNvPr id="3" name="Rectangle 2">
+            <a:extLst>
+              <a:ext uri="{FF2B5EF4-FFF2-40B4-BE49-F238E27FC236}">
+                <a16:creationId xmlns:a16="http://schemas.microsoft.com/office/drawing/2014/main" id="{17A3620F-72A6-49A3-89E3-ACF02A67CE09}"/>
+              </a:ext>
+            </a:extLst>
+          </p:cNvPr>
+          <p:cNvSpPr/>
+          <p:nvPr/>
+        </p:nvSpPr>
+        <p:spPr>
+          <a:xfrm>
+            <a:off x="838199" y="1645920"/>
+            <a:ext cx="10515785" cy="3170099"/>
+          </a:xfrm>
+          <a:prstGeom prst="rect">
+            <a:avLst/>
+          </a:prstGeom>
+        </p:spPr>
+        <p:txBody>
+          <a:bodyPr wrap="square">
+            <a:spAutoFit/>
+          </a:bodyPr>
+          <a:lstStyle/>
+          <a:p>
+            <a:pPr marL="342900" indent="-342900">
+              <a:buFont typeface="Wingdings" panose="05000000000000000000" pitchFamily="2" charset="2"/>
+              <a:buChar char="Ø"/>
+            </a:pPr>
+            <a:r>
+              <a:rPr lang="fr-FR" sz="2000" b="0" dirty="0">
+                <a:solidFill>
+                  <a:srgbClr val="FF0000"/>
+                </a:solidFill>
+                <a:effectLst/>
+                <a:latin typeface="Consolas" panose="020B0609020204030204" pitchFamily="49" charset="0"/>
+              </a:rPr>
+              <a:t>docker run -p</a:t>
+            </a:r>
+            <a:r>
+              <a:rPr lang="fr-FR" sz="2000" b="0" dirty="0">
+                <a:effectLst/>
+                <a:latin typeface="Consolas" panose="020B0609020204030204" pitchFamily="49" charset="0"/>
+              </a:rPr>
+              <a:t> 1433:1433 </a:t>
+            </a:r>
+            <a:r>
+              <a:rPr lang="fr-FR" sz="2000" b="0" dirty="0">
+                <a:solidFill>
+                  <a:srgbClr val="FF0000"/>
+                </a:solidFill>
+                <a:effectLst/>
+                <a:latin typeface="Consolas" panose="020B0609020204030204" pitchFamily="49" charset="0"/>
+              </a:rPr>
+              <a:t>-e</a:t>
+            </a:r>
+            <a:r>
+              <a:rPr lang="fr-FR" sz="2000" b="0" dirty="0">
+                <a:effectLst/>
+                <a:latin typeface="Consolas" panose="020B0609020204030204" pitchFamily="49" charset="0"/>
+              </a:rPr>
+              <a:t> SA_PASSWORD=$password </a:t>
+            </a:r>
+            <a:r>
+              <a:rPr lang="fr-FR" sz="2000" b="0" dirty="0">
+                <a:solidFill>
+                  <a:srgbClr val="FF0000"/>
+                </a:solidFill>
+                <a:effectLst/>
+                <a:latin typeface="Consolas" panose="020B0609020204030204" pitchFamily="49" charset="0"/>
+              </a:rPr>
+              <a:t>-e</a:t>
+            </a:r>
+            <a:r>
+              <a:rPr lang="fr-FR" sz="2000" b="0" dirty="0">
+                <a:effectLst/>
+                <a:latin typeface="Consolas" panose="020B0609020204030204" pitchFamily="49" charset="0"/>
+              </a:rPr>
+              <a:t> ACCEPT_EULA=Y mcr.microsoft.com/mssql/server:2019-latest</a:t>
+            </a:r>
+          </a:p>
+          <a:p>
+            <a:pPr marL="342900" indent="-342900">
+              <a:buFont typeface="Wingdings" panose="05000000000000000000" pitchFamily="2" charset="2"/>
+              <a:buChar char="Ø"/>
+            </a:pPr>
+            <a:endParaRPr lang="en-US" sz="2000" dirty="0">
+              <a:solidFill>
+                <a:srgbClr val="FF0000"/>
+              </a:solidFill>
+              <a:latin typeface="Consolas" panose="020B0609020204030204" pitchFamily="49" charset="0"/>
+            </a:endParaRPr>
+          </a:p>
+          <a:p>
+            <a:pPr marL="342900" indent="-342900">
+              <a:buFont typeface="Wingdings" panose="05000000000000000000" pitchFamily="2" charset="2"/>
+              <a:buChar char="Ø"/>
+            </a:pPr>
+            <a:r>
+              <a:rPr lang="en-US" sz="2000" dirty="0">
+                <a:solidFill>
+                  <a:srgbClr val="FF0000"/>
+                </a:solidFill>
+                <a:latin typeface="Consolas" panose="020B0609020204030204" pitchFamily="49" charset="0"/>
+              </a:rPr>
+              <a:t>Docker exec –it </a:t>
+            </a:r>
+            <a:r>
+              <a:rPr lang="en-US" sz="2000" dirty="0" err="1">
+                <a:latin typeface="Consolas" panose="020B0609020204030204" pitchFamily="49" charset="0"/>
+              </a:rPr>
+              <a:t>aw_preprod</a:t>
+            </a:r>
+            <a:r>
+              <a:rPr lang="en-US" sz="2000" dirty="0">
+                <a:latin typeface="Consolas" panose="020B0609020204030204" pitchFamily="49" charset="0"/>
+              </a:rPr>
+              <a:t> </a:t>
+            </a:r>
+            <a:r>
+              <a:rPr lang="en-US" sz="2000" dirty="0" err="1">
+                <a:latin typeface="Consolas" panose="020B0609020204030204" pitchFamily="49" charset="0"/>
+              </a:rPr>
+              <a:t>mkdir</a:t>
+            </a:r>
+            <a:r>
+              <a:rPr lang="en-US" sz="2000" dirty="0">
+                <a:latin typeface="Consolas" panose="020B0609020204030204" pitchFamily="49" charset="0"/>
+              </a:rPr>
+              <a:t> /var/opt/</a:t>
+            </a:r>
+            <a:r>
+              <a:rPr lang="en-US" sz="2000" dirty="0" err="1">
+                <a:latin typeface="Consolas" panose="020B0609020204030204" pitchFamily="49" charset="0"/>
+              </a:rPr>
+              <a:t>mssql</a:t>
+            </a:r>
+            <a:r>
+              <a:rPr lang="en-US" sz="2000" dirty="0">
+                <a:latin typeface="Consolas" panose="020B0609020204030204" pitchFamily="49" charset="0"/>
+              </a:rPr>
+              <a:t>/backup</a:t>
+            </a:r>
+          </a:p>
+          <a:p>
+            <a:pPr marL="342900" indent="-342900">
+              <a:buFont typeface="Wingdings" panose="05000000000000000000" pitchFamily="2" charset="2"/>
+              <a:buChar char="Ø"/>
+            </a:pPr>
+            <a:endParaRPr lang="en-US" sz="2000" dirty="0">
+              <a:solidFill>
+                <a:srgbClr val="FF0000"/>
+              </a:solidFill>
+              <a:latin typeface="Consolas" panose="020B0609020204030204" pitchFamily="49" charset="0"/>
+            </a:endParaRPr>
+          </a:p>
+          <a:p>
+            <a:pPr marL="342900" indent="-342900">
+              <a:buFont typeface="Wingdings" panose="05000000000000000000" pitchFamily="2" charset="2"/>
+              <a:buChar char="Ø"/>
+            </a:pPr>
+            <a:r>
+              <a:rPr lang="en-US" sz="2000" dirty="0">
+                <a:solidFill>
+                  <a:srgbClr val="FF0000"/>
+                </a:solidFill>
+                <a:latin typeface="Consolas" panose="020B0609020204030204" pitchFamily="49" charset="0"/>
+              </a:rPr>
+              <a:t>Docker cp </a:t>
+            </a:r>
+            <a:r>
+              <a:rPr lang="en-US" sz="2000" dirty="0">
+                <a:latin typeface="Consolas" panose="020B0609020204030204" pitchFamily="49" charset="0"/>
+              </a:rPr>
+              <a:t>c:\backup\wwi.bak </a:t>
+            </a:r>
+            <a:r>
+              <a:rPr lang="en-US" sz="2000" dirty="0" err="1">
+                <a:latin typeface="Consolas" panose="020B0609020204030204" pitchFamily="49" charset="0"/>
+              </a:rPr>
+              <a:t>aw_preprod</a:t>
+            </a:r>
+            <a:r>
+              <a:rPr lang="en-US" sz="2000" dirty="0">
+                <a:latin typeface="Consolas" panose="020B0609020204030204" pitchFamily="49" charset="0"/>
+              </a:rPr>
+              <a:t>:/var/opt/</a:t>
+            </a:r>
+            <a:r>
+              <a:rPr lang="en-US" sz="2000" dirty="0" err="1">
+                <a:latin typeface="Consolas" panose="020B0609020204030204" pitchFamily="49" charset="0"/>
+              </a:rPr>
+              <a:t>mssql</a:t>
+            </a:r>
+            <a:r>
+              <a:rPr lang="en-US" sz="2000" dirty="0">
+                <a:latin typeface="Consolas" panose="020B0609020204030204" pitchFamily="49" charset="0"/>
+              </a:rPr>
+              <a:t>/backup</a:t>
+            </a:r>
+          </a:p>
+          <a:p>
+            <a:pPr marL="342900" indent="-342900">
+              <a:buFont typeface="Wingdings" panose="05000000000000000000" pitchFamily="2" charset="2"/>
+              <a:buChar char="Ø"/>
+            </a:pPr>
+            <a:endParaRPr lang="en-US" sz="2000" b="0" dirty="0">
+              <a:effectLst/>
+              <a:latin typeface="Consolas" panose="020B0609020204030204" pitchFamily="49" charset="0"/>
+            </a:endParaRPr>
+          </a:p>
+          <a:p>
+            <a:pPr marL="342900" indent="-342900">
+              <a:buFont typeface="Wingdings" panose="05000000000000000000" pitchFamily="2" charset="2"/>
+              <a:buChar char="Ø"/>
+            </a:pPr>
+            <a:r>
+              <a:rPr lang="en-US" sz="2000" b="0" dirty="0">
+                <a:solidFill>
+                  <a:srgbClr val="FF0000"/>
+                </a:solidFill>
+                <a:effectLst/>
+                <a:latin typeface="Consolas" panose="020B0609020204030204" pitchFamily="49" charset="0"/>
+              </a:rPr>
+              <a:t>docker exec -it</a:t>
+            </a:r>
+            <a:r>
+              <a:rPr lang="en-US" sz="2000" b="0" dirty="0">
+                <a:effectLst/>
+                <a:latin typeface="Consolas" panose="020B0609020204030204" pitchFamily="49" charset="0"/>
+              </a:rPr>
+              <a:t> </a:t>
+            </a:r>
+            <a:r>
+              <a:rPr lang="en-US" sz="2000" b="0" dirty="0" err="1">
+                <a:effectLst/>
+                <a:latin typeface="Consolas" panose="020B0609020204030204" pitchFamily="49" charset="0"/>
+              </a:rPr>
+              <a:t>aw_preprod</a:t>
+            </a:r>
+            <a:r>
+              <a:rPr lang="en-US" sz="2000" b="0" dirty="0">
+                <a:effectLst/>
+                <a:latin typeface="Consolas" panose="020B0609020204030204" pitchFamily="49" charset="0"/>
+              </a:rPr>
+              <a:t> /bin/bash</a:t>
+            </a:r>
+          </a:p>
+          <a:p>
+            <a:pPr marL="342900" indent="-342900">
+              <a:buFont typeface="Wingdings" panose="05000000000000000000" pitchFamily="2" charset="2"/>
+              <a:buChar char="Ø"/>
+            </a:pPr>
+            <a:endParaRPr lang="en-US" sz="2000" b="0" dirty="0">
+              <a:effectLst/>
+              <a:latin typeface="Consolas" panose="020B0609020204030204" pitchFamily="49" charset="0"/>
+            </a:endParaRPr>
+          </a:p>
+          <a:p>
+            <a:pPr marL="342900" indent="-342900">
+              <a:buFont typeface="Wingdings" panose="05000000000000000000" pitchFamily="2" charset="2"/>
+              <a:buChar char="Ø"/>
+            </a:pPr>
+            <a:endParaRPr lang="en-US" sz="2000" b="0" dirty="0">
+              <a:effectLst/>
+              <a:latin typeface="Consolas" panose="020B0609020204030204" pitchFamily="49" charset="0"/>
+            </a:endParaRPr>
           </a:p>
         </p:txBody>
       </p:sp>
       <p:cxnSp>
         <p:nvCxnSpPr>
-          <p:cNvPr id="3" name="Straight Connector 2">
-            <a:extLst>
-              <a:ext uri="{FF2B5EF4-FFF2-40B4-BE49-F238E27FC236}">
-                <a16:creationId xmlns:a16="http://schemas.microsoft.com/office/drawing/2014/main" id="{B52B4365-7ABA-4C3A-92A9-4DF4523C0BC1}"/>
+          <p:cNvPr id="4" name="Straight Connector 3">
+            <a:extLst>
+              <a:ext uri="{FF2B5EF4-FFF2-40B4-BE49-F238E27FC236}">
+                <a16:creationId xmlns:a16="http://schemas.microsoft.com/office/drawing/2014/main" id="{DE5AE2E5-AD0E-49F9-B10F-CBF12A7970EB}"/>
               </a:ext>
             </a:extLst>
           </p:cNvPr>
@@ -32565,186 +32720,10 @@
           </a:fontRef>
         </p:style>
       </p:cxnSp>
-      <p:sp>
-        <p:nvSpPr>
-          <p:cNvPr id="5" name="TextBox 4">
-            <a:extLst>
-              <a:ext uri="{FF2B5EF4-FFF2-40B4-BE49-F238E27FC236}">
-                <a16:creationId xmlns:a16="http://schemas.microsoft.com/office/drawing/2014/main" id="{7B81140E-E830-4575-9B07-68E208C54921}"/>
-              </a:ext>
-            </a:extLst>
-          </p:cNvPr>
-          <p:cNvSpPr txBox="1"/>
-          <p:nvPr/>
-        </p:nvSpPr>
-        <p:spPr>
-          <a:xfrm>
-            <a:off x="838200" y="1300294"/>
-            <a:ext cx="10515600" cy="2677656"/>
-          </a:xfrm>
-          <a:prstGeom prst="rect">
-            <a:avLst/>
-          </a:prstGeom>
-          <a:noFill/>
-        </p:spPr>
-        <p:txBody>
-          <a:bodyPr wrap="square">
-            <a:spAutoFit/>
-          </a:bodyPr>
-          <a:lstStyle/>
-          <a:p>
-            <a:pPr defTabSz="457200"/>
-            <a:r>
-              <a:rPr lang="en-US" sz="2400" dirty="0">
-                <a:latin typeface="Consolas" panose="020B0609020204030204" pitchFamily="49" charset="0"/>
-              </a:rPr>
-              <a:t>$Check = @{</a:t>
-            </a:r>
-          </a:p>
-          <a:p>
-            <a:pPr defTabSz="457200"/>
-            <a:r>
-              <a:rPr lang="en-US" sz="2400" dirty="0">
-                <a:latin typeface="Consolas" panose="020B0609020204030204" pitchFamily="49" charset="0"/>
-              </a:rPr>
-              <a:t>    "</a:t>
-            </a:r>
-            <a:r>
-              <a:rPr lang="en-US" sz="2400" dirty="0" err="1">
-                <a:latin typeface="Consolas" panose="020B0609020204030204" pitchFamily="49" charset="0"/>
-              </a:rPr>
-              <a:t>SqlInstance</a:t>
-            </a:r>
-            <a:r>
-              <a:rPr lang="en-US" sz="2400" dirty="0">
-                <a:latin typeface="Consolas" panose="020B0609020204030204" pitchFamily="49" charset="0"/>
-              </a:rPr>
-              <a:t>"=$</a:t>
-            </a:r>
-            <a:r>
-              <a:rPr lang="en-US" sz="2400" dirty="0" err="1">
-                <a:latin typeface="Consolas" panose="020B0609020204030204" pitchFamily="49" charset="0"/>
-              </a:rPr>
-              <a:t>HostName</a:t>
-            </a:r>
-            <a:r>
-              <a:rPr lang="en-US" sz="2400" dirty="0">
-                <a:latin typeface="Consolas" panose="020B0609020204030204" pitchFamily="49" charset="0"/>
-              </a:rPr>
-              <a:t> </a:t>
-            </a:r>
-          </a:p>
-          <a:p>
-            <a:pPr defTabSz="457200"/>
-            <a:r>
-              <a:rPr lang="en-US" sz="2400" dirty="0">
-                <a:latin typeface="Consolas" panose="020B0609020204030204" pitchFamily="49" charset="0"/>
-              </a:rPr>
-              <a:t>    "</a:t>
-            </a:r>
-            <a:r>
-              <a:rPr lang="en-US" sz="2400" dirty="0" err="1">
-                <a:latin typeface="Consolas" panose="020B0609020204030204" pitchFamily="49" charset="0"/>
-              </a:rPr>
-              <a:t>SqlCredential</a:t>
-            </a:r>
-            <a:r>
-              <a:rPr lang="en-US" sz="2400" dirty="0">
-                <a:latin typeface="Consolas" panose="020B0609020204030204" pitchFamily="49" charset="0"/>
-              </a:rPr>
-              <a:t>"=$</a:t>
-            </a:r>
-            <a:r>
-              <a:rPr lang="en-US" sz="2400" dirty="0" err="1">
-                <a:latin typeface="Consolas" panose="020B0609020204030204" pitchFamily="49" charset="0"/>
-              </a:rPr>
-              <a:t>mycred</a:t>
-            </a:r>
-            <a:r>
-              <a:rPr lang="en-US" sz="2400" dirty="0">
-                <a:latin typeface="Consolas" panose="020B0609020204030204" pitchFamily="49" charset="0"/>
-              </a:rPr>
-              <a:t> </a:t>
-            </a:r>
-          </a:p>
-          <a:p>
-            <a:pPr defTabSz="457200"/>
-            <a:r>
-              <a:rPr lang="en-US" sz="2400" dirty="0">
-                <a:latin typeface="Consolas" panose="020B0609020204030204" pitchFamily="49" charset="0"/>
-              </a:rPr>
-              <a:t>    "Tags"="</a:t>
-            </a:r>
-            <a:r>
-              <a:rPr lang="en-US" sz="2400" dirty="0" err="1">
-                <a:latin typeface="Consolas" panose="020B0609020204030204" pitchFamily="49" charset="0"/>
-              </a:rPr>
-              <a:t>InstanceConnection</a:t>
-            </a:r>
-            <a:r>
-              <a:rPr lang="en-US" sz="2400" dirty="0">
-                <a:latin typeface="Consolas" panose="020B0609020204030204" pitchFamily="49" charset="0"/>
-              </a:rPr>
-              <a:t>" </a:t>
-            </a:r>
-          </a:p>
-          <a:p>
-            <a:pPr defTabSz="457200"/>
-            <a:r>
-              <a:rPr lang="en-US" sz="2400" dirty="0">
-                <a:latin typeface="Consolas" panose="020B0609020204030204" pitchFamily="49" charset="0"/>
-              </a:rPr>
-              <a:t>}</a:t>
-            </a:r>
-          </a:p>
-          <a:p>
-            <a:pPr defTabSz="457200"/>
-            <a:r>
-              <a:rPr lang="en-US" sz="2400" dirty="0">
-                <a:latin typeface="Consolas" panose="020B0609020204030204" pitchFamily="49" charset="0"/>
-              </a:rPr>
-              <a:t>Invoke-</a:t>
-            </a:r>
-            <a:r>
-              <a:rPr lang="en-US" sz="2400" dirty="0" err="1">
-                <a:latin typeface="Consolas" panose="020B0609020204030204" pitchFamily="49" charset="0"/>
-              </a:rPr>
-              <a:t>DbcCheck</a:t>
-            </a:r>
-            <a:r>
-              <a:rPr lang="en-US" sz="2400" dirty="0">
-                <a:latin typeface="Consolas" panose="020B0609020204030204" pitchFamily="49" charset="0"/>
-              </a:rPr>
-              <a:t> @Check -</a:t>
-            </a:r>
-            <a:r>
-              <a:rPr lang="en-US" sz="2400" dirty="0" err="1">
-                <a:latin typeface="Consolas" panose="020B0609020204030204" pitchFamily="49" charset="0"/>
-              </a:rPr>
-              <a:t>PassThru</a:t>
-            </a:r>
-            <a:r>
-              <a:rPr lang="en-US" sz="2400" dirty="0">
-                <a:latin typeface="Consolas" panose="020B0609020204030204" pitchFamily="49" charset="0"/>
-              </a:rPr>
-              <a:t> | Update-</a:t>
-            </a:r>
-            <a:r>
-              <a:rPr lang="en-US" sz="2400" dirty="0" err="1">
-                <a:latin typeface="Consolas" panose="020B0609020204030204" pitchFamily="49" charset="0"/>
-              </a:rPr>
-              <a:t>DbcPowerBiDataSource</a:t>
-            </a:r>
-            <a:endParaRPr lang="en-US" sz="2400" dirty="0">
-              <a:latin typeface="Consolas" panose="020B0609020204030204" pitchFamily="49" charset="0"/>
-            </a:endParaRPr>
-          </a:p>
-        </p:txBody>
-      </p:sp>
     </p:spTree>
     <p:extLst>
       <p:ext uri="{BB962C8B-B14F-4D97-AF65-F5344CB8AC3E}">
-        <p14:creationId xmlns:p14="http://schemas.microsoft.com/office/powerpoint/2010/main" val="356108062"/>
+        <p14:creationId xmlns:p14="http://schemas.microsoft.com/office/powerpoint/2010/main" val="1560803156"/>
       </p:ext>
     </p:extLst>
   </p:cSld>
@@ -32755,6 +32734,1689 @@
 </file>
 
 <file path=ppt/slides/slide32.xml><?xml version="1.0" encoding="utf-8"?>
+<p:sld xmlns:a="http://schemas.openxmlformats.org/drawingml/2006/main" xmlns:r="http://schemas.openxmlformats.org/officeDocument/2006/relationships" xmlns:p="http://schemas.openxmlformats.org/presentationml/2006/main">
+  <p:cSld>
+    <p:spTree>
+      <p:nvGrpSpPr>
+        <p:cNvPr id="1" name=""/>
+        <p:cNvGrpSpPr/>
+        <p:nvPr/>
+      </p:nvGrpSpPr>
+      <p:grpSpPr>
+        <a:xfrm>
+          <a:off x="0" y="0"/>
+          <a:ext cx="0" cy="0"/>
+          <a:chOff x="0" y="0"/>
+          <a:chExt cx="0" cy="0"/>
+        </a:xfrm>
+      </p:grpSpPr>
+      <p:sp>
+        <p:nvSpPr>
+          <p:cNvPr id="2" name="Title 1">
+            <a:extLst>
+              <a:ext uri="{FF2B5EF4-FFF2-40B4-BE49-F238E27FC236}">
+                <a16:creationId xmlns:a16="http://schemas.microsoft.com/office/drawing/2014/main" id="{27A67401-095E-455F-93EC-A1639DBA9B30}"/>
+              </a:ext>
+            </a:extLst>
+          </p:cNvPr>
+          <p:cNvSpPr>
+            <a:spLocks noGrp="1"/>
+          </p:cNvSpPr>
+          <p:nvPr>
+            <p:ph type="title"/>
+          </p:nvPr>
+        </p:nvSpPr>
+        <p:spPr>
+          <a:xfrm>
+            <a:off x="838200" y="365126"/>
+            <a:ext cx="10515600" cy="767388"/>
+          </a:xfrm>
+        </p:spPr>
+        <p:txBody>
+          <a:bodyPr>
+            <a:normAutofit/>
+          </a:bodyPr>
+          <a:lstStyle/>
+          <a:p>
+            <a:r>
+              <a:rPr lang="en-US" dirty="0"/>
+              <a:t>Powershell Commands to Do Things</a:t>
+            </a:r>
+          </a:p>
+        </p:txBody>
+      </p:sp>
+      <p:sp>
+        <p:nvSpPr>
+          <p:cNvPr id="3" name="Rectangle 2">
+            <a:extLst>
+              <a:ext uri="{FF2B5EF4-FFF2-40B4-BE49-F238E27FC236}">
+                <a16:creationId xmlns:a16="http://schemas.microsoft.com/office/drawing/2014/main" id="{17A3620F-72A6-49A3-89E3-ACF02A67CE09}"/>
+              </a:ext>
+            </a:extLst>
+          </p:cNvPr>
+          <p:cNvSpPr/>
+          <p:nvPr/>
+        </p:nvSpPr>
+        <p:spPr>
+          <a:xfrm>
+            <a:off x="838199" y="1645920"/>
+            <a:ext cx="10515785" cy="2246769"/>
+          </a:xfrm>
+          <a:prstGeom prst="rect">
+            <a:avLst/>
+          </a:prstGeom>
+        </p:spPr>
+        <p:txBody>
+          <a:bodyPr wrap="square">
+            <a:spAutoFit/>
+          </a:bodyPr>
+          <a:lstStyle/>
+          <a:p>
+            <a:pPr marL="342900" indent="-342900">
+              <a:buFont typeface="Wingdings" panose="05000000000000000000" pitchFamily="2" charset="2"/>
+              <a:buChar char="Ø"/>
+            </a:pPr>
+            <a:r>
+              <a:rPr lang="en-US" sz="2000" b="0" dirty="0">
+                <a:solidFill>
+                  <a:srgbClr val="FF0000"/>
+                </a:solidFill>
+                <a:effectLst/>
+                <a:latin typeface="Consolas" panose="020B0609020204030204" pitchFamily="49" charset="0"/>
+              </a:rPr>
+              <a:t>Invoke-</a:t>
+            </a:r>
+            <a:r>
+              <a:rPr lang="en-US" sz="2000" b="0" dirty="0" err="1">
+                <a:solidFill>
+                  <a:srgbClr val="FF0000"/>
+                </a:solidFill>
+                <a:effectLst/>
+                <a:latin typeface="Consolas" panose="020B0609020204030204" pitchFamily="49" charset="0"/>
+              </a:rPr>
+              <a:t>Sqlcmd</a:t>
+            </a:r>
+            <a:r>
+              <a:rPr lang="en-US" sz="2000" b="0" dirty="0">
+                <a:effectLst/>
+                <a:latin typeface="Consolas" panose="020B0609020204030204" pitchFamily="49" charset="0"/>
+              </a:rPr>
+              <a:t> </a:t>
+            </a:r>
+            <a:r>
+              <a:rPr lang="en-US" sz="2000" b="0" dirty="0">
+                <a:solidFill>
+                  <a:srgbClr val="FF0000"/>
+                </a:solidFill>
+                <a:effectLst/>
+                <a:latin typeface="Consolas" panose="020B0609020204030204" pitchFamily="49" charset="0"/>
+              </a:rPr>
+              <a:t>-</a:t>
+            </a:r>
+            <a:r>
+              <a:rPr lang="en-US" sz="2000" b="0" dirty="0" err="1">
+                <a:solidFill>
+                  <a:srgbClr val="FF0000"/>
+                </a:solidFill>
+                <a:effectLst/>
+                <a:latin typeface="Consolas" panose="020B0609020204030204" pitchFamily="49" charset="0"/>
+              </a:rPr>
+              <a:t>ServerInstance</a:t>
+            </a:r>
+            <a:r>
+              <a:rPr lang="en-US" sz="2000" b="0" dirty="0">
+                <a:solidFill>
+                  <a:srgbClr val="FF0000"/>
+                </a:solidFill>
+                <a:effectLst/>
+                <a:latin typeface="Consolas" panose="020B0609020204030204" pitchFamily="49" charset="0"/>
+              </a:rPr>
+              <a:t> </a:t>
+            </a:r>
+            <a:r>
+              <a:rPr lang="en-US" sz="2000" b="0" dirty="0">
+                <a:effectLst/>
+                <a:latin typeface="Consolas" panose="020B0609020204030204" pitchFamily="49" charset="0"/>
+              </a:rPr>
+              <a:t>localhost </a:t>
+            </a:r>
+            <a:r>
+              <a:rPr lang="en-US" sz="2000" b="0" dirty="0">
+                <a:solidFill>
+                  <a:srgbClr val="FF0000"/>
+                </a:solidFill>
+                <a:effectLst/>
+                <a:latin typeface="Consolas" panose="020B0609020204030204" pitchFamily="49" charset="0"/>
+              </a:rPr>
+              <a:t>-Username </a:t>
+            </a:r>
+            <a:r>
+              <a:rPr lang="en-US" sz="2000" b="0" dirty="0" err="1">
+                <a:effectLst/>
+                <a:latin typeface="Consolas" panose="020B0609020204030204" pitchFamily="49" charset="0"/>
+              </a:rPr>
+              <a:t>sa</a:t>
+            </a:r>
+            <a:r>
+              <a:rPr lang="en-US" sz="2000" b="0" dirty="0">
+                <a:effectLst/>
+                <a:latin typeface="Consolas" panose="020B0609020204030204" pitchFamily="49" charset="0"/>
+              </a:rPr>
+              <a:t> </a:t>
+            </a:r>
+            <a:r>
+              <a:rPr lang="en-US" sz="2000" b="0" dirty="0">
+                <a:solidFill>
+                  <a:srgbClr val="FF0000"/>
+                </a:solidFill>
+                <a:effectLst/>
+                <a:latin typeface="Consolas" panose="020B0609020204030204" pitchFamily="49" charset="0"/>
+              </a:rPr>
+              <a:t>-Password </a:t>
+            </a:r>
+            <a:r>
+              <a:rPr lang="en-US" sz="2000" b="0" dirty="0">
+                <a:effectLst/>
+                <a:latin typeface="Consolas" panose="020B0609020204030204" pitchFamily="49" charset="0"/>
+              </a:rPr>
+              <a:t>$password </a:t>
+            </a:r>
+            <a:r>
+              <a:rPr lang="en-US" sz="2000" b="0" dirty="0">
+                <a:solidFill>
+                  <a:srgbClr val="FF0000"/>
+                </a:solidFill>
+                <a:effectLst/>
+                <a:latin typeface="Consolas" panose="020B0609020204030204" pitchFamily="49" charset="0"/>
+              </a:rPr>
+              <a:t>-Query </a:t>
+            </a:r>
+            <a:r>
+              <a:rPr lang="en-US" sz="2000" b="0" dirty="0">
+                <a:effectLst/>
+                <a:latin typeface="Consolas" panose="020B0609020204030204" pitchFamily="49" charset="0"/>
+              </a:rPr>
+              <a:t>"SELECT @@ServerName as </a:t>
+            </a:r>
+            <a:r>
+              <a:rPr lang="en-US" sz="2000" b="0" dirty="0" err="1">
+                <a:effectLst/>
+                <a:latin typeface="Consolas" panose="020B0609020204030204" pitchFamily="49" charset="0"/>
+              </a:rPr>
+              <a:t>ServerName</a:t>
+            </a:r>
+            <a:r>
+              <a:rPr lang="en-US" sz="2000" b="0" dirty="0">
+                <a:effectLst/>
+                <a:latin typeface="Consolas" panose="020B0609020204030204" pitchFamily="49" charset="0"/>
+              </a:rPr>
+              <a:t>“</a:t>
+            </a:r>
+          </a:p>
+          <a:p>
+            <a:pPr marL="342900" indent="-342900">
+              <a:buFont typeface="Wingdings" panose="05000000000000000000" pitchFamily="2" charset="2"/>
+              <a:buChar char="Ø"/>
+            </a:pPr>
+            <a:endParaRPr lang="en-US" sz="2000" b="0" dirty="0">
+              <a:solidFill>
+                <a:srgbClr val="FF0000"/>
+              </a:solidFill>
+              <a:effectLst/>
+              <a:latin typeface="Consolas" panose="020B0609020204030204" pitchFamily="49" charset="0"/>
+            </a:endParaRPr>
+          </a:p>
+          <a:p>
+            <a:pPr marL="342900" indent="-342900">
+              <a:buFont typeface="Wingdings" panose="05000000000000000000" pitchFamily="2" charset="2"/>
+              <a:buChar char="Ø"/>
+            </a:pPr>
+            <a:r>
+              <a:rPr lang="en-US" sz="2000" b="0" dirty="0">
+                <a:solidFill>
+                  <a:srgbClr val="FF0000"/>
+                </a:solidFill>
+                <a:effectLst/>
+                <a:latin typeface="Consolas" panose="020B0609020204030204" pitchFamily="49" charset="0"/>
+              </a:rPr>
+              <a:t>Restore-</a:t>
+            </a:r>
+            <a:r>
+              <a:rPr lang="en-US" sz="2000" b="0" dirty="0" err="1">
+                <a:solidFill>
+                  <a:srgbClr val="FF0000"/>
+                </a:solidFill>
+                <a:effectLst/>
+                <a:latin typeface="Consolas" panose="020B0609020204030204" pitchFamily="49" charset="0"/>
+              </a:rPr>
+              <a:t>DbaDatabase</a:t>
+            </a:r>
+            <a:r>
+              <a:rPr lang="en-US" sz="2000" b="0" dirty="0">
+                <a:solidFill>
+                  <a:srgbClr val="FF0000"/>
+                </a:solidFill>
+                <a:effectLst/>
+                <a:latin typeface="Consolas" panose="020B0609020204030204" pitchFamily="49" charset="0"/>
+              </a:rPr>
+              <a:t> -</a:t>
+            </a:r>
+            <a:r>
+              <a:rPr lang="en-US" sz="2000" b="0" dirty="0" err="1">
+                <a:solidFill>
+                  <a:srgbClr val="FF0000"/>
+                </a:solidFill>
+                <a:effectLst/>
+                <a:latin typeface="Consolas" panose="020B0609020204030204" pitchFamily="49" charset="0"/>
+              </a:rPr>
+              <a:t>SqlInstance</a:t>
+            </a:r>
+            <a:r>
+              <a:rPr lang="en-US" sz="2000" b="0" dirty="0">
+                <a:solidFill>
+                  <a:srgbClr val="FF0000"/>
+                </a:solidFill>
+                <a:effectLst/>
+                <a:latin typeface="Consolas" panose="020B0609020204030204" pitchFamily="49" charset="0"/>
+              </a:rPr>
+              <a:t> </a:t>
+            </a:r>
+            <a:r>
+              <a:rPr lang="en-US" sz="2000" b="0" dirty="0">
+                <a:effectLst/>
+                <a:latin typeface="Consolas" panose="020B0609020204030204" pitchFamily="49" charset="0"/>
+              </a:rPr>
+              <a:t>localhost </a:t>
+            </a:r>
+            <a:r>
+              <a:rPr lang="en-US" sz="2000" b="0" dirty="0">
+                <a:solidFill>
+                  <a:srgbClr val="FF0000"/>
+                </a:solidFill>
+                <a:effectLst/>
+                <a:latin typeface="Consolas" panose="020B0609020204030204" pitchFamily="49" charset="0"/>
+              </a:rPr>
+              <a:t>-</a:t>
+            </a:r>
+            <a:r>
+              <a:rPr lang="en-US" sz="2000" b="0" dirty="0" err="1">
+                <a:solidFill>
+                  <a:srgbClr val="FF0000"/>
+                </a:solidFill>
+                <a:effectLst/>
+                <a:latin typeface="Consolas" panose="020B0609020204030204" pitchFamily="49" charset="0"/>
+              </a:rPr>
+              <a:t>SqlCredential</a:t>
+            </a:r>
+            <a:r>
+              <a:rPr lang="en-US" sz="2000" b="0" dirty="0">
+                <a:solidFill>
+                  <a:srgbClr val="FF0000"/>
+                </a:solidFill>
+                <a:effectLst/>
+                <a:latin typeface="Consolas" panose="020B0609020204030204" pitchFamily="49" charset="0"/>
+              </a:rPr>
+              <a:t> </a:t>
+            </a:r>
+            <a:r>
+              <a:rPr lang="en-US" sz="2000" b="0" dirty="0">
+                <a:solidFill>
+                  <a:schemeClr val="accent6"/>
+                </a:solidFill>
+                <a:effectLst/>
+                <a:latin typeface="Consolas" panose="020B0609020204030204" pitchFamily="49" charset="0"/>
+              </a:rPr>
+              <a:t>$</a:t>
+            </a:r>
+            <a:r>
+              <a:rPr lang="en-US" sz="2000" b="0" dirty="0" err="1">
+                <a:solidFill>
+                  <a:schemeClr val="accent6"/>
+                </a:solidFill>
+                <a:effectLst/>
+                <a:latin typeface="Consolas" panose="020B0609020204030204" pitchFamily="49" charset="0"/>
+              </a:rPr>
+              <a:t>mycred</a:t>
+            </a:r>
+            <a:r>
+              <a:rPr lang="en-US" sz="2000" b="0" dirty="0">
+                <a:solidFill>
+                  <a:schemeClr val="accent6"/>
+                </a:solidFill>
+                <a:effectLst/>
+                <a:latin typeface="Consolas" panose="020B0609020204030204" pitchFamily="49" charset="0"/>
+              </a:rPr>
+              <a:t> </a:t>
+            </a:r>
+            <a:r>
+              <a:rPr lang="en-US" sz="2000" b="0" dirty="0">
+                <a:solidFill>
+                  <a:srgbClr val="FF0000"/>
+                </a:solidFill>
+                <a:effectLst/>
+                <a:latin typeface="Consolas" panose="020B0609020204030204" pitchFamily="49" charset="0"/>
+              </a:rPr>
+              <a:t>-Path </a:t>
+            </a:r>
+            <a:r>
+              <a:rPr lang="en-US" sz="2000" b="0" dirty="0">
+                <a:effectLst/>
+                <a:latin typeface="Consolas" panose="020B0609020204030204" pitchFamily="49" charset="0"/>
+              </a:rPr>
+              <a:t>/var/opt/</a:t>
+            </a:r>
+            <a:r>
+              <a:rPr lang="en-US" sz="2000" b="0" dirty="0" err="1">
+                <a:effectLst/>
+                <a:latin typeface="Consolas" panose="020B0609020204030204" pitchFamily="49" charset="0"/>
+              </a:rPr>
+              <a:t>mssql</a:t>
+            </a:r>
+            <a:r>
+              <a:rPr lang="en-US" sz="2000" b="0" dirty="0">
+                <a:effectLst/>
+                <a:latin typeface="Consolas" panose="020B0609020204030204" pitchFamily="49" charset="0"/>
+              </a:rPr>
+              <a:t>/backup/</a:t>
+            </a:r>
+            <a:r>
+              <a:rPr lang="en-US" sz="2000" b="0" dirty="0" err="1">
+                <a:effectLst/>
+                <a:latin typeface="Consolas" panose="020B0609020204030204" pitchFamily="49" charset="0"/>
+              </a:rPr>
+              <a:t>WideWorldImporters-Full.bak</a:t>
+            </a:r>
+            <a:r>
+              <a:rPr lang="en-US" sz="2000" b="0" dirty="0">
+                <a:effectLst/>
+                <a:latin typeface="Consolas" panose="020B0609020204030204" pitchFamily="49" charset="0"/>
+              </a:rPr>
+              <a:t> </a:t>
+            </a:r>
+            <a:r>
+              <a:rPr lang="en-US" sz="2000" b="0" dirty="0">
+                <a:solidFill>
+                  <a:srgbClr val="FF0000"/>
+                </a:solidFill>
+                <a:effectLst/>
+                <a:latin typeface="Consolas" panose="020B0609020204030204" pitchFamily="49" charset="0"/>
+              </a:rPr>
+              <a:t>-</a:t>
+            </a:r>
+            <a:r>
+              <a:rPr lang="en-US" sz="2000" b="0" dirty="0" err="1">
+                <a:solidFill>
+                  <a:srgbClr val="FF0000"/>
+                </a:solidFill>
+                <a:effectLst/>
+                <a:latin typeface="Consolas" panose="020B0609020204030204" pitchFamily="49" charset="0"/>
+              </a:rPr>
+              <a:t>DatabaseName</a:t>
+            </a:r>
+            <a:r>
+              <a:rPr lang="en-US" sz="2000" b="0" dirty="0">
+                <a:solidFill>
+                  <a:srgbClr val="FF0000"/>
+                </a:solidFill>
+                <a:effectLst/>
+                <a:latin typeface="Consolas" panose="020B0609020204030204" pitchFamily="49" charset="0"/>
+              </a:rPr>
+              <a:t> </a:t>
+            </a:r>
+            <a:r>
+              <a:rPr lang="en-US" sz="2000" b="0" dirty="0">
+                <a:effectLst/>
+                <a:latin typeface="Consolas" panose="020B0609020204030204" pitchFamily="49" charset="0"/>
+              </a:rPr>
+              <a:t>WWI</a:t>
+            </a:r>
+          </a:p>
+          <a:p>
+            <a:endParaRPr lang="en-US" sz="2000" b="0" dirty="0">
+              <a:effectLst/>
+              <a:latin typeface="Consolas" panose="020B0609020204030204" pitchFamily="49" charset="0"/>
+            </a:endParaRPr>
+          </a:p>
+          <a:p>
+            <a:pPr marL="342900" indent="-342900">
+              <a:buFont typeface="Wingdings" panose="05000000000000000000" pitchFamily="2" charset="2"/>
+              <a:buChar char="Ø"/>
+            </a:pPr>
+            <a:endParaRPr lang="en-US" sz="2000" b="0" dirty="0">
+              <a:effectLst/>
+              <a:latin typeface="Consolas" panose="020B0609020204030204" pitchFamily="49" charset="0"/>
+            </a:endParaRPr>
+          </a:p>
+        </p:txBody>
+      </p:sp>
+      <p:cxnSp>
+        <p:nvCxnSpPr>
+          <p:cNvPr id="4" name="Straight Connector 3">
+            <a:extLst>
+              <a:ext uri="{FF2B5EF4-FFF2-40B4-BE49-F238E27FC236}">
+                <a16:creationId xmlns:a16="http://schemas.microsoft.com/office/drawing/2014/main" id="{DE5AE2E5-AD0E-49F9-B10F-CBF12A7970EB}"/>
+              </a:ext>
+            </a:extLst>
+          </p:cNvPr>
+          <p:cNvCxnSpPr>
+            <a:cxnSpLocks/>
+          </p:cNvCxnSpPr>
+          <p:nvPr/>
+        </p:nvCxnSpPr>
+        <p:spPr>
+          <a:xfrm>
+            <a:off x="838200" y="1015068"/>
+            <a:ext cx="10515600" cy="0"/>
+          </a:xfrm>
+          <a:prstGeom prst="line">
+            <a:avLst/>
+          </a:prstGeom>
+          <a:ln w="12700"/>
+        </p:spPr>
+        <p:style>
+          <a:lnRef idx="1">
+            <a:schemeClr val="dk1"/>
+          </a:lnRef>
+          <a:fillRef idx="0">
+            <a:schemeClr val="dk1"/>
+          </a:fillRef>
+          <a:effectRef idx="0">
+            <a:schemeClr val="dk1"/>
+          </a:effectRef>
+          <a:fontRef idx="minor">
+            <a:schemeClr val="tx1"/>
+          </a:fontRef>
+        </p:style>
+      </p:cxnSp>
+    </p:spTree>
+    <p:extLst>
+      <p:ext uri="{BB962C8B-B14F-4D97-AF65-F5344CB8AC3E}">
+        <p14:creationId xmlns:p14="http://schemas.microsoft.com/office/powerpoint/2010/main" val="2916639046"/>
+      </p:ext>
+    </p:extLst>
+  </p:cSld>
+  <p:clrMapOvr>
+    <a:masterClrMapping/>
+  </p:clrMapOvr>
+</p:sld>
+</file>
+
+<file path=ppt/slides/slide33.xml><?xml version="1.0" encoding="utf-8"?>
+<p:sld xmlns:a="http://schemas.openxmlformats.org/drawingml/2006/main" xmlns:r="http://schemas.openxmlformats.org/officeDocument/2006/relationships" xmlns:p="http://schemas.openxmlformats.org/presentationml/2006/main">
+  <p:cSld>
+    <p:spTree>
+      <p:nvGrpSpPr>
+        <p:cNvPr id="1" name=""/>
+        <p:cNvGrpSpPr/>
+        <p:nvPr/>
+      </p:nvGrpSpPr>
+      <p:grpSpPr>
+        <a:xfrm>
+          <a:off x="0" y="0"/>
+          <a:ext cx="0" cy="0"/>
+          <a:chOff x="0" y="0"/>
+          <a:chExt cx="0" cy="0"/>
+        </a:xfrm>
+      </p:grpSpPr>
+      <p:sp>
+        <p:nvSpPr>
+          <p:cNvPr id="2" name="Title 1">
+            <a:extLst>
+              <a:ext uri="{FF2B5EF4-FFF2-40B4-BE49-F238E27FC236}">
+                <a16:creationId xmlns:a16="http://schemas.microsoft.com/office/drawing/2014/main" id="{A95E5599-0966-4198-BE1F-571420A2A29F}"/>
+              </a:ext>
+            </a:extLst>
+          </p:cNvPr>
+          <p:cNvSpPr>
+            <a:spLocks noGrp="1"/>
+          </p:cNvSpPr>
+          <p:nvPr>
+            <p:ph type="title"/>
+          </p:nvPr>
+        </p:nvSpPr>
+        <p:spPr/>
+        <p:txBody>
+          <a:bodyPr/>
+          <a:lstStyle/>
+          <a:p>
+            <a:r>
+              <a:rPr lang="en-US" dirty="0"/>
+              <a:t>Create Container and restore DB</a:t>
+            </a:r>
+          </a:p>
+        </p:txBody>
+      </p:sp>
+      <p:sp>
+        <p:nvSpPr>
+          <p:cNvPr id="3" name="Content Placeholder 2">
+            <a:extLst>
+              <a:ext uri="{FF2B5EF4-FFF2-40B4-BE49-F238E27FC236}">
+                <a16:creationId xmlns:a16="http://schemas.microsoft.com/office/drawing/2014/main" id="{68AB9713-DA56-4099-830B-EE8491EBC97C}"/>
+              </a:ext>
+            </a:extLst>
+          </p:cNvPr>
+          <p:cNvSpPr>
+            <a:spLocks noGrp="1"/>
+          </p:cNvSpPr>
+          <p:nvPr>
+            <p:ph sz="half" idx="1"/>
+          </p:nvPr>
+        </p:nvSpPr>
+        <p:spPr>
+          <a:xfrm>
+            <a:off x="427839" y="1825625"/>
+            <a:ext cx="5838737" cy="3906435"/>
+          </a:xfrm>
+        </p:spPr>
+        <p:txBody>
+          <a:bodyPr>
+            <a:normAutofit fontScale="62500" lnSpcReduction="20000"/>
+          </a:bodyPr>
+          <a:lstStyle/>
+          <a:p>
+            <a:pPr marL="0" indent="0">
+              <a:buNone/>
+            </a:pPr>
+            <a:r>
+              <a:rPr lang="en-US" b="0" dirty="0">
+                <a:solidFill>
+                  <a:srgbClr val="FF0000"/>
+                </a:solidFill>
+                <a:effectLst/>
+                <a:latin typeface="Consolas" panose="020B0609020204030204" pitchFamily="49" charset="0"/>
+              </a:rPr>
+              <a:t>docker run</a:t>
+            </a:r>
+            <a:r>
+              <a:rPr lang="en-US" b="0" dirty="0">
+                <a:effectLst/>
+                <a:latin typeface="Consolas" panose="020B0609020204030204" pitchFamily="49" charset="0"/>
+              </a:rPr>
+              <a:t> -d `</a:t>
+            </a:r>
+          </a:p>
+          <a:p>
+            <a:pPr marL="0" indent="0">
+              <a:buNone/>
+            </a:pPr>
+            <a:r>
+              <a:rPr lang="en-US" b="0" dirty="0">
+                <a:effectLst/>
+                <a:latin typeface="Consolas" panose="020B0609020204030204" pitchFamily="49" charset="0"/>
+              </a:rPr>
+              <a:t> -p </a:t>
+            </a:r>
+            <a:r>
+              <a:rPr lang="en-US" b="0" dirty="0">
+                <a:solidFill>
+                  <a:schemeClr val="accent1"/>
+                </a:solidFill>
+                <a:effectLst/>
+                <a:latin typeface="Consolas" panose="020B0609020204030204" pitchFamily="49" charset="0"/>
+              </a:rPr>
+              <a:t>1433:1433</a:t>
+            </a:r>
+            <a:r>
+              <a:rPr lang="en-US" b="0" dirty="0">
+                <a:effectLst/>
+                <a:latin typeface="Consolas" panose="020B0609020204030204" pitchFamily="49" charset="0"/>
+              </a:rPr>
+              <a:t> `</a:t>
+            </a:r>
+          </a:p>
+          <a:p>
+            <a:pPr marL="0" indent="0">
+              <a:buNone/>
+            </a:pPr>
+            <a:r>
+              <a:rPr lang="en-US" b="0" dirty="0">
+                <a:effectLst/>
+                <a:latin typeface="Consolas" panose="020B0609020204030204" pitchFamily="49" charset="0"/>
+              </a:rPr>
+              <a:t> --name </a:t>
+            </a:r>
+            <a:r>
+              <a:rPr lang="en-US" b="0" dirty="0" err="1">
+                <a:solidFill>
+                  <a:schemeClr val="accent1"/>
+                </a:solidFill>
+                <a:effectLst/>
+                <a:latin typeface="Consolas" panose="020B0609020204030204" pitchFamily="49" charset="0"/>
+              </a:rPr>
+              <a:t>aw_preprod</a:t>
+            </a:r>
+            <a:r>
+              <a:rPr lang="en-US" b="0" dirty="0">
+                <a:effectLst/>
+                <a:latin typeface="Consolas" panose="020B0609020204030204" pitchFamily="49" charset="0"/>
+              </a:rPr>
+              <a:t> `</a:t>
+            </a:r>
+          </a:p>
+          <a:p>
+            <a:pPr marL="0" indent="0">
+              <a:buNone/>
+            </a:pPr>
+            <a:r>
+              <a:rPr lang="en-US" b="0" dirty="0">
+                <a:effectLst/>
+                <a:latin typeface="Consolas" panose="020B0609020204030204" pitchFamily="49" charset="0"/>
+              </a:rPr>
+              <a:t> --hostname </a:t>
+            </a:r>
+            <a:r>
+              <a:rPr lang="en-US" b="0" dirty="0" err="1">
+                <a:solidFill>
+                  <a:schemeClr val="accent1"/>
+                </a:solidFill>
+                <a:effectLst/>
+                <a:latin typeface="Consolas" panose="020B0609020204030204" pitchFamily="49" charset="0"/>
+              </a:rPr>
+              <a:t>aw_preprod</a:t>
+            </a:r>
+            <a:r>
+              <a:rPr lang="en-US" b="0" dirty="0">
+                <a:effectLst/>
+                <a:latin typeface="Consolas" panose="020B0609020204030204" pitchFamily="49" charset="0"/>
+              </a:rPr>
+              <a:t> `</a:t>
+            </a:r>
+          </a:p>
+          <a:p>
+            <a:pPr marL="0" indent="0">
+              <a:buNone/>
+            </a:pPr>
+            <a:r>
+              <a:rPr lang="en-US" b="0" dirty="0">
+                <a:effectLst/>
+                <a:latin typeface="Consolas" panose="020B0609020204030204" pitchFamily="49" charset="0"/>
+              </a:rPr>
+              <a:t> -e SA_PASSWORD=</a:t>
+            </a:r>
+            <a:r>
+              <a:rPr lang="en-US" b="0" dirty="0">
+                <a:solidFill>
+                  <a:schemeClr val="accent6"/>
+                </a:solidFill>
+                <a:effectLst/>
+                <a:latin typeface="Consolas" panose="020B0609020204030204" pitchFamily="49" charset="0"/>
+              </a:rPr>
+              <a:t>$Password</a:t>
+            </a:r>
+            <a:r>
+              <a:rPr lang="en-US" b="0" dirty="0">
+                <a:effectLst/>
+                <a:latin typeface="Consolas" panose="020B0609020204030204" pitchFamily="49" charset="0"/>
+              </a:rPr>
+              <a:t> `</a:t>
+            </a:r>
+          </a:p>
+          <a:p>
+            <a:pPr marL="0" indent="0">
+              <a:buNone/>
+            </a:pPr>
+            <a:r>
+              <a:rPr lang="en-US" b="0" dirty="0">
+                <a:effectLst/>
+                <a:latin typeface="Consolas" panose="020B0609020204030204" pitchFamily="49" charset="0"/>
+              </a:rPr>
+              <a:t> -e ACCEPT_EULA=</a:t>
+            </a:r>
+            <a:r>
+              <a:rPr lang="en-US" b="0" dirty="0">
+                <a:solidFill>
+                  <a:schemeClr val="accent1"/>
+                </a:solidFill>
+                <a:effectLst/>
+                <a:latin typeface="Consolas" panose="020B0609020204030204" pitchFamily="49" charset="0"/>
+              </a:rPr>
+              <a:t>Y</a:t>
+            </a:r>
+            <a:r>
+              <a:rPr lang="en-US" b="0" dirty="0">
+                <a:effectLst/>
+                <a:latin typeface="Consolas" panose="020B0609020204030204" pitchFamily="49" charset="0"/>
+              </a:rPr>
+              <a:t> `</a:t>
+            </a:r>
+          </a:p>
+          <a:p>
+            <a:pPr marL="0" indent="0">
+              <a:buNone/>
+            </a:pPr>
+            <a:r>
+              <a:rPr lang="en-US" b="0" dirty="0">
+                <a:effectLst/>
+                <a:latin typeface="Consolas" panose="020B0609020204030204" pitchFamily="49" charset="0"/>
+              </a:rPr>
+              <a:t> -v </a:t>
+            </a:r>
+            <a:r>
+              <a:rPr lang="en-US" b="0" dirty="0" err="1">
+                <a:solidFill>
+                  <a:schemeClr val="accent1"/>
+                </a:solidFill>
+                <a:effectLst/>
+                <a:latin typeface="Consolas" panose="020B0609020204030204" pitchFamily="49" charset="0"/>
+              </a:rPr>
+              <a:t>aw_preprod_backup</a:t>
+            </a:r>
+            <a:r>
+              <a:rPr lang="en-US" b="0" dirty="0">
+                <a:solidFill>
+                  <a:schemeClr val="accent2">
+                    <a:lumMod val="75000"/>
+                  </a:schemeClr>
+                </a:solidFill>
+                <a:effectLst/>
+                <a:latin typeface="Consolas" panose="020B0609020204030204" pitchFamily="49" charset="0"/>
+              </a:rPr>
+              <a:t>:</a:t>
+            </a:r>
+            <a:r>
+              <a:rPr lang="en-US" b="0" dirty="0">
+                <a:solidFill>
+                  <a:schemeClr val="accent2"/>
+                </a:solidFill>
+                <a:effectLst/>
+                <a:latin typeface="Consolas" panose="020B0609020204030204" pitchFamily="49" charset="0"/>
+              </a:rPr>
+              <a:t>/var/opt/</a:t>
+            </a:r>
+            <a:r>
+              <a:rPr lang="en-US" b="0" dirty="0" err="1">
+                <a:solidFill>
+                  <a:schemeClr val="accent2"/>
+                </a:solidFill>
+                <a:effectLst/>
+                <a:latin typeface="Consolas" panose="020B0609020204030204" pitchFamily="49" charset="0"/>
+              </a:rPr>
+              <a:t>mssql</a:t>
+            </a:r>
+            <a:r>
+              <a:rPr lang="en-US" b="0" dirty="0">
+                <a:solidFill>
+                  <a:schemeClr val="accent2"/>
+                </a:solidFill>
+                <a:effectLst/>
+                <a:latin typeface="Consolas" panose="020B0609020204030204" pitchFamily="49" charset="0"/>
+              </a:rPr>
+              <a:t>/backup</a:t>
+            </a:r>
+            <a:r>
+              <a:rPr lang="en-US" b="0" dirty="0">
+                <a:effectLst/>
+                <a:latin typeface="Consolas" panose="020B0609020204030204" pitchFamily="49" charset="0"/>
+              </a:rPr>
+              <a:t> `</a:t>
+            </a:r>
+          </a:p>
+          <a:p>
+            <a:pPr marL="0" indent="0">
+              <a:buNone/>
+            </a:pPr>
+            <a:r>
+              <a:rPr lang="en-US" b="0" dirty="0">
+                <a:effectLst/>
+                <a:latin typeface="Consolas" panose="020B0609020204030204" pitchFamily="49" charset="0"/>
+              </a:rPr>
+              <a:t> --rm `</a:t>
+            </a:r>
+          </a:p>
+          <a:p>
+            <a:pPr marL="0" indent="0">
+              <a:buNone/>
+            </a:pPr>
+            <a:r>
+              <a:rPr lang="en-US" b="0" dirty="0">
+                <a:effectLst/>
+                <a:latin typeface="Consolas" panose="020B0609020204030204" pitchFamily="49" charset="0"/>
+              </a:rPr>
+              <a:t> mcr.microsoft.com/</a:t>
+            </a:r>
+            <a:r>
+              <a:rPr lang="en-US" b="0" dirty="0" err="1">
+                <a:effectLst/>
+                <a:latin typeface="Consolas" panose="020B0609020204030204" pitchFamily="49" charset="0"/>
+              </a:rPr>
+              <a:t>mssql</a:t>
+            </a:r>
+            <a:r>
+              <a:rPr lang="en-US" b="0" dirty="0">
+                <a:effectLst/>
+                <a:latin typeface="Consolas" panose="020B0609020204030204" pitchFamily="49" charset="0"/>
+              </a:rPr>
+              <a:t>/server</a:t>
+            </a:r>
+          </a:p>
+        </p:txBody>
+      </p:sp>
+      <p:sp>
+        <p:nvSpPr>
+          <p:cNvPr id="4" name="Content Placeholder 3">
+            <a:extLst>
+              <a:ext uri="{FF2B5EF4-FFF2-40B4-BE49-F238E27FC236}">
+                <a16:creationId xmlns:a16="http://schemas.microsoft.com/office/drawing/2014/main" id="{BCD04C3A-4473-4484-AD64-0ADD5D127FBC}"/>
+              </a:ext>
+            </a:extLst>
+          </p:cNvPr>
+          <p:cNvSpPr>
+            <a:spLocks noGrp="1"/>
+          </p:cNvSpPr>
+          <p:nvPr>
+            <p:ph sz="half" idx="2"/>
+          </p:nvPr>
+        </p:nvSpPr>
+        <p:spPr>
+          <a:xfrm>
+            <a:off x="6266576" y="1825625"/>
+            <a:ext cx="5380839" cy="3906435"/>
+          </a:xfrm>
+        </p:spPr>
+        <p:txBody>
+          <a:bodyPr>
+            <a:normAutofit fontScale="62500" lnSpcReduction="20000"/>
+          </a:bodyPr>
+          <a:lstStyle/>
+          <a:p>
+            <a:pPr marL="0" indent="0">
+              <a:buNone/>
+            </a:pPr>
+            <a:r>
+              <a:rPr lang="en-US" b="0" dirty="0">
+                <a:solidFill>
+                  <a:srgbClr val="FF0000"/>
+                </a:solidFill>
+                <a:effectLst/>
+                <a:latin typeface="Consolas" panose="020B0609020204030204" pitchFamily="49" charset="0"/>
+              </a:rPr>
+              <a:t>docker exec</a:t>
+            </a:r>
+            <a:r>
+              <a:rPr lang="en-US" b="0" dirty="0">
+                <a:effectLst/>
+                <a:latin typeface="Consolas" panose="020B0609020204030204" pitchFamily="49" charset="0"/>
+              </a:rPr>
+              <a:t> -it </a:t>
+            </a:r>
+            <a:r>
+              <a:rPr lang="en-US" b="0" dirty="0" err="1">
+                <a:solidFill>
+                  <a:schemeClr val="accent1"/>
+                </a:solidFill>
+                <a:effectLst/>
+                <a:latin typeface="Consolas" panose="020B0609020204030204" pitchFamily="49" charset="0"/>
+              </a:rPr>
+              <a:t>aw_preprod</a:t>
+            </a:r>
+            <a:r>
+              <a:rPr lang="en-US" b="0" dirty="0">
+                <a:effectLst/>
+                <a:latin typeface="Consolas" panose="020B0609020204030204" pitchFamily="49" charset="0"/>
+              </a:rPr>
+              <a:t> </a:t>
+            </a:r>
+            <a:r>
+              <a:rPr lang="en-US" b="0" dirty="0" err="1">
+                <a:effectLst/>
+                <a:latin typeface="Consolas" panose="020B0609020204030204" pitchFamily="49" charset="0"/>
+              </a:rPr>
+              <a:t>mkdir</a:t>
+            </a:r>
+            <a:r>
+              <a:rPr lang="en-US" b="0" dirty="0">
+                <a:effectLst/>
+                <a:latin typeface="Consolas" panose="020B0609020204030204" pitchFamily="49" charset="0"/>
+              </a:rPr>
+              <a:t> </a:t>
+            </a:r>
+            <a:r>
+              <a:rPr lang="en-US" b="0" dirty="0">
+                <a:solidFill>
+                  <a:schemeClr val="accent2">
+                    <a:lumMod val="75000"/>
+                  </a:schemeClr>
+                </a:solidFill>
+                <a:effectLst/>
+                <a:latin typeface="Consolas" panose="020B0609020204030204" pitchFamily="49" charset="0"/>
+              </a:rPr>
+              <a:t>/var/opt/</a:t>
+            </a:r>
+            <a:r>
+              <a:rPr lang="en-US" b="0" dirty="0" err="1">
+                <a:solidFill>
+                  <a:schemeClr val="accent2">
+                    <a:lumMod val="75000"/>
+                  </a:schemeClr>
+                </a:solidFill>
+                <a:effectLst/>
+                <a:latin typeface="Consolas" panose="020B0609020204030204" pitchFamily="49" charset="0"/>
+              </a:rPr>
+              <a:t>mssql</a:t>
+            </a:r>
+            <a:r>
+              <a:rPr lang="en-US" b="0" dirty="0">
+                <a:solidFill>
+                  <a:schemeClr val="accent2">
+                    <a:lumMod val="75000"/>
+                  </a:schemeClr>
+                </a:solidFill>
+                <a:effectLst/>
+                <a:latin typeface="Consolas" panose="020B0609020204030204" pitchFamily="49" charset="0"/>
+              </a:rPr>
+              <a:t>/backup</a:t>
+            </a:r>
+          </a:p>
+          <a:p>
+            <a:pPr marL="0" indent="0">
+              <a:buNone/>
+            </a:pPr>
+            <a:r>
+              <a:rPr lang="en-US" b="0" dirty="0">
+                <a:effectLst/>
+                <a:latin typeface="Consolas" panose="020B0609020204030204" pitchFamily="49" charset="0"/>
+              </a:rPr>
+              <a:t>    </a:t>
+            </a:r>
+          </a:p>
+          <a:p>
+            <a:pPr marL="0" indent="0">
+              <a:buNone/>
+            </a:pPr>
+            <a:r>
+              <a:rPr lang="en-US" b="0" dirty="0">
+                <a:solidFill>
+                  <a:srgbClr val="FF0000"/>
+                </a:solidFill>
+                <a:effectLst/>
+                <a:latin typeface="Consolas" panose="020B0609020204030204" pitchFamily="49" charset="0"/>
+              </a:rPr>
+              <a:t>docker cp</a:t>
+            </a:r>
+            <a:r>
+              <a:rPr lang="en-US" b="0" dirty="0">
+                <a:effectLst/>
+                <a:latin typeface="Consolas" panose="020B0609020204030204" pitchFamily="49" charset="0"/>
+              </a:rPr>
+              <a:t> C:\data\Backup\WideWorldImporters-Full.bak </a:t>
+            </a:r>
+            <a:r>
+              <a:rPr lang="en-US" b="0" dirty="0" err="1">
+                <a:solidFill>
+                  <a:schemeClr val="accent1"/>
+                </a:solidFill>
+                <a:effectLst/>
+                <a:latin typeface="Consolas" panose="020B0609020204030204" pitchFamily="49" charset="0"/>
+              </a:rPr>
+              <a:t>aw_preprod</a:t>
+            </a:r>
+            <a:r>
+              <a:rPr lang="en-US" b="0" dirty="0">
+                <a:solidFill>
+                  <a:schemeClr val="accent2">
+                    <a:lumMod val="75000"/>
+                  </a:schemeClr>
+                </a:solidFill>
+                <a:effectLst/>
+                <a:latin typeface="Consolas" panose="020B0609020204030204" pitchFamily="49" charset="0"/>
+              </a:rPr>
+              <a:t>:/var/opt/</a:t>
+            </a:r>
+            <a:r>
+              <a:rPr lang="en-US" b="0" dirty="0" err="1">
+                <a:solidFill>
+                  <a:schemeClr val="accent2">
+                    <a:lumMod val="75000"/>
+                  </a:schemeClr>
+                </a:solidFill>
+                <a:effectLst/>
+                <a:latin typeface="Consolas" panose="020B0609020204030204" pitchFamily="49" charset="0"/>
+              </a:rPr>
+              <a:t>mssql</a:t>
+            </a:r>
+            <a:r>
+              <a:rPr lang="en-US" b="0" dirty="0">
+                <a:solidFill>
+                  <a:schemeClr val="accent2">
+                    <a:lumMod val="75000"/>
+                  </a:schemeClr>
+                </a:solidFill>
+                <a:effectLst/>
+                <a:latin typeface="Consolas" panose="020B0609020204030204" pitchFamily="49" charset="0"/>
+              </a:rPr>
+              <a:t>/backup</a:t>
+            </a:r>
+          </a:p>
+          <a:p>
+            <a:pPr>
+              <a:buFont typeface="Wingdings" panose="05000000000000000000" pitchFamily="2" charset="2"/>
+              <a:buChar char="Ø"/>
+            </a:pPr>
+            <a:endParaRPr lang="en-US" b="0" dirty="0">
+              <a:effectLst/>
+              <a:latin typeface="Consolas" panose="020B0609020204030204" pitchFamily="49" charset="0"/>
+            </a:endParaRPr>
+          </a:p>
+          <a:p>
+            <a:pPr marL="0" indent="0">
+              <a:buNone/>
+            </a:pPr>
+            <a:r>
+              <a:rPr lang="en-US" b="0" dirty="0">
+                <a:solidFill>
+                  <a:srgbClr val="FF0000"/>
+                </a:solidFill>
+                <a:effectLst/>
+                <a:latin typeface="Consolas" panose="020B0609020204030204" pitchFamily="49" charset="0"/>
+              </a:rPr>
+              <a:t>Restore-</a:t>
+            </a:r>
+            <a:r>
+              <a:rPr lang="en-US" b="0" dirty="0" err="1">
+                <a:solidFill>
+                  <a:srgbClr val="FF0000"/>
+                </a:solidFill>
+                <a:effectLst/>
+                <a:latin typeface="Consolas" panose="020B0609020204030204" pitchFamily="49" charset="0"/>
+              </a:rPr>
+              <a:t>DbaDatabase</a:t>
+            </a:r>
+            <a:r>
+              <a:rPr lang="en-US" b="0" dirty="0">
+                <a:effectLst/>
+                <a:latin typeface="Consolas" panose="020B0609020204030204" pitchFamily="49" charset="0"/>
+              </a:rPr>
+              <a:t> </a:t>
+            </a:r>
+            <a:r>
+              <a:rPr lang="en-US" b="0" dirty="0">
+                <a:solidFill>
+                  <a:srgbClr val="EF4135"/>
+                </a:solidFill>
+                <a:effectLst/>
+                <a:latin typeface="Consolas" panose="020B0609020204030204" pitchFamily="49" charset="0"/>
+              </a:rPr>
+              <a:t>-</a:t>
+            </a:r>
+            <a:r>
+              <a:rPr lang="en-US" b="0" dirty="0" err="1">
+                <a:solidFill>
+                  <a:srgbClr val="EF4135"/>
+                </a:solidFill>
+                <a:effectLst/>
+                <a:latin typeface="Consolas" panose="020B0609020204030204" pitchFamily="49" charset="0"/>
+              </a:rPr>
+              <a:t>SqlInstance</a:t>
+            </a:r>
+            <a:r>
+              <a:rPr lang="en-US" b="0" dirty="0">
+                <a:solidFill>
+                  <a:srgbClr val="EF4135"/>
+                </a:solidFill>
+                <a:effectLst/>
+                <a:latin typeface="Consolas" panose="020B0609020204030204" pitchFamily="49" charset="0"/>
+              </a:rPr>
+              <a:t> </a:t>
+            </a:r>
+            <a:r>
+              <a:rPr lang="en-US" b="0" dirty="0">
+                <a:effectLst/>
+                <a:latin typeface="Consolas" panose="020B0609020204030204" pitchFamily="49" charset="0"/>
+              </a:rPr>
+              <a:t>localhost </a:t>
+            </a:r>
+            <a:r>
+              <a:rPr lang="en-US" b="0" dirty="0">
+                <a:solidFill>
+                  <a:srgbClr val="EF4135"/>
+                </a:solidFill>
+                <a:effectLst/>
+                <a:latin typeface="Consolas" panose="020B0609020204030204" pitchFamily="49" charset="0"/>
+              </a:rPr>
+              <a:t>-</a:t>
+            </a:r>
+            <a:r>
+              <a:rPr lang="en-US" b="0" dirty="0" err="1">
+                <a:solidFill>
+                  <a:srgbClr val="EF4135"/>
+                </a:solidFill>
+                <a:effectLst/>
+                <a:latin typeface="Consolas" panose="020B0609020204030204" pitchFamily="49" charset="0"/>
+              </a:rPr>
+              <a:t>SqlCredential</a:t>
+            </a:r>
+            <a:r>
+              <a:rPr lang="en-US" b="0" dirty="0">
+                <a:solidFill>
+                  <a:srgbClr val="EF4135"/>
+                </a:solidFill>
+                <a:effectLst/>
+                <a:latin typeface="Consolas" panose="020B0609020204030204" pitchFamily="49" charset="0"/>
+              </a:rPr>
+              <a:t> </a:t>
+            </a:r>
+            <a:r>
+              <a:rPr lang="en-US" b="0" dirty="0">
+                <a:solidFill>
+                  <a:schemeClr val="accent6"/>
+                </a:solidFill>
+                <a:effectLst/>
+                <a:latin typeface="Consolas" panose="020B0609020204030204" pitchFamily="49" charset="0"/>
+              </a:rPr>
+              <a:t>$</a:t>
+            </a:r>
+            <a:r>
+              <a:rPr lang="en-US" b="0" dirty="0" err="1">
+                <a:solidFill>
+                  <a:schemeClr val="accent6"/>
+                </a:solidFill>
+                <a:effectLst/>
+                <a:latin typeface="Consolas" panose="020B0609020204030204" pitchFamily="49" charset="0"/>
+              </a:rPr>
+              <a:t>mycred</a:t>
+            </a:r>
+            <a:r>
+              <a:rPr lang="en-US" b="0" dirty="0">
+                <a:solidFill>
+                  <a:schemeClr val="accent6"/>
+                </a:solidFill>
+                <a:effectLst/>
+                <a:latin typeface="Consolas" panose="020B0609020204030204" pitchFamily="49" charset="0"/>
+              </a:rPr>
+              <a:t> </a:t>
+            </a:r>
+            <a:r>
+              <a:rPr lang="en-US" b="0" dirty="0">
+                <a:solidFill>
+                  <a:srgbClr val="EF4135"/>
+                </a:solidFill>
+                <a:effectLst/>
+                <a:latin typeface="Consolas" panose="020B0609020204030204" pitchFamily="49" charset="0"/>
+              </a:rPr>
+              <a:t>-Path </a:t>
+            </a:r>
+            <a:r>
+              <a:rPr lang="en-US" b="0" dirty="0">
+                <a:solidFill>
+                  <a:schemeClr val="accent2"/>
+                </a:solidFill>
+                <a:effectLst/>
+                <a:latin typeface="Consolas" panose="020B0609020204030204" pitchFamily="49" charset="0"/>
+              </a:rPr>
+              <a:t>/var/opt/</a:t>
+            </a:r>
+            <a:r>
+              <a:rPr lang="en-US" b="0" dirty="0" err="1">
+                <a:solidFill>
+                  <a:schemeClr val="accent2"/>
+                </a:solidFill>
+                <a:effectLst/>
+                <a:latin typeface="Consolas" panose="020B0609020204030204" pitchFamily="49" charset="0"/>
+              </a:rPr>
+              <a:t>mssql</a:t>
+            </a:r>
+            <a:r>
+              <a:rPr lang="en-US" b="0" dirty="0">
+                <a:solidFill>
+                  <a:schemeClr val="accent2"/>
+                </a:solidFill>
+                <a:effectLst/>
+                <a:latin typeface="Consolas" panose="020B0609020204030204" pitchFamily="49" charset="0"/>
+              </a:rPr>
+              <a:t>/backup/</a:t>
+            </a:r>
+            <a:r>
+              <a:rPr lang="en-US" b="0" dirty="0" err="1">
+                <a:solidFill>
+                  <a:schemeClr val="accent2"/>
+                </a:solidFill>
+                <a:effectLst/>
+                <a:latin typeface="Consolas" panose="020B0609020204030204" pitchFamily="49" charset="0"/>
+              </a:rPr>
+              <a:t>WideWorldImporters-Full.bak</a:t>
+            </a:r>
+            <a:r>
+              <a:rPr lang="en-US" b="0" dirty="0">
+                <a:effectLst/>
+                <a:latin typeface="Consolas" panose="020B0609020204030204" pitchFamily="49" charset="0"/>
+              </a:rPr>
+              <a:t> </a:t>
+            </a:r>
+            <a:r>
+              <a:rPr lang="en-US" b="0" dirty="0">
+                <a:solidFill>
+                  <a:srgbClr val="EF4135"/>
+                </a:solidFill>
+                <a:effectLst/>
+                <a:latin typeface="Consolas" panose="020B0609020204030204" pitchFamily="49" charset="0"/>
+              </a:rPr>
+              <a:t>-</a:t>
+            </a:r>
+            <a:r>
+              <a:rPr lang="en-US" b="0" dirty="0" err="1">
+                <a:solidFill>
+                  <a:srgbClr val="EF4135"/>
+                </a:solidFill>
+                <a:effectLst/>
+                <a:latin typeface="Consolas" panose="020B0609020204030204" pitchFamily="49" charset="0"/>
+              </a:rPr>
+              <a:t>DatabaseName</a:t>
+            </a:r>
+            <a:r>
+              <a:rPr lang="en-US" b="0" dirty="0">
+                <a:solidFill>
+                  <a:srgbClr val="EF4135"/>
+                </a:solidFill>
+                <a:effectLst/>
+                <a:latin typeface="Consolas" panose="020B0609020204030204" pitchFamily="49" charset="0"/>
+              </a:rPr>
+              <a:t> </a:t>
+            </a:r>
+            <a:r>
+              <a:rPr lang="en-US" b="0" dirty="0">
+                <a:effectLst/>
+                <a:latin typeface="Consolas" panose="020B0609020204030204" pitchFamily="49" charset="0"/>
+              </a:rPr>
+              <a:t>WWI</a:t>
+            </a:r>
+          </a:p>
+          <a:p>
+            <a:br>
+              <a:rPr lang="en-US" b="0" dirty="0">
+                <a:solidFill>
+                  <a:srgbClr val="D4D4D4"/>
+                </a:solidFill>
+                <a:effectLst/>
+                <a:latin typeface="Consolas" panose="020B0609020204030204" pitchFamily="49" charset="0"/>
+              </a:rPr>
+            </a:br>
+            <a:endParaRPr lang="en-US" b="0" dirty="0">
+              <a:solidFill>
+                <a:srgbClr val="D4D4D4"/>
+              </a:solidFill>
+              <a:effectLst/>
+              <a:latin typeface="Consolas" panose="020B0609020204030204" pitchFamily="49" charset="0"/>
+            </a:endParaRPr>
+          </a:p>
+          <a:p>
+            <a:endParaRPr lang="en-US" dirty="0"/>
+          </a:p>
+        </p:txBody>
+      </p:sp>
+    </p:spTree>
+    <p:extLst>
+      <p:ext uri="{BB962C8B-B14F-4D97-AF65-F5344CB8AC3E}">
+        <p14:creationId xmlns:p14="http://schemas.microsoft.com/office/powerpoint/2010/main" val="657727825"/>
+      </p:ext>
+    </p:extLst>
+  </p:cSld>
+  <p:clrMapOvr>
+    <a:masterClrMapping/>
+  </p:clrMapOvr>
+</p:sld>
+</file>
+
+<file path=ppt/slides/slide34.xml><?xml version="1.0" encoding="utf-8"?>
+<p:sld xmlns:a="http://schemas.openxmlformats.org/drawingml/2006/main" xmlns:r="http://schemas.openxmlformats.org/officeDocument/2006/relationships" xmlns:p="http://schemas.openxmlformats.org/presentationml/2006/main">
+  <p:cSld>
+    <p:spTree>
+      <p:nvGrpSpPr>
+        <p:cNvPr id="1" name=""/>
+        <p:cNvGrpSpPr/>
+        <p:nvPr/>
+      </p:nvGrpSpPr>
+      <p:grpSpPr>
+        <a:xfrm>
+          <a:off x="0" y="0"/>
+          <a:ext cx="0" cy="0"/>
+          <a:chOff x="0" y="0"/>
+          <a:chExt cx="0" cy="0"/>
+        </a:xfrm>
+      </p:grpSpPr>
+      <p:sp>
+        <p:nvSpPr>
+          <p:cNvPr id="2" name="Title 1">
+            <a:extLst>
+              <a:ext uri="{FF2B5EF4-FFF2-40B4-BE49-F238E27FC236}">
+                <a16:creationId xmlns:a16="http://schemas.microsoft.com/office/drawing/2014/main" id="{C7C427AE-A47B-45B2-AAC8-A3F4FDF066A6}"/>
+              </a:ext>
+            </a:extLst>
+          </p:cNvPr>
+          <p:cNvSpPr>
+            <a:spLocks noGrp="1"/>
+          </p:cNvSpPr>
+          <p:nvPr>
+            <p:ph type="title"/>
+          </p:nvPr>
+        </p:nvSpPr>
+        <p:spPr/>
+        <p:txBody>
+          <a:bodyPr/>
+          <a:lstStyle/>
+          <a:p>
+            <a:r>
+              <a:rPr lang="en-US" dirty="0"/>
+              <a:t>Manage Volume Data with Helper Container</a:t>
+            </a:r>
+          </a:p>
+        </p:txBody>
+      </p:sp>
+      <p:sp>
+        <p:nvSpPr>
+          <p:cNvPr id="3" name="Content Placeholder 2">
+            <a:extLst>
+              <a:ext uri="{FF2B5EF4-FFF2-40B4-BE49-F238E27FC236}">
+                <a16:creationId xmlns:a16="http://schemas.microsoft.com/office/drawing/2014/main" id="{A234BBAA-E2A9-49D2-A088-096EEF1B745B}"/>
+              </a:ext>
+            </a:extLst>
+          </p:cNvPr>
+          <p:cNvSpPr>
+            <a:spLocks noGrp="1"/>
+          </p:cNvSpPr>
+          <p:nvPr>
+            <p:ph sz="half" idx="1"/>
+          </p:nvPr>
+        </p:nvSpPr>
+        <p:spPr>
+          <a:xfrm>
+            <a:off x="838200" y="1825625"/>
+            <a:ext cx="10335936" cy="3906435"/>
+          </a:xfrm>
+        </p:spPr>
+        <p:txBody>
+          <a:bodyPr>
+            <a:normAutofit fontScale="92500" lnSpcReduction="20000"/>
+          </a:bodyPr>
+          <a:lstStyle/>
+          <a:p>
+            <a:r>
+              <a:rPr lang="en-US" dirty="0">
+                <a:solidFill>
+                  <a:srgbClr val="EF4135"/>
+                </a:solidFill>
+              </a:rPr>
+              <a:t>docker run</a:t>
+            </a:r>
+            <a:r>
+              <a:rPr lang="en-US" dirty="0"/>
+              <a:t> -v backup:/backup </a:t>
+            </a:r>
+            <a:r>
+              <a:rPr lang="en-US" dirty="0">
+                <a:solidFill>
+                  <a:srgbClr val="EF4135"/>
+                </a:solidFill>
+              </a:rPr>
+              <a:t>--name</a:t>
+            </a:r>
+            <a:r>
+              <a:rPr lang="en-US" dirty="0"/>
+              <a:t> </a:t>
+            </a:r>
+            <a:r>
+              <a:rPr lang="en-US" dirty="0">
+                <a:solidFill>
+                  <a:schemeClr val="accent1"/>
+                </a:solidFill>
+              </a:rPr>
+              <a:t>helper</a:t>
+            </a:r>
+            <a:r>
+              <a:rPr lang="en-US" dirty="0"/>
+              <a:t> </a:t>
+            </a:r>
+            <a:r>
+              <a:rPr lang="en-US" dirty="0">
+                <a:solidFill>
+                  <a:srgbClr val="EF4135"/>
+                </a:solidFill>
+              </a:rPr>
+              <a:t>-it</a:t>
+            </a:r>
+            <a:r>
+              <a:rPr lang="en-US" dirty="0"/>
+              <a:t> mcr.microsoft.com/</a:t>
+            </a:r>
+            <a:r>
+              <a:rPr lang="en-US" dirty="0" err="1"/>
+              <a:t>powershell</a:t>
+            </a:r>
+            <a:endParaRPr lang="en-US" dirty="0"/>
+          </a:p>
+          <a:p>
+            <a:endParaRPr lang="en-US" b="0" dirty="0">
+              <a:solidFill>
+                <a:srgbClr val="EF4135"/>
+              </a:solidFill>
+              <a:effectLst/>
+              <a:latin typeface="Consolas" panose="020B0609020204030204" pitchFamily="49" charset="0"/>
+            </a:endParaRPr>
+          </a:p>
+          <a:p>
+            <a:r>
+              <a:rPr lang="en-US" b="0" dirty="0">
+                <a:solidFill>
+                  <a:srgbClr val="EF4135"/>
+                </a:solidFill>
+                <a:effectLst/>
+                <a:latin typeface="Consolas" panose="020B0609020204030204" pitchFamily="49" charset="0"/>
+              </a:rPr>
+              <a:t>docker cp</a:t>
+            </a:r>
+            <a:r>
+              <a:rPr lang="en-US" b="0" dirty="0">
+                <a:effectLst/>
+                <a:latin typeface="Consolas" panose="020B0609020204030204" pitchFamily="49" charset="0"/>
+              </a:rPr>
+              <a:t> .\</a:t>
+            </a:r>
+            <a:r>
+              <a:rPr lang="en-US" b="0" dirty="0" err="1">
+                <a:effectLst/>
+                <a:latin typeface="Consolas" panose="020B0609020204030204" pitchFamily="49" charset="0"/>
+              </a:rPr>
+              <a:t>WWI.bck</a:t>
+            </a:r>
+            <a:r>
+              <a:rPr lang="en-US" b="0" dirty="0">
+                <a:effectLst/>
+                <a:latin typeface="Consolas" panose="020B0609020204030204" pitchFamily="49" charset="0"/>
+              </a:rPr>
+              <a:t> </a:t>
+            </a:r>
+            <a:r>
+              <a:rPr lang="en-US" b="0" dirty="0">
+                <a:solidFill>
+                  <a:schemeClr val="accent1"/>
+                </a:solidFill>
+                <a:effectLst/>
+                <a:latin typeface="Consolas" panose="020B0609020204030204" pitchFamily="49" charset="0"/>
+              </a:rPr>
+              <a:t>helper</a:t>
+            </a:r>
+            <a:r>
+              <a:rPr lang="en-US" b="0" dirty="0">
+                <a:effectLst/>
+                <a:latin typeface="Consolas" panose="020B0609020204030204" pitchFamily="49" charset="0"/>
+              </a:rPr>
+              <a:t>:/backup</a:t>
+            </a:r>
+          </a:p>
+          <a:p>
+            <a:endParaRPr lang="en-US" b="0" dirty="0">
+              <a:solidFill>
+                <a:srgbClr val="EF4135"/>
+              </a:solidFill>
+              <a:effectLst/>
+              <a:latin typeface="Consolas" panose="020B0609020204030204" pitchFamily="49" charset="0"/>
+            </a:endParaRPr>
+          </a:p>
+          <a:p>
+            <a:r>
+              <a:rPr lang="en-US" b="0" dirty="0">
+                <a:solidFill>
+                  <a:srgbClr val="EF4135"/>
+                </a:solidFill>
+                <a:effectLst/>
+                <a:latin typeface="Consolas" panose="020B0609020204030204" pitchFamily="49" charset="0"/>
+              </a:rPr>
+              <a:t>docker cp</a:t>
+            </a:r>
+            <a:r>
+              <a:rPr lang="en-US" b="0" dirty="0">
+                <a:effectLst/>
+                <a:latin typeface="Consolas" panose="020B0609020204030204" pitchFamily="49" charset="0"/>
+              </a:rPr>
+              <a:t> </a:t>
+            </a:r>
+            <a:r>
+              <a:rPr lang="en-US" b="0" dirty="0">
+                <a:solidFill>
+                  <a:schemeClr val="accent1"/>
+                </a:solidFill>
+                <a:effectLst/>
+                <a:latin typeface="Consolas" panose="020B0609020204030204" pitchFamily="49" charset="0"/>
+              </a:rPr>
+              <a:t>helper</a:t>
+            </a:r>
+            <a:r>
+              <a:rPr lang="en-US" b="0" dirty="0">
+                <a:effectLst/>
+                <a:latin typeface="Consolas" panose="020B0609020204030204" pitchFamily="49" charset="0"/>
+              </a:rPr>
+              <a:t>:/backup/</a:t>
+            </a:r>
+            <a:r>
+              <a:rPr lang="en-US" b="0" dirty="0" err="1">
+                <a:effectLst/>
+                <a:latin typeface="Consolas" panose="020B0609020204030204" pitchFamily="49" charset="0"/>
+              </a:rPr>
+              <a:t>WWI.bck</a:t>
+            </a:r>
+            <a:r>
+              <a:rPr lang="en-US" b="0" dirty="0">
+                <a:effectLst/>
+                <a:latin typeface="Consolas" panose="020B0609020204030204" pitchFamily="49" charset="0"/>
+              </a:rPr>
+              <a:t> .</a:t>
+            </a:r>
+          </a:p>
+          <a:p>
+            <a:endParaRPr lang="en-US" b="0" dirty="0">
+              <a:solidFill>
+                <a:srgbClr val="EF4135"/>
+              </a:solidFill>
+              <a:effectLst/>
+              <a:latin typeface="Consolas" panose="020B0609020204030204" pitchFamily="49" charset="0"/>
+            </a:endParaRPr>
+          </a:p>
+          <a:p>
+            <a:r>
+              <a:rPr lang="en-US" b="0" dirty="0">
+                <a:solidFill>
+                  <a:srgbClr val="EF4135"/>
+                </a:solidFill>
+                <a:effectLst/>
+                <a:latin typeface="Consolas" panose="020B0609020204030204" pitchFamily="49" charset="0"/>
+              </a:rPr>
+              <a:t>docker start -</a:t>
+            </a:r>
+            <a:r>
+              <a:rPr lang="en-US" b="0" dirty="0" err="1">
+                <a:solidFill>
+                  <a:srgbClr val="EF4135"/>
+                </a:solidFill>
+                <a:effectLst/>
+                <a:latin typeface="Consolas" panose="020B0609020204030204" pitchFamily="49" charset="0"/>
+              </a:rPr>
+              <a:t>i</a:t>
+            </a:r>
+            <a:r>
+              <a:rPr lang="en-US" b="0" dirty="0">
+                <a:effectLst/>
+                <a:latin typeface="Consolas" panose="020B0609020204030204" pitchFamily="49" charset="0"/>
+              </a:rPr>
+              <a:t> </a:t>
+            </a:r>
+            <a:r>
+              <a:rPr lang="en-US" b="0" dirty="0">
+                <a:solidFill>
+                  <a:schemeClr val="accent1"/>
+                </a:solidFill>
+                <a:effectLst/>
+                <a:latin typeface="Consolas" panose="020B0609020204030204" pitchFamily="49" charset="0"/>
+              </a:rPr>
+              <a:t>helper</a:t>
+            </a:r>
+            <a:endParaRPr lang="en-US" dirty="0">
+              <a:solidFill>
+                <a:schemeClr val="accent1"/>
+              </a:solidFill>
+              <a:latin typeface="Consolas" panose="020B0609020204030204" pitchFamily="49" charset="0"/>
+            </a:endParaRPr>
+          </a:p>
+          <a:p>
+            <a:endParaRPr lang="en-US" dirty="0">
+              <a:solidFill>
+                <a:srgbClr val="EF4135"/>
+              </a:solidFill>
+              <a:latin typeface="Consolas" panose="020B0609020204030204" pitchFamily="49" charset="0"/>
+            </a:endParaRPr>
+          </a:p>
+          <a:p>
+            <a:r>
+              <a:rPr lang="en-US" dirty="0">
+                <a:solidFill>
+                  <a:srgbClr val="EF4135"/>
+                </a:solidFill>
+                <a:latin typeface="Consolas" panose="020B0609020204030204" pitchFamily="49" charset="0"/>
+              </a:rPr>
+              <a:t>d</a:t>
+            </a:r>
+            <a:r>
+              <a:rPr lang="en-US" b="0" dirty="0">
+                <a:solidFill>
+                  <a:srgbClr val="EF4135"/>
+                </a:solidFill>
+                <a:effectLst/>
+                <a:latin typeface="Consolas" panose="020B0609020204030204" pitchFamily="49" charset="0"/>
+              </a:rPr>
+              <a:t>ocker rm</a:t>
+            </a:r>
+            <a:r>
+              <a:rPr lang="en-US" b="0" dirty="0">
+                <a:effectLst/>
+                <a:latin typeface="Consolas" panose="020B0609020204030204" pitchFamily="49" charset="0"/>
+              </a:rPr>
+              <a:t> </a:t>
+            </a:r>
+            <a:r>
+              <a:rPr lang="en-US" b="0" dirty="0">
+                <a:solidFill>
+                  <a:schemeClr val="accent1"/>
+                </a:solidFill>
+                <a:effectLst/>
+                <a:latin typeface="Consolas" panose="020B0609020204030204" pitchFamily="49" charset="0"/>
+              </a:rPr>
+              <a:t>helper</a:t>
+            </a:r>
+          </a:p>
+        </p:txBody>
+      </p:sp>
+    </p:spTree>
+    <p:extLst>
+      <p:ext uri="{BB962C8B-B14F-4D97-AF65-F5344CB8AC3E}">
+        <p14:creationId xmlns:p14="http://schemas.microsoft.com/office/powerpoint/2010/main" val="1701296285"/>
+      </p:ext>
+    </p:extLst>
+  </p:cSld>
+  <p:clrMapOvr>
+    <a:masterClrMapping/>
+  </p:clrMapOvr>
+</p:sld>
+</file>
+
+<file path=ppt/slides/slide35.xml><?xml version="1.0" encoding="utf-8"?>
 <p:sld xmlns:a="http://schemas.openxmlformats.org/drawingml/2006/main" xmlns:r="http://schemas.openxmlformats.org/officeDocument/2006/relationships" xmlns:p="http://schemas.openxmlformats.org/presentationml/2006/main">
   <p:cSld>
     <p:spTree>
@@ -37029,6 +38691,15 @@
 </file>
 
 <file path=customXml/item1.xml><?xml version="1.0" encoding="utf-8"?>
+<?mso-contentType ?>
+<FormTemplates xmlns="http://schemas.microsoft.com/sharepoint/v3/contenttype/forms">
+  <Display>DocumentLibraryForm</Display>
+  <Edit>DocumentLibraryForm</Edit>
+  <New>DocumentLibraryForm</New>
+</FormTemplates>
+</file>
+
+<file path=customXml/item2.xml><?xml version="1.0" encoding="utf-8"?>
 <ct:contentTypeSchema xmlns:ct="http://schemas.microsoft.com/office/2006/metadata/contentType" xmlns:ma="http://schemas.microsoft.com/office/2006/metadata/properties/metaAttributes" ct:_="" ma:_="" ma:contentTypeName="Document" ma:contentTypeID="0x0101008A5715C365876A40AAEBF478052E19D8" ma:contentTypeVersion="13" ma:contentTypeDescription="Create a new document." ma:contentTypeScope="" ma:versionID="ac690db62c4833b624123d2430e9c052">
   <xsd:schema xmlns:xsd="http://www.w3.org/2001/XMLSchema" xmlns:xs="http://www.w3.org/2001/XMLSchema" xmlns:p="http://schemas.microsoft.com/office/2006/metadata/properties" xmlns:ns2="6495d22d-ac5c-40e9-9004-a0ad722ffa27" xmlns:ns3="2320308a-2752-4c09-8017-c9af96e55394" targetNamespace="http://schemas.microsoft.com/office/2006/metadata/properties" ma:root="true" ma:fieldsID="9f4c31d326122b30583dde7d49570dd2" ns2:_="" ns3:_="">
     <xsd:import namespace="6495d22d-ac5c-40e9-9004-a0ad722ffa27"/>
@@ -37251,15 +38922,6 @@
 </ct:contentTypeSchema>
 </file>
 
-<file path=customXml/item2.xml><?xml version="1.0" encoding="utf-8"?>
-<?mso-contentType ?>
-<FormTemplates xmlns="http://schemas.microsoft.com/sharepoint/v3/contenttype/forms">
-  <Display>DocumentLibraryForm</Display>
-  <Edit>DocumentLibraryForm</Edit>
-  <New>DocumentLibraryForm</New>
-</FormTemplates>
-</file>
-
 <file path=customXml/item3.xml><?xml version="1.0" encoding="utf-8"?>
 <p:properties xmlns:p="http://schemas.microsoft.com/office/2006/metadata/properties" xmlns:xsi="http://www.w3.org/2001/XMLSchema-instance" xmlns:pc="http://schemas.microsoft.com/office/infopath/2007/PartnerControls">
   <documentManagement/>
@@ -37267,6 +38929,14 @@
 </file>
 
 <file path=customXml/itemProps1.xml><?xml version="1.0" encoding="utf-8"?>
+<ds:datastoreItem xmlns:ds="http://schemas.openxmlformats.org/officeDocument/2006/customXml" ds:itemID="{B5600634-5921-487F-93B3-8B1A37240393}">
+  <ds:schemaRefs>
+    <ds:schemaRef ds:uri="http://schemas.microsoft.com/sharepoint/v3/contenttype/forms"/>
+  </ds:schemaRefs>
+</ds:datastoreItem>
+</file>
+
+<file path=customXml/itemProps2.xml><?xml version="1.0" encoding="utf-8"?>
 <ds:datastoreItem xmlns:ds="http://schemas.openxmlformats.org/officeDocument/2006/customXml" ds:itemID="{EE7ACCCF-097A-4451-83E9-1D7125DF1A27}">
   <ds:schemaRefs>
     <ds:schemaRef ds:uri="2320308a-2752-4c09-8017-c9af96e55394"/>
@@ -37285,14 +38955,6 @@
 </ds:datastoreItem>
 </file>
 
-<file path=customXml/itemProps2.xml><?xml version="1.0" encoding="utf-8"?>
-<ds:datastoreItem xmlns:ds="http://schemas.openxmlformats.org/officeDocument/2006/customXml" ds:itemID="{B5600634-5921-487F-93B3-8B1A37240393}">
-  <ds:schemaRefs>
-    <ds:schemaRef ds:uri="http://schemas.microsoft.com/sharepoint/v3/contenttype/forms"/>
-  </ds:schemaRefs>
-</ds:datastoreItem>
-</file>
-
 <file path=customXml/itemProps3.xml><?xml version="1.0" encoding="utf-8"?>
 <ds:datastoreItem xmlns:ds="http://schemas.openxmlformats.org/officeDocument/2006/customXml" ds:itemID="{4E939938-968F-4292-B1F5-7D5D82188517}">
   <ds:schemaRefs>

--- a/Automation/EnvironmentAutomationGroupBy2021.pptx
+++ b/Automation/EnvironmentAutomationGroupBy2021.pptx
@@ -6,44 +6,46 @@
     <p:sldMasterId id="2147483652" r:id="rId5"/>
   </p:sldMasterIdLst>
   <p:notesMasterIdLst>
-    <p:notesMasterId r:id="rId41"/>
+    <p:notesMasterId r:id="rId43"/>
   </p:notesMasterIdLst>
   <p:sldIdLst>
-    <p:sldId id="285" r:id="rId6"/>
-    <p:sldId id="258" r:id="rId7"/>
-    <p:sldId id="284" r:id="rId8"/>
-    <p:sldId id="269" r:id="rId9"/>
-    <p:sldId id="261" r:id="rId10"/>
-    <p:sldId id="287" r:id="rId11"/>
-    <p:sldId id="288" r:id="rId12"/>
-    <p:sldId id="289" r:id="rId13"/>
-    <p:sldId id="290" r:id="rId14"/>
-    <p:sldId id="291" r:id="rId15"/>
-    <p:sldId id="293" r:id="rId16"/>
-    <p:sldId id="292" r:id="rId17"/>
-    <p:sldId id="295" r:id="rId18"/>
-    <p:sldId id="296" r:id="rId19"/>
-    <p:sldId id="297" r:id="rId20"/>
-    <p:sldId id="298" r:id="rId21"/>
-    <p:sldId id="299" r:id="rId22"/>
-    <p:sldId id="325" r:id="rId23"/>
-    <p:sldId id="326" r:id="rId24"/>
-    <p:sldId id="327" r:id="rId25"/>
-    <p:sldId id="328" r:id="rId26"/>
-    <p:sldId id="329" r:id="rId27"/>
-    <p:sldId id="330" r:id="rId28"/>
-    <p:sldId id="331" r:id="rId29"/>
-    <p:sldId id="332" r:id="rId30"/>
-    <p:sldId id="333" r:id="rId31"/>
-    <p:sldId id="334" r:id="rId32"/>
-    <p:sldId id="335" r:id="rId33"/>
-    <p:sldId id="336" r:id="rId34"/>
-    <p:sldId id="337" r:id="rId35"/>
-    <p:sldId id="340" r:id="rId36"/>
-    <p:sldId id="344" r:id="rId37"/>
-    <p:sldId id="342" r:id="rId38"/>
-    <p:sldId id="343" r:id="rId39"/>
-    <p:sldId id="339" r:id="rId40"/>
+    <p:sldId id="256" r:id="rId6"/>
+    <p:sldId id="345" r:id="rId7"/>
+    <p:sldId id="285" r:id="rId8"/>
+    <p:sldId id="258" r:id="rId9"/>
+    <p:sldId id="284" r:id="rId10"/>
+    <p:sldId id="269" r:id="rId11"/>
+    <p:sldId id="261" r:id="rId12"/>
+    <p:sldId id="287" r:id="rId13"/>
+    <p:sldId id="288" r:id="rId14"/>
+    <p:sldId id="289" r:id="rId15"/>
+    <p:sldId id="290" r:id="rId16"/>
+    <p:sldId id="291" r:id="rId17"/>
+    <p:sldId id="293" r:id="rId18"/>
+    <p:sldId id="292" r:id="rId19"/>
+    <p:sldId id="295" r:id="rId20"/>
+    <p:sldId id="296" r:id="rId21"/>
+    <p:sldId id="297" r:id="rId22"/>
+    <p:sldId id="298" r:id="rId23"/>
+    <p:sldId id="299" r:id="rId24"/>
+    <p:sldId id="325" r:id="rId25"/>
+    <p:sldId id="326" r:id="rId26"/>
+    <p:sldId id="327" r:id="rId27"/>
+    <p:sldId id="328" r:id="rId28"/>
+    <p:sldId id="329" r:id="rId29"/>
+    <p:sldId id="330" r:id="rId30"/>
+    <p:sldId id="331" r:id="rId31"/>
+    <p:sldId id="332" r:id="rId32"/>
+    <p:sldId id="333" r:id="rId33"/>
+    <p:sldId id="334" r:id="rId34"/>
+    <p:sldId id="335" r:id="rId35"/>
+    <p:sldId id="336" r:id="rId36"/>
+    <p:sldId id="337" r:id="rId37"/>
+    <p:sldId id="340" r:id="rId38"/>
+    <p:sldId id="344" r:id="rId39"/>
+    <p:sldId id="342" r:id="rId40"/>
+    <p:sldId id="343" r:id="rId41"/>
+    <p:sldId id="339" r:id="rId42"/>
   </p:sldIdLst>
   <p:sldSz cx="12192000" cy="6858000"/>
   <p:notesSz cx="6858000" cy="9144000"/>
@@ -3935,7 +3937,7 @@
           <a:p>
             <a:fld id="{AF934746-25B3-4B6C-9B3C-EEC83A901ACB}" type="datetimeFigureOut">
               <a:rPr lang="en-CA" smtClean="0"/>
-              <a:t>2021-10-24</a:t>
+              <a:t>2021-10-26</a:t>
             </a:fld>
             <a:endParaRPr lang="en-CA"/>
           </a:p>
@@ -4276,7 +4278,99 @@
           <a:p>
             <a:fld id="{AB178F28-C521-46EC-8C16-985C87E6AD2B}" type="slidenum">
               <a:rPr lang="en-CA" smtClean="0"/>
-              <a:t>4</a:t>
+              <a:t>2</a:t>
+            </a:fld>
+            <a:endParaRPr lang="en-CA"/>
+          </a:p>
+        </p:txBody>
+      </p:sp>
+    </p:spTree>
+    <p:extLst>
+      <p:ext uri="{BB962C8B-B14F-4D97-AF65-F5344CB8AC3E}">
+        <p14:creationId xmlns:p14="http://schemas.microsoft.com/office/powerpoint/2010/main" val="789177583"/>
+      </p:ext>
+    </p:extLst>
+  </p:cSld>
+  <p:clrMapOvr>
+    <a:masterClrMapping/>
+  </p:clrMapOvr>
+</p:notes>
+</file>
+
+<file path=ppt/notesSlides/notesSlide2.xml><?xml version="1.0" encoding="utf-8"?>
+<p:notes xmlns:a="http://schemas.openxmlformats.org/drawingml/2006/main" xmlns:r="http://schemas.openxmlformats.org/officeDocument/2006/relationships" xmlns:p="http://schemas.openxmlformats.org/presentationml/2006/main">
+  <p:cSld>
+    <p:spTree>
+      <p:nvGrpSpPr>
+        <p:cNvPr id="1" name=""/>
+        <p:cNvGrpSpPr/>
+        <p:nvPr/>
+      </p:nvGrpSpPr>
+      <p:grpSpPr>
+        <a:xfrm>
+          <a:off x="0" y="0"/>
+          <a:ext cx="0" cy="0"/>
+          <a:chOff x="0" y="0"/>
+          <a:chExt cx="0" cy="0"/>
+        </a:xfrm>
+      </p:grpSpPr>
+      <p:sp>
+        <p:nvSpPr>
+          <p:cNvPr id="2" name="Slide Image Placeholder 1"/>
+          <p:cNvSpPr>
+            <a:spLocks noGrp="1" noRot="1" noChangeAspect="1"/>
+          </p:cNvSpPr>
+          <p:nvPr>
+            <p:ph type="sldImg"/>
+          </p:nvPr>
+        </p:nvSpPr>
+        <p:spPr/>
+      </p:sp>
+      <p:sp>
+        <p:nvSpPr>
+          <p:cNvPr id="3" name="Notes Placeholder 2"/>
+          <p:cNvSpPr>
+            <a:spLocks noGrp="1"/>
+          </p:cNvSpPr>
+          <p:nvPr>
+            <p:ph type="body" idx="1"/>
+          </p:nvPr>
+        </p:nvSpPr>
+        <p:spPr/>
+        <p:txBody>
+          <a:bodyPr/>
+          <a:lstStyle/>
+          <a:p>
+            <a:r>
+              <a:rPr lang="en-CA"/>
+              <a:t>You do not need to read this full policy, just give</a:t>
+            </a:r>
+            <a:r>
+              <a:rPr lang="en-CA" baseline="0"/>
+              <a:t> people time to read this and explain they can review the full policy at the provided link.</a:t>
+            </a:r>
+            <a:endParaRPr lang="en-CA"/>
+          </a:p>
+        </p:txBody>
+      </p:sp>
+      <p:sp>
+        <p:nvSpPr>
+          <p:cNvPr id="4" name="Slide Number Placeholder 3"/>
+          <p:cNvSpPr>
+            <a:spLocks noGrp="1"/>
+          </p:cNvSpPr>
+          <p:nvPr>
+            <p:ph type="sldNum" sz="quarter" idx="5"/>
+          </p:nvPr>
+        </p:nvSpPr>
+        <p:spPr/>
+        <p:txBody>
+          <a:bodyPr/>
+          <a:lstStyle/>
+          <a:p>
+            <a:fld id="{AB178F28-C521-46EC-8C16-985C87E6AD2B}" type="slidenum">
+              <a:rPr lang="en-CA" smtClean="0"/>
+              <a:t>6</a:t>
             </a:fld>
             <a:endParaRPr lang="en-CA"/>
           </a:p>
@@ -9620,38 +9714,10 @@
           <a:chExt cx="0" cy="0"/>
         </a:xfrm>
       </p:grpSpPr>
-      <p:sp>
-        <p:nvSpPr>
-          <p:cNvPr id="2" name="Text Placeholder 1">
-            <a:extLst>
-              <a:ext uri="{FF2B5EF4-FFF2-40B4-BE49-F238E27FC236}">
-                <a16:creationId xmlns:a16="http://schemas.microsoft.com/office/drawing/2014/main" id="{9AAB80AA-013E-41AA-9BC5-920E9A186A19}"/>
-              </a:ext>
-            </a:extLst>
-          </p:cNvPr>
-          <p:cNvSpPr>
-            <a:spLocks noGrp="1"/>
-          </p:cNvSpPr>
-          <p:nvPr>
-            <p:ph type="body" sz="quarter" idx="10"/>
-          </p:nvPr>
-        </p:nvSpPr>
-        <p:spPr/>
-        <p:txBody>
-          <a:bodyPr/>
-          <a:lstStyle/>
-          <a:p>
-            <a:r>
-              <a:rPr lang="en-US" sz="4400" dirty="0"/>
-              <a:t>Environment Automation</a:t>
-            </a:r>
-          </a:p>
-        </p:txBody>
-      </p:sp>
     </p:spTree>
     <p:extLst>
       <p:ext uri="{BB962C8B-B14F-4D97-AF65-F5344CB8AC3E}">
-        <p14:creationId xmlns:p14="http://schemas.microsoft.com/office/powerpoint/2010/main" val="1484498484"/>
+        <p14:creationId xmlns:p14="http://schemas.microsoft.com/office/powerpoint/2010/main" val="3926567138"/>
       </p:ext>
     </p:extLst>
   </p:cSld>
@@ -9683,6 +9749,2239 @@
           <p:cNvPr id="2" name="Title 1">
             <a:extLst>
               <a:ext uri="{FF2B5EF4-FFF2-40B4-BE49-F238E27FC236}">
+                <a16:creationId xmlns:a16="http://schemas.microsoft.com/office/drawing/2014/main" id="{871457C1-E012-4AB3-B364-B6EE37EDD9CF}"/>
+              </a:ext>
+            </a:extLst>
+          </p:cNvPr>
+          <p:cNvSpPr>
+            <a:spLocks noGrp="1"/>
+          </p:cNvSpPr>
+          <p:nvPr>
+            <p:ph type="title"/>
+          </p:nvPr>
+        </p:nvSpPr>
+        <p:spPr>
+          <a:xfrm>
+            <a:off x="838200" y="332824"/>
+            <a:ext cx="10515600" cy="791093"/>
+          </a:xfrm>
+        </p:spPr>
+        <p:txBody>
+          <a:bodyPr>
+            <a:normAutofit/>
+          </a:bodyPr>
+          <a:lstStyle/>
+          <a:p>
+            <a:r>
+              <a:rPr lang="en-US" dirty="0"/>
+              <a:t>Docker</a:t>
+            </a:r>
+            <a:r>
+              <a:rPr lang="en-US" sz="4000" dirty="0"/>
+              <a:t> Architecture</a:t>
+            </a:r>
+          </a:p>
+        </p:txBody>
+      </p:sp>
+      <p:sp>
+        <p:nvSpPr>
+          <p:cNvPr id="3" name="Rectangle: Rounded Corners 2">
+            <a:extLst>
+              <a:ext uri="{FF2B5EF4-FFF2-40B4-BE49-F238E27FC236}">
+                <a16:creationId xmlns:a16="http://schemas.microsoft.com/office/drawing/2014/main" id="{C14DF5AA-A539-406D-8CE4-EA59ADB97A7E}"/>
+              </a:ext>
+            </a:extLst>
+          </p:cNvPr>
+          <p:cNvSpPr>
+            <a:spLocks/>
+          </p:cNvSpPr>
+          <p:nvPr/>
+        </p:nvSpPr>
+        <p:spPr>
+          <a:xfrm>
+            <a:off x="2960163" y="1355587"/>
+            <a:ext cx="4894216" cy="4187356"/>
+          </a:xfrm>
+          <a:prstGeom prst="roundRect">
+            <a:avLst/>
+          </a:prstGeom>
+        </p:spPr>
+        <p:style>
+          <a:lnRef idx="1">
+            <a:schemeClr val="accent1"/>
+          </a:lnRef>
+          <a:fillRef idx="2">
+            <a:schemeClr val="accent1"/>
+          </a:fillRef>
+          <a:effectRef idx="1">
+            <a:schemeClr val="accent1"/>
+          </a:effectRef>
+          <a:fontRef idx="minor">
+            <a:schemeClr val="dk1"/>
+          </a:fontRef>
+        </p:style>
+        <p:txBody>
+          <a:bodyPr lIns="0" tIns="0" rIns="0" bIns="0" rtlCol="0" anchor="ctr">
+            <a:noAutofit/>
+          </a:bodyPr>
+          <a:lstStyle/>
+          <a:p>
+            <a:pPr algn="l"/>
+            <a:endParaRPr lang="en-US" sz="2400" dirty="0">
+              <a:solidFill>
+                <a:schemeClr val="accent1"/>
+              </a:solidFill>
+            </a:endParaRPr>
+          </a:p>
+        </p:txBody>
+      </p:sp>
+      <p:sp>
+        <p:nvSpPr>
+          <p:cNvPr id="5" name="Rectangle: Rounded Corners 4">
+            <a:extLst>
+              <a:ext uri="{FF2B5EF4-FFF2-40B4-BE49-F238E27FC236}">
+                <a16:creationId xmlns:a16="http://schemas.microsoft.com/office/drawing/2014/main" id="{99E34FE9-710A-4286-81AA-244164B2D7A2}"/>
+              </a:ext>
+            </a:extLst>
+          </p:cNvPr>
+          <p:cNvSpPr/>
+          <p:nvPr/>
+        </p:nvSpPr>
+        <p:spPr>
+          <a:xfrm>
+            <a:off x="432756" y="1757340"/>
+            <a:ext cx="2107096" cy="1225868"/>
+          </a:xfrm>
+          <a:prstGeom prst="roundRect">
+            <a:avLst/>
+          </a:prstGeom>
+        </p:spPr>
+        <p:style>
+          <a:lnRef idx="1">
+            <a:schemeClr val="dk1"/>
+          </a:lnRef>
+          <a:fillRef idx="2">
+            <a:schemeClr val="dk1"/>
+          </a:fillRef>
+          <a:effectRef idx="1">
+            <a:schemeClr val="dk1"/>
+          </a:effectRef>
+          <a:fontRef idx="minor">
+            <a:schemeClr val="dk1"/>
+          </a:fontRef>
+        </p:style>
+        <p:txBody>
+          <a:bodyPr lIns="0" tIns="0" rIns="0" bIns="0" rtlCol="0" anchor="ctr">
+            <a:spAutoFit/>
+          </a:bodyPr>
+          <a:lstStyle/>
+          <a:p>
+            <a:pPr algn="l"/>
+            <a:r>
+              <a:rPr lang="en-US" sz="2400" dirty="0">
+                <a:solidFill>
+                  <a:schemeClr val="accent1"/>
+                </a:solidFill>
+              </a:rPr>
+              <a:t>Docker pull</a:t>
+            </a:r>
+          </a:p>
+          <a:p>
+            <a:pPr algn="l"/>
+            <a:r>
+              <a:rPr lang="en-US" sz="2400" dirty="0">
+                <a:solidFill>
+                  <a:schemeClr val="accent1"/>
+                </a:solidFill>
+              </a:rPr>
+              <a:t>Docker run</a:t>
+            </a:r>
+          </a:p>
+          <a:p>
+            <a:r>
+              <a:rPr lang="en-US" sz="2400" dirty="0">
+                <a:solidFill>
+                  <a:schemeClr val="accent1"/>
+                </a:solidFill>
+              </a:rPr>
+              <a:t>Docker Start</a:t>
+            </a:r>
+          </a:p>
+        </p:txBody>
+      </p:sp>
+      <p:sp>
+        <p:nvSpPr>
+          <p:cNvPr id="6" name="Rectangle: Rounded Corners 5">
+            <a:extLst>
+              <a:ext uri="{FF2B5EF4-FFF2-40B4-BE49-F238E27FC236}">
+                <a16:creationId xmlns:a16="http://schemas.microsoft.com/office/drawing/2014/main" id="{38C62605-4E31-4ECD-B308-1115C8895831}"/>
+              </a:ext>
+            </a:extLst>
+          </p:cNvPr>
+          <p:cNvSpPr/>
+          <p:nvPr/>
+        </p:nvSpPr>
+        <p:spPr>
+          <a:xfrm>
+            <a:off x="477219" y="1467513"/>
+            <a:ext cx="811033" cy="340519"/>
+          </a:xfrm>
+          <a:prstGeom prst="roundRect">
+            <a:avLst/>
+          </a:prstGeom>
+          <a:effectLst>
+            <a:softEdge rad="12700"/>
+          </a:effectLst>
+          <a:scene3d>
+            <a:camera prst="obliqueTopRight"/>
+            <a:lightRig rig="threePt" dir="t"/>
+          </a:scene3d>
+        </p:spPr>
+        <p:style>
+          <a:lnRef idx="2">
+            <a:schemeClr val="dk1"/>
+          </a:lnRef>
+          <a:fillRef idx="1">
+            <a:schemeClr val="lt1"/>
+          </a:fillRef>
+          <a:effectRef idx="0">
+            <a:schemeClr val="dk1"/>
+          </a:effectRef>
+          <a:fontRef idx="minor">
+            <a:schemeClr val="dk1"/>
+          </a:fontRef>
+        </p:style>
+        <p:txBody>
+          <a:bodyPr lIns="0" tIns="0" rIns="0" bIns="0" rtlCol="0" anchor="ctr">
+            <a:spAutoFit/>
+          </a:bodyPr>
+          <a:lstStyle/>
+          <a:p>
+            <a:pPr algn="l"/>
+            <a:r>
+              <a:rPr lang="en-US" sz="2000" dirty="0">
+                <a:solidFill>
+                  <a:schemeClr val="accent1"/>
+                </a:solidFill>
+              </a:rPr>
+              <a:t>Client</a:t>
+            </a:r>
+          </a:p>
+        </p:txBody>
+      </p:sp>
+      <p:sp>
+        <p:nvSpPr>
+          <p:cNvPr id="7" name="Rectangle: Rounded Corners 6">
+            <a:extLst>
+              <a:ext uri="{FF2B5EF4-FFF2-40B4-BE49-F238E27FC236}">
+                <a16:creationId xmlns:a16="http://schemas.microsoft.com/office/drawing/2014/main" id="{4432625C-22E9-4CDE-9C69-C121D5699A6C}"/>
+              </a:ext>
+            </a:extLst>
+          </p:cNvPr>
+          <p:cNvSpPr/>
+          <p:nvPr/>
+        </p:nvSpPr>
+        <p:spPr>
+          <a:xfrm>
+            <a:off x="3305638" y="1669763"/>
+            <a:ext cx="4197670" cy="306467"/>
+          </a:xfrm>
+          <a:prstGeom prst="roundRect">
+            <a:avLst/>
+          </a:prstGeom>
+        </p:spPr>
+        <p:style>
+          <a:lnRef idx="2">
+            <a:schemeClr val="dk1"/>
+          </a:lnRef>
+          <a:fillRef idx="1">
+            <a:schemeClr val="lt1"/>
+          </a:fillRef>
+          <a:effectRef idx="0">
+            <a:schemeClr val="dk1"/>
+          </a:effectRef>
+          <a:fontRef idx="minor">
+            <a:schemeClr val="dk1"/>
+          </a:fontRef>
+        </p:style>
+        <p:txBody>
+          <a:bodyPr vert="horz" lIns="0" tIns="0" rIns="0" bIns="0" rtlCol="0" anchor="t">
+            <a:spAutoFit/>
+          </a:bodyPr>
+          <a:lstStyle/>
+          <a:p>
+            <a:pPr algn="l"/>
+            <a:r>
+              <a:rPr lang="en-US" dirty="0">
+                <a:solidFill>
+                  <a:schemeClr val="accent1"/>
+                </a:solidFill>
+              </a:rPr>
+              <a:t>Docker Daemon</a:t>
+            </a:r>
+          </a:p>
+        </p:txBody>
+      </p:sp>
+      <p:sp>
+        <p:nvSpPr>
+          <p:cNvPr id="8" name="Rectangle: Rounded Corners 7">
+            <a:extLst>
+              <a:ext uri="{FF2B5EF4-FFF2-40B4-BE49-F238E27FC236}">
+                <a16:creationId xmlns:a16="http://schemas.microsoft.com/office/drawing/2014/main" id="{2DE4A118-060E-4833-8759-5FA685A5A222}"/>
+              </a:ext>
+            </a:extLst>
+          </p:cNvPr>
+          <p:cNvSpPr>
+            <a:spLocks/>
+          </p:cNvSpPr>
+          <p:nvPr/>
+        </p:nvSpPr>
+        <p:spPr>
+          <a:xfrm>
+            <a:off x="8398187" y="1376987"/>
+            <a:ext cx="1888814" cy="4187356"/>
+          </a:xfrm>
+          <a:prstGeom prst="roundRect">
+            <a:avLst/>
+          </a:prstGeom>
+        </p:spPr>
+        <p:style>
+          <a:lnRef idx="1">
+            <a:schemeClr val="accent6"/>
+          </a:lnRef>
+          <a:fillRef idx="2">
+            <a:schemeClr val="accent6"/>
+          </a:fillRef>
+          <a:effectRef idx="1">
+            <a:schemeClr val="accent6"/>
+          </a:effectRef>
+          <a:fontRef idx="minor">
+            <a:schemeClr val="dk1"/>
+          </a:fontRef>
+        </p:style>
+        <p:txBody>
+          <a:bodyPr lIns="0" tIns="0" rIns="0" bIns="0" rtlCol="0" anchor="ctr">
+            <a:noAutofit/>
+          </a:bodyPr>
+          <a:lstStyle/>
+          <a:p>
+            <a:pPr algn="l"/>
+            <a:endParaRPr lang="en-US" sz="2400" dirty="0">
+              <a:solidFill>
+                <a:schemeClr val="accent1"/>
+              </a:solidFill>
+            </a:endParaRPr>
+          </a:p>
+        </p:txBody>
+      </p:sp>
+      <p:sp>
+        <p:nvSpPr>
+          <p:cNvPr id="9" name="Rectangle: Rounded Corners 8">
+            <a:extLst>
+              <a:ext uri="{FF2B5EF4-FFF2-40B4-BE49-F238E27FC236}">
+                <a16:creationId xmlns:a16="http://schemas.microsoft.com/office/drawing/2014/main" id="{471E89BF-F282-422C-A34C-F234A2BBC9C6}"/>
+              </a:ext>
+            </a:extLst>
+          </p:cNvPr>
+          <p:cNvSpPr/>
+          <p:nvPr/>
+        </p:nvSpPr>
+        <p:spPr>
+          <a:xfrm>
+            <a:off x="8498150" y="1193637"/>
+            <a:ext cx="1159566" cy="340519"/>
+          </a:xfrm>
+          <a:prstGeom prst="roundRect">
+            <a:avLst/>
+          </a:prstGeom>
+          <a:effectLst>
+            <a:softEdge rad="12700"/>
+          </a:effectLst>
+          <a:scene3d>
+            <a:camera prst="obliqueTopRight"/>
+            <a:lightRig rig="threePt" dir="t"/>
+          </a:scene3d>
+        </p:spPr>
+        <p:style>
+          <a:lnRef idx="2">
+            <a:schemeClr val="dk1"/>
+          </a:lnRef>
+          <a:fillRef idx="1">
+            <a:schemeClr val="lt1"/>
+          </a:fillRef>
+          <a:effectRef idx="0">
+            <a:schemeClr val="dk1"/>
+          </a:effectRef>
+          <a:fontRef idx="minor">
+            <a:schemeClr val="dk1"/>
+          </a:fontRef>
+        </p:style>
+        <p:txBody>
+          <a:bodyPr lIns="0" tIns="0" rIns="0" bIns="0" rtlCol="0" anchor="ctr">
+            <a:spAutoFit/>
+          </a:bodyPr>
+          <a:lstStyle/>
+          <a:p>
+            <a:pPr algn="l"/>
+            <a:r>
+              <a:rPr lang="en-US" sz="2000" dirty="0">
+                <a:solidFill>
+                  <a:schemeClr val="accent1"/>
+                </a:solidFill>
+              </a:rPr>
+              <a:t>Registry</a:t>
+            </a:r>
+            <a:endParaRPr lang="en-US" sz="2400" dirty="0">
+              <a:solidFill>
+                <a:schemeClr val="accent1"/>
+              </a:solidFill>
+            </a:endParaRPr>
+          </a:p>
+        </p:txBody>
+      </p:sp>
+      <p:sp>
+        <p:nvSpPr>
+          <p:cNvPr id="10" name="Rectangle: Rounded Corners 9">
+            <a:extLst>
+              <a:ext uri="{FF2B5EF4-FFF2-40B4-BE49-F238E27FC236}">
+                <a16:creationId xmlns:a16="http://schemas.microsoft.com/office/drawing/2014/main" id="{45C286F5-755D-43EB-B156-D5EAAC6F6530}"/>
+              </a:ext>
+            </a:extLst>
+          </p:cNvPr>
+          <p:cNvSpPr/>
+          <p:nvPr/>
+        </p:nvSpPr>
+        <p:spPr>
+          <a:xfrm>
+            <a:off x="3518457" y="1235843"/>
+            <a:ext cx="1888814" cy="340519"/>
+          </a:xfrm>
+          <a:prstGeom prst="roundRect">
+            <a:avLst/>
+          </a:prstGeom>
+          <a:effectLst>
+            <a:softEdge rad="12700"/>
+          </a:effectLst>
+          <a:scene3d>
+            <a:camera prst="obliqueTopRight"/>
+            <a:lightRig rig="threePt" dir="t"/>
+          </a:scene3d>
+        </p:spPr>
+        <p:style>
+          <a:lnRef idx="2">
+            <a:schemeClr val="dk1"/>
+          </a:lnRef>
+          <a:fillRef idx="1">
+            <a:schemeClr val="lt1"/>
+          </a:fillRef>
+          <a:effectRef idx="0">
+            <a:schemeClr val="dk1"/>
+          </a:effectRef>
+          <a:fontRef idx="minor">
+            <a:schemeClr val="dk1"/>
+          </a:fontRef>
+        </p:style>
+        <p:txBody>
+          <a:bodyPr lIns="0" tIns="0" rIns="0" bIns="0" rtlCol="0" anchor="ctr">
+            <a:spAutoFit/>
+          </a:bodyPr>
+          <a:lstStyle/>
+          <a:p>
+            <a:pPr algn="l"/>
+            <a:r>
+              <a:rPr lang="en-US" sz="2000" dirty="0">
+                <a:solidFill>
+                  <a:schemeClr val="accent1"/>
+                </a:solidFill>
+              </a:rPr>
+              <a:t>Docker Host</a:t>
+            </a:r>
+          </a:p>
+        </p:txBody>
+      </p:sp>
+      <p:pic>
+        <p:nvPicPr>
+          <p:cNvPr id="11" name="Graphic 10">
+            <a:extLst>
+              <a:ext uri="{FF2B5EF4-FFF2-40B4-BE49-F238E27FC236}">
+                <a16:creationId xmlns:a16="http://schemas.microsoft.com/office/drawing/2014/main" id="{BDB684B7-4672-42B8-9E6F-CA1FF0E1C684}"/>
+              </a:ext>
+            </a:extLst>
+          </p:cNvPr>
+          <p:cNvPicPr>
+            <a:picLocks noChangeAspect="1"/>
+          </p:cNvPicPr>
+          <p:nvPr/>
+        </p:nvPicPr>
+        <p:blipFill>
+          <a:blip r:embed="rId2">
+            <a:extLst>
+              <a:ext uri="{96DAC541-7B7A-43D3-8B79-37D633B846F1}">
+                <asvg:svgBlip xmlns:asvg="http://schemas.microsoft.com/office/drawing/2016/SVG/main" r:embed="rId3"/>
+              </a:ext>
+            </a:extLst>
+          </a:blip>
+          <a:stretch>
+            <a:fillRect/>
+          </a:stretch>
+        </p:blipFill>
+        <p:spPr>
+          <a:xfrm>
+            <a:off x="8686897" y="1483683"/>
+            <a:ext cx="1159566" cy="937393"/>
+          </a:xfrm>
+          <a:prstGeom prst="rect">
+            <a:avLst/>
+          </a:prstGeom>
+        </p:spPr>
+      </p:pic>
+      <p:pic>
+        <p:nvPicPr>
+          <p:cNvPr id="12" name="Picture 2" descr="product logo">
+            <a:extLst>
+              <a:ext uri="{FF2B5EF4-FFF2-40B4-BE49-F238E27FC236}">
+                <a16:creationId xmlns:a16="http://schemas.microsoft.com/office/drawing/2014/main" id="{C9896EBC-8E34-4256-8A43-71B61E050F9F}"/>
+              </a:ext>
+            </a:extLst>
+          </p:cNvPr>
+          <p:cNvPicPr>
+            <a:picLocks noChangeAspect="1" noChangeArrowheads="1"/>
+          </p:cNvPicPr>
+          <p:nvPr/>
+        </p:nvPicPr>
+        <p:blipFill>
+          <a:blip r:embed="rId4">
+            <a:extLst>
+              <a:ext uri="{28A0092B-C50C-407E-A947-70E740481C1C}">
+                <a14:useLocalDpi xmlns:a14="http://schemas.microsoft.com/office/drawing/2010/main" val="0"/>
+              </a:ext>
+            </a:extLst>
+          </a:blip>
+          <a:srcRect/>
+          <a:stretch>
+            <a:fillRect/>
+          </a:stretch>
+        </p:blipFill>
+        <p:spPr bwMode="auto">
+          <a:xfrm>
+            <a:off x="8790430" y="2757851"/>
+            <a:ext cx="952500" cy="952500"/>
+          </a:xfrm>
+          <a:prstGeom prst="rect">
+            <a:avLst/>
+          </a:prstGeom>
+          <a:noFill/>
+          <a:extLst>
+            <a:ext uri="{909E8E84-426E-40DD-AFC4-6F175D3DCCD1}">
+              <a14:hiddenFill xmlns:a14="http://schemas.microsoft.com/office/drawing/2010/main">
+                <a:solidFill>
+                  <a:srgbClr val="FFFFFF"/>
+                </a:solidFill>
+              </a14:hiddenFill>
+            </a:ext>
+          </a:extLst>
+        </p:spPr>
+      </p:pic>
+      <p:pic>
+        <p:nvPicPr>
+          <p:cNvPr id="13" name="Picture 10" descr="Image result for powershell logo">
+            <a:extLst>
+              <a:ext uri="{FF2B5EF4-FFF2-40B4-BE49-F238E27FC236}">
+                <a16:creationId xmlns:a16="http://schemas.microsoft.com/office/drawing/2014/main" id="{64E921AB-4641-4BAC-9F6C-BC1F62A57534}"/>
+              </a:ext>
+            </a:extLst>
+          </p:cNvPr>
+          <p:cNvPicPr>
+            <a:picLocks noChangeAspect="1" noChangeArrowheads="1"/>
+          </p:cNvPicPr>
+          <p:nvPr/>
+        </p:nvPicPr>
+        <p:blipFill>
+          <a:blip r:embed="rId5">
+            <a:extLst>
+              <a:ext uri="{28A0092B-C50C-407E-A947-70E740481C1C}">
+                <a14:useLocalDpi xmlns:a14="http://schemas.microsoft.com/office/drawing/2010/main" val="0"/>
+              </a:ext>
+            </a:extLst>
+          </a:blip>
+          <a:srcRect/>
+          <a:stretch>
+            <a:fillRect/>
+          </a:stretch>
+        </p:blipFill>
+        <p:spPr bwMode="auto">
+          <a:xfrm>
+            <a:off x="8873910" y="4041358"/>
+            <a:ext cx="941635" cy="941635"/>
+          </a:xfrm>
+          <a:prstGeom prst="rect">
+            <a:avLst/>
+          </a:prstGeom>
+          <a:noFill/>
+          <a:extLst>
+            <a:ext uri="{909E8E84-426E-40DD-AFC4-6F175D3DCCD1}">
+              <a14:hiddenFill xmlns:a14="http://schemas.microsoft.com/office/drawing/2010/main">
+                <a:solidFill>
+                  <a:srgbClr val="FFFFFF"/>
+                </a:solidFill>
+              </a14:hiddenFill>
+            </a:ext>
+          </a:extLst>
+        </p:spPr>
+      </p:pic>
+      <p:sp>
+        <p:nvSpPr>
+          <p:cNvPr id="14" name="Rectangle: Rounded Corners 13">
+            <a:extLst>
+              <a:ext uri="{FF2B5EF4-FFF2-40B4-BE49-F238E27FC236}">
+                <a16:creationId xmlns:a16="http://schemas.microsoft.com/office/drawing/2014/main" id="{10D42F1B-938E-4111-95D2-806763A3C14F}"/>
+              </a:ext>
+            </a:extLst>
+          </p:cNvPr>
+          <p:cNvSpPr/>
+          <p:nvPr/>
+        </p:nvSpPr>
+        <p:spPr>
+          <a:xfrm>
+            <a:off x="5512657" y="2402937"/>
+            <a:ext cx="1741583" cy="2465568"/>
+          </a:xfrm>
+          <a:prstGeom prst="roundRect">
+            <a:avLst/>
+          </a:prstGeom>
+        </p:spPr>
+        <p:style>
+          <a:lnRef idx="2">
+            <a:schemeClr val="accent4"/>
+          </a:lnRef>
+          <a:fillRef idx="1">
+            <a:schemeClr val="lt1"/>
+          </a:fillRef>
+          <a:effectRef idx="0">
+            <a:schemeClr val="accent4"/>
+          </a:effectRef>
+          <a:fontRef idx="minor">
+            <a:schemeClr val="dk1"/>
+          </a:fontRef>
+        </p:style>
+        <p:txBody>
+          <a:bodyPr lIns="0" tIns="0" rIns="0" bIns="0" rtlCol="0" anchor="ctr">
+            <a:spAutoFit/>
+          </a:bodyPr>
+          <a:lstStyle/>
+          <a:p>
+            <a:pPr algn="l"/>
+            <a:endParaRPr lang="en-US" sz="2400" dirty="0">
+              <a:solidFill>
+                <a:schemeClr val="accent1"/>
+              </a:solidFill>
+            </a:endParaRPr>
+          </a:p>
+        </p:txBody>
+      </p:sp>
+      <p:pic>
+        <p:nvPicPr>
+          <p:cNvPr id="15" name="Graphic 14">
+            <a:extLst>
+              <a:ext uri="{FF2B5EF4-FFF2-40B4-BE49-F238E27FC236}">
+                <a16:creationId xmlns:a16="http://schemas.microsoft.com/office/drawing/2014/main" id="{1838993B-A259-4249-9212-1D77263F74C9}"/>
+              </a:ext>
+            </a:extLst>
+          </p:cNvPr>
+          <p:cNvPicPr>
+            <a:picLocks noChangeAspect="1"/>
+          </p:cNvPicPr>
+          <p:nvPr/>
+        </p:nvPicPr>
+        <p:blipFill>
+          <a:blip r:embed="rId2">
+            <a:extLst>
+              <a:ext uri="{96DAC541-7B7A-43D3-8B79-37D633B846F1}">
+                <asvg:svgBlip xmlns:asvg="http://schemas.microsoft.com/office/drawing/2016/SVG/main" r:embed="rId3"/>
+              </a:ext>
+            </a:extLst>
+          </a:blip>
+          <a:stretch>
+            <a:fillRect/>
+          </a:stretch>
+        </p:blipFill>
+        <p:spPr>
+          <a:xfrm>
+            <a:off x="5755655" y="2698328"/>
+            <a:ext cx="1159566" cy="937393"/>
+          </a:xfrm>
+          <a:prstGeom prst="rect">
+            <a:avLst/>
+          </a:prstGeom>
+        </p:spPr>
+      </p:pic>
+      <p:pic>
+        <p:nvPicPr>
+          <p:cNvPr id="16" name="Picture 2" descr="product logo">
+            <a:extLst>
+              <a:ext uri="{FF2B5EF4-FFF2-40B4-BE49-F238E27FC236}">
+                <a16:creationId xmlns:a16="http://schemas.microsoft.com/office/drawing/2014/main" id="{A8033544-46CB-4F89-9A68-3857DE599EC5}"/>
+              </a:ext>
+            </a:extLst>
+          </p:cNvPr>
+          <p:cNvPicPr>
+            <a:picLocks noChangeAspect="1" noChangeArrowheads="1"/>
+          </p:cNvPicPr>
+          <p:nvPr/>
+        </p:nvPicPr>
+        <p:blipFill>
+          <a:blip r:embed="rId4">
+            <a:extLst>
+              <a:ext uri="{28A0092B-C50C-407E-A947-70E740481C1C}">
+                <a14:useLocalDpi xmlns:a14="http://schemas.microsoft.com/office/drawing/2010/main" val="0"/>
+              </a:ext>
+            </a:extLst>
+          </a:blip>
+          <a:srcRect/>
+          <a:stretch>
+            <a:fillRect/>
+          </a:stretch>
+        </p:blipFill>
+        <p:spPr bwMode="auto">
+          <a:xfrm>
+            <a:off x="5859188" y="3775863"/>
+            <a:ext cx="952500" cy="952500"/>
+          </a:xfrm>
+          <a:prstGeom prst="rect">
+            <a:avLst/>
+          </a:prstGeom>
+          <a:noFill/>
+          <a:extLst>
+            <a:ext uri="{909E8E84-426E-40DD-AFC4-6F175D3DCCD1}">
+              <a14:hiddenFill xmlns:a14="http://schemas.microsoft.com/office/drawing/2010/main">
+                <a:solidFill>
+                  <a:srgbClr val="FFFFFF"/>
+                </a:solidFill>
+              </a14:hiddenFill>
+            </a:ext>
+          </a:extLst>
+        </p:spPr>
+      </p:pic>
+      <p:sp>
+        <p:nvSpPr>
+          <p:cNvPr id="17" name="Rectangle: Rounded Corners 16">
+            <a:extLst>
+              <a:ext uri="{FF2B5EF4-FFF2-40B4-BE49-F238E27FC236}">
+                <a16:creationId xmlns:a16="http://schemas.microsoft.com/office/drawing/2014/main" id="{8713CE85-97CD-479B-8623-C5FBB337F161}"/>
+              </a:ext>
+            </a:extLst>
+          </p:cNvPr>
+          <p:cNvSpPr/>
+          <p:nvPr/>
+        </p:nvSpPr>
+        <p:spPr>
+          <a:xfrm>
+            <a:off x="5617405" y="2190878"/>
+            <a:ext cx="1070778" cy="306467"/>
+          </a:xfrm>
+          <a:prstGeom prst="roundRect">
+            <a:avLst/>
+          </a:prstGeom>
+        </p:spPr>
+        <p:style>
+          <a:lnRef idx="2">
+            <a:schemeClr val="dk1"/>
+          </a:lnRef>
+          <a:fillRef idx="1">
+            <a:schemeClr val="lt1"/>
+          </a:fillRef>
+          <a:effectRef idx="0">
+            <a:schemeClr val="dk1"/>
+          </a:effectRef>
+          <a:fontRef idx="minor">
+            <a:schemeClr val="dk1"/>
+          </a:fontRef>
+        </p:style>
+        <p:txBody>
+          <a:bodyPr lIns="0" tIns="0" rIns="0" bIns="0" rtlCol="0" anchor="ctr">
+            <a:spAutoFit/>
+          </a:bodyPr>
+          <a:lstStyle/>
+          <a:p>
+            <a:pPr algn="l"/>
+            <a:r>
+              <a:rPr lang="en-US" dirty="0">
+                <a:solidFill>
+                  <a:schemeClr val="accent1"/>
+                </a:solidFill>
+              </a:rPr>
+              <a:t>Images</a:t>
+            </a:r>
+            <a:endParaRPr lang="en-US" sz="2400" dirty="0">
+              <a:solidFill>
+                <a:schemeClr val="accent1"/>
+              </a:solidFill>
+            </a:endParaRPr>
+          </a:p>
+        </p:txBody>
+      </p:sp>
+      <p:sp>
+        <p:nvSpPr>
+          <p:cNvPr id="18" name="Rectangle: Rounded Corners 17">
+            <a:extLst>
+              <a:ext uri="{FF2B5EF4-FFF2-40B4-BE49-F238E27FC236}">
+                <a16:creationId xmlns:a16="http://schemas.microsoft.com/office/drawing/2014/main" id="{AAA5EF42-CCD0-4A37-9471-66D1557DD5BC}"/>
+              </a:ext>
+            </a:extLst>
+          </p:cNvPr>
+          <p:cNvSpPr/>
+          <p:nvPr/>
+        </p:nvSpPr>
+        <p:spPr>
+          <a:xfrm>
+            <a:off x="3308550" y="2399632"/>
+            <a:ext cx="1993562" cy="2465568"/>
+          </a:xfrm>
+          <a:prstGeom prst="roundRect">
+            <a:avLst/>
+          </a:prstGeom>
+        </p:spPr>
+        <p:style>
+          <a:lnRef idx="2">
+            <a:schemeClr val="accent4"/>
+          </a:lnRef>
+          <a:fillRef idx="1">
+            <a:schemeClr val="lt1"/>
+          </a:fillRef>
+          <a:effectRef idx="0">
+            <a:schemeClr val="accent4"/>
+          </a:effectRef>
+          <a:fontRef idx="minor">
+            <a:schemeClr val="dk1"/>
+          </a:fontRef>
+        </p:style>
+        <p:txBody>
+          <a:bodyPr lIns="0" tIns="0" rIns="0" bIns="0" rtlCol="0" anchor="ctr">
+            <a:spAutoFit/>
+          </a:bodyPr>
+          <a:lstStyle/>
+          <a:p>
+            <a:pPr algn="l"/>
+            <a:endParaRPr lang="en-US" sz="2400" dirty="0">
+              <a:solidFill>
+                <a:schemeClr val="accent1"/>
+              </a:solidFill>
+            </a:endParaRPr>
+          </a:p>
+        </p:txBody>
+      </p:sp>
+      <p:sp>
+        <p:nvSpPr>
+          <p:cNvPr id="19" name="Rectangle: Rounded Corners 18">
+            <a:extLst>
+              <a:ext uri="{FF2B5EF4-FFF2-40B4-BE49-F238E27FC236}">
+                <a16:creationId xmlns:a16="http://schemas.microsoft.com/office/drawing/2014/main" id="{572EC301-F2AF-4781-B8B9-ECDE51488DED}"/>
+              </a:ext>
+            </a:extLst>
+          </p:cNvPr>
+          <p:cNvSpPr/>
+          <p:nvPr/>
+        </p:nvSpPr>
+        <p:spPr>
+          <a:xfrm>
+            <a:off x="3308550" y="2190878"/>
+            <a:ext cx="1490818" cy="306467"/>
+          </a:xfrm>
+          <a:prstGeom prst="roundRect">
+            <a:avLst/>
+          </a:prstGeom>
+        </p:spPr>
+        <p:style>
+          <a:lnRef idx="2">
+            <a:schemeClr val="dk1"/>
+          </a:lnRef>
+          <a:fillRef idx="1">
+            <a:schemeClr val="lt1"/>
+          </a:fillRef>
+          <a:effectRef idx="0">
+            <a:schemeClr val="dk1"/>
+          </a:effectRef>
+          <a:fontRef idx="minor">
+            <a:schemeClr val="dk1"/>
+          </a:fontRef>
+        </p:style>
+        <p:txBody>
+          <a:bodyPr lIns="0" tIns="0" rIns="0" bIns="0" rtlCol="0" anchor="ctr">
+            <a:spAutoFit/>
+          </a:bodyPr>
+          <a:lstStyle/>
+          <a:p>
+            <a:pPr algn="l"/>
+            <a:r>
+              <a:rPr lang="en-US" dirty="0">
+                <a:solidFill>
+                  <a:schemeClr val="accent1"/>
+                </a:solidFill>
+              </a:rPr>
+              <a:t>Containers</a:t>
+            </a:r>
+          </a:p>
+        </p:txBody>
+      </p:sp>
+      <p:grpSp>
+        <p:nvGrpSpPr>
+          <p:cNvPr id="20" name="Group 19">
+            <a:extLst>
+              <a:ext uri="{FF2B5EF4-FFF2-40B4-BE49-F238E27FC236}">
+                <a16:creationId xmlns:a16="http://schemas.microsoft.com/office/drawing/2014/main" id="{6783EA09-BC5A-4E9E-8A43-5A47A2AB3667}"/>
+              </a:ext>
+            </a:extLst>
+          </p:cNvPr>
+          <p:cNvGrpSpPr/>
+          <p:nvPr/>
+        </p:nvGrpSpPr>
+        <p:grpSpPr>
+          <a:xfrm>
+            <a:off x="3677882" y="2768964"/>
+            <a:ext cx="539533" cy="428489"/>
+            <a:chOff x="3677882" y="2953522"/>
+            <a:chExt cx="539533" cy="428489"/>
+          </a:xfrm>
+        </p:grpSpPr>
+        <p:sp>
+          <p:nvSpPr>
+            <p:cNvPr id="21" name="Cube 20">
+              <a:extLst>
+                <a:ext uri="{FF2B5EF4-FFF2-40B4-BE49-F238E27FC236}">
+                  <a16:creationId xmlns:a16="http://schemas.microsoft.com/office/drawing/2014/main" id="{2ED0C6B5-EEFB-4ACA-ABBC-A8C4DAAF2904}"/>
+                </a:ext>
+              </a:extLst>
+            </p:cNvPr>
+            <p:cNvSpPr/>
+            <p:nvPr/>
+          </p:nvSpPr>
+          <p:spPr>
+            <a:xfrm>
+              <a:off x="3677882" y="2953522"/>
+              <a:ext cx="539533" cy="428489"/>
+            </a:xfrm>
+            <a:prstGeom prst="cube">
+              <a:avLst/>
+            </a:prstGeom>
+          </p:spPr>
+          <p:style>
+            <a:lnRef idx="2">
+              <a:schemeClr val="accent6"/>
+            </a:lnRef>
+            <a:fillRef idx="1">
+              <a:schemeClr val="lt1"/>
+            </a:fillRef>
+            <a:effectRef idx="0">
+              <a:schemeClr val="accent6"/>
+            </a:effectRef>
+            <a:fontRef idx="minor">
+              <a:schemeClr val="dk1"/>
+            </a:fontRef>
+          </p:style>
+          <p:txBody>
+            <a:bodyPr lIns="0" tIns="0" rIns="0" bIns="0" rtlCol="0" anchor="ctr">
+              <a:spAutoFit/>
+            </a:bodyPr>
+            <a:lstStyle/>
+            <a:p>
+              <a:pPr algn="l"/>
+              <a:endParaRPr lang="en-US" sz="2400" dirty="0">
+                <a:solidFill>
+                  <a:schemeClr val="accent1"/>
+                </a:solidFill>
+              </a:endParaRPr>
+            </a:p>
+          </p:txBody>
+        </p:sp>
+        <p:pic>
+          <p:nvPicPr>
+            <p:cNvPr id="22" name="Graphic 21">
+              <a:extLst>
+                <a:ext uri="{FF2B5EF4-FFF2-40B4-BE49-F238E27FC236}">
+                  <a16:creationId xmlns:a16="http://schemas.microsoft.com/office/drawing/2014/main" id="{16A57E61-7BF9-4070-A158-A06DCC6F6AFA}"/>
+                </a:ext>
+              </a:extLst>
+            </p:cNvPr>
+            <p:cNvPicPr>
+              <a:picLocks noChangeAspect="1"/>
+            </p:cNvPicPr>
+            <p:nvPr/>
+          </p:nvPicPr>
+          <p:blipFill>
+            <a:blip r:embed="rId2">
+              <a:extLst>
+                <a:ext uri="{96DAC541-7B7A-43D3-8B79-37D633B846F1}">
+                  <asvg:svgBlip xmlns:asvg="http://schemas.microsoft.com/office/drawing/2016/SVG/main" r:embed="rId3"/>
+                </a:ext>
+              </a:extLst>
+            </a:blip>
+            <a:stretch>
+              <a:fillRect/>
+            </a:stretch>
+          </p:blipFill>
+          <p:spPr>
+            <a:xfrm>
+              <a:off x="3753947" y="3103998"/>
+              <a:ext cx="290462" cy="234809"/>
+            </a:xfrm>
+            <a:prstGeom prst="rect">
+              <a:avLst/>
+            </a:prstGeom>
+          </p:spPr>
+        </p:pic>
+      </p:grpSp>
+      <p:grpSp>
+        <p:nvGrpSpPr>
+          <p:cNvPr id="23" name="Group 22">
+            <a:extLst>
+              <a:ext uri="{FF2B5EF4-FFF2-40B4-BE49-F238E27FC236}">
+                <a16:creationId xmlns:a16="http://schemas.microsoft.com/office/drawing/2014/main" id="{7A5DE8F7-BBC6-4CEC-951E-E5C74D98A9A6}"/>
+              </a:ext>
+            </a:extLst>
+          </p:cNvPr>
+          <p:cNvGrpSpPr/>
+          <p:nvPr/>
+        </p:nvGrpSpPr>
+        <p:grpSpPr>
+          <a:xfrm>
+            <a:off x="4387349" y="3921722"/>
+            <a:ext cx="539533" cy="428489"/>
+            <a:chOff x="3629411" y="3518216"/>
+            <a:chExt cx="539533" cy="428489"/>
+          </a:xfrm>
+        </p:grpSpPr>
+        <p:sp>
+          <p:nvSpPr>
+            <p:cNvPr id="24" name="Cube 23">
+              <a:extLst>
+                <a:ext uri="{FF2B5EF4-FFF2-40B4-BE49-F238E27FC236}">
+                  <a16:creationId xmlns:a16="http://schemas.microsoft.com/office/drawing/2014/main" id="{D94A7A3B-CB2E-4CCA-A748-8258543138B9}"/>
+                </a:ext>
+              </a:extLst>
+            </p:cNvPr>
+            <p:cNvSpPr/>
+            <p:nvPr/>
+          </p:nvSpPr>
+          <p:spPr>
+            <a:xfrm>
+              <a:off x="3629411" y="3518216"/>
+              <a:ext cx="539533" cy="428489"/>
+            </a:xfrm>
+            <a:prstGeom prst="cube">
+              <a:avLst/>
+            </a:prstGeom>
+          </p:spPr>
+          <p:style>
+            <a:lnRef idx="2">
+              <a:schemeClr val="accent6"/>
+            </a:lnRef>
+            <a:fillRef idx="1">
+              <a:schemeClr val="lt1"/>
+            </a:fillRef>
+            <a:effectRef idx="0">
+              <a:schemeClr val="accent6"/>
+            </a:effectRef>
+            <a:fontRef idx="minor">
+              <a:schemeClr val="dk1"/>
+            </a:fontRef>
+          </p:style>
+          <p:txBody>
+            <a:bodyPr lIns="0" tIns="0" rIns="0" bIns="0" rtlCol="0" anchor="ctr">
+              <a:spAutoFit/>
+            </a:bodyPr>
+            <a:lstStyle/>
+            <a:p>
+              <a:pPr algn="l"/>
+              <a:endParaRPr lang="en-US" sz="2400" dirty="0">
+                <a:solidFill>
+                  <a:schemeClr val="accent1"/>
+                </a:solidFill>
+              </a:endParaRPr>
+            </a:p>
+          </p:txBody>
+        </p:sp>
+        <p:pic>
+          <p:nvPicPr>
+            <p:cNvPr id="25" name="Picture 2" descr="product logo">
+              <a:extLst>
+                <a:ext uri="{FF2B5EF4-FFF2-40B4-BE49-F238E27FC236}">
+                  <a16:creationId xmlns:a16="http://schemas.microsoft.com/office/drawing/2014/main" id="{4EB11B35-D8D6-4E8D-BEA9-BDBD1D70CC46}"/>
+                </a:ext>
+              </a:extLst>
+            </p:cNvPr>
+            <p:cNvPicPr>
+              <a:picLocks noChangeAspect="1" noChangeArrowheads="1"/>
+            </p:cNvPicPr>
+            <p:nvPr/>
+          </p:nvPicPr>
+          <p:blipFill>
+            <a:blip r:embed="rId4">
+              <a:extLst>
+                <a:ext uri="{28A0092B-C50C-407E-A947-70E740481C1C}">
+                  <a14:useLocalDpi xmlns:a14="http://schemas.microsoft.com/office/drawing/2010/main" val="0"/>
+                </a:ext>
+              </a:extLst>
+            </a:blip>
+            <a:srcRect/>
+            <a:stretch>
+              <a:fillRect/>
+            </a:stretch>
+          </p:blipFill>
+          <p:spPr bwMode="auto">
+            <a:xfrm>
+              <a:off x="3704009" y="3648418"/>
+              <a:ext cx="281893" cy="281893"/>
+            </a:xfrm>
+            <a:prstGeom prst="rect">
+              <a:avLst/>
+            </a:prstGeom>
+            <a:noFill/>
+            <a:extLst>
+              <a:ext uri="{909E8E84-426E-40DD-AFC4-6F175D3DCCD1}">
+                <a14:hiddenFill xmlns:a14="http://schemas.microsoft.com/office/drawing/2010/main">
+                  <a:solidFill>
+                    <a:srgbClr val="FFFFFF"/>
+                  </a:solidFill>
+                </a14:hiddenFill>
+              </a:ext>
+            </a:extLst>
+          </p:spPr>
+        </p:pic>
+      </p:grpSp>
+      <p:grpSp>
+        <p:nvGrpSpPr>
+          <p:cNvPr id="26" name="Group 25">
+            <a:extLst>
+              <a:ext uri="{FF2B5EF4-FFF2-40B4-BE49-F238E27FC236}">
+                <a16:creationId xmlns:a16="http://schemas.microsoft.com/office/drawing/2014/main" id="{AFF5D099-30B7-44F7-A606-631DB333C3E9}"/>
+              </a:ext>
+            </a:extLst>
+          </p:cNvPr>
+          <p:cNvGrpSpPr/>
+          <p:nvPr/>
+        </p:nvGrpSpPr>
+        <p:grpSpPr>
+          <a:xfrm>
+            <a:off x="3674805" y="3347929"/>
+            <a:ext cx="539533" cy="428489"/>
+            <a:chOff x="3677882" y="2953522"/>
+            <a:chExt cx="539533" cy="428489"/>
+          </a:xfrm>
+        </p:grpSpPr>
+        <p:sp>
+          <p:nvSpPr>
+            <p:cNvPr id="27" name="Cube 26">
+              <a:extLst>
+                <a:ext uri="{FF2B5EF4-FFF2-40B4-BE49-F238E27FC236}">
+                  <a16:creationId xmlns:a16="http://schemas.microsoft.com/office/drawing/2014/main" id="{B85BCAC2-BFD8-4EE0-9896-5952987366BD}"/>
+                </a:ext>
+              </a:extLst>
+            </p:cNvPr>
+            <p:cNvSpPr/>
+            <p:nvPr/>
+          </p:nvSpPr>
+          <p:spPr>
+            <a:xfrm>
+              <a:off x="3677882" y="2953522"/>
+              <a:ext cx="539533" cy="428489"/>
+            </a:xfrm>
+            <a:prstGeom prst="cube">
+              <a:avLst/>
+            </a:prstGeom>
+          </p:spPr>
+          <p:style>
+            <a:lnRef idx="2">
+              <a:schemeClr val="accent6"/>
+            </a:lnRef>
+            <a:fillRef idx="1">
+              <a:schemeClr val="lt1"/>
+            </a:fillRef>
+            <a:effectRef idx="0">
+              <a:schemeClr val="accent6"/>
+            </a:effectRef>
+            <a:fontRef idx="minor">
+              <a:schemeClr val="dk1"/>
+            </a:fontRef>
+          </p:style>
+          <p:txBody>
+            <a:bodyPr lIns="0" tIns="0" rIns="0" bIns="0" rtlCol="0" anchor="ctr">
+              <a:spAutoFit/>
+            </a:bodyPr>
+            <a:lstStyle/>
+            <a:p>
+              <a:pPr algn="l"/>
+              <a:endParaRPr lang="en-US" sz="2400" dirty="0">
+                <a:solidFill>
+                  <a:schemeClr val="accent1"/>
+                </a:solidFill>
+              </a:endParaRPr>
+            </a:p>
+          </p:txBody>
+        </p:sp>
+        <p:pic>
+          <p:nvPicPr>
+            <p:cNvPr id="28" name="Graphic 27">
+              <a:extLst>
+                <a:ext uri="{FF2B5EF4-FFF2-40B4-BE49-F238E27FC236}">
+                  <a16:creationId xmlns:a16="http://schemas.microsoft.com/office/drawing/2014/main" id="{8AE3E7CA-3339-4BB7-AB94-0C12D6C05A50}"/>
+                </a:ext>
+              </a:extLst>
+            </p:cNvPr>
+            <p:cNvPicPr>
+              <a:picLocks noChangeAspect="1"/>
+            </p:cNvPicPr>
+            <p:nvPr/>
+          </p:nvPicPr>
+          <p:blipFill>
+            <a:blip r:embed="rId2">
+              <a:extLst>
+                <a:ext uri="{96DAC541-7B7A-43D3-8B79-37D633B846F1}">
+                  <asvg:svgBlip xmlns:asvg="http://schemas.microsoft.com/office/drawing/2016/SVG/main" r:embed="rId3"/>
+                </a:ext>
+              </a:extLst>
+            </a:blip>
+            <a:stretch>
+              <a:fillRect/>
+            </a:stretch>
+          </p:blipFill>
+          <p:spPr>
+            <a:xfrm>
+              <a:off x="3753947" y="3103998"/>
+              <a:ext cx="290462" cy="234809"/>
+            </a:xfrm>
+            <a:prstGeom prst="rect">
+              <a:avLst/>
+            </a:prstGeom>
+          </p:spPr>
+        </p:pic>
+      </p:grpSp>
+      <p:grpSp>
+        <p:nvGrpSpPr>
+          <p:cNvPr id="29" name="Group 28">
+            <a:extLst>
+              <a:ext uri="{FF2B5EF4-FFF2-40B4-BE49-F238E27FC236}">
+                <a16:creationId xmlns:a16="http://schemas.microsoft.com/office/drawing/2014/main" id="{C079A9B1-5F7A-40B9-85C0-52DCCEC9D6F3}"/>
+              </a:ext>
+            </a:extLst>
+          </p:cNvPr>
+          <p:cNvGrpSpPr/>
+          <p:nvPr/>
+        </p:nvGrpSpPr>
+        <p:grpSpPr>
+          <a:xfrm>
+            <a:off x="4403561" y="2768964"/>
+            <a:ext cx="539533" cy="428489"/>
+            <a:chOff x="3629411" y="3518216"/>
+            <a:chExt cx="539533" cy="428489"/>
+          </a:xfrm>
+        </p:grpSpPr>
+        <p:sp>
+          <p:nvSpPr>
+            <p:cNvPr id="30" name="Cube 29">
+              <a:extLst>
+                <a:ext uri="{FF2B5EF4-FFF2-40B4-BE49-F238E27FC236}">
+                  <a16:creationId xmlns:a16="http://schemas.microsoft.com/office/drawing/2014/main" id="{4FAEC127-19C7-4BEA-B478-3D9B1C4AC147}"/>
+                </a:ext>
+              </a:extLst>
+            </p:cNvPr>
+            <p:cNvSpPr/>
+            <p:nvPr/>
+          </p:nvSpPr>
+          <p:spPr>
+            <a:xfrm>
+              <a:off x="3629411" y="3518216"/>
+              <a:ext cx="539533" cy="428489"/>
+            </a:xfrm>
+            <a:prstGeom prst="cube">
+              <a:avLst/>
+            </a:prstGeom>
+          </p:spPr>
+          <p:style>
+            <a:lnRef idx="2">
+              <a:schemeClr val="accent6"/>
+            </a:lnRef>
+            <a:fillRef idx="1">
+              <a:schemeClr val="lt1"/>
+            </a:fillRef>
+            <a:effectRef idx="0">
+              <a:schemeClr val="accent6"/>
+            </a:effectRef>
+            <a:fontRef idx="minor">
+              <a:schemeClr val="dk1"/>
+            </a:fontRef>
+          </p:style>
+          <p:txBody>
+            <a:bodyPr lIns="0" tIns="0" rIns="0" bIns="0" rtlCol="0" anchor="ctr">
+              <a:spAutoFit/>
+            </a:bodyPr>
+            <a:lstStyle/>
+            <a:p>
+              <a:pPr algn="l"/>
+              <a:endParaRPr lang="en-US" sz="2400" dirty="0">
+                <a:solidFill>
+                  <a:schemeClr val="accent1"/>
+                </a:solidFill>
+              </a:endParaRPr>
+            </a:p>
+          </p:txBody>
+        </p:sp>
+        <p:pic>
+          <p:nvPicPr>
+            <p:cNvPr id="31" name="Picture 2" descr="product logo">
+              <a:extLst>
+                <a:ext uri="{FF2B5EF4-FFF2-40B4-BE49-F238E27FC236}">
+                  <a16:creationId xmlns:a16="http://schemas.microsoft.com/office/drawing/2014/main" id="{AB91687F-73AD-46C6-87A2-3653590C4BFF}"/>
+                </a:ext>
+              </a:extLst>
+            </p:cNvPr>
+            <p:cNvPicPr>
+              <a:picLocks noChangeAspect="1" noChangeArrowheads="1"/>
+            </p:cNvPicPr>
+            <p:nvPr/>
+          </p:nvPicPr>
+          <p:blipFill>
+            <a:blip r:embed="rId4">
+              <a:extLst>
+                <a:ext uri="{28A0092B-C50C-407E-A947-70E740481C1C}">
+                  <a14:useLocalDpi xmlns:a14="http://schemas.microsoft.com/office/drawing/2010/main" val="0"/>
+                </a:ext>
+              </a:extLst>
+            </a:blip>
+            <a:srcRect/>
+            <a:stretch>
+              <a:fillRect/>
+            </a:stretch>
+          </p:blipFill>
+          <p:spPr bwMode="auto">
+            <a:xfrm>
+              <a:off x="3704009" y="3648418"/>
+              <a:ext cx="281893" cy="281893"/>
+            </a:xfrm>
+            <a:prstGeom prst="rect">
+              <a:avLst/>
+            </a:prstGeom>
+            <a:noFill/>
+            <a:extLst>
+              <a:ext uri="{909E8E84-426E-40DD-AFC4-6F175D3DCCD1}">
+                <a14:hiddenFill xmlns:a14="http://schemas.microsoft.com/office/drawing/2010/main">
+                  <a:solidFill>
+                    <a:srgbClr val="FFFFFF"/>
+                  </a:solidFill>
+                </a14:hiddenFill>
+              </a:ext>
+            </a:extLst>
+          </p:spPr>
+        </p:pic>
+      </p:grpSp>
+      <p:grpSp>
+        <p:nvGrpSpPr>
+          <p:cNvPr id="32" name="Group 31">
+            <a:extLst>
+              <a:ext uri="{FF2B5EF4-FFF2-40B4-BE49-F238E27FC236}">
+                <a16:creationId xmlns:a16="http://schemas.microsoft.com/office/drawing/2014/main" id="{F81BDC5B-094F-4444-A1C2-3A9AD13E8B3C}"/>
+              </a:ext>
+            </a:extLst>
+          </p:cNvPr>
+          <p:cNvGrpSpPr/>
+          <p:nvPr/>
+        </p:nvGrpSpPr>
+        <p:grpSpPr>
+          <a:xfrm>
+            <a:off x="3653482" y="3921722"/>
+            <a:ext cx="539533" cy="428489"/>
+            <a:chOff x="3677882" y="2953522"/>
+            <a:chExt cx="539533" cy="428489"/>
+          </a:xfrm>
+        </p:grpSpPr>
+        <p:sp>
+          <p:nvSpPr>
+            <p:cNvPr id="33" name="Cube 32">
+              <a:extLst>
+                <a:ext uri="{FF2B5EF4-FFF2-40B4-BE49-F238E27FC236}">
+                  <a16:creationId xmlns:a16="http://schemas.microsoft.com/office/drawing/2014/main" id="{204DD040-7FC1-40CC-8103-25552D7CC535}"/>
+                </a:ext>
+              </a:extLst>
+            </p:cNvPr>
+            <p:cNvSpPr/>
+            <p:nvPr/>
+          </p:nvSpPr>
+          <p:spPr>
+            <a:xfrm>
+              <a:off x="3677882" y="2953522"/>
+              <a:ext cx="539533" cy="428489"/>
+            </a:xfrm>
+            <a:prstGeom prst="cube">
+              <a:avLst/>
+            </a:prstGeom>
+          </p:spPr>
+          <p:style>
+            <a:lnRef idx="2">
+              <a:schemeClr val="accent6"/>
+            </a:lnRef>
+            <a:fillRef idx="1">
+              <a:schemeClr val="lt1"/>
+            </a:fillRef>
+            <a:effectRef idx="0">
+              <a:schemeClr val="accent6"/>
+            </a:effectRef>
+            <a:fontRef idx="minor">
+              <a:schemeClr val="dk1"/>
+            </a:fontRef>
+          </p:style>
+          <p:txBody>
+            <a:bodyPr lIns="0" tIns="0" rIns="0" bIns="0" rtlCol="0" anchor="ctr">
+              <a:spAutoFit/>
+            </a:bodyPr>
+            <a:lstStyle/>
+            <a:p>
+              <a:pPr algn="l"/>
+              <a:endParaRPr lang="en-US" sz="2400" dirty="0">
+                <a:solidFill>
+                  <a:schemeClr val="accent1"/>
+                </a:solidFill>
+              </a:endParaRPr>
+            </a:p>
+          </p:txBody>
+        </p:sp>
+        <p:pic>
+          <p:nvPicPr>
+            <p:cNvPr id="34" name="Graphic 33">
+              <a:extLst>
+                <a:ext uri="{FF2B5EF4-FFF2-40B4-BE49-F238E27FC236}">
+                  <a16:creationId xmlns:a16="http://schemas.microsoft.com/office/drawing/2014/main" id="{69D8D578-D2B6-4590-B7CD-2255C941D1D1}"/>
+                </a:ext>
+              </a:extLst>
+            </p:cNvPr>
+            <p:cNvPicPr>
+              <a:picLocks noChangeAspect="1"/>
+            </p:cNvPicPr>
+            <p:nvPr/>
+          </p:nvPicPr>
+          <p:blipFill>
+            <a:blip r:embed="rId2">
+              <a:extLst>
+                <a:ext uri="{96DAC541-7B7A-43D3-8B79-37D633B846F1}">
+                  <asvg:svgBlip xmlns:asvg="http://schemas.microsoft.com/office/drawing/2016/SVG/main" r:embed="rId3"/>
+                </a:ext>
+              </a:extLst>
+            </a:blip>
+            <a:stretch>
+              <a:fillRect/>
+            </a:stretch>
+          </p:blipFill>
+          <p:spPr>
+            <a:xfrm>
+              <a:off x="3753947" y="3103998"/>
+              <a:ext cx="290462" cy="234809"/>
+            </a:xfrm>
+            <a:prstGeom prst="rect">
+              <a:avLst/>
+            </a:prstGeom>
+          </p:spPr>
+        </p:pic>
+      </p:grpSp>
+      <p:grpSp>
+        <p:nvGrpSpPr>
+          <p:cNvPr id="35" name="Group 34">
+            <a:extLst>
+              <a:ext uri="{FF2B5EF4-FFF2-40B4-BE49-F238E27FC236}">
+                <a16:creationId xmlns:a16="http://schemas.microsoft.com/office/drawing/2014/main" id="{06498737-9451-46D9-B0C3-5ADBD2C1838E}"/>
+              </a:ext>
+            </a:extLst>
+          </p:cNvPr>
+          <p:cNvGrpSpPr/>
+          <p:nvPr/>
+        </p:nvGrpSpPr>
+        <p:grpSpPr>
+          <a:xfrm>
+            <a:off x="4387603" y="3333658"/>
+            <a:ext cx="539533" cy="428489"/>
+            <a:chOff x="3629411" y="3518216"/>
+            <a:chExt cx="539533" cy="428489"/>
+          </a:xfrm>
+        </p:grpSpPr>
+        <p:sp>
+          <p:nvSpPr>
+            <p:cNvPr id="36" name="Cube 35">
+              <a:extLst>
+                <a:ext uri="{FF2B5EF4-FFF2-40B4-BE49-F238E27FC236}">
+                  <a16:creationId xmlns:a16="http://schemas.microsoft.com/office/drawing/2014/main" id="{A7303AAB-0310-436B-AE42-B12612A9AB6D}"/>
+                </a:ext>
+              </a:extLst>
+            </p:cNvPr>
+            <p:cNvSpPr/>
+            <p:nvPr/>
+          </p:nvSpPr>
+          <p:spPr>
+            <a:xfrm>
+              <a:off x="3629411" y="3518216"/>
+              <a:ext cx="539533" cy="428489"/>
+            </a:xfrm>
+            <a:prstGeom prst="cube">
+              <a:avLst/>
+            </a:prstGeom>
+          </p:spPr>
+          <p:style>
+            <a:lnRef idx="2">
+              <a:schemeClr val="accent6"/>
+            </a:lnRef>
+            <a:fillRef idx="1">
+              <a:schemeClr val="lt1"/>
+            </a:fillRef>
+            <a:effectRef idx="0">
+              <a:schemeClr val="accent6"/>
+            </a:effectRef>
+            <a:fontRef idx="minor">
+              <a:schemeClr val="dk1"/>
+            </a:fontRef>
+          </p:style>
+          <p:txBody>
+            <a:bodyPr lIns="0" tIns="0" rIns="0" bIns="0" rtlCol="0" anchor="ctr">
+              <a:spAutoFit/>
+            </a:bodyPr>
+            <a:lstStyle/>
+            <a:p>
+              <a:pPr algn="l"/>
+              <a:endParaRPr lang="en-US" sz="2400" dirty="0">
+                <a:solidFill>
+                  <a:schemeClr val="accent1"/>
+                </a:solidFill>
+              </a:endParaRPr>
+            </a:p>
+          </p:txBody>
+        </p:sp>
+        <p:pic>
+          <p:nvPicPr>
+            <p:cNvPr id="37" name="Picture 2" descr="product logo">
+              <a:extLst>
+                <a:ext uri="{FF2B5EF4-FFF2-40B4-BE49-F238E27FC236}">
+                  <a16:creationId xmlns:a16="http://schemas.microsoft.com/office/drawing/2014/main" id="{29645E82-98A2-4EE0-9542-6AF2BC4786FF}"/>
+                </a:ext>
+              </a:extLst>
+            </p:cNvPr>
+            <p:cNvPicPr>
+              <a:picLocks noChangeAspect="1" noChangeArrowheads="1"/>
+            </p:cNvPicPr>
+            <p:nvPr/>
+          </p:nvPicPr>
+          <p:blipFill>
+            <a:blip r:embed="rId4">
+              <a:extLst>
+                <a:ext uri="{28A0092B-C50C-407E-A947-70E740481C1C}">
+                  <a14:useLocalDpi xmlns:a14="http://schemas.microsoft.com/office/drawing/2010/main" val="0"/>
+                </a:ext>
+              </a:extLst>
+            </a:blip>
+            <a:srcRect/>
+            <a:stretch>
+              <a:fillRect/>
+            </a:stretch>
+          </p:blipFill>
+          <p:spPr bwMode="auto">
+            <a:xfrm>
+              <a:off x="3704009" y="3648418"/>
+              <a:ext cx="281893" cy="281893"/>
+            </a:xfrm>
+            <a:prstGeom prst="rect">
+              <a:avLst/>
+            </a:prstGeom>
+            <a:noFill/>
+            <a:extLst>
+              <a:ext uri="{909E8E84-426E-40DD-AFC4-6F175D3DCCD1}">
+                <a14:hiddenFill xmlns:a14="http://schemas.microsoft.com/office/drawing/2010/main">
+                  <a:solidFill>
+                    <a:srgbClr val="FFFFFF"/>
+                  </a:solidFill>
+                </a14:hiddenFill>
+              </a:ext>
+            </a:extLst>
+          </p:spPr>
+        </p:pic>
+      </p:grpSp>
+      <p:cxnSp>
+        <p:nvCxnSpPr>
+          <p:cNvPr id="38" name="Connector: Curved 37">
+            <a:extLst>
+              <a:ext uri="{FF2B5EF4-FFF2-40B4-BE49-F238E27FC236}">
+                <a16:creationId xmlns:a16="http://schemas.microsoft.com/office/drawing/2014/main" id="{0EFD1602-1A33-426E-B32A-AC5FCF2E21D4}"/>
+              </a:ext>
+            </a:extLst>
+          </p:cNvPr>
+          <p:cNvCxnSpPr>
+            <a:cxnSpLocks/>
+          </p:cNvCxnSpPr>
+          <p:nvPr/>
+        </p:nvCxnSpPr>
+        <p:spPr>
+          <a:xfrm flipV="1">
+            <a:off x="2143748" y="1791007"/>
+            <a:ext cx="1164802" cy="608625"/>
+          </a:xfrm>
+          <a:prstGeom prst="curvedConnector3">
+            <a:avLst/>
+          </a:prstGeom>
+          <a:ln w="25400">
+            <a:solidFill>
+              <a:schemeClr val="accent1">
+                <a:alpha val="50000"/>
+              </a:schemeClr>
+            </a:solidFill>
+            <a:prstDash val="lgDashDot"/>
+            <a:tailEnd type="triangle"/>
+          </a:ln>
+        </p:spPr>
+        <p:style>
+          <a:lnRef idx="2">
+            <a:schemeClr val="accent1"/>
+          </a:lnRef>
+          <a:fillRef idx="0">
+            <a:schemeClr val="accent1"/>
+          </a:fillRef>
+          <a:effectRef idx="1">
+            <a:schemeClr val="accent1"/>
+          </a:effectRef>
+          <a:fontRef idx="minor">
+            <a:schemeClr val="tx1"/>
+          </a:fontRef>
+        </p:style>
+      </p:cxnSp>
+      <p:cxnSp>
+        <p:nvCxnSpPr>
+          <p:cNvPr id="39" name="Connector: Curved 38">
+            <a:extLst>
+              <a:ext uri="{FF2B5EF4-FFF2-40B4-BE49-F238E27FC236}">
+                <a16:creationId xmlns:a16="http://schemas.microsoft.com/office/drawing/2014/main" id="{CBC0568C-FC9C-435C-BD6F-A5E4836CA5BC}"/>
+              </a:ext>
+            </a:extLst>
+          </p:cNvPr>
+          <p:cNvCxnSpPr>
+            <a:cxnSpLocks/>
+          </p:cNvCxnSpPr>
+          <p:nvPr/>
+        </p:nvCxnSpPr>
+        <p:spPr>
+          <a:xfrm flipV="1">
+            <a:off x="2293596" y="1791010"/>
+            <a:ext cx="1014955" cy="907318"/>
+          </a:xfrm>
+          <a:prstGeom prst="curvedConnector3">
+            <a:avLst>
+              <a:gd name="adj1" fmla="val 50000"/>
+            </a:avLst>
+          </a:prstGeom>
+          <a:ln w="25400">
+            <a:solidFill>
+              <a:schemeClr val="accent1">
+                <a:alpha val="50000"/>
+              </a:schemeClr>
+            </a:solidFill>
+            <a:tailEnd type="triangle"/>
+          </a:ln>
+        </p:spPr>
+        <p:style>
+          <a:lnRef idx="2">
+            <a:schemeClr val="accent1"/>
+          </a:lnRef>
+          <a:fillRef idx="0">
+            <a:schemeClr val="accent1"/>
+          </a:fillRef>
+          <a:effectRef idx="1">
+            <a:schemeClr val="accent1"/>
+          </a:effectRef>
+          <a:fontRef idx="minor">
+            <a:schemeClr val="tx1"/>
+          </a:fontRef>
+        </p:style>
+      </p:cxnSp>
+      <p:cxnSp>
+        <p:nvCxnSpPr>
+          <p:cNvPr id="40" name="Connector: Curved 39">
+            <a:extLst>
+              <a:ext uri="{FF2B5EF4-FFF2-40B4-BE49-F238E27FC236}">
+                <a16:creationId xmlns:a16="http://schemas.microsoft.com/office/drawing/2014/main" id="{A9497FC8-052B-4562-AA09-583ADDE4C09C}"/>
+              </a:ext>
+            </a:extLst>
+          </p:cNvPr>
+          <p:cNvCxnSpPr>
+            <a:cxnSpLocks/>
+          </p:cNvCxnSpPr>
+          <p:nvPr/>
+        </p:nvCxnSpPr>
+        <p:spPr>
+          <a:xfrm flipV="1">
+            <a:off x="2272223" y="1791007"/>
+            <a:ext cx="1036327" cy="245451"/>
+          </a:xfrm>
+          <a:prstGeom prst="curvedConnector3">
+            <a:avLst/>
+          </a:prstGeom>
+          <a:ln w="25400">
+            <a:solidFill>
+              <a:schemeClr val="accent1">
+                <a:alpha val="50000"/>
+              </a:schemeClr>
+            </a:solidFill>
+            <a:prstDash val="sysDash"/>
+            <a:tailEnd type="triangle"/>
+          </a:ln>
+        </p:spPr>
+        <p:style>
+          <a:lnRef idx="2">
+            <a:schemeClr val="accent1"/>
+          </a:lnRef>
+          <a:fillRef idx="0">
+            <a:schemeClr val="accent1"/>
+          </a:fillRef>
+          <a:effectRef idx="1">
+            <a:schemeClr val="accent1"/>
+          </a:effectRef>
+          <a:fontRef idx="minor">
+            <a:schemeClr val="tx1"/>
+          </a:fontRef>
+        </p:style>
+      </p:cxnSp>
+      <p:cxnSp>
+        <p:nvCxnSpPr>
+          <p:cNvPr id="41" name="Connector: Curved 40">
+            <a:extLst>
+              <a:ext uri="{FF2B5EF4-FFF2-40B4-BE49-F238E27FC236}">
+                <a16:creationId xmlns:a16="http://schemas.microsoft.com/office/drawing/2014/main" id="{CC745F1C-0704-455A-ADE1-EBA1C33784E9}"/>
+              </a:ext>
+            </a:extLst>
+          </p:cNvPr>
+          <p:cNvCxnSpPr>
+            <a:cxnSpLocks/>
+            <a:endCxn id="16" idx="3"/>
+          </p:cNvCxnSpPr>
+          <p:nvPr/>
+        </p:nvCxnSpPr>
+        <p:spPr>
+          <a:xfrm flipH="1">
+            <a:off x="6811688" y="1791007"/>
+            <a:ext cx="694532" cy="2461106"/>
+          </a:xfrm>
+          <a:prstGeom prst="curvedConnector3">
+            <a:avLst>
+              <a:gd name="adj1" fmla="val -32914"/>
+            </a:avLst>
+          </a:prstGeom>
+          <a:ln w="25400">
+            <a:solidFill>
+              <a:schemeClr val="accent1">
+                <a:alpha val="50000"/>
+              </a:schemeClr>
+            </a:solidFill>
+            <a:prstDash val="lgDashDot"/>
+            <a:tailEnd type="triangle"/>
+          </a:ln>
+        </p:spPr>
+        <p:style>
+          <a:lnRef idx="2">
+            <a:schemeClr val="accent1"/>
+          </a:lnRef>
+          <a:fillRef idx="0">
+            <a:schemeClr val="accent1"/>
+          </a:fillRef>
+          <a:effectRef idx="1">
+            <a:schemeClr val="accent1"/>
+          </a:effectRef>
+          <a:fontRef idx="minor">
+            <a:schemeClr val="tx1"/>
+          </a:fontRef>
+        </p:style>
+      </p:cxnSp>
+      <p:cxnSp>
+        <p:nvCxnSpPr>
+          <p:cNvPr id="42" name="Connector: Curved 41">
+            <a:extLst>
+              <a:ext uri="{FF2B5EF4-FFF2-40B4-BE49-F238E27FC236}">
+                <a16:creationId xmlns:a16="http://schemas.microsoft.com/office/drawing/2014/main" id="{D26164EE-953C-411F-A45A-780034B95821}"/>
+              </a:ext>
+            </a:extLst>
+          </p:cNvPr>
+          <p:cNvCxnSpPr>
+            <a:cxnSpLocks/>
+            <a:stCxn id="11" idx="1"/>
+            <a:endCxn id="15" idx="3"/>
+          </p:cNvCxnSpPr>
+          <p:nvPr/>
+        </p:nvCxnSpPr>
+        <p:spPr>
+          <a:xfrm rot="10800000" flipV="1">
+            <a:off x="6915221" y="1952379"/>
+            <a:ext cx="1771676" cy="1214645"/>
+          </a:xfrm>
+          <a:prstGeom prst="curvedConnector3">
+            <a:avLst>
+              <a:gd name="adj1" fmla="val 50000"/>
+            </a:avLst>
+          </a:prstGeom>
+          <a:ln w="25400">
+            <a:solidFill>
+              <a:schemeClr val="accent1">
+                <a:alpha val="50000"/>
+              </a:schemeClr>
+            </a:solidFill>
+            <a:prstDash val="sysDash"/>
+            <a:tailEnd type="triangle"/>
+          </a:ln>
+        </p:spPr>
+        <p:style>
+          <a:lnRef idx="2">
+            <a:schemeClr val="accent1"/>
+          </a:lnRef>
+          <a:fillRef idx="0">
+            <a:schemeClr val="accent1"/>
+          </a:fillRef>
+          <a:effectRef idx="1">
+            <a:schemeClr val="accent1"/>
+          </a:effectRef>
+          <a:fontRef idx="minor">
+            <a:schemeClr val="tx1"/>
+          </a:fontRef>
+        </p:style>
+      </p:cxnSp>
+      <p:cxnSp>
+        <p:nvCxnSpPr>
+          <p:cNvPr id="43" name="Connector: Curved 42">
+            <a:extLst>
+              <a:ext uri="{FF2B5EF4-FFF2-40B4-BE49-F238E27FC236}">
+                <a16:creationId xmlns:a16="http://schemas.microsoft.com/office/drawing/2014/main" id="{646F37EB-853D-40B7-9673-DB0E5B824848}"/>
+              </a:ext>
+            </a:extLst>
+          </p:cNvPr>
+          <p:cNvCxnSpPr>
+            <a:cxnSpLocks/>
+          </p:cNvCxnSpPr>
+          <p:nvPr/>
+        </p:nvCxnSpPr>
+        <p:spPr>
+          <a:xfrm>
+            <a:off x="7506220" y="1791007"/>
+            <a:ext cx="1177765" cy="161372"/>
+          </a:xfrm>
+          <a:prstGeom prst="curvedConnector3">
+            <a:avLst/>
+          </a:prstGeom>
+          <a:ln w="25400">
+            <a:solidFill>
+              <a:schemeClr val="accent1">
+                <a:alpha val="50000"/>
+              </a:schemeClr>
+            </a:solidFill>
+            <a:prstDash val="sysDash"/>
+            <a:tailEnd type="triangle"/>
+          </a:ln>
+        </p:spPr>
+        <p:style>
+          <a:lnRef idx="2">
+            <a:schemeClr val="accent1"/>
+          </a:lnRef>
+          <a:fillRef idx="0">
+            <a:schemeClr val="accent1"/>
+          </a:fillRef>
+          <a:effectRef idx="1">
+            <a:schemeClr val="accent1"/>
+          </a:effectRef>
+          <a:fontRef idx="minor">
+            <a:schemeClr val="tx1"/>
+          </a:fontRef>
+        </p:style>
+      </p:cxnSp>
+      <p:cxnSp>
+        <p:nvCxnSpPr>
+          <p:cNvPr id="44" name="Connector: Curved 43">
+            <a:extLst>
+              <a:ext uri="{FF2B5EF4-FFF2-40B4-BE49-F238E27FC236}">
+                <a16:creationId xmlns:a16="http://schemas.microsoft.com/office/drawing/2014/main" id="{117CB427-7C2F-41AB-ACAF-A265EE884606}"/>
+              </a:ext>
+            </a:extLst>
+          </p:cNvPr>
+          <p:cNvCxnSpPr>
+            <a:cxnSpLocks/>
+            <a:stCxn id="16" idx="1"/>
+            <a:endCxn id="24" idx="4"/>
+          </p:cNvCxnSpPr>
+          <p:nvPr/>
+        </p:nvCxnSpPr>
+        <p:spPr>
+          <a:xfrm rot="10800000">
+            <a:off x="4819760" y="4189529"/>
+            <a:ext cx="1039428" cy="62585"/>
+          </a:xfrm>
+          <a:prstGeom prst="curvedConnector3">
+            <a:avLst>
+              <a:gd name="adj1" fmla="val 50000"/>
+            </a:avLst>
+          </a:prstGeom>
+          <a:ln w="25400">
+            <a:solidFill>
+              <a:schemeClr val="accent1">
+                <a:alpha val="50000"/>
+              </a:schemeClr>
+            </a:solidFill>
+            <a:tailEnd type="triangle"/>
+          </a:ln>
+        </p:spPr>
+        <p:style>
+          <a:lnRef idx="2">
+            <a:schemeClr val="accent1"/>
+          </a:lnRef>
+          <a:fillRef idx="0">
+            <a:schemeClr val="accent1"/>
+          </a:fillRef>
+          <a:effectRef idx="1">
+            <a:schemeClr val="accent1"/>
+          </a:effectRef>
+          <a:fontRef idx="minor">
+            <a:schemeClr val="tx1"/>
+          </a:fontRef>
+        </p:style>
+      </p:cxnSp>
+      <p:cxnSp>
+        <p:nvCxnSpPr>
+          <p:cNvPr id="45" name="Connector: Curved 44">
+            <a:extLst>
+              <a:ext uri="{FF2B5EF4-FFF2-40B4-BE49-F238E27FC236}">
+                <a16:creationId xmlns:a16="http://schemas.microsoft.com/office/drawing/2014/main" id="{B7B7355B-86C4-4304-9B0D-3377FFFD7A35}"/>
+              </a:ext>
+            </a:extLst>
+          </p:cNvPr>
+          <p:cNvCxnSpPr>
+            <a:cxnSpLocks/>
+            <a:stCxn id="15" idx="1"/>
+            <a:endCxn id="21" idx="0"/>
+          </p:cNvCxnSpPr>
+          <p:nvPr/>
+        </p:nvCxnSpPr>
+        <p:spPr>
+          <a:xfrm rot="10800000">
+            <a:off x="4001211" y="2768965"/>
+            <a:ext cx="1754445" cy="398061"/>
+          </a:xfrm>
+          <a:prstGeom prst="curvedConnector4">
+            <a:avLst>
+              <a:gd name="adj1" fmla="val 43838"/>
+              <a:gd name="adj2" fmla="val 157428"/>
+            </a:avLst>
+          </a:prstGeom>
+          <a:ln w="25400">
+            <a:solidFill>
+              <a:schemeClr val="accent1">
+                <a:alpha val="50000"/>
+              </a:schemeClr>
+            </a:solidFill>
+            <a:tailEnd type="triangle"/>
+          </a:ln>
+        </p:spPr>
+        <p:style>
+          <a:lnRef idx="2">
+            <a:schemeClr val="accent1"/>
+          </a:lnRef>
+          <a:fillRef idx="0">
+            <a:schemeClr val="accent1"/>
+          </a:fillRef>
+          <a:effectRef idx="1">
+            <a:schemeClr val="accent1"/>
+          </a:effectRef>
+          <a:fontRef idx="minor">
+            <a:schemeClr val="tx1"/>
+          </a:fontRef>
+        </p:style>
+      </p:cxnSp>
+      <p:cxnSp>
+        <p:nvCxnSpPr>
+          <p:cNvPr id="46" name="Connector: Curved 45">
+            <a:extLst>
+              <a:ext uri="{FF2B5EF4-FFF2-40B4-BE49-F238E27FC236}">
+                <a16:creationId xmlns:a16="http://schemas.microsoft.com/office/drawing/2014/main" id="{E750EB2E-CD19-4730-BC21-EE82FFC63F26}"/>
+              </a:ext>
+            </a:extLst>
+          </p:cNvPr>
+          <p:cNvCxnSpPr>
+            <a:cxnSpLocks/>
+          </p:cNvCxnSpPr>
+          <p:nvPr/>
+        </p:nvCxnSpPr>
+        <p:spPr>
+          <a:xfrm flipH="1">
+            <a:off x="6691096" y="1791007"/>
+            <a:ext cx="815124" cy="553105"/>
+          </a:xfrm>
+          <a:prstGeom prst="curvedConnector3">
+            <a:avLst>
+              <a:gd name="adj1" fmla="val -28045"/>
+            </a:avLst>
+          </a:prstGeom>
+          <a:ln w="25400">
+            <a:solidFill>
+              <a:schemeClr val="accent1">
+                <a:alpha val="50000"/>
+              </a:schemeClr>
+            </a:solidFill>
+            <a:tailEnd type="triangle"/>
+          </a:ln>
+        </p:spPr>
+        <p:style>
+          <a:lnRef idx="2">
+            <a:schemeClr val="accent1"/>
+          </a:lnRef>
+          <a:fillRef idx="0">
+            <a:schemeClr val="accent1"/>
+          </a:fillRef>
+          <a:effectRef idx="1">
+            <a:schemeClr val="accent1"/>
+          </a:effectRef>
+          <a:fontRef idx="minor">
+            <a:schemeClr val="tx1"/>
+          </a:fontRef>
+        </p:style>
+      </p:cxnSp>
+      <p:sp>
+        <p:nvSpPr>
+          <p:cNvPr id="47" name="Rectangle 46">
+            <a:extLst>
+              <a:ext uri="{FF2B5EF4-FFF2-40B4-BE49-F238E27FC236}">
+                <a16:creationId xmlns:a16="http://schemas.microsoft.com/office/drawing/2014/main" id="{A06F9639-71FA-4495-9585-8DD4BDAA4460}"/>
+              </a:ext>
+            </a:extLst>
+          </p:cNvPr>
+          <p:cNvSpPr/>
+          <p:nvPr/>
+        </p:nvSpPr>
+        <p:spPr>
+          <a:xfrm>
+            <a:off x="300160" y="5540023"/>
+            <a:ext cx="5460084" cy="369332"/>
+          </a:xfrm>
+          <a:prstGeom prst="rect">
+            <a:avLst/>
+          </a:prstGeom>
+        </p:spPr>
+        <p:txBody>
+          <a:bodyPr wrap="none">
+            <a:spAutoFit/>
+          </a:bodyPr>
+          <a:lstStyle/>
+          <a:p>
+            <a:r>
+              <a:rPr lang="en-US" dirty="0">
+                <a:hlinkClick r:id="rId6"/>
+              </a:rPr>
+              <a:t>https://www.backblaze.com/blog/vm-vs-containers/</a:t>
+            </a:r>
+            <a:endParaRPr lang="en-US" dirty="0"/>
+          </a:p>
+        </p:txBody>
+      </p:sp>
+      <p:cxnSp>
+        <p:nvCxnSpPr>
+          <p:cNvPr id="48" name="Straight Connector 47">
+            <a:extLst>
+              <a:ext uri="{FF2B5EF4-FFF2-40B4-BE49-F238E27FC236}">
+                <a16:creationId xmlns:a16="http://schemas.microsoft.com/office/drawing/2014/main" id="{5394C324-BD5D-4560-B887-3F50F771368C}"/>
+              </a:ext>
+            </a:extLst>
+          </p:cNvPr>
+          <p:cNvCxnSpPr>
+            <a:cxnSpLocks/>
+          </p:cNvCxnSpPr>
+          <p:nvPr/>
+        </p:nvCxnSpPr>
+        <p:spPr>
+          <a:xfrm>
+            <a:off x="838200" y="1015068"/>
+            <a:ext cx="10515600" cy="0"/>
+          </a:xfrm>
+          <a:prstGeom prst="line">
+            <a:avLst/>
+          </a:prstGeom>
+          <a:ln w="12700"/>
+        </p:spPr>
+        <p:style>
+          <a:lnRef idx="1">
+            <a:schemeClr val="dk1"/>
+          </a:lnRef>
+          <a:fillRef idx="0">
+            <a:schemeClr val="dk1"/>
+          </a:fillRef>
+          <a:effectRef idx="0">
+            <a:schemeClr val="dk1"/>
+          </a:effectRef>
+          <a:fontRef idx="minor">
+            <a:schemeClr val="tx1"/>
+          </a:fontRef>
+        </p:style>
+      </p:cxnSp>
+    </p:spTree>
+    <p:extLst>
+      <p:ext uri="{BB962C8B-B14F-4D97-AF65-F5344CB8AC3E}">
+        <p14:creationId xmlns:p14="http://schemas.microsoft.com/office/powerpoint/2010/main" val="424204363"/>
+      </p:ext>
+    </p:extLst>
+  </p:cSld>
+  <p:clrMapOvr>
+    <a:masterClrMapping/>
+  </p:clrMapOvr>
+</p:sld>
+</file>
+
+<file path=ppt/slides/slide11.xml><?xml version="1.0" encoding="utf-8"?>
+<p:sld xmlns:a="http://schemas.openxmlformats.org/drawingml/2006/main" xmlns:r="http://schemas.openxmlformats.org/officeDocument/2006/relationships" xmlns:p="http://schemas.openxmlformats.org/presentationml/2006/main">
+  <p:cSld>
+    <p:spTree>
+      <p:nvGrpSpPr>
+        <p:cNvPr id="1" name=""/>
+        <p:cNvGrpSpPr/>
+        <p:nvPr/>
+      </p:nvGrpSpPr>
+      <p:grpSpPr>
+        <a:xfrm>
+          <a:off x="0" y="0"/>
+          <a:ext cx="0" cy="0"/>
+          <a:chOff x="0" y="0"/>
+          <a:chExt cx="0" cy="0"/>
+        </a:xfrm>
+      </p:grpSpPr>
+      <p:sp>
+        <p:nvSpPr>
+          <p:cNvPr id="2" name="Title 1">
+            <a:extLst>
+              <a:ext uri="{FF2B5EF4-FFF2-40B4-BE49-F238E27FC236}">
+                <a16:creationId xmlns:a16="http://schemas.microsoft.com/office/drawing/2014/main" id="{44F12323-B42F-497D-A8A2-9C0C351C66D3}"/>
+              </a:ext>
+            </a:extLst>
+          </p:cNvPr>
+          <p:cNvSpPr>
+            <a:spLocks noGrp="1"/>
+          </p:cNvSpPr>
+          <p:nvPr>
+            <p:ph type="title"/>
+          </p:nvPr>
+        </p:nvSpPr>
+        <p:spPr>
+          <a:xfrm>
+            <a:off x="838200" y="365126"/>
+            <a:ext cx="10515600" cy="649942"/>
+          </a:xfrm>
+        </p:spPr>
+        <p:txBody>
+          <a:bodyPr>
+            <a:normAutofit fontScale="90000"/>
+          </a:bodyPr>
+          <a:lstStyle/>
+          <a:p>
+            <a:r>
+              <a:rPr lang="en-US" dirty="0"/>
+              <a:t>Download SQL Server Image</a:t>
+            </a:r>
+          </a:p>
+        </p:txBody>
+      </p:sp>
+      <p:pic>
+        <p:nvPicPr>
+          <p:cNvPr id="3" name="Picture 2">
+            <a:extLst>
+              <a:ext uri="{FF2B5EF4-FFF2-40B4-BE49-F238E27FC236}">
+                <a16:creationId xmlns:a16="http://schemas.microsoft.com/office/drawing/2014/main" id="{947F57F7-9C50-452D-8626-94A342804708}"/>
+              </a:ext>
+            </a:extLst>
+          </p:cNvPr>
+          <p:cNvPicPr>
+            <a:picLocks noChangeAspect="1"/>
+          </p:cNvPicPr>
+          <p:nvPr/>
+        </p:nvPicPr>
+        <p:blipFill>
+          <a:blip r:embed="rId2"/>
+          <a:stretch>
+            <a:fillRect/>
+          </a:stretch>
+        </p:blipFill>
+        <p:spPr>
+          <a:xfrm>
+            <a:off x="953867" y="2169831"/>
+            <a:ext cx="10308612" cy="2117123"/>
+          </a:xfrm>
+          <a:prstGeom prst="rect">
+            <a:avLst/>
+          </a:prstGeom>
+        </p:spPr>
+      </p:pic>
+      <p:cxnSp>
+        <p:nvCxnSpPr>
+          <p:cNvPr id="4" name="Straight Connector 3">
+            <a:extLst>
+              <a:ext uri="{FF2B5EF4-FFF2-40B4-BE49-F238E27FC236}">
+                <a16:creationId xmlns:a16="http://schemas.microsoft.com/office/drawing/2014/main" id="{440307C4-27EF-4842-92D9-2ED759B843D5}"/>
+              </a:ext>
+            </a:extLst>
+          </p:cNvPr>
+          <p:cNvCxnSpPr>
+            <a:cxnSpLocks/>
+          </p:cNvCxnSpPr>
+          <p:nvPr/>
+        </p:nvCxnSpPr>
+        <p:spPr>
+          <a:xfrm>
+            <a:off x="838200" y="1015068"/>
+            <a:ext cx="10515600" cy="0"/>
+          </a:xfrm>
+          <a:prstGeom prst="line">
+            <a:avLst/>
+          </a:prstGeom>
+          <a:ln w="12700"/>
+        </p:spPr>
+        <p:style>
+          <a:lnRef idx="1">
+            <a:schemeClr val="dk1"/>
+          </a:lnRef>
+          <a:fillRef idx="0">
+            <a:schemeClr val="dk1"/>
+          </a:fillRef>
+          <a:effectRef idx="0">
+            <a:schemeClr val="dk1"/>
+          </a:effectRef>
+          <a:fontRef idx="minor">
+            <a:schemeClr val="tx1"/>
+          </a:fontRef>
+        </p:style>
+      </p:cxnSp>
+    </p:spTree>
+    <p:extLst>
+      <p:ext uri="{BB962C8B-B14F-4D97-AF65-F5344CB8AC3E}">
+        <p14:creationId xmlns:p14="http://schemas.microsoft.com/office/powerpoint/2010/main" val="3031486859"/>
+      </p:ext>
+    </p:extLst>
+  </p:cSld>
+  <p:clrMapOvr>
+    <a:masterClrMapping/>
+  </p:clrMapOvr>
+</p:sld>
+</file>
+
+<file path=ppt/slides/slide12.xml><?xml version="1.0" encoding="utf-8"?>
+<p:sld xmlns:a="http://schemas.openxmlformats.org/drawingml/2006/main" xmlns:r="http://schemas.openxmlformats.org/officeDocument/2006/relationships" xmlns:p="http://schemas.openxmlformats.org/presentationml/2006/main">
+  <p:cSld>
+    <p:spTree>
+      <p:nvGrpSpPr>
+        <p:cNvPr id="1" name=""/>
+        <p:cNvGrpSpPr/>
+        <p:nvPr/>
+      </p:nvGrpSpPr>
+      <p:grpSpPr>
+        <a:xfrm>
+          <a:off x="0" y="0"/>
+          <a:ext cx="0" cy="0"/>
+          <a:chOff x="0" y="0"/>
+          <a:chExt cx="0" cy="0"/>
+        </a:xfrm>
+      </p:grpSpPr>
+      <p:sp>
+        <p:nvSpPr>
+          <p:cNvPr id="2" name="Title 1">
+            <a:extLst>
+              <a:ext uri="{FF2B5EF4-FFF2-40B4-BE49-F238E27FC236}">
                 <a16:creationId xmlns:a16="http://schemas.microsoft.com/office/drawing/2014/main" id="{095888C0-A9E5-49F5-80D1-734D21F35C0B}"/>
               </a:ext>
             </a:extLst>
@@ -9793,7 +12092,7 @@
 </p:sld>
 </file>
 
-<file path=ppt/slides/slide11.xml><?xml version="1.0" encoding="utf-8"?>
+<file path=ppt/slides/slide13.xml><?xml version="1.0" encoding="utf-8"?>
 <p:sld xmlns:a="http://schemas.openxmlformats.org/drawingml/2006/main" xmlns:r="http://schemas.openxmlformats.org/officeDocument/2006/relationships" xmlns:p="http://schemas.openxmlformats.org/presentationml/2006/main">
   <p:cSld>
     <p:spTree>
@@ -9927,7 +12226,7 @@
 </p:sld>
 </file>
 
-<file path=ppt/slides/slide12.xml><?xml version="1.0" encoding="utf-8"?>
+<file path=ppt/slides/slide14.xml><?xml version="1.0" encoding="utf-8"?>
 <p:sld xmlns:a="http://schemas.openxmlformats.org/drawingml/2006/main" xmlns:r="http://schemas.openxmlformats.org/officeDocument/2006/relationships" xmlns:p="http://schemas.openxmlformats.org/presentationml/2006/main">
   <p:cSld>
     <p:spTree>
@@ -10274,7 +12573,7 @@
 </p:sld>
 </file>
 
-<file path=ppt/slides/slide13.xml><?xml version="1.0" encoding="utf-8"?>
+<file path=ppt/slides/slide15.xml><?xml version="1.0" encoding="utf-8"?>
 <p:sld xmlns:a="http://schemas.openxmlformats.org/drawingml/2006/main" xmlns:r="http://schemas.openxmlformats.org/officeDocument/2006/relationships" xmlns:p="http://schemas.openxmlformats.org/presentationml/2006/main">
   <p:cSld>
     <p:spTree>
@@ -10520,7 +12819,7 @@
 </p:sld>
 </file>
 
-<file path=ppt/slides/slide14.xml><?xml version="1.0" encoding="utf-8"?>
+<file path=ppt/slides/slide16.xml><?xml version="1.0" encoding="utf-8"?>
 <p:sld xmlns:a="http://schemas.openxmlformats.org/drawingml/2006/main" xmlns:r="http://schemas.openxmlformats.org/officeDocument/2006/relationships" xmlns:p="http://schemas.openxmlformats.org/presentationml/2006/main">
   <p:cSld>
     <p:spTree>
@@ -10801,7 +13100,7 @@
 </p:sld>
 </file>
 
-<file path=ppt/slides/slide15.xml><?xml version="1.0" encoding="utf-8"?>
+<file path=ppt/slides/slide17.xml><?xml version="1.0" encoding="utf-8"?>
 <p:sld xmlns:a="http://schemas.openxmlformats.org/drawingml/2006/main" xmlns:r="http://schemas.openxmlformats.org/officeDocument/2006/relationships" xmlns:p="http://schemas.openxmlformats.org/presentationml/2006/main">
   <p:cSld>
     <p:spTree>
@@ -11014,7 +13313,7 @@
 </p:sld>
 </file>
 
-<file path=ppt/slides/slide16.xml><?xml version="1.0" encoding="utf-8"?>
+<file path=ppt/slides/slide18.xml><?xml version="1.0" encoding="utf-8"?>
 <p:sld xmlns:a="http://schemas.openxmlformats.org/drawingml/2006/main" xmlns:r="http://schemas.openxmlformats.org/officeDocument/2006/relationships" xmlns:p="http://schemas.openxmlformats.org/presentationml/2006/main">
   <p:cSld>
     <p:spTree>
@@ -11093,7 +13392,7 @@
 </p:sld>
 </file>
 
-<file path=ppt/slides/slide17.xml><?xml version="1.0" encoding="utf-8"?>
+<file path=ppt/slides/slide19.xml><?xml version="1.0" encoding="utf-8"?>
 <p:sld xmlns:a="http://schemas.openxmlformats.org/drawingml/2006/main" xmlns:r="http://schemas.openxmlformats.org/officeDocument/2006/relationships" xmlns:p="http://schemas.openxmlformats.org/presentationml/2006/main">
   <p:cSld>
     <p:spTree>
@@ -11186,7 +13485,298 @@
 </p:sld>
 </file>
 
-<file path=ppt/slides/slide18.xml><?xml version="1.0" encoding="utf-8"?>
+<file path=ppt/slides/slide2.xml><?xml version="1.0" encoding="utf-8"?>
+<p:sld xmlns:a="http://schemas.openxmlformats.org/drawingml/2006/main" xmlns:r="http://schemas.openxmlformats.org/officeDocument/2006/relationships" xmlns:p="http://schemas.openxmlformats.org/presentationml/2006/main">
+  <p:cSld>
+    <p:spTree>
+      <p:nvGrpSpPr>
+        <p:cNvPr id="1" name=""/>
+        <p:cNvGrpSpPr/>
+        <p:nvPr/>
+      </p:nvGrpSpPr>
+      <p:grpSpPr>
+        <a:xfrm>
+          <a:off x="0" y="0"/>
+          <a:ext cx="0" cy="0"/>
+          <a:chOff x="0" y="0"/>
+          <a:chExt cx="0" cy="0"/>
+        </a:xfrm>
+      </p:grpSpPr>
+      <p:sp>
+        <p:nvSpPr>
+          <p:cNvPr id="4" name="Text Placeholder 2">
+            <a:extLst>
+              <a:ext uri="{FF2B5EF4-FFF2-40B4-BE49-F238E27FC236}">
+                <a16:creationId xmlns:a16="http://schemas.microsoft.com/office/drawing/2014/main" id="{DA233A74-E11D-493C-AD96-BEAC87BEF993}"/>
+              </a:ext>
+            </a:extLst>
+          </p:cNvPr>
+          <p:cNvSpPr>
+            <a:spLocks noGrp="1"/>
+          </p:cNvSpPr>
+          <p:nvPr>
+            <p:ph type="body" sz="quarter" idx="10"/>
+          </p:nvPr>
+        </p:nvSpPr>
+        <p:spPr>
+          <a:xfrm>
+            <a:off x="431718" y="2175406"/>
+            <a:ext cx="7623710" cy="1425044"/>
+          </a:xfrm>
+          <a:prstGeom prst="rect">
+            <a:avLst/>
+          </a:prstGeom>
+        </p:spPr>
+        <p:txBody>
+          <a:bodyPr/>
+          <a:lstStyle>
+            <a:lvl1pPr marL="0" marR="0" indent="0" algn="l" defTabSz="914400" rtl="0" eaLnBrk="1" fontAlgn="auto" latinLnBrk="0" hangingPunct="1">
+              <a:lnSpc>
+                <a:spcPct val="90000"/>
+              </a:lnSpc>
+              <a:spcBef>
+                <a:spcPts val="1000"/>
+              </a:spcBef>
+              <a:spcAft>
+                <a:spcPts val="0"/>
+              </a:spcAft>
+              <a:buClrTx/>
+              <a:buSzTx/>
+              <a:buFont typeface="Arial" panose="020B0604020202020204" pitchFamily="34" charset="0"/>
+              <a:buNone/>
+              <a:tabLst/>
+              <a:defRPr sz="3200">
+                <a:solidFill>
+                  <a:schemeClr val="bg1"/>
+                </a:solidFill>
+                <a:latin typeface="Roboto Bk" pitchFamily="2" charset="0"/>
+                <a:ea typeface="Roboto Bk" pitchFamily="2" charset="0"/>
+              </a:defRPr>
+            </a:lvl1pPr>
+          </a:lstStyle>
+          <a:p>
+            <a:pPr algn="just"/>
+            <a:r>
+              <a:rPr lang="en-CA" sz="1400" b="1" dirty="0">
+                <a:solidFill>
+                  <a:schemeClr val="tx1">
+                    <a:lumMod val="85000"/>
+                    <a:lumOff val="15000"/>
+                  </a:schemeClr>
+                </a:solidFill>
+                <a:effectLst/>
+                <a:latin typeface="Calibri" panose="020F0502020204030204" pitchFamily="34" charset="0"/>
+                <a:ea typeface="Calibri" panose="020F0502020204030204" pitchFamily="34" charset="0"/>
+              </a:rPr>
+              <a:t>The Quick Version</a:t>
+            </a:r>
+          </a:p>
+          <a:p>
+            <a:pPr algn="just"/>
+            <a:r>
+              <a:rPr lang="en-CA" sz="1400" dirty="0">
+                <a:solidFill>
+                  <a:schemeClr val="tx1">
+                    <a:lumMod val="85000"/>
+                    <a:lumOff val="15000"/>
+                  </a:schemeClr>
+                </a:solidFill>
+                <a:effectLst/>
+                <a:latin typeface="Calibri" panose="020F0502020204030204" pitchFamily="34" charset="0"/>
+                <a:ea typeface="Calibri" panose="020F0502020204030204" pitchFamily="34" charset="0"/>
+              </a:rPr>
+              <a:t>We are dedicated to a harassment-free experience for everyone, regardless of who you are and what makes you </a:t>
+            </a:r>
+            <a:r>
+              <a:rPr lang="en-CA" sz="1400" i="1" dirty="0" err="1">
+                <a:solidFill>
+                  <a:schemeClr val="tx1">
+                    <a:lumMod val="85000"/>
+                    <a:lumOff val="15000"/>
+                  </a:schemeClr>
+                </a:solidFill>
+                <a:effectLst/>
+                <a:latin typeface="Calibri" panose="020F0502020204030204" pitchFamily="34" charset="0"/>
+                <a:ea typeface="Calibri" panose="020F0502020204030204" pitchFamily="34" charset="0"/>
+              </a:rPr>
+              <a:t>you</a:t>
+            </a:r>
+            <a:r>
+              <a:rPr lang="en-CA" sz="1400" i="1" dirty="0">
+                <a:solidFill>
+                  <a:schemeClr val="tx1">
+                    <a:lumMod val="85000"/>
+                    <a:lumOff val="15000"/>
+                  </a:schemeClr>
+                </a:solidFill>
+                <a:effectLst/>
+                <a:latin typeface="Calibri" panose="020F0502020204030204" pitchFamily="34" charset="0"/>
+                <a:ea typeface="Calibri" panose="020F0502020204030204" pitchFamily="34" charset="0"/>
+              </a:rPr>
+              <a:t>.  </a:t>
+            </a:r>
+            <a:r>
+              <a:rPr lang="en-CA" sz="1400" dirty="0">
+                <a:solidFill>
+                  <a:schemeClr val="tx1">
+                    <a:lumMod val="85000"/>
+                    <a:lumOff val="15000"/>
+                  </a:schemeClr>
+                </a:solidFill>
+                <a:effectLst/>
+                <a:latin typeface="Calibri" panose="020F0502020204030204" pitchFamily="34" charset="0"/>
+                <a:ea typeface="Calibri" panose="020F0502020204030204" pitchFamily="34" charset="0"/>
+              </a:rPr>
+              <a:t>We recognize the right of any individual to attend and participate. Anyone.  This is included but not limited to gender identity and expression, sexual orientation, disability, physical appearance, body size, race, religion, or any other classification, affiliation, or label.</a:t>
+            </a:r>
+          </a:p>
+        </p:txBody>
+      </p:sp>
+      <p:sp>
+        <p:nvSpPr>
+          <p:cNvPr id="3" name="Text Placeholder 2">
+            <a:extLst>
+              <a:ext uri="{FF2B5EF4-FFF2-40B4-BE49-F238E27FC236}">
+                <a16:creationId xmlns:a16="http://schemas.microsoft.com/office/drawing/2014/main" id="{8A7C263A-AFD4-46D9-9DA9-30CA24E0D98E}"/>
+              </a:ext>
+            </a:extLst>
+          </p:cNvPr>
+          <p:cNvSpPr>
+            <a:spLocks noGrp="1"/>
+          </p:cNvSpPr>
+          <p:nvPr>
+            <p:ph type="body" sz="quarter" idx="11"/>
+          </p:nvPr>
+        </p:nvSpPr>
+        <p:spPr>
+          <a:xfrm>
+            <a:off x="431718" y="3600450"/>
+            <a:ext cx="7623710" cy="1312449"/>
+          </a:xfrm>
+        </p:spPr>
+        <p:txBody>
+          <a:bodyPr/>
+          <a:lstStyle/>
+          <a:p>
+            <a:pPr algn="just"/>
+            <a:r>
+              <a:rPr lang="en-CA" sz="1400" b="1" u="sng" dirty="0">
+                <a:effectLst/>
+                <a:latin typeface="Calibri" panose="020F0502020204030204" pitchFamily="34" charset="0"/>
+                <a:ea typeface="Calibri" panose="020F0502020204030204" pitchFamily="34" charset="0"/>
+              </a:rPr>
+              <a:t>We do not tolerate harassment in any form.</a:t>
+            </a:r>
+            <a:r>
+              <a:rPr lang="en-CA" sz="1400" b="1" dirty="0">
+                <a:effectLst/>
+                <a:latin typeface="Calibri" panose="020F0502020204030204" pitchFamily="34" charset="0"/>
+                <a:ea typeface="Calibri" panose="020F0502020204030204" pitchFamily="34" charset="0"/>
+              </a:rPr>
+              <a:t> </a:t>
+            </a:r>
+            <a:r>
+              <a:rPr lang="en-CA" sz="1400" dirty="0">
+                <a:effectLst/>
+                <a:latin typeface="Calibri" panose="020F0502020204030204" pitchFamily="34" charset="0"/>
+                <a:ea typeface="Calibri" panose="020F0502020204030204" pitchFamily="34" charset="0"/>
+              </a:rPr>
+              <a:t>For the duration of your engagement with </a:t>
+            </a:r>
+            <a:r>
+              <a:rPr lang="en-CA" sz="1400" dirty="0" err="1">
+                <a:effectLst/>
+                <a:latin typeface="Calibri" panose="020F0502020204030204" pitchFamily="34" charset="0"/>
+                <a:ea typeface="Calibri" panose="020F0502020204030204" pitchFamily="34" charset="0"/>
+              </a:rPr>
+              <a:t>GroupBy</a:t>
+            </a:r>
+            <a:r>
+              <a:rPr lang="en-CA" sz="1400" dirty="0">
+                <a:effectLst/>
+                <a:latin typeface="Calibri" panose="020F0502020204030204" pitchFamily="34" charset="0"/>
+                <a:ea typeface="Calibri" panose="020F0502020204030204" pitchFamily="34" charset="0"/>
+              </a:rPr>
+              <a:t> and its programs, you are expected to act appropriately and to adhere to this Code of Conduct. This includes conduct in-person and online, at the conference itself, as well as any non-conference programs that may include participants: including talks, workshops, parties, on social media, and other online forums. </a:t>
+            </a:r>
+            <a:r>
+              <a:rPr lang="en-CA" sz="1400" dirty="0" err="1">
+                <a:effectLst/>
+                <a:latin typeface="Calibri" panose="020F0502020204030204" pitchFamily="34" charset="0"/>
+                <a:ea typeface="Calibri" panose="020F0502020204030204" pitchFamily="34" charset="0"/>
+              </a:rPr>
+              <a:t>GroupBy</a:t>
+            </a:r>
+            <a:r>
+              <a:rPr lang="en-CA" sz="1400" dirty="0">
+                <a:effectLst/>
+                <a:latin typeface="Calibri" panose="020F0502020204030204" pitchFamily="34" charset="0"/>
+                <a:ea typeface="Calibri" panose="020F0502020204030204" pitchFamily="34" charset="0"/>
+              </a:rPr>
+              <a:t> participants violating these rules may be sanctioned or expelled without a refund (if that applies) at the discretion of the conference organizers.</a:t>
+            </a:r>
+          </a:p>
+          <a:p>
+            <a:pPr algn="just"/>
+            <a:endParaRPr lang="en-CA" sz="1400" dirty="0">
+              <a:effectLst/>
+              <a:latin typeface="Calibri" panose="020F0502020204030204" pitchFamily="34" charset="0"/>
+              <a:ea typeface="Calibri" panose="020F0502020204030204" pitchFamily="34" charset="0"/>
+            </a:endParaRPr>
+          </a:p>
+          <a:p>
+            <a:r>
+              <a:rPr lang="en-CA" sz="1400" dirty="0">
+                <a:effectLst/>
+                <a:latin typeface="Calibri" panose="020F0502020204030204" pitchFamily="34" charset="0"/>
+                <a:ea typeface="Calibri" panose="020F0502020204030204" pitchFamily="34" charset="0"/>
+              </a:rPr>
+              <a:t>You can review the full policy at: </a:t>
+            </a:r>
+            <a:r>
+              <a:rPr lang="en-CA" sz="1400" b="1" dirty="0">
+                <a:effectLst/>
+                <a:latin typeface="Calibri" panose="020F0502020204030204" pitchFamily="34" charset="0"/>
+                <a:ea typeface="Calibri" panose="020F0502020204030204" pitchFamily="34" charset="0"/>
+                <a:hlinkClick r:id="rId3">
+                  <a:extLst>
+                    <a:ext uri="{A12FA001-AC4F-418D-AE19-62706E023703}">
+                      <ahyp:hlinkClr xmlns:ahyp="http://schemas.microsoft.com/office/drawing/2018/hyperlinkcolor" val="tx"/>
+                    </a:ext>
+                  </a:extLst>
+                </a:hlinkClick>
+              </a:rPr>
+              <a:t>GroupBy.org/Code-of-Conduct</a:t>
+            </a:r>
+            <a:r>
+              <a:rPr lang="en-CA" sz="1400" b="1" dirty="0">
+                <a:effectLst/>
+                <a:latin typeface="Calibri" panose="020F0502020204030204" pitchFamily="34" charset="0"/>
+                <a:ea typeface="Calibri" panose="020F0502020204030204" pitchFamily="34" charset="0"/>
+              </a:rPr>
+              <a:t> </a:t>
+            </a:r>
+          </a:p>
+          <a:p>
+            <a:pPr algn="just"/>
+            <a:endParaRPr lang="en-CA" sz="1400" dirty="0"/>
+          </a:p>
+        </p:txBody>
+      </p:sp>
+    </p:spTree>
+    <p:extLst>
+      <p:ext uri="{BB962C8B-B14F-4D97-AF65-F5344CB8AC3E}">
+        <p14:creationId xmlns:p14="http://schemas.microsoft.com/office/powerpoint/2010/main" val="683607814"/>
+      </p:ext>
+    </p:extLst>
+  </p:cSld>
+  <p:clrMapOvr>
+    <a:masterClrMapping/>
+  </p:clrMapOvr>
+</p:sld>
+</file>
+
+<file path=ppt/slides/slide20.xml><?xml version="1.0" encoding="utf-8"?>
 <p:sld xmlns:a="http://schemas.openxmlformats.org/drawingml/2006/main" xmlns:r="http://schemas.openxmlformats.org/officeDocument/2006/relationships" xmlns:p="http://schemas.openxmlformats.org/presentationml/2006/main">
   <p:cSld>
     <p:spTree>
@@ -14938,7 +17528,7 @@
 </p:sld>
 </file>
 
-<file path=ppt/slides/slide19.xml><?xml version="1.0" encoding="utf-8"?>
+<file path=ppt/slides/slide21.xml><?xml version="1.0" encoding="utf-8"?>
 <p:sld xmlns:a="http://schemas.openxmlformats.org/drawingml/2006/main" xmlns:r="http://schemas.openxmlformats.org/officeDocument/2006/relationships" xmlns:p="http://schemas.openxmlformats.org/presentationml/2006/main">
   <p:cSld>
     <p:spTree>
@@ -18690,769 +21280,7 @@
 </p:sld>
 </file>
 
-<file path=ppt/slides/slide2.xml><?xml version="1.0" encoding="utf-8"?>
-<p:sld xmlns:a="http://schemas.openxmlformats.org/drawingml/2006/main" xmlns:r="http://schemas.openxmlformats.org/officeDocument/2006/relationships" xmlns:p="http://schemas.openxmlformats.org/presentationml/2006/main">
-  <p:cSld>
-    <p:bg>
-      <p:bgPr>
-        <a:blipFill>
-          <a:blip r:embed="rId2"/>
-          <a:tile tx="0" ty="0" sx="100000" sy="100000" flip="none" algn="tl"/>
-        </a:blipFill>
-        <a:effectLst/>
-      </p:bgPr>
-    </p:bg>
-    <p:spTree>
-      <p:nvGrpSpPr>
-        <p:cNvPr id="1" name=""/>
-        <p:cNvGrpSpPr/>
-        <p:nvPr/>
-      </p:nvGrpSpPr>
-      <p:grpSpPr>
-        <a:xfrm>
-          <a:off x="0" y="0"/>
-          <a:ext cx="0" cy="0"/>
-          <a:chOff x="0" y="0"/>
-          <a:chExt cx="0" cy="0"/>
-        </a:xfrm>
-      </p:grpSpPr>
-      <p:sp>
-        <p:nvSpPr>
-          <p:cNvPr id="8" name="Rectangle 5">
-            <a:extLst>
-              <a:ext uri="{FF2B5EF4-FFF2-40B4-BE49-F238E27FC236}">
-                <a16:creationId xmlns:a16="http://schemas.microsoft.com/office/drawing/2014/main" id="{ADC9B12C-F07D-45CE-A2AF-006F47821864}"/>
-              </a:ext>
-            </a:extLst>
-          </p:cNvPr>
-          <p:cNvSpPr/>
-          <p:nvPr/>
-        </p:nvSpPr>
-        <p:spPr>
-          <a:xfrm>
-            <a:off x="2876" y="-4313"/>
-            <a:ext cx="12191998" cy="6862313"/>
-          </a:xfrm>
-          <a:prstGeom prst="rect">
-            <a:avLst/>
-          </a:prstGeom>
-          <a:solidFill>
-            <a:schemeClr val="bg1">
-              <a:lumMod val="95000"/>
-            </a:schemeClr>
-          </a:solidFill>
-          <a:ln>
-            <a:noFill/>
-          </a:ln>
-        </p:spPr>
-        <p:style>
-          <a:lnRef idx="2">
-            <a:schemeClr val="accent1">
-              <a:shade val="50000"/>
-            </a:schemeClr>
-          </a:lnRef>
-          <a:fillRef idx="1">
-            <a:schemeClr val="accent1"/>
-          </a:fillRef>
-          <a:effectRef idx="0">
-            <a:schemeClr val="accent1"/>
-          </a:effectRef>
-          <a:fontRef idx="minor">
-            <a:schemeClr val="lt1"/>
-          </a:fontRef>
-        </p:style>
-        <p:txBody>
-          <a:bodyPr rtlCol="0" anchor="ctr"/>
-          <a:lstStyle/>
-          <a:p>
-            <a:pPr algn="ctr"/>
-            <a:endParaRPr lang="en-US"/>
-          </a:p>
-        </p:txBody>
-      </p:sp>
-      <p:pic>
-        <p:nvPicPr>
-          <p:cNvPr id="14" name="Gráfico 13">
-            <a:extLst>
-              <a:ext uri="{FF2B5EF4-FFF2-40B4-BE49-F238E27FC236}">
-                <a16:creationId xmlns:a16="http://schemas.microsoft.com/office/drawing/2014/main" id="{F23FEF77-9019-4E26-866B-CDCC61FF10B1}"/>
-              </a:ext>
-            </a:extLst>
-          </p:cNvPr>
-          <p:cNvPicPr>
-            <a:picLocks noChangeAspect="1"/>
-          </p:cNvPicPr>
-          <p:nvPr/>
-        </p:nvPicPr>
-        <p:blipFill rotWithShape="1">
-          <a:blip r:embed="rId3">
-            <a:extLst>
-              <a:ext uri="{96DAC541-7B7A-43D3-8B79-37D633B846F1}">
-                <asvg:svgBlip xmlns:asvg="http://schemas.microsoft.com/office/drawing/2016/SVG/main" r:embed="rId4"/>
-              </a:ext>
-            </a:extLst>
-          </a:blip>
-          <a:srcRect l="17396"/>
-          <a:stretch/>
-        </p:blipFill>
-        <p:spPr>
-          <a:xfrm>
-            <a:off x="-3573383" y="-122476"/>
-            <a:ext cx="6218364" cy="6858000"/>
-          </a:xfrm>
-          <a:prstGeom prst="rect">
-            <a:avLst/>
-          </a:prstGeom>
-          <a:effectLst>
-            <a:outerShdw blurRad="114300" dist="127000" dir="2700000" algn="tl" rotWithShape="0">
-              <a:prstClr val="black">
-                <a:alpha val="25000"/>
-              </a:prstClr>
-            </a:outerShdw>
-          </a:effectLst>
-        </p:spPr>
-      </p:pic>
-      <p:sp>
-        <p:nvSpPr>
-          <p:cNvPr id="13" name="Retângulo 12">
-            <a:extLst>
-              <a:ext uri="{FF2B5EF4-FFF2-40B4-BE49-F238E27FC236}">
-                <a16:creationId xmlns:a16="http://schemas.microsoft.com/office/drawing/2014/main" id="{39B12DA9-D45B-492D-BA69-6922CC070533}"/>
-              </a:ext>
-            </a:extLst>
-          </p:cNvPr>
-          <p:cNvSpPr/>
-          <p:nvPr/>
-        </p:nvSpPr>
-        <p:spPr>
-          <a:xfrm>
-            <a:off x="8922326" y="0"/>
-            <a:ext cx="3269673" cy="6858000"/>
-          </a:xfrm>
-          <a:prstGeom prst="rect">
-            <a:avLst/>
-          </a:prstGeom>
-          <a:gradFill>
-            <a:gsLst>
-              <a:gs pos="0">
-                <a:srgbClr val="FF8083"/>
-              </a:gs>
-              <a:gs pos="100000">
-                <a:srgbClr val="FF65AD"/>
-              </a:gs>
-            </a:gsLst>
-            <a:lin ang="0" scaled="0"/>
-          </a:gradFill>
-          <a:ln>
-            <a:noFill/>
-          </a:ln>
-        </p:spPr>
-        <p:style>
-          <a:lnRef idx="2">
-            <a:schemeClr val="accent1">
-              <a:shade val="50000"/>
-            </a:schemeClr>
-          </a:lnRef>
-          <a:fillRef idx="1">
-            <a:schemeClr val="accent1"/>
-          </a:fillRef>
-          <a:effectRef idx="0">
-            <a:schemeClr val="accent1"/>
-          </a:effectRef>
-          <a:fontRef idx="minor">
-            <a:schemeClr val="lt1"/>
-          </a:fontRef>
-        </p:style>
-        <p:txBody>
-          <a:bodyPr rtlCol="0" anchor="ctr"/>
-          <a:lstStyle/>
-          <a:p>
-            <a:pPr algn="ctr"/>
-            <a:endParaRPr lang="pt-BR"/>
-          </a:p>
-        </p:txBody>
-      </p:sp>
-      <p:sp>
-        <p:nvSpPr>
-          <p:cNvPr id="3" name="Text Placeholder 2">
-            <a:extLst>
-              <a:ext uri="{FF2B5EF4-FFF2-40B4-BE49-F238E27FC236}">
-                <a16:creationId xmlns:a16="http://schemas.microsoft.com/office/drawing/2014/main" id="{AC667769-E8A3-4E62-B543-EE19CD9D28EE}"/>
-              </a:ext>
-            </a:extLst>
-          </p:cNvPr>
-          <p:cNvSpPr>
-            <a:spLocks noGrp="1"/>
-          </p:cNvSpPr>
-          <p:nvPr>
-            <p:ph type="body" sz="quarter" idx="11"/>
-          </p:nvPr>
-        </p:nvSpPr>
-        <p:spPr>
-          <a:xfrm>
-            <a:off x="4191002" y="623215"/>
-            <a:ext cx="6629400" cy="779456"/>
-          </a:xfrm>
-        </p:spPr>
-        <p:txBody>
-          <a:bodyPr/>
-          <a:lstStyle/>
-          <a:p>
-            <a:r>
-              <a:rPr lang="en-CA" sz="5400" b="1" dirty="0">
-                <a:solidFill>
-                  <a:srgbClr val="C00000"/>
-                </a:solidFill>
-              </a:rPr>
-              <a:t>Adam Anderson</a:t>
-            </a:r>
-          </a:p>
-        </p:txBody>
-      </p:sp>
-      <p:sp>
-        <p:nvSpPr>
-          <p:cNvPr id="5" name="Text Placeholder 4">
-            <a:extLst>
-              <a:ext uri="{FF2B5EF4-FFF2-40B4-BE49-F238E27FC236}">
-                <a16:creationId xmlns:a16="http://schemas.microsoft.com/office/drawing/2014/main" id="{AFDA0A56-26F1-4364-80F9-80EFF781AE7B}"/>
-              </a:ext>
-            </a:extLst>
-          </p:cNvPr>
-          <p:cNvSpPr>
-            <a:spLocks noGrp="1"/>
-          </p:cNvSpPr>
-          <p:nvPr>
-            <p:ph type="body" sz="quarter" idx="13"/>
-          </p:nvPr>
-        </p:nvSpPr>
-        <p:spPr>
-          <a:xfrm>
-            <a:off x="4789281" y="3853376"/>
-            <a:ext cx="6396583" cy="463787"/>
-          </a:xfrm>
-        </p:spPr>
-        <p:txBody>
-          <a:bodyPr/>
-          <a:lstStyle/>
-          <a:p>
-            <a:r>
-              <a:rPr lang="en-US" dirty="0">
-                <a:hlinkClick r:id="rId5"/>
-              </a:rPr>
-              <a:t>www.linkedin.com/in/adam-anderson-dba</a:t>
-            </a:r>
-            <a:endParaRPr lang="en-US" dirty="0"/>
-          </a:p>
-          <a:p>
-            <a:endParaRPr lang="en-CA" dirty="0">
-              <a:solidFill>
-                <a:schemeClr val="tx1">
-                  <a:lumMod val="85000"/>
-                  <a:lumOff val="15000"/>
-                </a:schemeClr>
-              </a:solidFill>
-            </a:endParaRPr>
-          </a:p>
-        </p:txBody>
-      </p:sp>
-      <p:sp>
-        <p:nvSpPr>
-          <p:cNvPr id="6" name="Text Placeholder 5">
-            <a:extLst>
-              <a:ext uri="{FF2B5EF4-FFF2-40B4-BE49-F238E27FC236}">
-                <a16:creationId xmlns:a16="http://schemas.microsoft.com/office/drawing/2014/main" id="{5A72EB7D-BAB6-41A7-98BC-997F6F489D2A}"/>
-              </a:ext>
-            </a:extLst>
-          </p:cNvPr>
-          <p:cNvSpPr>
-            <a:spLocks noGrp="1"/>
-          </p:cNvSpPr>
-          <p:nvPr>
-            <p:ph type="body" sz="quarter" idx="14"/>
-          </p:nvPr>
-        </p:nvSpPr>
-        <p:spPr>
-          <a:xfrm>
-            <a:off x="4789282" y="4820307"/>
-            <a:ext cx="6031117" cy="463787"/>
-          </a:xfrm>
-        </p:spPr>
-        <p:txBody>
-          <a:bodyPr/>
-          <a:lstStyle/>
-          <a:p>
-            <a:r>
-              <a:rPr lang="en-CA" dirty="0">
-                <a:solidFill>
-                  <a:schemeClr val="tx1">
-                    <a:lumMod val="85000"/>
-                    <a:lumOff val="15000"/>
-                  </a:schemeClr>
-                </a:solidFill>
-              </a:rPr>
-              <a:t>@SQLPioneer</a:t>
-            </a:r>
-          </a:p>
-        </p:txBody>
-      </p:sp>
-      <p:sp>
-        <p:nvSpPr>
-          <p:cNvPr id="12" name="Elipse 11">
-            <a:extLst>
-              <a:ext uri="{FF2B5EF4-FFF2-40B4-BE49-F238E27FC236}">
-                <a16:creationId xmlns:a16="http://schemas.microsoft.com/office/drawing/2014/main" id="{824A7AFF-15A1-47FA-8317-24A13E8C6DA8}"/>
-              </a:ext>
-            </a:extLst>
-          </p:cNvPr>
-          <p:cNvSpPr/>
-          <p:nvPr/>
-        </p:nvSpPr>
-        <p:spPr>
-          <a:xfrm>
-            <a:off x="390528" y="1850232"/>
-            <a:ext cx="3157536" cy="3157536"/>
-          </a:xfrm>
-          <a:prstGeom prst="ellipse">
-            <a:avLst/>
-          </a:prstGeom>
-          <a:solidFill>
-            <a:srgbClr val="EF4135"/>
-          </a:solidFill>
-          <a:ln>
-            <a:noFill/>
-          </a:ln>
-          <a:effectLst>
-            <a:outerShdw blurRad="190500" dist="215900" dir="2700000" sx="95000" sy="95000" algn="tl" rotWithShape="0">
-              <a:prstClr val="black">
-                <a:alpha val="40000"/>
-              </a:prstClr>
-            </a:outerShdw>
-          </a:effectLst>
-        </p:spPr>
-        <p:style>
-          <a:lnRef idx="2">
-            <a:schemeClr val="accent1">
-              <a:shade val="50000"/>
-            </a:schemeClr>
-          </a:lnRef>
-          <a:fillRef idx="1">
-            <a:schemeClr val="accent1"/>
-          </a:fillRef>
-          <a:effectRef idx="0">
-            <a:schemeClr val="accent1"/>
-          </a:effectRef>
-          <a:fontRef idx="minor">
-            <a:schemeClr val="lt1"/>
-          </a:fontRef>
-        </p:style>
-        <p:txBody>
-          <a:bodyPr rtlCol="0" anchor="ctr"/>
-          <a:lstStyle/>
-          <a:p>
-            <a:pPr algn="ctr"/>
-            <a:endParaRPr lang="pt-BR"/>
-          </a:p>
-        </p:txBody>
-      </p:sp>
-      <p:pic>
-        <p:nvPicPr>
-          <p:cNvPr id="1026" name="Picture 2" descr="Twitter - Free social media icons">
-            <a:extLst>
-              <a:ext uri="{FF2B5EF4-FFF2-40B4-BE49-F238E27FC236}">
-                <a16:creationId xmlns:a16="http://schemas.microsoft.com/office/drawing/2014/main" id="{B56FB561-9BBF-4192-A64B-A4CB030E66B0}"/>
-              </a:ext>
-            </a:extLst>
-          </p:cNvPr>
-          <p:cNvPicPr>
-            <a:picLocks noChangeAspect="1" noChangeArrowheads="1"/>
-          </p:cNvPicPr>
-          <p:nvPr/>
-        </p:nvPicPr>
-        <p:blipFill>
-          <a:blip r:embed="rId6">
-            <a:extLst>
-              <a:ext uri="{28A0092B-C50C-407E-A947-70E740481C1C}">
-                <a14:useLocalDpi xmlns:a14="http://schemas.microsoft.com/office/drawing/2010/main" val="0"/>
-              </a:ext>
-            </a:extLst>
-          </a:blip>
-          <a:srcRect/>
-          <a:stretch>
-            <a:fillRect/>
-          </a:stretch>
-        </p:blipFill>
-        <p:spPr bwMode="auto">
-          <a:xfrm>
-            <a:off x="4219952" y="4783401"/>
-            <a:ext cx="487850" cy="487850"/>
-          </a:xfrm>
-          <a:prstGeom prst="rect">
-            <a:avLst/>
-          </a:prstGeom>
-          <a:noFill/>
-          <a:extLst>
-            <a:ext uri="{909E8E84-426E-40DD-AFC4-6F175D3DCCD1}">
-              <a14:hiddenFill xmlns:a14="http://schemas.microsoft.com/office/drawing/2010/main">
-                <a:solidFill>
-                  <a:srgbClr val="FFFFFF"/>
-                </a:solidFill>
-              </a14:hiddenFill>
-            </a:ext>
-          </a:extLst>
-        </p:spPr>
-      </p:pic>
-      <p:pic>
-        <p:nvPicPr>
-          <p:cNvPr id="15" name="Picture 2" descr="MCSA: SQL 2016 Database Development - Certified 2018">
-            <a:extLst>
-              <a:ext uri="{FF2B5EF4-FFF2-40B4-BE49-F238E27FC236}">
-                <a16:creationId xmlns:a16="http://schemas.microsoft.com/office/drawing/2014/main" id="{A61A2B57-22EE-4318-ACB6-DE1C897ACF92}"/>
-              </a:ext>
-            </a:extLst>
-          </p:cNvPr>
-          <p:cNvPicPr>
-            <a:picLocks noChangeAspect="1" noChangeArrowheads="1"/>
-          </p:cNvPicPr>
-          <p:nvPr/>
-        </p:nvPicPr>
-        <p:blipFill>
-          <a:blip r:embed="rId7">
-            <a:extLst>
-              <a:ext uri="{28A0092B-C50C-407E-A947-70E740481C1C}">
-                <a14:useLocalDpi xmlns:a14="http://schemas.microsoft.com/office/drawing/2010/main" val="0"/>
-              </a:ext>
-            </a:extLst>
-          </a:blip>
-          <a:srcRect/>
-          <a:stretch>
-            <a:fillRect/>
-          </a:stretch>
-        </p:blipFill>
-        <p:spPr bwMode="auto">
-          <a:xfrm>
-            <a:off x="10080791" y="5242045"/>
-            <a:ext cx="952741" cy="952741"/>
-          </a:xfrm>
-          <a:prstGeom prst="rect">
-            <a:avLst/>
-          </a:prstGeom>
-          <a:noFill/>
-          <a:extLst>
-            <a:ext uri="{909E8E84-426E-40DD-AFC4-6F175D3DCCD1}">
-              <a14:hiddenFill xmlns:a14="http://schemas.microsoft.com/office/drawing/2010/main">
-                <a:solidFill>
-                  <a:srgbClr val="FFFFFF"/>
-                </a:solidFill>
-              </a14:hiddenFill>
-            </a:ext>
-          </a:extLst>
-        </p:spPr>
-      </p:pic>
-      <p:sp>
-        <p:nvSpPr>
-          <p:cNvPr id="16" name="Text Placeholder 4">
-            <a:extLst>
-              <a:ext uri="{FF2B5EF4-FFF2-40B4-BE49-F238E27FC236}">
-                <a16:creationId xmlns:a16="http://schemas.microsoft.com/office/drawing/2014/main" id="{DA88EC73-4A00-4E25-ACC8-CDC9453CA6E1}"/>
-              </a:ext>
-            </a:extLst>
-          </p:cNvPr>
-          <p:cNvSpPr txBox="1">
-            <a:spLocks/>
-          </p:cNvSpPr>
-          <p:nvPr/>
-        </p:nvSpPr>
-        <p:spPr>
-          <a:xfrm>
-            <a:off x="4789282" y="5702267"/>
-            <a:ext cx="6031118" cy="463787"/>
-          </a:xfrm>
-          <a:prstGeom prst="rect">
-            <a:avLst/>
-          </a:prstGeom>
-        </p:spPr>
-        <p:txBody>
-          <a:bodyPr/>
-          <a:lstStyle>
-            <a:lvl1pPr marL="0" indent="0" algn="l" defTabSz="914400" rtl="0" eaLnBrk="1" latinLnBrk="0" hangingPunct="1">
-              <a:lnSpc>
-                <a:spcPct val="90000"/>
-              </a:lnSpc>
-              <a:spcBef>
-                <a:spcPts val="1000"/>
-              </a:spcBef>
-              <a:buFont typeface="Arial" panose="020B0604020202020204" pitchFamily="34" charset="0"/>
-              <a:buNone/>
-              <a:defRPr sz="2800" kern="1200">
-                <a:solidFill>
-                  <a:schemeClr val="bg1"/>
-                </a:solidFill>
-                <a:latin typeface="+mn-lt"/>
-                <a:ea typeface="+mn-ea"/>
-                <a:cs typeface="+mn-cs"/>
-              </a:defRPr>
-            </a:lvl1pPr>
-            <a:lvl2pPr marL="685800" indent="-228600" algn="l" defTabSz="914400" rtl="0" eaLnBrk="1" latinLnBrk="0" hangingPunct="1">
-              <a:lnSpc>
-                <a:spcPct val="90000"/>
-              </a:lnSpc>
-              <a:spcBef>
-                <a:spcPts val="500"/>
-              </a:spcBef>
-              <a:buFont typeface="Arial" panose="020B0604020202020204" pitchFamily="34" charset="0"/>
-              <a:buChar char="•"/>
-              <a:defRPr sz="2400" kern="1200">
-                <a:solidFill>
-                  <a:schemeClr val="tx1"/>
-                </a:solidFill>
-                <a:latin typeface="+mn-lt"/>
-                <a:ea typeface="+mn-ea"/>
-                <a:cs typeface="+mn-cs"/>
-              </a:defRPr>
-            </a:lvl2pPr>
-            <a:lvl3pPr marL="1143000" indent="-228600" algn="l" defTabSz="914400" rtl="0" eaLnBrk="1" latinLnBrk="0" hangingPunct="1">
-              <a:lnSpc>
-                <a:spcPct val="90000"/>
-              </a:lnSpc>
-              <a:spcBef>
-                <a:spcPts val="500"/>
-              </a:spcBef>
-              <a:buFont typeface="Arial" panose="020B0604020202020204" pitchFamily="34" charset="0"/>
-              <a:buChar char="•"/>
-              <a:defRPr sz="2000" kern="1200">
-                <a:solidFill>
-                  <a:schemeClr val="tx1"/>
-                </a:solidFill>
-                <a:latin typeface="+mn-lt"/>
-                <a:ea typeface="+mn-ea"/>
-                <a:cs typeface="+mn-cs"/>
-              </a:defRPr>
-            </a:lvl3pPr>
-            <a:lvl4pPr marL="1600200" indent="-228600" algn="l" defTabSz="914400" rtl="0" eaLnBrk="1" latinLnBrk="0" hangingPunct="1">
-              <a:lnSpc>
-                <a:spcPct val="90000"/>
-              </a:lnSpc>
-              <a:spcBef>
-                <a:spcPts val="500"/>
-              </a:spcBef>
-              <a:buFont typeface="Arial" panose="020B0604020202020204" pitchFamily="34" charset="0"/>
-              <a:buChar char="•"/>
-              <a:defRPr sz="1800" kern="1200">
-                <a:solidFill>
-                  <a:schemeClr val="tx1"/>
-                </a:solidFill>
-                <a:latin typeface="+mn-lt"/>
-                <a:ea typeface="+mn-ea"/>
-                <a:cs typeface="+mn-cs"/>
-              </a:defRPr>
-            </a:lvl4pPr>
-            <a:lvl5pPr marL="2057400" indent="-228600" algn="l" defTabSz="914400" rtl="0" eaLnBrk="1" latinLnBrk="0" hangingPunct="1">
-              <a:lnSpc>
-                <a:spcPct val="90000"/>
-              </a:lnSpc>
-              <a:spcBef>
-                <a:spcPts val="500"/>
-              </a:spcBef>
-              <a:buFont typeface="Arial" panose="020B0604020202020204" pitchFamily="34" charset="0"/>
-              <a:buChar char="•"/>
-              <a:defRPr sz="1800" kern="1200">
-                <a:solidFill>
-                  <a:schemeClr val="tx1"/>
-                </a:solidFill>
-                <a:latin typeface="+mn-lt"/>
-                <a:ea typeface="+mn-ea"/>
-                <a:cs typeface="+mn-cs"/>
-              </a:defRPr>
-            </a:lvl5pPr>
-            <a:lvl6pPr marL="2514600" indent="-228600" algn="l" defTabSz="914400" rtl="0" eaLnBrk="1" latinLnBrk="0" hangingPunct="1">
-              <a:lnSpc>
-                <a:spcPct val="90000"/>
-              </a:lnSpc>
-              <a:spcBef>
-                <a:spcPts val="500"/>
-              </a:spcBef>
-              <a:buFont typeface="Arial" panose="020B0604020202020204" pitchFamily="34" charset="0"/>
-              <a:buChar char="•"/>
-              <a:defRPr sz="1800" kern="1200">
-                <a:solidFill>
-                  <a:schemeClr val="tx1"/>
-                </a:solidFill>
-                <a:latin typeface="+mn-lt"/>
-                <a:ea typeface="+mn-ea"/>
-                <a:cs typeface="+mn-cs"/>
-              </a:defRPr>
-            </a:lvl6pPr>
-            <a:lvl7pPr marL="2971800" indent="-228600" algn="l" defTabSz="914400" rtl="0" eaLnBrk="1" latinLnBrk="0" hangingPunct="1">
-              <a:lnSpc>
-                <a:spcPct val="90000"/>
-              </a:lnSpc>
-              <a:spcBef>
-                <a:spcPts val="500"/>
-              </a:spcBef>
-              <a:buFont typeface="Arial" panose="020B0604020202020204" pitchFamily="34" charset="0"/>
-              <a:buChar char="•"/>
-              <a:defRPr sz="1800" kern="1200">
-                <a:solidFill>
-                  <a:schemeClr val="tx1"/>
-                </a:solidFill>
-                <a:latin typeface="+mn-lt"/>
-                <a:ea typeface="+mn-ea"/>
-                <a:cs typeface="+mn-cs"/>
-              </a:defRPr>
-            </a:lvl7pPr>
-            <a:lvl8pPr marL="3429000" indent="-228600" algn="l" defTabSz="914400" rtl="0" eaLnBrk="1" latinLnBrk="0" hangingPunct="1">
-              <a:lnSpc>
-                <a:spcPct val="90000"/>
-              </a:lnSpc>
-              <a:spcBef>
-                <a:spcPts val="500"/>
-              </a:spcBef>
-              <a:buFont typeface="Arial" panose="020B0604020202020204" pitchFamily="34" charset="0"/>
-              <a:buChar char="•"/>
-              <a:defRPr sz="1800" kern="1200">
-                <a:solidFill>
-                  <a:schemeClr val="tx1"/>
-                </a:solidFill>
-                <a:latin typeface="+mn-lt"/>
-                <a:ea typeface="+mn-ea"/>
-                <a:cs typeface="+mn-cs"/>
-              </a:defRPr>
-            </a:lvl8pPr>
-            <a:lvl9pPr marL="3886200" indent="-228600" algn="l" defTabSz="914400" rtl="0" eaLnBrk="1" latinLnBrk="0" hangingPunct="1">
-              <a:lnSpc>
-                <a:spcPct val="90000"/>
-              </a:lnSpc>
-              <a:spcBef>
-                <a:spcPts val="500"/>
-              </a:spcBef>
-              <a:buFont typeface="Arial" panose="020B0604020202020204" pitchFamily="34" charset="0"/>
-              <a:buChar char="•"/>
-              <a:defRPr sz="1800" kern="1200">
-                <a:solidFill>
-                  <a:schemeClr val="tx1"/>
-                </a:solidFill>
-                <a:latin typeface="+mn-lt"/>
-                <a:ea typeface="+mn-ea"/>
-                <a:cs typeface="+mn-cs"/>
-              </a:defRPr>
-            </a:lvl9pPr>
-          </a:lstStyle>
-          <a:p>
-            <a:r>
-              <a:rPr lang="en-US" dirty="0">
-                <a:hlinkClick r:id="rId8"/>
-              </a:rPr>
-              <a:t>https://github.com/SQLPioneer/</a:t>
-            </a:r>
-            <a:endParaRPr lang="en-US" dirty="0"/>
-          </a:p>
-        </p:txBody>
-      </p:sp>
-      <p:pic>
-        <p:nvPicPr>
-          <p:cNvPr id="11" name="Picture 10">
-            <a:extLst>
-              <a:ext uri="{FF2B5EF4-FFF2-40B4-BE49-F238E27FC236}">
-                <a16:creationId xmlns:a16="http://schemas.microsoft.com/office/drawing/2014/main" id="{CC32E616-CB9F-46FE-888D-27F69BDDE197}"/>
-              </a:ext>
-            </a:extLst>
-          </p:cNvPr>
-          <p:cNvPicPr>
-            <a:picLocks noChangeAspect="1"/>
-          </p:cNvPicPr>
-          <p:nvPr/>
-        </p:nvPicPr>
-        <p:blipFill>
-          <a:blip r:embed="rId9">
-            <a:extLst>
-              <a:ext uri="{28A0092B-C50C-407E-A947-70E740481C1C}">
-                <a14:useLocalDpi xmlns:a14="http://schemas.microsoft.com/office/drawing/2010/main" val="0"/>
-              </a:ext>
-            </a:extLst>
-          </a:blip>
-          <a:stretch>
-            <a:fillRect/>
-          </a:stretch>
-        </p:blipFill>
-        <p:spPr>
-          <a:xfrm>
-            <a:off x="4255158" y="5715001"/>
-            <a:ext cx="451053" cy="451053"/>
-          </a:xfrm>
-          <a:prstGeom prst="rect">
-            <a:avLst/>
-          </a:prstGeom>
-        </p:spPr>
-      </p:pic>
-      <p:pic>
-        <p:nvPicPr>
-          <p:cNvPr id="18" name="Picture 17">
-            <a:extLst>
-              <a:ext uri="{FF2B5EF4-FFF2-40B4-BE49-F238E27FC236}">
-                <a16:creationId xmlns:a16="http://schemas.microsoft.com/office/drawing/2014/main" id="{5D1ED23F-639F-47D1-8FB4-D234A63E17AC}"/>
-              </a:ext>
-            </a:extLst>
-          </p:cNvPr>
-          <p:cNvPicPr>
-            <a:picLocks noChangeAspect="1"/>
-          </p:cNvPicPr>
-          <p:nvPr/>
-        </p:nvPicPr>
-        <p:blipFill>
-          <a:blip r:embed="rId10"/>
-          <a:stretch>
-            <a:fillRect/>
-          </a:stretch>
-        </p:blipFill>
-        <p:spPr>
-          <a:xfrm>
-            <a:off x="4191000" y="3850826"/>
-            <a:ext cx="496156" cy="496156"/>
-          </a:xfrm>
-          <a:prstGeom prst="rect">
-            <a:avLst/>
-          </a:prstGeom>
-        </p:spPr>
-      </p:pic>
-      <p:sp>
-        <p:nvSpPr>
-          <p:cNvPr id="7" name="Text Placeholder 6">
-            <a:extLst>
-              <a:ext uri="{FF2B5EF4-FFF2-40B4-BE49-F238E27FC236}">
-                <a16:creationId xmlns:a16="http://schemas.microsoft.com/office/drawing/2014/main" id="{9CFFFCC1-A17F-4F1A-A14F-856BF634B31E}"/>
-              </a:ext>
-            </a:extLst>
-          </p:cNvPr>
-          <p:cNvSpPr>
-            <a:spLocks noGrp="1"/>
-          </p:cNvSpPr>
-          <p:nvPr>
-            <p:ph type="body" sz="quarter" idx="12"/>
-          </p:nvPr>
-        </p:nvSpPr>
-        <p:spPr/>
-        <p:txBody>
-          <a:bodyPr/>
-          <a:lstStyle/>
-          <a:p>
-            <a:endParaRPr lang="en-US"/>
-          </a:p>
-        </p:txBody>
-      </p:sp>
-    </p:spTree>
-    <p:extLst>
-      <p:ext uri="{BB962C8B-B14F-4D97-AF65-F5344CB8AC3E}">
-        <p14:creationId xmlns:p14="http://schemas.microsoft.com/office/powerpoint/2010/main" val="3942097748"/>
-      </p:ext>
-    </p:extLst>
-  </p:cSld>
-  <p:clrMapOvr>
-    <a:masterClrMapping/>
-  </p:clrMapOvr>
-</p:sld>
-</file>
-
-<file path=ppt/slides/slide20.xml><?xml version="1.0" encoding="utf-8"?>
+<file path=ppt/slides/slide22.xml><?xml version="1.0" encoding="utf-8"?>
 <p:sld xmlns:a="http://schemas.openxmlformats.org/drawingml/2006/main" xmlns:r="http://schemas.openxmlformats.org/officeDocument/2006/relationships" xmlns:p="http://schemas.openxmlformats.org/presentationml/2006/main">
   <p:cSld>
     <p:spTree>
@@ -23210,7 +25038,7 @@
 </p:sld>
 </file>
 
-<file path=ppt/slides/slide21.xml><?xml version="1.0" encoding="utf-8"?>
+<file path=ppt/slides/slide23.xml><?xml version="1.0" encoding="utf-8"?>
 <p:sld xmlns:a="http://schemas.openxmlformats.org/drawingml/2006/main" xmlns:r="http://schemas.openxmlformats.org/officeDocument/2006/relationships" xmlns:p="http://schemas.openxmlformats.org/presentationml/2006/main">
   <p:cSld>
     <p:spTree>
@@ -26982,7 +28810,7 @@
 </p:sld>
 </file>
 
-<file path=ppt/slides/slide22.xml><?xml version="1.0" encoding="utf-8"?>
+<file path=ppt/slides/slide24.xml><?xml version="1.0" encoding="utf-8"?>
 <p:sld xmlns:a="http://schemas.openxmlformats.org/drawingml/2006/main" xmlns:r="http://schemas.openxmlformats.org/officeDocument/2006/relationships" xmlns:p="http://schemas.openxmlformats.org/presentationml/2006/main">
   <p:cSld>
     <p:spTree>
@@ -28885,7 +30713,7 @@
 </p:sld>
 </file>
 
-<file path=ppt/slides/slide23.xml><?xml version="1.0" encoding="utf-8"?>
+<file path=ppt/slides/slide25.xml><?xml version="1.0" encoding="utf-8"?>
 <p:sld xmlns:a="http://schemas.openxmlformats.org/drawingml/2006/main" xmlns:r="http://schemas.openxmlformats.org/officeDocument/2006/relationships" xmlns:p="http://schemas.openxmlformats.org/presentationml/2006/main">
   <p:cSld>
     <p:spTree>
@@ -28954,7 +30782,7 @@
 </p:sld>
 </file>
 
-<file path=ppt/slides/slide24.xml><?xml version="1.0" encoding="utf-8"?>
+<file path=ppt/slides/slide26.xml><?xml version="1.0" encoding="utf-8"?>
 <p:sld xmlns:a="http://schemas.openxmlformats.org/drawingml/2006/main" xmlns:r="http://schemas.openxmlformats.org/officeDocument/2006/relationships" xmlns:p="http://schemas.openxmlformats.org/presentationml/2006/main">
   <p:cSld>
     <p:spTree>
@@ -29220,7 +31048,7 @@
 </p:sld>
 </file>
 
-<file path=ppt/slides/slide25.xml><?xml version="1.0" encoding="utf-8"?>
+<file path=ppt/slides/slide27.xml><?xml version="1.0" encoding="utf-8"?>
 <p:sld xmlns:a="http://schemas.openxmlformats.org/drawingml/2006/main" xmlns:r="http://schemas.openxmlformats.org/officeDocument/2006/relationships" xmlns:p="http://schemas.openxmlformats.org/presentationml/2006/main">
   <p:cSld>
     <p:spTree>
@@ -29659,7 +31487,7 @@
 </p:sld>
 </file>
 
-<file path=ppt/slides/slide26.xml><?xml version="1.0" encoding="utf-8"?>
+<file path=ppt/slides/slide28.xml><?xml version="1.0" encoding="utf-8"?>
 <p:sld xmlns:a="http://schemas.openxmlformats.org/drawingml/2006/main" xmlns:r="http://schemas.openxmlformats.org/officeDocument/2006/relationships" xmlns:p="http://schemas.openxmlformats.org/presentationml/2006/main">
   <p:cSld>
     <p:spTree>
@@ -29798,7 +31626,7 @@
 </p:sld>
 </file>
 
-<file path=ppt/slides/slide27.xml><?xml version="1.0" encoding="utf-8"?>
+<file path=ppt/slides/slide29.xml><?xml version="1.0" encoding="utf-8"?>
 <p:sld xmlns:a="http://schemas.openxmlformats.org/drawingml/2006/main" xmlns:r="http://schemas.openxmlformats.org/officeDocument/2006/relationships" xmlns:p="http://schemas.openxmlformats.org/presentationml/2006/main">
   <p:cSld>
     <p:spTree>
@@ -30601,7 +32429,65 @@
 </p:sld>
 </file>
 
-<file path=ppt/slides/slide28.xml><?xml version="1.0" encoding="utf-8"?>
+<file path=ppt/slides/slide3.xml><?xml version="1.0" encoding="utf-8"?>
+<p:sld xmlns:a="http://schemas.openxmlformats.org/drawingml/2006/main" xmlns:r="http://schemas.openxmlformats.org/officeDocument/2006/relationships" xmlns:p="http://schemas.openxmlformats.org/presentationml/2006/main">
+  <p:cSld>
+    <p:spTree>
+      <p:nvGrpSpPr>
+        <p:cNvPr id="1" name=""/>
+        <p:cNvGrpSpPr/>
+        <p:nvPr/>
+      </p:nvGrpSpPr>
+      <p:grpSpPr>
+        <a:xfrm>
+          <a:off x="0" y="0"/>
+          <a:ext cx="0" cy="0"/>
+          <a:chOff x="0" y="0"/>
+          <a:chExt cx="0" cy="0"/>
+        </a:xfrm>
+      </p:grpSpPr>
+      <p:sp>
+        <p:nvSpPr>
+          <p:cNvPr id="2" name="Text Placeholder 1">
+            <a:extLst>
+              <a:ext uri="{FF2B5EF4-FFF2-40B4-BE49-F238E27FC236}">
+                <a16:creationId xmlns:a16="http://schemas.microsoft.com/office/drawing/2014/main" id="{9AAB80AA-013E-41AA-9BC5-920E9A186A19}"/>
+              </a:ext>
+            </a:extLst>
+          </p:cNvPr>
+          <p:cNvSpPr>
+            <a:spLocks noGrp="1"/>
+          </p:cNvSpPr>
+          <p:nvPr>
+            <p:ph type="body" sz="quarter" idx="10"/>
+          </p:nvPr>
+        </p:nvSpPr>
+        <p:spPr/>
+        <p:txBody>
+          <a:bodyPr/>
+          <a:lstStyle/>
+          <a:p>
+            <a:r>
+              <a:rPr lang="en-US" sz="4400" dirty="0"/>
+              <a:t>Environment Automation</a:t>
+            </a:r>
+          </a:p>
+        </p:txBody>
+      </p:sp>
+    </p:spTree>
+    <p:extLst>
+      <p:ext uri="{BB962C8B-B14F-4D97-AF65-F5344CB8AC3E}">
+        <p14:creationId xmlns:p14="http://schemas.microsoft.com/office/powerpoint/2010/main" val="1484498484"/>
+      </p:ext>
+    </p:extLst>
+  </p:cSld>
+  <p:clrMapOvr>
+    <a:masterClrMapping/>
+  </p:clrMapOvr>
+</p:sld>
+</file>
+
+<file path=ppt/slides/slide30.xml><?xml version="1.0" encoding="utf-8"?>
 <p:sld xmlns:a="http://schemas.openxmlformats.org/drawingml/2006/main" xmlns:r="http://schemas.openxmlformats.org/officeDocument/2006/relationships" xmlns:p="http://schemas.openxmlformats.org/presentationml/2006/main">
   <p:cSld>
     <p:spTree>
@@ -30748,7 +32634,7 @@
 </p:sld>
 </file>
 
-<file path=ppt/slides/slide29.xml><?xml version="1.0" encoding="utf-8"?>
+<file path=ppt/slides/slide31.xml><?xml version="1.0" encoding="utf-8"?>
 <p:sld xmlns:a="http://schemas.openxmlformats.org/drawingml/2006/main" xmlns:r="http://schemas.openxmlformats.org/officeDocument/2006/relationships" xmlns:p="http://schemas.openxmlformats.org/presentationml/2006/main">
   <p:cSld>
     <p:spTree>
@@ -31159,766 +33045,7 @@
 </p:sld>
 </file>
 
-<file path=ppt/slides/slide3.xml><?xml version="1.0" encoding="utf-8"?>
-<p:sld xmlns:a="http://schemas.openxmlformats.org/drawingml/2006/main" xmlns:r="http://schemas.openxmlformats.org/officeDocument/2006/relationships" xmlns:p="http://schemas.openxmlformats.org/presentationml/2006/main">
-  <p:cSld>
-    <p:bg>
-      <p:bgPr>
-        <a:solidFill>
-          <a:schemeClr val="bg1"/>
-        </a:solidFill>
-        <a:effectLst/>
-      </p:bgPr>
-    </p:bg>
-    <p:spTree>
-      <p:nvGrpSpPr>
-        <p:cNvPr id="1" name=""/>
-        <p:cNvGrpSpPr/>
-        <p:nvPr/>
-      </p:nvGrpSpPr>
-      <p:grpSpPr>
-        <a:xfrm>
-          <a:off x="0" y="0"/>
-          <a:ext cx="0" cy="0"/>
-          <a:chOff x="0" y="0"/>
-          <a:chExt cx="0" cy="0"/>
-        </a:xfrm>
-      </p:grpSpPr>
-      <p:sp>
-        <p:nvSpPr>
-          <p:cNvPr id="16" name="Rectangle 5">
-            <a:extLst>
-              <a:ext uri="{FF2B5EF4-FFF2-40B4-BE49-F238E27FC236}">
-                <a16:creationId xmlns:a16="http://schemas.microsoft.com/office/drawing/2014/main" id="{E4E5B6DE-0BB3-4414-B6EC-003727C06C3E}"/>
-              </a:ext>
-            </a:extLst>
-          </p:cNvPr>
-          <p:cNvSpPr/>
-          <p:nvPr/>
-        </p:nvSpPr>
-        <p:spPr>
-          <a:xfrm>
-            <a:off x="2876" y="-4313"/>
-            <a:ext cx="12191998" cy="5865961"/>
-          </a:xfrm>
-          <a:prstGeom prst="rect">
-            <a:avLst/>
-          </a:prstGeom>
-          <a:solidFill>
-            <a:schemeClr val="bg1">
-              <a:lumMod val="95000"/>
-              <a:alpha val="59000"/>
-            </a:schemeClr>
-          </a:solidFill>
-          <a:ln>
-            <a:noFill/>
-          </a:ln>
-        </p:spPr>
-        <p:style>
-          <a:lnRef idx="2">
-            <a:schemeClr val="accent1">
-              <a:shade val="50000"/>
-            </a:schemeClr>
-          </a:lnRef>
-          <a:fillRef idx="1">
-            <a:schemeClr val="accent1"/>
-          </a:fillRef>
-          <a:effectRef idx="0">
-            <a:schemeClr val="accent1"/>
-          </a:effectRef>
-          <a:fontRef idx="minor">
-            <a:schemeClr val="lt1"/>
-          </a:fontRef>
-        </p:style>
-        <p:txBody>
-          <a:bodyPr rtlCol="0" anchor="ctr"/>
-          <a:lstStyle/>
-          <a:p>
-            <a:pPr algn="ctr"/>
-            <a:endParaRPr lang="en-US"/>
-          </a:p>
-        </p:txBody>
-      </p:sp>
-      <p:pic>
-        <p:nvPicPr>
-          <p:cNvPr id="17" name="Gráfico 16">
-            <a:extLst>
-              <a:ext uri="{FF2B5EF4-FFF2-40B4-BE49-F238E27FC236}">
-                <a16:creationId xmlns:a16="http://schemas.microsoft.com/office/drawing/2014/main" id="{3F70F545-7583-42DE-9B1D-11A61EF65413}"/>
-              </a:ext>
-            </a:extLst>
-          </p:cNvPr>
-          <p:cNvPicPr>
-            <a:picLocks noChangeAspect="1"/>
-          </p:cNvPicPr>
-          <p:nvPr/>
-        </p:nvPicPr>
-        <p:blipFill rotWithShape="1">
-          <a:blip r:embed="rId2">
-            <a:extLst>
-              <a:ext uri="{96DAC541-7B7A-43D3-8B79-37D633B846F1}">
-                <asvg:svgBlip xmlns:asvg="http://schemas.microsoft.com/office/drawing/2016/SVG/main" r:embed="rId3"/>
-              </a:ext>
-            </a:extLst>
-          </a:blip>
-          <a:srcRect l="17396"/>
-          <a:stretch/>
-        </p:blipFill>
-        <p:spPr>
-          <a:xfrm rot="16200000">
-            <a:off x="8485521" y="-850859"/>
-            <a:ext cx="6218364" cy="6858000"/>
-          </a:xfrm>
-          <a:prstGeom prst="rect">
-            <a:avLst/>
-          </a:prstGeom>
-          <a:effectLst>
-            <a:outerShdw blurRad="114300" dist="127000" dir="2700000" algn="tl" rotWithShape="0">
-              <a:prstClr val="black">
-                <a:alpha val="25000"/>
-              </a:prstClr>
-            </a:outerShdw>
-          </a:effectLst>
-        </p:spPr>
-      </p:pic>
-      <p:pic>
-        <p:nvPicPr>
-          <p:cNvPr id="18" name="Gráfico 17">
-            <a:extLst>
-              <a:ext uri="{FF2B5EF4-FFF2-40B4-BE49-F238E27FC236}">
-                <a16:creationId xmlns:a16="http://schemas.microsoft.com/office/drawing/2014/main" id="{B043C1A6-8812-401E-9460-DB036764D415}"/>
-              </a:ext>
-            </a:extLst>
-          </p:cNvPr>
-          <p:cNvPicPr>
-            <a:picLocks noChangeAspect="1"/>
-          </p:cNvPicPr>
-          <p:nvPr/>
-        </p:nvPicPr>
-        <p:blipFill rotWithShape="1">
-          <a:blip r:embed="rId2">
-            <a:extLst>
-              <a:ext uri="{96DAC541-7B7A-43D3-8B79-37D633B846F1}">
-                <asvg:svgBlip xmlns:asvg="http://schemas.microsoft.com/office/drawing/2016/SVG/main" r:embed="rId3"/>
-              </a:ext>
-            </a:extLst>
-          </a:blip>
-          <a:srcRect l="17396"/>
-          <a:stretch/>
-        </p:blipFill>
-        <p:spPr>
-          <a:xfrm rot="16200000">
-            <a:off x="-3731087" y="-965159"/>
-            <a:ext cx="6218364" cy="6858000"/>
-          </a:xfrm>
-          <a:prstGeom prst="rect">
-            <a:avLst/>
-          </a:prstGeom>
-          <a:effectLst>
-            <a:outerShdw blurRad="114300" dist="127000" dir="2700000" algn="tl" rotWithShape="0">
-              <a:prstClr val="black">
-                <a:alpha val="25000"/>
-              </a:prstClr>
-            </a:outerShdw>
-          </a:effectLst>
-        </p:spPr>
-      </p:pic>
-      <p:sp>
-        <p:nvSpPr>
-          <p:cNvPr id="19" name="TextBox 10">
-            <a:extLst>
-              <a:ext uri="{FF2B5EF4-FFF2-40B4-BE49-F238E27FC236}">
-                <a16:creationId xmlns:a16="http://schemas.microsoft.com/office/drawing/2014/main" id="{7CD06533-9D7A-41D2-BE51-7B3D72D60D31}"/>
-              </a:ext>
-            </a:extLst>
-          </p:cNvPr>
-          <p:cNvSpPr txBox="1"/>
-          <p:nvPr/>
-        </p:nvSpPr>
-        <p:spPr>
-          <a:xfrm>
-            <a:off x="3639153" y="581656"/>
-            <a:ext cx="4913694" cy="400110"/>
-          </a:xfrm>
-          <a:prstGeom prst="rect">
-            <a:avLst/>
-          </a:prstGeom>
-          <a:noFill/>
-        </p:spPr>
-        <p:txBody>
-          <a:bodyPr rot="0" spcFirstLastPara="0" vertOverflow="overflow" horzOverflow="overflow" vert="horz" wrap="square" lIns="91440" tIns="45720" rIns="91440" bIns="45720" numCol="1" spcCol="0" rtlCol="0" fromWordArt="0" anchor="t" anchorCtr="0" forceAA="0" compatLnSpc="1">
-            <a:prstTxWarp prst="textNoShape">
-              <a:avLst/>
-            </a:prstTxWarp>
-            <a:spAutoFit/>
-          </a:bodyPr>
-          <a:lstStyle/>
-          <a:p>
-            <a:pPr algn="ctr"/>
-            <a:r>
-              <a:rPr lang="en-US" sz="2000" spc="300" dirty="0">
-                <a:solidFill>
-                  <a:schemeClr val="tx1">
-                    <a:lumMod val="65000"/>
-                    <a:lumOff val="35000"/>
-                  </a:schemeClr>
-                </a:solidFill>
-                <a:latin typeface="Roboto" panose="02000000000000000000" pitchFamily="2" charset="0"/>
-                <a:ea typeface="Roboto" panose="02000000000000000000" pitchFamily="2" charset="0"/>
-              </a:rPr>
-              <a:t>GROUPBY 2021 | </a:t>
-            </a:r>
-            <a:r>
-              <a:rPr lang="en-US" sz="2000" b="1" spc="300" dirty="0">
-                <a:solidFill>
-                  <a:srgbClr val="FF0000"/>
-                </a:solidFill>
-                <a:latin typeface="Roboto" panose="02000000000000000000" pitchFamily="2" charset="0"/>
-                <a:ea typeface="Roboto" panose="02000000000000000000" pitchFamily="2" charset="0"/>
-              </a:rPr>
-              <a:t>OCT 26-27</a:t>
-            </a:r>
-            <a:endParaRPr lang="en-US" sz="2000" spc="300" dirty="0">
-              <a:latin typeface="Roboto" panose="02000000000000000000" pitchFamily="2" charset="0"/>
-              <a:ea typeface="Roboto" panose="02000000000000000000" pitchFamily="2" charset="0"/>
-              <a:cs typeface="+mn-lt"/>
-            </a:endParaRPr>
-          </a:p>
-        </p:txBody>
-      </p:sp>
-      <p:sp>
-        <p:nvSpPr>
-          <p:cNvPr id="4" name="Rectangle: Rounded Corners 3">
-            <a:extLst>
-              <a:ext uri="{FF2B5EF4-FFF2-40B4-BE49-F238E27FC236}">
-                <a16:creationId xmlns:a16="http://schemas.microsoft.com/office/drawing/2014/main" id="{6455BCFF-3F4D-4CB8-8C98-5151A2A20BDB}"/>
-              </a:ext>
-            </a:extLst>
-          </p:cNvPr>
-          <p:cNvSpPr/>
-          <p:nvPr/>
-        </p:nvSpPr>
-        <p:spPr>
-          <a:xfrm>
-            <a:off x="879895" y="1088368"/>
-            <a:ext cx="10437960" cy="1305040"/>
-          </a:xfrm>
-          <a:prstGeom prst="roundRect">
-            <a:avLst/>
-          </a:prstGeom>
-          <a:gradFill>
-            <a:gsLst>
-              <a:gs pos="0">
-                <a:srgbClr val="FF65AD"/>
-              </a:gs>
-              <a:gs pos="100000">
-                <a:srgbClr val="FF8083"/>
-              </a:gs>
-            </a:gsLst>
-            <a:lin ang="8100000" scaled="0"/>
-          </a:gradFill>
-          <a:ln/>
-        </p:spPr>
-        <p:style>
-          <a:lnRef idx="0">
-            <a:schemeClr val="accent3"/>
-          </a:lnRef>
-          <a:fillRef idx="3">
-            <a:schemeClr val="accent3"/>
-          </a:fillRef>
-          <a:effectRef idx="3">
-            <a:schemeClr val="accent3"/>
-          </a:effectRef>
-          <a:fontRef idx="minor">
-            <a:schemeClr val="lt1"/>
-          </a:fontRef>
-        </p:style>
-        <p:txBody>
-          <a:bodyPr rtlCol="0" anchor="ctr"/>
-          <a:lstStyle/>
-          <a:p>
-            <a:pPr algn="ctr"/>
-            <a:endParaRPr lang="en-US"/>
-          </a:p>
-        </p:txBody>
-      </p:sp>
-      <p:sp>
-        <p:nvSpPr>
-          <p:cNvPr id="21" name="Rectangle: Rounded Corners 3">
-            <a:extLst>
-              <a:ext uri="{FF2B5EF4-FFF2-40B4-BE49-F238E27FC236}">
-                <a16:creationId xmlns:a16="http://schemas.microsoft.com/office/drawing/2014/main" id="{0BE48D6C-A953-4CF9-9C87-D586D1D33333}"/>
-              </a:ext>
-            </a:extLst>
-          </p:cNvPr>
-          <p:cNvSpPr/>
-          <p:nvPr/>
-        </p:nvSpPr>
-        <p:spPr>
-          <a:xfrm>
-            <a:off x="879895" y="4144487"/>
-            <a:ext cx="10437960" cy="1305040"/>
-          </a:xfrm>
-          <a:prstGeom prst="roundRect">
-            <a:avLst/>
-          </a:prstGeom>
-          <a:solidFill>
-            <a:srgbClr val="231F20"/>
-          </a:solidFill>
-          <a:ln/>
-        </p:spPr>
-        <p:style>
-          <a:lnRef idx="0">
-            <a:schemeClr val="accent3"/>
-          </a:lnRef>
-          <a:fillRef idx="3">
-            <a:schemeClr val="accent3"/>
-          </a:fillRef>
-          <a:effectRef idx="3">
-            <a:schemeClr val="accent3"/>
-          </a:effectRef>
-          <a:fontRef idx="minor">
-            <a:schemeClr val="lt1"/>
-          </a:fontRef>
-        </p:style>
-        <p:txBody>
-          <a:bodyPr rtlCol="0" anchor="ctr"/>
-          <a:lstStyle/>
-          <a:p>
-            <a:pPr algn="ctr"/>
-            <a:endParaRPr lang="en-US"/>
-          </a:p>
-        </p:txBody>
-      </p:sp>
-      <p:sp>
-        <p:nvSpPr>
-          <p:cNvPr id="13" name="TextBox 12">
-            <a:extLst>
-              <a:ext uri="{FF2B5EF4-FFF2-40B4-BE49-F238E27FC236}">
-                <a16:creationId xmlns:a16="http://schemas.microsoft.com/office/drawing/2014/main" id="{9A116683-55C5-4200-93E3-F53979CC0A1C}"/>
-              </a:ext>
-            </a:extLst>
-          </p:cNvPr>
-          <p:cNvSpPr txBox="1"/>
-          <p:nvPr/>
-        </p:nvSpPr>
-        <p:spPr>
-          <a:xfrm>
-            <a:off x="2206924" y="4216261"/>
-            <a:ext cx="7784797" cy="461665"/>
-          </a:xfrm>
-          <a:prstGeom prst="rect">
-            <a:avLst/>
-          </a:prstGeom>
-          <a:noFill/>
-        </p:spPr>
-        <p:txBody>
-          <a:bodyPr rot="0" spcFirstLastPara="0" vertOverflow="overflow" horzOverflow="overflow" vert="horz" wrap="square" lIns="91440" tIns="45720" rIns="91440" bIns="45720" numCol="1" spcCol="0" rtlCol="0" fromWordArt="0" anchor="t" anchorCtr="0" forceAA="0" compatLnSpc="1">
-            <a:prstTxWarp prst="textNoShape">
-              <a:avLst/>
-            </a:prstTxWarp>
-            <a:spAutoFit/>
-          </a:bodyPr>
-          <a:lstStyle/>
-          <a:p>
-            <a:pPr algn="ctr">
-              <a:lnSpc>
-                <a:spcPct val="150000"/>
-              </a:lnSpc>
-            </a:pPr>
-            <a:r>
-              <a:rPr lang="en-US" dirty="0">
-                <a:solidFill>
-                  <a:schemeClr val="bg1"/>
-                </a:solidFill>
-                <a:latin typeface="Roboto Bold" panose="02000000000000000000" pitchFamily="2" charset="0"/>
-                <a:ea typeface="Roboto Bold" panose="02000000000000000000" pitchFamily="2" charset="0"/>
-              </a:rPr>
-              <a:t>Virtual Group Sponsors</a:t>
-            </a:r>
-            <a:endParaRPr lang="en-US" dirty="0">
-              <a:solidFill>
-                <a:schemeClr val="bg1"/>
-              </a:solidFill>
-              <a:latin typeface="Roboto Bold" panose="02000000000000000000" pitchFamily="2" charset="0"/>
-              <a:ea typeface="Roboto Bold" panose="02000000000000000000" pitchFamily="2" charset="0"/>
-              <a:cs typeface="Calibri"/>
-            </a:endParaRPr>
-          </a:p>
-        </p:txBody>
-      </p:sp>
-      <p:sp>
-        <p:nvSpPr>
-          <p:cNvPr id="20" name="Rectangle: Rounded Corners 3">
-            <a:extLst>
-              <a:ext uri="{FF2B5EF4-FFF2-40B4-BE49-F238E27FC236}">
-                <a16:creationId xmlns:a16="http://schemas.microsoft.com/office/drawing/2014/main" id="{274EDCBD-AFC2-47C6-BB44-08CE26DF5348}"/>
-              </a:ext>
-            </a:extLst>
-          </p:cNvPr>
-          <p:cNvSpPr/>
-          <p:nvPr/>
-        </p:nvSpPr>
-        <p:spPr>
-          <a:xfrm>
-            <a:off x="879895" y="2618868"/>
-            <a:ext cx="10437960" cy="1305040"/>
-          </a:xfrm>
-          <a:prstGeom prst="roundRect">
-            <a:avLst/>
-          </a:prstGeom>
-          <a:solidFill>
-            <a:srgbClr val="EF4135"/>
-          </a:solidFill>
-          <a:ln/>
-        </p:spPr>
-        <p:style>
-          <a:lnRef idx="0">
-            <a:schemeClr val="accent3"/>
-          </a:lnRef>
-          <a:fillRef idx="3">
-            <a:schemeClr val="accent3"/>
-          </a:fillRef>
-          <a:effectRef idx="3">
-            <a:schemeClr val="accent3"/>
-          </a:effectRef>
-          <a:fontRef idx="minor">
-            <a:schemeClr val="lt1"/>
-          </a:fontRef>
-        </p:style>
-        <p:txBody>
-          <a:bodyPr rtlCol="0" anchor="ctr"/>
-          <a:lstStyle/>
-          <a:p>
-            <a:pPr algn="ctr"/>
-            <a:endParaRPr lang="en-US"/>
-          </a:p>
-        </p:txBody>
-      </p:sp>
-      <p:sp>
-        <p:nvSpPr>
-          <p:cNvPr id="10" name="TextBox 9">
-            <a:extLst>
-              <a:ext uri="{FF2B5EF4-FFF2-40B4-BE49-F238E27FC236}">
-                <a16:creationId xmlns:a16="http://schemas.microsoft.com/office/drawing/2014/main" id="{80326443-B1FB-410C-A527-40988CDDA44F}"/>
-              </a:ext>
-            </a:extLst>
-          </p:cNvPr>
-          <p:cNvSpPr txBox="1"/>
-          <p:nvPr/>
-        </p:nvSpPr>
-        <p:spPr>
-          <a:xfrm>
-            <a:off x="2206923" y="1131490"/>
-            <a:ext cx="7784797" cy="461665"/>
-          </a:xfrm>
-          <a:prstGeom prst="rect">
-            <a:avLst/>
-          </a:prstGeom>
-          <a:noFill/>
-        </p:spPr>
-        <p:txBody>
-          <a:bodyPr rot="0" spcFirstLastPara="0" vertOverflow="overflow" horzOverflow="overflow" vert="horz" wrap="square" lIns="91440" tIns="45720" rIns="91440" bIns="45720" numCol="1" spcCol="0" rtlCol="0" fromWordArt="0" anchor="t" anchorCtr="0" forceAA="0" compatLnSpc="1">
-            <a:prstTxWarp prst="textNoShape">
-              <a:avLst/>
-            </a:prstTxWarp>
-            <a:spAutoFit/>
-          </a:bodyPr>
-          <a:lstStyle/>
-          <a:p>
-            <a:pPr algn="ctr">
-              <a:lnSpc>
-                <a:spcPct val="150000"/>
-              </a:lnSpc>
-            </a:pPr>
-            <a:r>
-              <a:rPr lang="en-US" dirty="0">
-                <a:solidFill>
-                  <a:schemeClr val="bg1"/>
-                </a:solidFill>
-                <a:latin typeface="Roboto Bold" panose="02000000000000000000" pitchFamily="2" charset="0"/>
-                <a:ea typeface="Roboto Bold" panose="02000000000000000000" pitchFamily="2" charset="0"/>
-              </a:rPr>
-              <a:t>Core Sponsors</a:t>
-            </a:r>
-          </a:p>
-        </p:txBody>
-      </p:sp>
-      <p:pic>
-        <p:nvPicPr>
-          <p:cNvPr id="12" name="Picture 13">
-            <a:extLst>
-              <a:ext uri="{FF2B5EF4-FFF2-40B4-BE49-F238E27FC236}">
-                <a16:creationId xmlns:a16="http://schemas.microsoft.com/office/drawing/2014/main" id="{3551DE5C-C900-4EC1-A471-F9F78DDF8A6E}"/>
-              </a:ext>
-            </a:extLst>
-          </p:cNvPr>
-          <p:cNvPicPr>
-            <a:picLocks noChangeAspect="1"/>
-          </p:cNvPicPr>
-          <p:nvPr/>
-        </p:nvPicPr>
-        <p:blipFill>
-          <a:blip r:embed="rId4">
-            <a:extLst>
-              <a:ext uri="{28A0092B-C50C-407E-A947-70E740481C1C}">
-                <a14:useLocalDpi xmlns:a14="http://schemas.microsoft.com/office/drawing/2010/main" val="0"/>
-              </a:ext>
-            </a:extLst>
-          </a:blip>
-          <a:srcRect/>
-          <a:stretch/>
-        </p:blipFill>
-        <p:spPr>
-          <a:xfrm>
-            <a:off x="6205267" y="1391124"/>
-            <a:ext cx="2613804" cy="871268"/>
-          </a:xfrm>
-          <a:prstGeom prst="rect">
-            <a:avLst/>
-          </a:prstGeom>
-        </p:spPr>
-      </p:pic>
-      <p:sp>
-        <p:nvSpPr>
-          <p:cNvPr id="14" name="TextBox 13">
-            <a:extLst>
-              <a:ext uri="{FF2B5EF4-FFF2-40B4-BE49-F238E27FC236}">
-                <a16:creationId xmlns:a16="http://schemas.microsoft.com/office/drawing/2014/main" id="{CE0E441D-7CE5-4CD5-A7A7-444E6244701C}"/>
-              </a:ext>
-            </a:extLst>
-          </p:cNvPr>
-          <p:cNvSpPr txBox="1"/>
-          <p:nvPr/>
-        </p:nvSpPr>
-        <p:spPr>
-          <a:xfrm>
-            <a:off x="2206922" y="2713208"/>
-            <a:ext cx="7784797" cy="461665"/>
-          </a:xfrm>
-          <a:prstGeom prst="rect">
-            <a:avLst/>
-          </a:prstGeom>
-          <a:noFill/>
-        </p:spPr>
-        <p:txBody>
-          <a:bodyPr rot="0" spcFirstLastPara="0" vertOverflow="overflow" horzOverflow="overflow" vert="horz" wrap="square" lIns="91440" tIns="45720" rIns="91440" bIns="45720" numCol="1" spcCol="0" rtlCol="0" fromWordArt="0" anchor="t" anchorCtr="0" forceAA="0" compatLnSpc="1">
-            <a:prstTxWarp prst="textNoShape">
-              <a:avLst/>
-            </a:prstTxWarp>
-            <a:spAutoFit/>
-          </a:bodyPr>
-          <a:lstStyle/>
-          <a:p>
-            <a:pPr algn="ctr">
-              <a:lnSpc>
-                <a:spcPct val="150000"/>
-              </a:lnSpc>
-            </a:pPr>
-            <a:r>
-              <a:rPr lang="en-US" dirty="0">
-                <a:solidFill>
-                  <a:schemeClr val="bg1"/>
-                </a:solidFill>
-                <a:latin typeface="Roboto Bold" panose="02000000000000000000" pitchFamily="2" charset="0"/>
-                <a:ea typeface="Roboto Bold" panose="02000000000000000000" pitchFamily="2" charset="0"/>
-              </a:rPr>
-              <a:t>Media Sponsors</a:t>
-            </a:r>
-          </a:p>
-        </p:txBody>
-      </p:sp>
-      <p:pic>
-        <p:nvPicPr>
-          <p:cNvPr id="15" name="Picture 15">
-            <a:extLst>
-              <a:ext uri="{FF2B5EF4-FFF2-40B4-BE49-F238E27FC236}">
-                <a16:creationId xmlns:a16="http://schemas.microsoft.com/office/drawing/2014/main" id="{81F1C55F-BA2E-4AA3-92C7-74BED5B142A2}"/>
-              </a:ext>
-            </a:extLst>
-          </p:cNvPr>
-          <p:cNvPicPr>
-            <a:picLocks noChangeAspect="1"/>
-          </p:cNvPicPr>
-          <p:nvPr/>
-        </p:nvPicPr>
-        <p:blipFill>
-          <a:blip r:embed="rId5">
-            <a:extLst>
-              <a:ext uri="{28A0092B-C50C-407E-A947-70E740481C1C}">
-                <a14:useLocalDpi xmlns:a14="http://schemas.microsoft.com/office/drawing/2010/main" val="0"/>
-              </a:ext>
-            </a:extLst>
-          </a:blip>
-          <a:srcRect/>
-          <a:stretch/>
-        </p:blipFill>
-        <p:spPr>
-          <a:xfrm>
-            <a:off x="3372928" y="1548557"/>
-            <a:ext cx="2743200" cy="685799"/>
-          </a:xfrm>
-          <a:prstGeom prst="rect">
-            <a:avLst/>
-          </a:prstGeom>
-        </p:spPr>
-      </p:pic>
-      <p:pic>
-        <p:nvPicPr>
-          <p:cNvPr id="22" name="Picture 13">
-            <a:extLst>
-              <a:ext uri="{FF2B5EF4-FFF2-40B4-BE49-F238E27FC236}">
-                <a16:creationId xmlns:a16="http://schemas.microsoft.com/office/drawing/2014/main" id="{B4EEA9C9-0F35-41A4-84EE-98E2A949A2A3}"/>
-              </a:ext>
-            </a:extLst>
-          </p:cNvPr>
-          <p:cNvPicPr>
-            <a:picLocks noChangeAspect="1"/>
-          </p:cNvPicPr>
-          <p:nvPr/>
-        </p:nvPicPr>
-        <p:blipFill>
-          <a:blip r:embed="rId4">
-            <a:extLst>
-              <a:ext uri="{28A0092B-C50C-407E-A947-70E740481C1C}">
-                <a14:useLocalDpi xmlns:a14="http://schemas.microsoft.com/office/drawing/2010/main" val="0"/>
-              </a:ext>
-            </a:extLst>
-          </a:blip>
-          <a:srcRect/>
-          <a:stretch/>
-        </p:blipFill>
-        <p:spPr>
-          <a:xfrm>
-            <a:off x="5243596" y="3068082"/>
-            <a:ext cx="2160168" cy="720056"/>
-          </a:xfrm>
-          <a:prstGeom prst="rect">
-            <a:avLst/>
-          </a:prstGeom>
-        </p:spPr>
-      </p:pic>
-      <p:pic>
-        <p:nvPicPr>
-          <p:cNvPr id="23" name="Picture 15">
-            <a:extLst>
-              <a:ext uri="{FF2B5EF4-FFF2-40B4-BE49-F238E27FC236}">
-                <a16:creationId xmlns:a16="http://schemas.microsoft.com/office/drawing/2014/main" id="{EC075891-63B1-4792-9244-4885F149C043}"/>
-              </a:ext>
-            </a:extLst>
-          </p:cNvPr>
-          <p:cNvPicPr>
-            <a:picLocks noChangeAspect="1"/>
-          </p:cNvPicPr>
-          <p:nvPr/>
-        </p:nvPicPr>
-        <p:blipFill>
-          <a:blip r:embed="rId5">
-            <a:extLst>
-              <a:ext uri="{28A0092B-C50C-407E-A947-70E740481C1C}">
-                <a14:useLocalDpi xmlns:a14="http://schemas.microsoft.com/office/drawing/2010/main" val="0"/>
-              </a:ext>
-            </a:extLst>
-          </a:blip>
-          <a:srcRect/>
-          <a:stretch/>
-        </p:blipFill>
-        <p:spPr>
-          <a:xfrm>
-            <a:off x="2435322" y="3176762"/>
-            <a:ext cx="2267107" cy="566776"/>
-          </a:xfrm>
-          <a:prstGeom prst="rect">
-            <a:avLst/>
-          </a:prstGeom>
-        </p:spPr>
-      </p:pic>
-      <p:pic>
-        <p:nvPicPr>
-          <p:cNvPr id="3" name="Imagem 2" descr="Desenho com traços pretos em fundo branco&#10;&#10;Descrição gerada automaticamente com confiança média">
-            <a:extLst>
-              <a:ext uri="{FF2B5EF4-FFF2-40B4-BE49-F238E27FC236}">
-                <a16:creationId xmlns:a16="http://schemas.microsoft.com/office/drawing/2014/main" id="{B8315246-E94A-4FD3-BA02-2759A604C297}"/>
-              </a:ext>
-            </a:extLst>
-          </p:cNvPr>
-          <p:cNvPicPr>
-            <a:picLocks noChangeAspect="1"/>
-          </p:cNvPicPr>
-          <p:nvPr/>
-        </p:nvPicPr>
-        <p:blipFill>
-          <a:blip r:embed="rId6">
-            <a:extLst>
-              <a:ext uri="{28A0092B-C50C-407E-A947-70E740481C1C}">
-                <a14:useLocalDpi xmlns:a14="http://schemas.microsoft.com/office/drawing/2010/main" val="0"/>
-              </a:ext>
-            </a:extLst>
-          </a:blip>
-          <a:stretch>
-            <a:fillRect/>
-          </a:stretch>
-        </p:blipFill>
-        <p:spPr>
-          <a:xfrm>
-            <a:off x="8161903" y="3173006"/>
-            <a:ext cx="1011644" cy="618888"/>
-          </a:xfrm>
-          <a:prstGeom prst="rect">
-            <a:avLst/>
-          </a:prstGeom>
-        </p:spPr>
-      </p:pic>
-      <p:pic>
-        <p:nvPicPr>
-          <p:cNvPr id="11" name="Imagem 10">
-            <a:extLst>
-              <a:ext uri="{FF2B5EF4-FFF2-40B4-BE49-F238E27FC236}">
-                <a16:creationId xmlns:a16="http://schemas.microsoft.com/office/drawing/2014/main" id="{70634BB2-DD0E-43E7-83C7-A9BFF9602D19}"/>
-              </a:ext>
-            </a:extLst>
-          </p:cNvPr>
-          <p:cNvPicPr>
-            <a:picLocks noChangeAspect="1"/>
-          </p:cNvPicPr>
-          <p:nvPr/>
-        </p:nvPicPr>
-        <p:blipFill>
-          <a:blip r:embed="rId7">
-            <a:extLst>
-              <a:ext uri="{28A0092B-C50C-407E-A947-70E740481C1C}">
-                <a14:useLocalDpi xmlns:a14="http://schemas.microsoft.com/office/drawing/2010/main" val="0"/>
-              </a:ext>
-            </a:extLst>
-          </a:blip>
-          <a:stretch>
-            <a:fillRect/>
-          </a:stretch>
-        </p:blipFill>
-        <p:spPr>
-          <a:xfrm>
-            <a:off x="4762666" y="4754164"/>
-            <a:ext cx="2666667" cy="419048"/>
-          </a:xfrm>
-          <a:prstGeom prst="rect">
-            <a:avLst/>
-          </a:prstGeom>
-        </p:spPr>
-      </p:pic>
-    </p:spTree>
-    <p:extLst>
-      <p:ext uri="{BB962C8B-B14F-4D97-AF65-F5344CB8AC3E}">
-        <p14:creationId xmlns:p14="http://schemas.microsoft.com/office/powerpoint/2010/main" val="4078754494"/>
-      </p:ext>
-    </p:extLst>
-  </p:cSld>
-  <p:clrMapOvr>
-    <a:masterClrMapping/>
-  </p:clrMapOvr>
-</p:sld>
-</file>
-
-<file path=ppt/slides/slide30.xml><?xml version="1.0" encoding="utf-8"?>
+<file path=ppt/slides/slide32.xml><?xml version="1.0" encoding="utf-8"?>
 <p:sld xmlns:a="http://schemas.openxmlformats.org/drawingml/2006/main" xmlns:r="http://schemas.openxmlformats.org/officeDocument/2006/relationships" xmlns:p="http://schemas.openxmlformats.org/presentationml/2006/main">
   <p:cSld>
     <p:spTree>
@@ -32357,7 +33484,7 @@
 </p:sld>
 </file>
 
-<file path=ppt/slides/slide31.xml><?xml version="1.0" encoding="utf-8"?>
+<file path=ppt/slides/slide33.xml><?xml version="1.0" encoding="utf-8"?>
 <p:sld xmlns:a="http://schemas.openxmlformats.org/drawingml/2006/main" xmlns:r="http://schemas.openxmlformats.org/officeDocument/2006/relationships" xmlns:p="http://schemas.openxmlformats.org/presentationml/2006/main">
   <p:cSld>
     <p:spTree>
@@ -32733,7 +33860,7 @@
 </p:sld>
 </file>
 
-<file path=ppt/slides/slide32.xml><?xml version="1.0" encoding="utf-8"?>
+<file path=ppt/slides/slide34.xml><?xml version="1.0" encoding="utf-8"?>
 <p:sld xmlns:a="http://schemas.openxmlformats.org/drawingml/2006/main" xmlns:r="http://schemas.openxmlformats.org/officeDocument/2006/relationships" xmlns:p="http://schemas.openxmlformats.org/presentationml/2006/main">
   <p:cSld>
     <p:spTree>
@@ -33241,7 +34368,7 @@
 </p:sld>
 </file>
 
-<file path=ppt/slides/slide33.xml><?xml version="1.0" encoding="utf-8"?>
+<file path=ppt/slides/slide35.xml><?xml version="1.0" encoding="utf-8"?>
 <p:sld xmlns:a="http://schemas.openxmlformats.org/drawingml/2006/main" xmlns:r="http://schemas.openxmlformats.org/officeDocument/2006/relationships" xmlns:p="http://schemas.openxmlformats.org/presentationml/2006/main">
   <p:cSld>
     <p:spTree>
@@ -34056,7 +35183,7 @@
 </p:sld>
 </file>
 
-<file path=ppt/slides/slide34.xml><?xml version="1.0" encoding="utf-8"?>
+<file path=ppt/slides/slide36.xml><?xml version="1.0" encoding="utf-8"?>
 <p:sld xmlns:a="http://schemas.openxmlformats.org/drawingml/2006/main" xmlns:r="http://schemas.openxmlformats.org/officeDocument/2006/relationships" xmlns:p="http://schemas.openxmlformats.org/presentationml/2006/main">
   <p:cSld>
     <p:spTree>
@@ -34416,7 +35543,7 @@
 </p:sld>
 </file>
 
-<file path=ppt/slides/slide35.xml><?xml version="1.0" encoding="utf-8"?>
+<file path=ppt/slides/slide37.xml><?xml version="1.0" encoding="utf-8"?>
 <p:sld xmlns:a="http://schemas.openxmlformats.org/drawingml/2006/main" xmlns:r="http://schemas.openxmlformats.org/officeDocument/2006/relationships" xmlns:p="http://schemas.openxmlformats.org/presentationml/2006/main">
   <p:cSld>
     <p:spTree>
@@ -34773,6 +35900,1502 @@
 <file path=ppt/slides/slide4.xml><?xml version="1.0" encoding="utf-8"?>
 <p:sld xmlns:a="http://schemas.openxmlformats.org/drawingml/2006/main" xmlns:r="http://schemas.openxmlformats.org/officeDocument/2006/relationships" xmlns:p="http://schemas.openxmlformats.org/presentationml/2006/main">
   <p:cSld>
+    <p:bg>
+      <p:bgPr>
+        <a:blipFill>
+          <a:blip r:embed="rId2"/>
+          <a:tile tx="0" ty="0" sx="100000" sy="100000" flip="none" algn="tl"/>
+        </a:blipFill>
+        <a:effectLst/>
+      </p:bgPr>
+    </p:bg>
+    <p:spTree>
+      <p:nvGrpSpPr>
+        <p:cNvPr id="1" name=""/>
+        <p:cNvGrpSpPr/>
+        <p:nvPr/>
+      </p:nvGrpSpPr>
+      <p:grpSpPr>
+        <a:xfrm>
+          <a:off x="0" y="0"/>
+          <a:ext cx="0" cy="0"/>
+          <a:chOff x="0" y="0"/>
+          <a:chExt cx="0" cy="0"/>
+        </a:xfrm>
+      </p:grpSpPr>
+      <p:sp>
+        <p:nvSpPr>
+          <p:cNvPr id="8" name="Rectangle 5">
+            <a:extLst>
+              <a:ext uri="{FF2B5EF4-FFF2-40B4-BE49-F238E27FC236}">
+                <a16:creationId xmlns:a16="http://schemas.microsoft.com/office/drawing/2014/main" id="{ADC9B12C-F07D-45CE-A2AF-006F47821864}"/>
+              </a:ext>
+            </a:extLst>
+          </p:cNvPr>
+          <p:cNvSpPr/>
+          <p:nvPr/>
+        </p:nvSpPr>
+        <p:spPr>
+          <a:xfrm>
+            <a:off x="2876" y="-4313"/>
+            <a:ext cx="12191998" cy="6862313"/>
+          </a:xfrm>
+          <a:prstGeom prst="rect">
+            <a:avLst/>
+          </a:prstGeom>
+          <a:solidFill>
+            <a:schemeClr val="bg1">
+              <a:lumMod val="95000"/>
+            </a:schemeClr>
+          </a:solidFill>
+          <a:ln>
+            <a:noFill/>
+          </a:ln>
+        </p:spPr>
+        <p:style>
+          <a:lnRef idx="2">
+            <a:schemeClr val="accent1">
+              <a:shade val="50000"/>
+            </a:schemeClr>
+          </a:lnRef>
+          <a:fillRef idx="1">
+            <a:schemeClr val="accent1"/>
+          </a:fillRef>
+          <a:effectRef idx="0">
+            <a:schemeClr val="accent1"/>
+          </a:effectRef>
+          <a:fontRef idx="minor">
+            <a:schemeClr val="lt1"/>
+          </a:fontRef>
+        </p:style>
+        <p:txBody>
+          <a:bodyPr rtlCol="0" anchor="ctr"/>
+          <a:lstStyle/>
+          <a:p>
+            <a:pPr algn="ctr"/>
+            <a:endParaRPr lang="en-US"/>
+          </a:p>
+        </p:txBody>
+      </p:sp>
+      <p:pic>
+        <p:nvPicPr>
+          <p:cNvPr id="14" name="Gráfico 13">
+            <a:extLst>
+              <a:ext uri="{FF2B5EF4-FFF2-40B4-BE49-F238E27FC236}">
+                <a16:creationId xmlns:a16="http://schemas.microsoft.com/office/drawing/2014/main" id="{F23FEF77-9019-4E26-866B-CDCC61FF10B1}"/>
+              </a:ext>
+            </a:extLst>
+          </p:cNvPr>
+          <p:cNvPicPr>
+            <a:picLocks noChangeAspect="1"/>
+          </p:cNvPicPr>
+          <p:nvPr/>
+        </p:nvPicPr>
+        <p:blipFill rotWithShape="1">
+          <a:blip r:embed="rId3">
+            <a:extLst>
+              <a:ext uri="{96DAC541-7B7A-43D3-8B79-37D633B846F1}">
+                <asvg:svgBlip xmlns:asvg="http://schemas.microsoft.com/office/drawing/2016/SVG/main" r:embed="rId4"/>
+              </a:ext>
+            </a:extLst>
+          </a:blip>
+          <a:srcRect l="17396"/>
+          <a:stretch/>
+        </p:blipFill>
+        <p:spPr>
+          <a:xfrm>
+            <a:off x="-3573383" y="-122476"/>
+            <a:ext cx="6218364" cy="6858000"/>
+          </a:xfrm>
+          <a:prstGeom prst="rect">
+            <a:avLst/>
+          </a:prstGeom>
+          <a:effectLst>
+            <a:outerShdw blurRad="114300" dist="127000" dir="2700000" algn="tl" rotWithShape="0">
+              <a:prstClr val="black">
+                <a:alpha val="25000"/>
+              </a:prstClr>
+            </a:outerShdw>
+          </a:effectLst>
+        </p:spPr>
+      </p:pic>
+      <p:sp>
+        <p:nvSpPr>
+          <p:cNvPr id="13" name="Retângulo 12">
+            <a:extLst>
+              <a:ext uri="{FF2B5EF4-FFF2-40B4-BE49-F238E27FC236}">
+                <a16:creationId xmlns:a16="http://schemas.microsoft.com/office/drawing/2014/main" id="{39B12DA9-D45B-492D-BA69-6922CC070533}"/>
+              </a:ext>
+            </a:extLst>
+          </p:cNvPr>
+          <p:cNvSpPr/>
+          <p:nvPr/>
+        </p:nvSpPr>
+        <p:spPr>
+          <a:xfrm>
+            <a:off x="8922326" y="0"/>
+            <a:ext cx="3269673" cy="6858000"/>
+          </a:xfrm>
+          <a:prstGeom prst="rect">
+            <a:avLst/>
+          </a:prstGeom>
+          <a:gradFill>
+            <a:gsLst>
+              <a:gs pos="0">
+                <a:srgbClr val="FF8083"/>
+              </a:gs>
+              <a:gs pos="100000">
+                <a:srgbClr val="FF65AD"/>
+              </a:gs>
+            </a:gsLst>
+            <a:lin ang="0" scaled="0"/>
+          </a:gradFill>
+          <a:ln>
+            <a:noFill/>
+          </a:ln>
+        </p:spPr>
+        <p:style>
+          <a:lnRef idx="2">
+            <a:schemeClr val="accent1">
+              <a:shade val="50000"/>
+            </a:schemeClr>
+          </a:lnRef>
+          <a:fillRef idx="1">
+            <a:schemeClr val="accent1"/>
+          </a:fillRef>
+          <a:effectRef idx="0">
+            <a:schemeClr val="accent1"/>
+          </a:effectRef>
+          <a:fontRef idx="minor">
+            <a:schemeClr val="lt1"/>
+          </a:fontRef>
+        </p:style>
+        <p:txBody>
+          <a:bodyPr rtlCol="0" anchor="ctr"/>
+          <a:lstStyle/>
+          <a:p>
+            <a:pPr algn="ctr"/>
+            <a:endParaRPr lang="pt-BR"/>
+          </a:p>
+        </p:txBody>
+      </p:sp>
+      <p:sp>
+        <p:nvSpPr>
+          <p:cNvPr id="3" name="Text Placeholder 2">
+            <a:extLst>
+              <a:ext uri="{FF2B5EF4-FFF2-40B4-BE49-F238E27FC236}">
+                <a16:creationId xmlns:a16="http://schemas.microsoft.com/office/drawing/2014/main" id="{AC667769-E8A3-4E62-B543-EE19CD9D28EE}"/>
+              </a:ext>
+            </a:extLst>
+          </p:cNvPr>
+          <p:cNvSpPr>
+            <a:spLocks noGrp="1"/>
+          </p:cNvSpPr>
+          <p:nvPr>
+            <p:ph type="body" sz="quarter" idx="11"/>
+          </p:nvPr>
+        </p:nvSpPr>
+        <p:spPr>
+          <a:xfrm>
+            <a:off x="4191002" y="623215"/>
+            <a:ext cx="6629400" cy="779456"/>
+          </a:xfrm>
+        </p:spPr>
+        <p:txBody>
+          <a:bodyPr/>
+          <a:lstStyle/>
+          <a:p>
+            <a:r>
+              <a:rPr lang="en-CA" sz="5400" b="1" dirty="0">
+                <a:solidFill>
+                  <a:srgbClr val="C00000"/>
+                </a:solidFill>
+              </a:rPr>
+              <a:t>Adam Anderson</a:t>
+            </a:r>
+          </a:p>
+        </p:txBody>
+      </p:sp>
+      <p:sp>
+        <p:nvSpPr>
+          <p:cNvPr id="5" name="Text Placeholder 4">
+            <a:extLst>
+              <a:ext uri="{FF2B5EF4-FFF2-40B4-BE49-F238E27FC236}">
+                <a16:creationId xmlns:a16="http://schemas.microsoft.com/office/drawing/2014/main" id="{AFDA0A56-26F1-4364-80F9-80EFF781AE7B}"/>
+              </a:ext>
+            </a:extLst>
+          </p:cNvPr>
+          <p:cNvSpPr>
+            <a:spLocks noGrp="1"/>
+          </p:cNvSpPr>
+          <p:nvPr>
+            <p:ph type="body" sz="quarter" idx="13"/>
+          </p:nvPr>
+        </p:nvSpPr>
+        <p:spPr>
+          <a:xfrm>
+            <a:off x="4789281" y="3853376"/>
+            <a:ext cx="6396583" cy="463787"/>
+          </a:xfrm>
+        </p:spPr>
+        <p:txBody>
+          <a:bodyPr/>
+          <a:lstStyle/>
+          <a:p>
+            <a:r>
+              <a:rPr lang="en-US" dirty="0">
+                <a:hlinkClick r:id="rId5"/>
+              </a:rPr>
+              <a:t>www.linkedin.com/in/adam-anderson-dba</a:t>
+            </a:r>
+            <a:endParaRPr lang="en-US" dirty="0"/>
+          </a:p>
+          <a:p>
+            <a:endParaRPr lang="en-CA" dirty="0">
+              <a:solidFill>
+                <a:schemeClr val="tx1">
+                  <a:lumMod val="85000"/>
+                  <a:lumOff val="15000"/>
+                </a:schemeClr>
+              </a:solidFill>
+            </a:endParaRPr>
+          </a:p>
+        </p:txBody>
+      </p:sp>
+      <p:sp>
+        <p:nvSpPr>
+          <p:cNvPr id="6" name="Text Placeholder 5">
+            <a:extLst>
+              <a:ext uri="{FF2B5EF4-FFF2-40B4-BE49-F238E27FC236}">
+                <a16:creationId xmlns:a16="http://schemas.microsoft.com/office/drawing/2014/main" id="{5A72EB7D-BAB6-41A7-98BC-997F6F489D2A}"/>
+              </a:ext>
+            </a:extLst>
+          </p:cNvPr>
+          <p:cNvSpPr>
+            <a:spLocks noGrp="1"/>
+          </p:cNvSpPr>
+          <p:nvPr>
+            <p:ph type="body" sz="quarter" idx="14"/>
+          </p:nvPr>
+        </p:nvSpPr>
+        <p:spPr>
+          <a:xfrm>
+            <a:off x="4789282" y="4820307"/>
+            <a:ext cx="6031117" cy="463787"/>
+          </a:xfrm>
+        </p:spPr>
+        <p:txBody>
+          <a:bodyPr/>
+          <a:lstStyle/>
+          <a:p>
+            <a:r>
+              <a:rPr lang="en-CA" dirty="0">
+                <a:solidFill>
+                  <a:schemeClr val="tx1">
+                    <a:lumMod val="85000"/>
+                    <a:lumOff val="15000"/>
+                  </a:schemeClr>
+                </a:solidFill>
+              </a:rPr>
+              <a:t>@SQLPioneer</a:t>
+            </a:r>
+          </a:p>
+        </p:txBody>
+      </p:sp>
+      <p:sp>
+        <p:nvSpPr>
+          <p:cNvPr id="12" name="Elipse 11">
+            <a:extLst>
+              <a:ext uri="{FF2B5EF4-FFF2-40B4-BE49-F238E27FC236}">
+                <a16:creationId xmlns:a16="http://schemas.microsoft.com/office/drawing/2014/main" id="{824A7AFF-15A1-47FA-8317-24A13E8C6DA8}"/>
+              </a:ext>
+            </a:extLst>
+          </p:cNvPr>
+          <p:cNvSpPr/>
+          <p:nvPr/>
+        </p:nvSpPr>
+        <p:spPr>
+          <a:xfrm>
+            <a:off x="390528" y="1850232"/>
+            <a:ext cx="3157536" cy="3157536"/>
+          </a:xfrm>
+          <a:prstGeom prst="ellipse">
+            <a:avLst/>
+          </a:prstGeom>
+          <a:solidFill>
+            <a:srgbClr val="EF4135"/>
+          </a:solidFill>
+          <a:ln>
+            <a:noFill/>
+          </a:ln>
+          <a:effectLst>
+            <a:outerShdw blurRad="190500" dist="215900" dir="2700000" sx="95000" sy="95000" algn="tl" rotWithShape="0">
+              <a:prstClr val="black">
+                <a:alpha val="40000"/>
+              </a:prstClr>
+            </a:outerShdw>
+          </a:effectLst>
+        </p:spPr>
+        <p:style>
+          <a:lnRef idx="2">
+            <a:schemeClr val="accent1">
+              <a:shade val="50000"/>
+            </a:schemeClr>
+          </a:lnRef>
+          <a:fillRef idx="1">
+            <a:schemeClr val="accent1"/>
+          </a:fillRef>
+          <a:effectRef idx="0">
+            <a:schemeClr val="accent1"/>
+          </a:effectRef>
+          <a:fontRef idx="minor">
+            <a:schemeClr val="lt1"/>
+          </a:fontRef>
+        </p:style>
+        <p:txBody>
+          <a:bodyPr rtlCol="0" anchor="ctr"/>
+          <a:lstStyle/>
+          <a:p>
+            <a:pPr algn="ctr"/>
+            <a:endParaRPr lang="pt-BR"/>
+          </a:p>
+        </p:txBody>
+      </p:sp>
+      <p:pic>
+        <p:nvPicPr>
+          <p:cNvPr id="1026" name="Picture 2" descr="Twitter - Free social media icons">
+            <a:extLst>
+              <a:ext uri="{FF2B5EF4-FFF2-40B4-BE49-F238E27FC236}">
+                <a16:creationId xmlns:a16="http://schemas.microsoft.com/office/drawing/2014/main" id="{B56FB561-9BBF-4192-A64B-A4CB030E66B0}"/>
+              </a:ext>
+            </a:extLst>
+          </p:cNvPr>
+          <p:cNvPicPr>
+            <a:picLocks noChangeAspect="1" noChangeArrowheads="1"/>
+          </p:cNvPicPr>
+          <p:nvPr/>
+        </p:nvPicPr>
+        <p:blipFill>
+          <a:blip r:embed="rId6">
+            <a:extLst>
+              <a:ext uri="{28A0092B-C50C-407E-A947-70E740481C1C}">
+                <a14:useLocalDpi xmlns:a14="http://schemas.microsoft.com/office/drawing/2010/main" val="0"/>
+              </a:ext>
+            </a:extLst>
+          </a:blip>
+          <a:srcRect/>
+          <a:stretch>
+            <a:fillRect/>
+          </a:stretch>
+        </p:blipFill>
+        <p:spPr bwMode="auto">
+          <a:xfrm>
+            <a:off x="4219952" y="4783401"/>
+            <a:ext cx="487850" cy="487850"/>
+          </a:xfrm>
+          <a:prstGeom prst="rect">
+            <a:avLst/>
+          </a:prstGeom>
+          <a:noFill/>
+          <a:extLst>
+            <a:ext uri="{909E8E84-426E-40DD-AFC4-6F175D3DCCD1}">
+              <a14:hiddenFill xmlns:a14="http://schemas.microsoft.com/office/drawing/2010/main">
+                <a:solidFill>
+                  <a:srgbClr val="FFFFFF"/>
+                </a:solidFill>
+              </a14:hiddenFill>
+            </a:ext>
+          </a:extLst>
+        </p:spPr>
+      </p:pic>
+      <p:pic>
+        <p:nvPicPr>
+          <p:cNvPr id="15" name="Picture 2" descr="MCSA: SQL 2016 Database Development - Certified 2018">
+            <a:extLst>
+              <a:ext uri="{FF2B5EF4-FFF2-40B4-BE49-F238E27FC236}">
+                <a16:creationId xmlns:a16="http://schemas.microsoft.com/office/drawing/2014/main" id="{A61A2B57-22EE-4318-ACB6-DE1C897ACF92}"/>
+              </a:ext>
+            </a:extLst>
+          </p:cNvPr>
+          <p:cNvPicPr>
+            <a:picLocks noChangeAspect="1" noChangeArrowheads="1"/>
+          </p:cNvPicPr>
+          <p:nvPr/>
+        </p:nvPicPr>
+        <p:blipFill>
+          <a:blip r:embed="rId7">
+            <a:extLst>
+              <a:ext uri="{28A0092B-C50C-407E-A947-70E740481C1C}">
+                <a14:useLocalDpi xmlns:a14="http://schemas.microsoft.com/office/drawing/2010/main" val="0"/>
+              </a:ext>
+            </a:extLst>
+          </a:blip>
+          <a:srcRect/>
+          <a:stretch>
+            <a:fillRect/>
+          </a:stretch>
+        </p:blipFill>
+        <p:spPr bwMode="auto">
+          <a:xfrm>
+            <a:off x="10080791" y="5242045"/>
+            <a:ext cx="952741" cy="952741"/>
+          </a:xfrm>
+          <a:prstGeom prst="rect">
+            <a:avLst/>
+          </a:prstGeom>
+          <a:noFill/>
+          <a:extLst>
+            <a:ext uri="{909E8E84-426E-40DD-AFC4-6F175D3DCCD1}">
+              <a14:hiddenFill xmlns:a14="http://schemas.microsoft.com/office/drawing/2010/main">
+                <a:solidFill>
+                  <a:srgbClr val="FFFFFF"/>
+                </a:solidFill>
+              </a14:hiddenFill>
+            </a:ext>
+          </a:extLst>
+        </p:spPr>
+      </p:pic>
+      <p:sp>
+        <p:nvSpPr>
+          <p:cNvPr id="16" name="Text Placeholder 4">
+            <a:extLst>
+              <a:ext uri="{FF2B5EF4-FFF2-40B4-BE49-F238E27FC236}">
+                <a16:creationId xmlns:a16="http://schemas.microsoft.com/office/drawing/2014/main" id="{DA88EC73-4A00-4E25-ACC8-CDC9453CA6E1}"/>
+              </a:ext>
+            </a:extLst>
+          </p:cNvPr>
+          <p:cNvSpPr txBox="1">
+            <a:spLocks/>
+          </p:cNvSpPr>
+          <p:nvPr/>
+        </p:nvSpPr>
+        <p:spPr>
+          <a:xfrm>
+            <a:off x="4789282" y="5702267"/>
+            <a:ext cx="6031118" cy="463787"/>
+          </a:xfrm>
+          <a:prstGeom prst="rect">
+            <a:avLst/>
+          </a:prstGeom>
+        </p:spPr>
+        <p:txBody>
+          <a:bodyPr/>
+          <a:lstStyle>
+            <a:lvl1pPr marL="0" indent="0" algn="l" defTabSz="914400" rtl="0" eaLnBrk="1" latinLnBrk="0" hangingPunct="1">
+              <a:lnSpc>
+                <a:spcPct val="90000"/>
+              </a:lnSpc>
+              <a:spcBef>
+                <a:spcPts val="1000"/>
+              </a:spcBef>
+              <a:buFont typeface="Arial" panose="020B0604020202020204" pitchFamily="34" charset="0"/>
+              <a:buNone/>
+              <a:defRPr sz="2800" kern="1200">
+                <a:solidFill>
+                  <a:schemeClr val="bg1"/>
+                </a:solidFill>
+                <a:latin typeface="+mn-lt"/>
+                <a:ea typeface="+mn-ea"/>
+                <a:cs typeface="+mn-cs"/>
+              </a:defRPr>
+            </a:lvl1pPr>
+            <a:lvl2pPr marL="685800" indent="-228600" algn="l" defTabSz="914400" rtl="0" eaLnBrk="1" latinLnBrk="0" hangingPunct="1">
+              <a:lnSpc>
+                <a:spcPct val="90000"/>
+              </a:lnSpc>
+              <a:spcBef>
+                <a:spcPts val="500"/>
+              </a:spcBef>
+              <a:buFont typeface="Arial" panose="020B0604020202020204" pitchFamily="34" charset="0"/>
+              <a:buChar char="•"/>
+              <a:defRPr sz="2400" kern="1200">
+                <a:solidFill>
+                  <a:schemeClr val="tx1"/>
+                </a:solidFill>
+                <a:latin typeface="+mn-lt"/>
+                <a:ea typeface="+mn-ea"/>
+                <a:cs typeface="+mn-cs"/>
+              </a:defRPr>
+            </a:lvl2pPr>
+            <a:lvl3pPr marL="1143000" indent="-228600" algn="l" defTabSz="914400" rtl="0" eaLnBrk="1" latinLnBrk="0" hangingPunct="1">
+              <a:lnSpc>
+                <a:spcPct val="90000"/>
+              </a:lnSpc>
+              <a:spcBef>
+                <a:spcPts val="500"/>
+              </a:spcBef>
+              <a:buFont typeface="Arial" panose="020B0604020202020204" pitchFamily="34" charset="0"/>
+              <a:buChar char="•"/>
+              <a:defRPr sz="2000" kern="1200">
+                <a:solidFill>
+                  <a:schemeClr val="tx1"/>
+                </a:solidFill>
+                <a:latin typeface="+mn-lt"/>
+                <a:ea typeface="+mn-ea"/>
+                <a:cs typeface="+mn-cs"/>
+              </a:defRPr>
+            </a:lvl3pPr>
+            <a:lvl4pPr marL="1600200" indent="-228600" algn="l" defTabSz="914400" rtl="0" eaLnBrk="1" latinLnBrk="0" hangingPunct="1">
+              <a:lnSpc>
+                <a:spcPct val="90000"/>
+              </a:lnSpc>
+              <a:spcBef>
+                <a:spcPts val="500"/>
+              </a:spcBef>
+              <a:buFont typeface="Arial" panose="020B0604020202020204" pitchFamily="34" charset="0"/>
+              <a:buChar char="•"/>
+              <a:defRPr sz="1800" kern="1200">
+                <a:solidFill>
+                  <a:schemeClr val="tx1"/>
+                </a:solidFill>
+                <a:latin typeface="+mn-lt"/>
+                <a:ea typeface="+mn-ea"/>
+                <a:cs typeface="+mn-cs"/>
+              </a:defRPr>
+            </a:lvl4pPr>
+            <a:lvl5pPr marL="2057400" indent="-228600" algn="l" defTabSz="914400" rtl="0" eaLnBrk="1" latinLnBrk="0" hangingPunct="1">
+              <a:lnSpc>
+                <a:spcPct val="90000"/>
+              </a:lnSpc>
+              <a:spcBef>
+                <a:spcPts val="500"/>
+              </a:spcBef>
+              <a:buFont typeface="Arial" panose="020B0604020202020204" pitchFamily="34" charset="0"/>
+              <a:buChar char="•"/>
+              <a:defRPr sz="1800" kern="1200">
+                <a:solidFill>
+                  <a:schemeClr val="tx1"/>
+                </a:solidFill>
+                <a:latin typeface="+mn-lt"/>
+                <a:ea typeface="+mn-ea"/>
+                <a:cs typeface="+mn-cs"/>
+              </a:defRPr>
+            </a:lvl5pPr>
+            <a:lvl6pPr marL="2514600" indent="-228600" algn="l" defTabSz="914400" rtl="0" eaLnBrk="1" latinLnBrk="0" hangingPunct="1">
+              <a:lnSpc>
+                <a:spcPct val="90000"/>
+              </a:lnSpc>
+              <a:spcBef>
+                <a:spcPts val="500"/>
+              </a:spcBef>
+              <a:buFont typeface="Arial" panose="020B0604020202020204" pitchFamily="34" charset="0"/>
+              <a:buChar char="•"/>
+              <a:defRPr sz="1800" kern="1200">
+                <a:solidFill>
+                  <a:schemeClr val="tx1"/>
+                </a:solidFill>
+                <a:latin typeface="+mn-lt"/>
+                <a:ea typeface="+mn-ea"/>
+                <a:cs typeface="+mn-cs"/>
+              </a:defRPr>
+            </a:lvl6pPr>
+            <a:lvl7pPr marL="2971800" indent="-228600" algn="l" defTabSz="914400" rtl="0" eaLnBrk="1" latinLnBrk="0" hangingPunct="1">
+              <a:lnSpc>
+                <a:spcPct val="90000"/>
+              </a:lnSpc>
+              <a:spcBef>
+                <a:spcPts val="500"/>
+              </a:spcBef>
+              <a:buFont typeface="Arial" panose="020B0604020202020204" pitchFamily="34" charset="0"/>
+              <a:buChar char="•"/>
+              <a:defRPr sz="1800" kern="1200">
+                <a:solidFill>
+                  <a:schemeClr val="tx1"/>
+                </a:solidFill>
+                <a:latin typeface="+mn-lt"/>
+                <a:ea typeface="+mn-ea"/>
+                <a:cs typeface="+mn-cs"/>
+              </a:defRPr>
+            </a:lvl7pPr>
+            <a:lvl8pPr marL="3429000" indent="-228600" algn="l" defTabSz="914400" rtl="0" eaLnBrk="1" latinLnBrk="0" hangingPunct="1">
+              <a:lnSpc>
+                <a:spcPct val="90000"/>
+              </a:lnSpc>
+              <a:spcBef>
+                <a:spcPts val="500"/>
+              </a:spcBef>
+              <a:buFont typeface="Arial" panose="020B0604020202020204" pitchFamily="34" charset="0"/>
+              <a:buChar char="•"/>
+              <a:defRPr sz="1800" kern="1200">
+                <a:solidFill>
+                  <a:schemeClr val="tx1"/>
+                </a:solidFill>
+                <a:latin typeface="+mn-lt"/>
+                <a:ea typeface="+mn-ea"/>
+                <a:cs typeface="+mn-cs"/>
+              </a:defRPr>
+            </a:lvl8pPr>
+            <a:lvl9pPr marL="3886200" indent="-228600" algn="l" defTabSz="914400" rtl="0" eaLnBrk="1" latinLnBrk="0" hangingPunct="1">
+              <a:lnSpc>
+                <a:spcPct val="90000"/>
+              </a:lnSpc>
+              <a:spcBef>
+                <a:spcPts val="500"/>
+              </a:spcBef>
+              <a:buFont typeface="Arial" panose="020B0604020202020204" pitchFamily="34" charset="0"/>
+              <a:buChar char="•"/>
+              <a:defRPr sz="1800" kern="1200">
+                <a:solidFill>
+                  <a:schemeClr val="tx1"/>
+                </a:solidFill>
+                <a:latin typeface="+mn-lt"/>
+                <a:ea typeface="+mn-ea"/>
+                <a:cs typeface="+mn-cs"/>
+              </a:defRPr>
+            </a:lvl9pPr>
+          </a:lstStyle>
+          <a:p>
+            <a:r>
+              <a:rPr lang="en-US" dirty="0">
+                <a:hlinkClick r:id="rId8"/>
+              </a:rPr>
+              <a:t>https://github.com/SQLPioneer/</a:t>
+            </a:r>
+            <a:endParaRPr lang="en-US" dirty="0"/>
+          </a:p>
+        </p:txBody>
+      </p:sp>
+      <p:pic>
+        <p:nvPicPr>
+          <p:cNvPr id="11" name="Picture 10">
+            <a:extLst>
+              <a:ext uri="{FF2B5EF4-FFF2-40B4-BE49-F238E27FC236}">
+                <a16:creationId xmlns:a16="http://schemas.microsoft.com/office/drawing/2014/main" id="{CC32E616-CB9F-46FE-888D-27F69BDDE197}"/>
+              </a:ext>
+            </a:extLst>
+          </p:cNvPr>
+          <p:cNvPicPr>
+            <a:picLocks noChangeAspect="1"/>
+          </p:cNvPicPr>
+          <p:nvPr/>
+        </p:nvPicPr>
+        <p:blipFill>
+          <a:blip r:embed="rId9">
+            <a:extLst>
+              <a:ext uri="{28A0092B-C50C-407E-A947-70E740481C1C}">
+                <a14:useLocalDpi xmlns:a14="http://schemas.microsoft.com/office/drawing/2010/main" val="0"/>
+              </a:ext>
+            </a:extLst>
+          </a:blip>
+          <a:stretch>
+            <a:fillRect/>
+          </a:stretch>
+        </p:blipFill>
+        <p:spPr>
+          <a:xfrm>
+            <a:off x="4255158" y="5715001"/>
+            <a:ext cx="451053" cy="451053"/>
+          </a:xfrm>
+          <a:prstGeom prst="rect">
+            <a:avLst/>
+          </a:prstGeom>
+        </p:spPr>
+      </p:pic>
+      <p:pic>
+        <p:nvPicPr>
+          <p:cNvPr id="18" name="Picture 17">
+            <a:extLst>
+              <a:ext uri="{FF2B5EF4-FFF2-40B4-BE49-F238E27FC236}">
+                <a16:creationId xmlns:a16="http://schemas.microsoft.com/office/drawing/2014/main" id="{5D1ED23F-639F-47D1-8FB4-D234A63E17AC}"/>
+              </a:ext>
+            </a:extLst>
+          </p:cNvPr>
+          <p:cNvPicPr>
+            <a:picLocks noChangeAspect="1"/>
+          </p:cNvPicPr>
+          <p:nvPr/>
+        </p:nvPicPr>
+        <p:blipFill>
+          <a:blip r:embed="rId10"/>
+          <a:stretch>
+            <a:fillRect/>
+          </a:stretch>
+        </p:blipFill>
+        <p:spPr>
+          <a:xfrm>
+            <a:off x="4191000" y="3850826"/>
+            <a:ext cx="496156" cy="496156"/>
+          </a:xfrm>
+          <a:prstGeom prst="rect">
+            <a:avLst/>
+          </a:prstGeom>
+        </p:spPr>
+      </p:pic>
+    </p:spTree>
+    <p:extLst>
+      <p:ext uri="{BB962C8B-B14F-4D97-AF65-F5344CB8AC3E}">
+        <p14:creationId xmlns:p14="http://schemas.microsoft.com/office/powerpoint/2010/main" val="3942097748"/>
+      </p:ext>
+    </p:extLst>
+  </p:cSld>
+  <p:clrMapOvr>
+    <a:masterClrMapping/>
+  </p:clrMapOvr>
+</p:sld>
+</file>
+
+<file path=ppt/slides/slide5.xml><?xml version="1.0" encoding="utf-8"?>
+<p:sld xmlns:a="http://schemas.openxmlformats.org/drawingml/2006/main" xmlns:r="http://schemas.openxmlformats.org/officeDocument/2006/relationships" xmlns:p="http://schemas.openxmlformats.org/presentationml/2006/main">
+  <p:cSld>
+    <p:bg>
+      <p:bgPr>
+        <a:solidFill>
+          <a:schemeClr val="bg1"/>
+        </a:solidFill>
+        <a:effectLst/>
+      </p:bgPr>
+    </p:bg>
+    <p:spTree>
+      <p:nvGrpSpPr>
+        <p:cNvPr id="1" name=""/>
+        <p:cNvGrpSpPr/>
+        <p:nvPr/>
+      </p:nvGrpSpPr>
+      <p:grpSpPr>
+        <a:xfrm>
+          <a:off x="0" y="0"/>
+          <a:ext cx="0" cy="0"/>
+          <a:chOff x="0" y="0"/>
+          <a:chExt cx="0" cy="0"/>
+        </a:xfrm>
+      </p:grpSpPr>
+      <p:sp>
+        <p:nvSpPr>
+          <p:cNvPr id="16" name="Rectangle 5">
+            <a:extLst>
+              <a:ext uri="{FF2B5EF4-FFF2-40B4-BE49-F238E27FC236}">
+                <a16:creationId xmlns:a16="http://schemas.microsoft.com/office/drawing/2014/main" id="{E4E5B6DE-0BB3-4414-B6EC-003727C06C3E}"/>
+              </a:ext>
+            </a:extLst>
+          </p:cNvPr>
+          <p:cNvSpPr/>
+          <p:nvPr/>
+        </p:nvSpPr>
+        <p:spPr>
+          <a:xfrm>
+            <a:off x="2876" y="-4313"/>
+            <a:ext cx="12191998" cy="5865961"/>
+          </a:xfrm>
+          <a:prstGeom prst="rect">
+            <a:avLst/>
+          </a:prstGeom>
+          <a:solidFill>
+            <a:schemeClr val="bg1">
+              <a:lumMod val="95000"/>
+              <a:alpha val="59000"/>
+            </a:schemeClr>
+          </a:solidFill>
+          <a:ln>
+            <a:noFill/>
+          </a:ln>
+        </p:spPr>
+        <p:style>
+          <a:lnRef idx="2">
+            <a:schemeClr val="accent1">
+              <a:shade val="50000"/>
+            </a:schemeClr>
+          </a:lnRef>
+          <a:fillRef idx="1">
+            <a:schemeClr val="accent1"/>
+          </a:fillRef>
+          <a:effectRef idx="0">
+            <a:schemeClr val="accent1"/>
+          </a:effectRef>
+          <a:fontRef idx="minor">
+            <a:schemeClr val="lt1"/>
+          </a:fontRef>
+        </p:style>
+        <p:txBody>
+          <a:bodyPr rtlCol="0" anchor="ctr"/>
+          <a:lstStyle/>
+          <a:p>
+            <a:pPr algn="ctr"/>
+            <a:endParaRPr lang="en-US"/>
+          </a:p>
+        </p:txBody>
+      </p:sp>
+      <p:pic>
+        <p:nvPicPr>
+          <p:cNvPr id="17" name="Gráfico 16">
+            <a:extLst>
+              <a:ext uri="{FF2B5EF4-FFF2-40B4-BE49-F238E27FC236}">
+                <a16:creationId xmlns:a16="http://schemas.microsoft.com/office/drawing/2014/main" id="{3F70F545-7583-42DE-9B1D-11A61EF65413}"/>
+              </a:ext>
+            </a:extLst>
+          </p:cNvPr>
+          <p:cNvPicPr>
+            <a:picLocks noChangeAspect="1"/>
+          </p:cNvPicPr>
+          <p:nvPr/>
+        </p:nvPicPr>
+        <p:blipFill rotWithShape="1">
+          <a:blip r:embed="rId2">
+            <a:extLst>
+              <a:ext uri="{96DAC541-7B7A-43D3-8B79-37D633B846F1}">
+                <asvg:svgBlip xmlns:asvg="http://schemas.microsoft.com/office/drawing/2016/SVG/main" r:embed="rId3"/>
+              </a:ext>
+            </a:extLst>
+          </a:blip>
+          <a:srcRect l="17396"/>
+          <a:stretch/>
+        </p:blipFill>
+        <p:spPr>
+          <a:xfrm rot="16200000">
+            <a:off x="8485521" y="-850859"/>
+            <a:ext cx="6218364" cy="6858000"/>
+          </a:xfrm>
+          <a:prstGeom prst="rect">
+            <a:avLst/>
+          </a:prstGeom>
+          <a:effectLst>
+            <a:outerShdw blurRad="114300" dist="127000" dir="2700000" algn="tl" rotWithShape="0">
+              <a:prstClr val="black">
+                <a:alpha val="25000"/>
+              </a:prstClr>
+            </a:outerShdw>
+          </a:effectLst>
+        </p:spPr>
+      </p:pic>
+      <p:pic>
+        <p:nvPicPr>
+          <p:cNvPr id="18" name="Gráfico 17">
+            <a:extLst>
+              <a:ext uri="{FF2B5EF4-FFF2-40B4-BE49-F238E27FC236}">
+                <a16:creationId xmlns:a16="http://schemas.microsoft.com/office/drawing/2014/main" id="{B043C1A6-8812-401E-9460-DB036764D415}"/>
+              </a:ext>
+            </a:extLst>
+          </p:cNvPr>
+          <p:cNvPicPr>
+            <a:picLocks noChangeAspect="1"/>
+          </p:cNvPicPr>
+          <p:nvPr/>
+        </p:nvPicPr>
+        <p:blipFill rotWithShape="1">
+          <a:blip r:embed="rId2">
+            <a:extLst>
+              <a:ext uri="{96DAC541-7B7A-43D3-8B79-37D633B846F1}">
+                <asvg:svgBlip xmlns:asvg="http://schemas.microsoft.com/office/drawing/2016/SVG/main" r:embed="rId3"/>
+              </a:ext>
+            </a:extLst>
+          </a:blip>
+          <a:srcRect l="17396"/>
+          <a:stretch/>
+        </p:blipFill>
+        <p:spPr>
+          <a:xfrm rot="16200000">
+            <a:off x="-3731087" y="-965159"/>
+            <a:ext cx="6218364" cy="6858000"/>
+          </a:xfrm>
+          <a:prstGeom prst="rect">
+            <a:avLst/>
+          </a:prstGeom>
+          <a:effectLst>
+            <a:outerShdw blurRad="114300" dist="127000" dir="2700000" algn="tl" rotWithShape="0">
+              <a:prstClr val="black">
+                <a:alpha val="25000"/>
+              </a:prstClr>
+            </a:outerShdw>
+          </a:effectLst>
+        </p:spPr>
+      </p:pic>
+      <p:sp>
+        <p:nvSpPr>
+          <p:cNvPr id="19" name="TextBox 10">
+            <a:extLst>
+              <a:ext uri="{FF2B5EF4-FFF2-40B4-BE49-F238E27FC236}">
+                <a16:creationId xmlns:a16="http://schemas.microsoft.com/office/drawing/2014/main" id="{7CD06533-9D7A-41D2-BE51-7B3D72D60D31}"/>
+              </a:ext>
+            </a:extLst>
+          </p:cNvPr>
+          <p:cNvSpPr txBox="1"/>
+          <p:nvPr/>
+        </p:nvSpPr>
+        <p:spPr>
+          <a:xfrm>
+            <a:off x="3639153" y="581656"/>
+            <a:ext cx="4913694" cy="400110"/>
+          </a:xfrm>
+          <a:prstGeom prst="rect">
+            <a:avLst/>
+          </a:prstGeom>
+          <a:noFill/>
+        </p:spPr>
+        <p:txBody>
+          <a:bodyPr rot="0" spcFirstLastPara="0" vertOverflow="overflow" horzOverflow="overflow" vert="horz" wrap="square" lIns="91440" tIns="45720" rIns="91440" bIns="45720" numCol="1" spcCol="0" rtlCol="0" fromWordArt="0" anchor="t" anchorCtr="0" forceAA="0" compatLnSpc="1">
+            <a:prstTxWarp prst="textNoShape">
+              <a:avLst/>
+            </a:prstTxWarp>
+            <a:spAutoFit/>
+          </a:bodyPr>
+          <a:lstStyle/>
+          <a:p>
+            <a:pPr algn="ctr"/>
+            <a:r>
+              <a:rPr lang="en-US" sz="2000" spc="300" dirty="0">
+                <a:solidFill>
+                  <a:schemeClr val="tx1">
+                    <a:lumMod val="65000"/>
+                    <a:lumOff val="35000"/>
+                  </a:schemeClr>
+                </a:solidFill>
+                <a:latin typeface="Roboto" panose="02000000000000000000" pitchFamily="2" charset="0"/>
+                <a:ea typeface="Roboto" panose="02000000000000000000" pitchFamily="2" charset="0"/>
+              </a:rPr>
+              <a:t>GROUPBY 2021 | </a:t>
+            </a:r>
+            <a:r>
+              <a:rPr lang="en-US" sz="2000" b="1" spc="300" dirty="0">
+                <a:solidFill>
+                  <a:srgbClr val="FF0000"/>
+                </a:solidFill>
+                <a:latin typeface="Roboto" panose="02000000000000000000" pitchFamily="2" charset="0"/>
+                <a:ea typeface="Roboto" panose="02000000000000000000" pitchFamily="2" charset="0"/>
+              </a:rPr>
+              <a:t>OCT 26-27</a:t>
+            </a:r>
+            <a:endParaRPr lang="en-US" sz="2000" spc="300" dirty="0">
+              <a:latin typeface="Roboto" panose="02000000000000000000" pitchFamily="2" charset="0"/>
+              <a:ea typeface="Roboto" panose="02000000000000000000" pitchFamily="2" charset="0"/>
+              <a:cs typeface="+mn-lt"/>
+            </a:endParaRPr>
+          </a:p>
+        </p:txBody>
+      </p:sp>
+      <p:sp>
+        <p:nvSpPr>
+          <p:cNvPr id="4" name="Rectangle: Rounded Corners 3">
+            <a:extLst>
+              <a:ext uri="{FF2B5EF4-FFF2-40B4-BE49-F238E27FC236}">
+                <a16:creationId xmlns:a16="http://schemas.microsoft.com/office/drawing/2014/main" id="{6455BCFF-3F4D-4CB8-8C98-5151A2A20BDB}"/>
+              </a:ext>
+            </a:extLst>
+          </p:cNvPr>
+          <p:cNvSpPr/>
+          <p:nvPr/>
+        </p:nvSpPr>
+        <p:spPr>
+          <a:xfrm>
+            <a:off x="879895" y="1088368"/>
+            <a:ext cx="10437960" cy="1305040"/>
+          </a:xfrm>
+          <a:prstGeom prst="roundRect">
+            <a:avLst/>
+          </a:prstGeom>
+          <a:gradFill>
+            <a:gsLst>
+              <a:gs pos="0">
+                <a:srgbClr val="FF65AD"/>
+              </a:gs>
+              <a:gs pos="100000">
+                <a:srgbClr val="FF8083"/>
+              </a:gs>
+            </a:gsLst>
+            <a:lin ang="8100000" scaled="0"/>
+          </a:gradFill>
+          <a:ln/>
+        </p:spPr>
+        <p:style>
+          <a:lnRef idx="0">
+            <a:schemeClr val="accent3"/>
+          </a:lnRef>
+          <a:fillRef idx="3">
+            <a:schemeClr val="accent3"/>
+          </a:fillRef>
+          <a:effectRef idx="3">
+            <a:schemeClr val="accent3"/>
+          </a:effectRef>
+          <a:fontRef idx="minor">
+            <a:schemeClr val="lt1"/>
+          </a:fontRef>
+        </p:style>
+        <p:txBody>
+          <a:bodyPr rtlCol="0" anchor="ctr"/>
+          <a:lstStyle/>
+          <a:p>
+            <a:pPr algn="ctr"/>
+            <a:endParaRPr lang="en-US"/>
+          </a:p>
+        </p:txBody>
+      </p:sp>
+      <p:sp>
+        <p:nvSpPr>
+          <p:cNvPr id="21" name="Rectangle: Rounded Corners 3">
+            <a:extLst>
+              <a:ext uri="{FF2B5EF4-FFF2-40B4-BE49-F238E27FC236}">
+                <a16:creationId xmlns:a16="http://schemas.microsoft.com/office/drawing/2014/main" id="{0BE48D6C-A953-4CF9-9C87-D586D1D33333}"/>
+              </a:ext>
+            </a:extLst>
+          </p:cNvPr>
+          <p:cNvSpPr/>
+          <p:nvPr/>
+        </p:nvSpPr>
+        <p:spPr>
+          <a:xfrm>
+            <a:off x="879895" y="4144487"/>
+            <a:ext cx="10437960" cy="1305040"/>
+          </a:xfrm>
+          <a:prstGeom prst="roundRect">
+            <a:avLst/>
+          </a:prstGeom>
+          <a:solidFill>
+            <a:srgbClr val="231F20"/>
+          </a:solidFill>
+          <a:ln/>
+        </p:spPr>
+        <p:style>
+          <a:lnRef idx="0">
+            <a:schemeClr val="accent3"/>
+          </a:lnRef>
+          <a:fillRef idx="3">
+            <a:schemeClr val="accent3"/>
+          </a:fillRef>
+          <a:effectRef idx="3">
+            <a:schemeClr val="accent3"/>
+          </a:effectRef>
+          <a:fontRef idx="minor">
+            <a:schemeClr val="lt1"/>
+          </a:fontRef>
+        </p:style>
+        <p:txBody>
+          <a:bodyPr rtlCol="0" anchor="ctr"/>
+          <a:lstStyle/>
+          <a:p>
+            <a:pPr algn="ctr"/>
+            <a:endParaRPr lang="en-US"/>
+          </a:p>
+        </p:txBody>
+      </p:sp>
+      <p:sp>
+        <p:nvSpPr>
+          <p:cNvPr id="13" name="TextBox 12">
+            <a:extLst>
+              <a:ext uri="{FF2B5EF4-FFF2-40B4-BE49-F238E27FC236}">
+                <a16:creationId xmlns:a16="http://schemas.microsoft.com/office/drawing/2014/main" id="{9A116683-55C5-4200-93E3-F53979CC0A1C}"/>
+              </a:ext>
+            </a:extLst>
+          </p:cNvPr>
+          <p:cNvSpPr txBox="1"/>
+          <p:nvPr/>
+        </p:nvSpPr>
+        <p:spPr>
+          <a:xfrm>
+            <a:off x="2206924" y="4216261"/>
+            <a:ext cx="7784797" cy="461665"/>
+          </a:xfrm>
+          <a:prstGeom prst="rect">
+            <a:avLst/>
+          </a:prstGeom>
+          <a:noFill/>
+        </p:spPr>
+        <p:txBody>
+          <a:bodyPr rot="0" spcFirstLastPara="0" vertOverflow="overflow" horzOverflow="overflow" vert="horz" wrap="square" lIns="91440" tIns="45720" rIns="91440" bIns="45720" numCol="1" spcCol="0" rtlCol="0" fromWordArt="0" anchor="t" anchorCtr="0" forceAA="0" compatLnSpc="1">
+            <a:prstTxWarp prst="textNoShape">
+              <a:avLst/>
+            </a:prstTxWarp>
+            <a:spAutoFit/>
+          </a:bodyPr>
+          <a:lstStyle/>
+          <a:p>
+            <a:pPr algn="ctr">
+              <a:lnSpc>
+                <a:spcPct val="150000"/>
+              </a:lnSpc>
+            </a:pPr>
+            <a:r>
+              <a:rPr lang="en-US" dirty="0">
+                <a:solidFill>
+                  <a:schemeClr val="bg1"/>
+                </a:solidFill>
+                <a:latin typeface="Roboto Bold" panose="02000000000000000000" pitchFamily="2" charset="0"/>
+                <a:ea typeface="Roboto Bold" panose="02000000000000000000" pitchFamily="2" charset="0"/>
+              </a:rPr>
+              <a:t>Virtual Group Sponsors</a:t>
+            </a:r>
+            <a:endParaRPr lang="en-US" dirty="0">
+              <a:solidFill>
+                <a:schemeClr val="bg1"/>
+              </a:solidFill>
+              <a:latin typeface="Roboto Bold" panose="02000000000000000000" pitchFamily="2" charset="0"/>
+              <a:ea typeface="Roboto Bold" panose="02000000000000000000" pitchFamily="2" charset="0"/>
+              <a:cs typeface="Calibri"/>
+            </a:endParaRPr>
+          </a:p>
+        </p:txBody>
+      </p:sp>
+      <p:sp>
+        <p:nvSpPr>
+          <p:cNvPr id="20" name="Rectangle: Rounded Corners 3">
+            <a:extLst>
+              <a:ext uri="{FF2B5EF4-FFF2-40B4-BE49-F238E27FC236}">
+                <a16:creationId xmlns:a16="http://schemas.microsoft.com/office/drawing/2014/main" id="{274EDCBD-AFC2-47C6-BB44-08CE26DF5348}"/>
+              </a:ext>
+            </a:extLst>
+          </p:cNvPr>
+          <p:cNvSpPr/>
+          <p:nvPr/>
+        </p:nvSpPr>
+        <p:spPr>
+          <a:xfrm>
+            <a:off x="879895" y="2618868"/>
+            <a:ext cx="10437960" cy="1305040"/>
+          </a:xfrm>
+          <a:prstGeom prst="roundRect">
+            <a:avLst/>
+          </a:prstGeom>
+          <a:solidFill>
+            <a:srgbClr val="EF4135"/>
+          </a:solidFill>
+          <a:ln/>
+        </p:spPr>
+        <p:style>
+          <a:lnRef idx="0">
+            <a:schemeClr val="accent3"/>
+          </a:lnRef>
+          <a:fillRef idx="3">
+            <a:schemeClr val="accent3"/>
+          </a:fillRef>
+          <a:effectRef idx="3">
+            <a:schemeClr val="accent3"/>
+          </a:effectRef>
+          <a:fontRef idx="minor">
+            <a:schemeClr val="lt1"/>
+          </a:fontRef>
+        </p:style>
+        <p:txBody>
+          <a:bodyPr rtlCol="0" anchor="ctr"/>
+          <a:lstStyle/>
+          <a:p>
+            <a:pPr algn="ctr"/>
+            <a:endParaRPr lang="en-US"/>
+          </a:p>
+        </p:txBody>
+      </p:sp>
+      <p:sp>
+        <p:nvSpPr>
+          <p:cNvPr id="10" name="TextBox 9">
+            <a:extLst>
+              <a:ext uri="{FF2B5EF4-FFF2-40B4-BE49-F238E27FC236}">
+                <a16:creationId xmlns:a16="http://schemas.microsoft.com/office/drawing/2014/main" id="{80326443-B1FB-410C-A527-40988CDDA44F}"/>
+              </a:ext>
+            </a:extLst>
+          </p:cNvPr>
+          <p:cNvSpPr txBox="1"/>
+          <p:nvPr/>
+        </p:nvSpPr>
+        <p:spPr>
+          <a:xfrm>
+            <a:off x="2206923" y="1131490"/>
+            <a:ext cx="7784797" cy="461665"/>
+          </a:xfrm>
+          <a:prstGeom prst="rect">
+            <a:avLst/>
+          </a:prstGeom>
+          <a:noFill/>
+        </p:spPr>
+        <p:txBody>
+          <a:bodyPr rot="0" spcFirstLastPara="0" vertOverflow="overflow" horzOverflow="overflow" vert="horz" wrap="square" lIns="91440" tIns="45720" rIns="91440" bIns="45720" numCol="1" spcCol="0" rtlCol="0" fromWordArt="0" anchor="t" anchorCtr="0" forceAA="0" compatLnSpc="1">
+            <a:prstTxWarp prst="textNoShape">
+              <a:avLst/>
+            </a:prstTxWarp>
+            <a:spAutoFit/>
+          </a:bodyPr>
+          <a:lstStyle/>
+          <a:p>
+            <a:pPr algn="ctr">
+              <a:lnSpc>
+                <a:spcPct val="150000"/>
+              </a:lnSpc>
+            </a:pPr>
+            <a:r>
+              <a:rPr lang="en-US" dirty="0">
+                <a:solidFill>
+                  <a:schemeClr val="bg1"/>
+                </a:solidFill>
+                <a:latin typeface="Roboto Bold" panose="02000000000000000000" pitchFamily="2" charset="0"/>
+                <a:ea typeface="Roboto Bold" panose="02000000000000000000" pitchFamily="2" charset="0"/>
+              </a:rPr>
+              <a:t>Core Sponsors</a:t>
+            </a:r>
+          </a:p>
+        </p:txBody>
+      </p:sp>
+      <p:pic>
+        <p:nvPicPr>
+          <p:cNvPr id="12" name="Picture 13">
+            <a:extLst>
+              <a:ext uri="{FF2B5EF4-FFF2-40B4-BE49-F238E27FC236}">
+                <a16:creationId xmlns:a16="http://schemas.microsoft.com/office/drawing/2014/main" id="{3551DE5C-C900-4EC1-A471-F9F78DDF8A6E}"/>
+              </a:ext>
+            </a:extLst>
+          </p:cNvPr>
+          <p:cNvPicPr>
+            <a:picLocks noChangeAspect="1"/>
+          </p:cNvPicPr>
+          <p:nvPr/>
+        </p:nvPicPr>
+        <p:blipFill>
+          <a:blip r:embed="rId4">
+            <a:extLst>
+              <a:ext uri="{28A0092B-C50C-407E-A947-70E740481C1C}">
+                <a14:useLocalDpi xmlns:a14="http://schemas.microsoft.com/office/drawing/2010/main" val="0"/>
+              </a:ext>
+            </a:extLst>
+          </a:blip>
+          <a:srcRect/>
+          <a:stretch/>
+        </p:blipFill>
+        <p:spPr>
+          <a:xfrm>
+            <a:off x="6205267" y="1391124"/>
+            <a:ext cx="2613804" cy="871268"/>
+          </a:xfrm>
+          <a:prstGeom prst="rect">
+            <a:avLst/>
+          </a:prstGeom>
+        </p:spPr>
+      </p:pic>
+      <p:sp>
+        <p:nvSpPr>
+          <p:cNvPr id="14" name="TextBox 13">
+            <a:extLst>
+              <a:ext uri="{FF2B5EF4-FFF2-40B4-BE49-F238E27FC236}">
+                <a16:creationId xmlns:a16="http://schemas.microsoft.com/office/drawing/2014/main" id="{CE0E441D-7CE5-4CD5-A7A7-444E6244701C}"/>
+              </a:ext>
+            </a:extLst>
+          </p:cNvPr>
+          <p:cNvSpPr txBox="1"/>
+          <p:nvPr/>
+        </p:nvSpPr>
+        <p:spPr>
+          <a:xfrm>
+            <a:off x="2206922" y="2713208"/>
+            <a:ext cx="7784797" cy="461665"/>
+          </a:xfrm>
+          <a:prstGeom prst="rect">
+            <a:avLst/>
+          </a:prstGeom>
+          <a:noFill/>
+        </p:spPr>
+        <p:txBody>
+          <a:bodyPr rot="0" spcFirstLastPara="0" vertOverflow="overflow" horzOverflow="overflow" vert="horz" wrap="square" lIns="91440" tIns="45720" rIns="91440" bIns="45720" numCol="1" spcCol="0" rtlCol="0" fromWordArt="0" anchor="t" anchorCtr="0" forceAA="0" compatLnSpc="1">
+            <a:prstTxWarp prst="textNoShape">
+              <a:avLst/>
+            </a:prstTxWarp>
+            <a:spAutoFit/>
+          </a:bodyPr>
+          <a:lstStyle/>
+          <a:p>
+            <a:pPr algn="ctr">
+              <a:lnSpc>
+                <a:spcPct val="150000"/>
+              </a:lnSpc>
+            </a:pPr>
+            <a:r>
+              <a:rPr lang="en-US" dirty="0">
+                <a:solidFill>
+                  <a:schemeClr val="bg1"/>
+                </a:solidFill>
+                <a:latin typeface="Roboto Bold" panose="02000000000000000000" pitchFamily="2" charset="0"/>
+                <a:ea typeface="Roboto Bold" panose="02000000000000000000" pitchFamily="2" charset="0"/>
+              </a:rPr>
+              <a:t>Media Sponsors</a:t>
+            </a:r>
+          </a:p>
+        </p:txBody>
+      </p:sp>
+      <p:pic>
+        <p:nvPicPr>
+          <p:cNvPr id="15" name="Picture 15">
+            <a:extLst>
+              <a:ext uri="{FF2B5EF4-FFF2-40B4-BE49-F238E27FC236}">
+                <a16:creationId xmlns:a16="http://schemas.microsoft.com/office/drawing/2014/main" id="{81F1C55F-BA2E-4AA3-92C7-74BED5B142A2}"/>
+              </a:ext>
+            </a:extLst>
+          </p:cNvPr>
+          <p:cNvPicPr>
+            <a:picLocks noChangeAspect="1"/>
+          </p:cNvPicPr>
+          <p:nvPr/>
+        </p:nvPicPr>
+        <p:blipFill>
+          <a:blip r:embed="rId5">
+            <a:extLst>
+              <a:ext uri="{28A0092B-C50C-407E-A947-70E740481C1C}">
+                <a14:useLocalDpi xmlns:a14="http://schemas.microsoft.com/office/drawing/2010/main" val="0"/>
+              </a:ext>
+            </a:extLst>
+          </a:blip>
+          <a:srcRect/>
+          <a:stretch/>
+        </p:blipFill>
+        <p:spPr>
+          <a:xfrm>
+            <a:off x="3372928" y="1548557"/>
+            <a:ext cx="2743200" cy="685799"/>
+          </a:xfrm>
+          <a:prstGeom prst="rect">
+            <a:avLst/>
+          </a:prstGeom>
+        </p:spPr>
+      </p:pic>
+      <p:pic>
+        <p:nvPicPr>
+          <p:cNvPr id="22" name="Picture 13">
+            <a:extLst>
+              <a:ext uri="{FF2B5EF4-FFF2-40B4-BE49-F238E27FC236}">
+                <a16:creationId xmlns:a16="http://schemas.microsoft.com/office/drawing/2014/main" id="{B4EEA9C9-0F35-41A4-84EE-98E2A949A2A3}"/>
+              </a:ext>
+            </a:extLst>
+          </p:cNvPr>
+          <p:cNvPicPr>
+            <a:picLocks noChangeAspect="1"/>
+          </p:cNvPicPr>
+          <p:nvPr/>
+        </p:nvPicPr>
+        <p:blipFill>
+          <a:blip r:embed="rId4">
+            <a:extLst>
+              <a:ext uri="{28A0092B-C50C-407E-A947-70E740481C1C}">
+                <a14:useLocalDpi xmlns:a14="http://schemas.microsoft.com/office/drawing/2010/main" val="0"/>
+              </a:ext>
+            </a:extLst>
+          </a:blip>
+          <a:srcRect/>
+          <a:stretch/>
+        </p:blipFill>
+        <p:spPr>
+          <a:xfrm>
+            <a:off x="5243596" y="3068082"/>
+            <a:ext cx="2160168" cy="720056"/>
+          </a:xfrm>
+          <a:prstGeom prst="rect">
+            <a:avLst/>
+          </a:prstGeom>
+        </p:spPr>
+      </p:pic>
+      <p:pic>
+        <p:nvPicPr>
+          <p:cNvPr id="23" name="Picture 15">
+            <a:extLst>
+              <a:ext uri="{FF2B5EF4-FFF2-40B4-BE49-F238E27FC236}">
+                <a16:creationId xmlns:a16="http://schemas.microsoft.com/office/drawing/2014/main" id="{EC075891-63B1-4792-9244-4885F149C043}"/>
+              </a:ext>
+            </a:extLst>
+          </p:cNvPr>
+          <p:cNvPicPr>
+            <a:picLocks noChangeAspect="1"/>
+          </p:cNvPicPr>
+          <p:nvPr/>
+        </p:nvPicPr>
+        <p:blipFill>
+          <a:blip r:embed="rId5">
+            <a:extLst>
+              <a:ext uri="{28A0092B-C50C-407E-A947-70E740481C1C}">
+                <a14:useLocalDpi xmlns:a14="http://schemas.microsoft.com/office/drawing/2010/main" val="0"/>
+              </a:ext>
+            </a:extLst>
+          </a:blip>
+          <a:srcRect/>
+          <a:stretch/>
+        </p:blipFill>
+        <p:spPr>
+          <a:xfrm>
+            <a:off x="2435322" y="3176762"/>
+            <a:ext cx="2267107" cy="566776"/>
+          </a:xfrm>
+          <a:prstGeom prst="rect">
+            <a:avLst/>
+          </a:prstGeom>
+        </p:spPr>
+      </p:pic>
+      <p:pic>
+        <p:nvPicPr>
+          <p:cNvPr id="3" name="Imagem 2" descr="Desenho com traços pretos em fundo branco&#10;&#10;Descrição gerada automaticamente com confiança média">
+            <a:extLst>
+              <a:ext uri="{FF2B5EF4-FFF2-40B4-BE49-F238E27FC236}">
+                <a16:creationId xmlns:a16="http://schemas.microsoft.com/office/drawing/2014/main" id="{B8315246-E94A-4FD3-BA02-2759A604C297}"/>
+              </a:ext>
+            </a:extLst>
+          </p:cNvPr>
+          <p:cNvPicPr>
+            <a:picLocks noChangeAspect="1"/>
+          </p:cNvPicPr>
+          <p:nvPr/>
+        </p:nvPicPr>
+        <p:blipFill>
+          <a:blip r:embed="rId6">
+            <a:extLst>
+              <a:ext uri="{28A0092B-C50C-407E-A947-70E740481C1C}">
+                <a14:useLocalDpi xmlns:a14="http://schemas.microsoft.com/office/drawing/2010/main" val="0"/>
+              </a:ext>
+            </a:extLst>
+          </a:blip>
+          <a:stretch>
+            <a:fillRect/>
+          </a:stretch>
+        </p:blipFill>
+        <p:spPr>
+          <a:xfrm>
+            <a:off x="8161903" y="3173006"/>
+            <a:ext cx="1011644" cy="618888"/>
+          </a:xfrm>
+          <a:prstGeom prst="rect">
+            <a:avLst/>
+          </a:prstGeom>
+        </p:spPr>
+      </p:pic>
+      <p:pic>
+        <p:nvPicPr>
+          <p:cNvPr id="11" name="Imagem 10">
+            <a:extLst>
+              <a:ext uri="{FF2B5EF4-FFF2-40B4-BE49-F238E27FC236}">
+                <a16:creationId xmlns:a16="http://schemas.microsoft.com/office/drawing/2014/main" id="{70634BB2-DD0E-43E7-83C7-A9BFF9602D19}"/>
+              </a:ext>
+            </a:extLst>
+          </p:cNvPr>
+          <p:cNvPicPr>
+            <a:picLocks noChangeAspect="1"/>
+          </p:cNvPicPr>
+          <p:nvPr/>
+        </p:nvPicPr>
+        <p:blipFill>
+          <a:blip r:embed="rId7">
+            <a:extLst>
+              <a:ext uri="{28A0092B-C50C-407E-A947-70E740481C1C}">
+                <a14:useLocalDpi xmlns:a14="http://schemas.microsoft.com/office/drawing/2010/main" val="0"/>
+              </a:ext>
+            </a:extLst>
+          </a:blip>
+          <a:stretch>
+            <a:fillRect/>
+          </a:stretch>
+        </p:blipFill>
+        <p:spPr>
+          <a:xfrm>
+            <a:off x="4762666" y="4754164"/>
+            <a:ext cx="2666667" cy="419048"/>
+          </a:xfrm>
+          <a:prstGeom prst="rect">
+            <a:avLst/>
+          </a:prstGeom>
+        </p:spPr>
+      </p:pic>
+    </p:spTree>
+    <p:extLst>
+      <p:ext uri="{BB962C8B-B14F-4D97-AF65-F5344CB8AC3E}">
+        <p14:creationId xmlns:p14="http://schemas.microsoft.com/office/powerpoint/2010/main" val="4078754494"/>
+      </p:ext>
+    </p:extLst>
+  </p:cSld>
+  <p:clrMapOvr>
+    <a:masterClrMapping/>
+  </p:clrMapOvr>
+</p:sld>
+</file>
+
+<file path=ppt/slides/slide6.xml><?xml version="1.0" encoding="utf-8"?>
+<p:sld xmlns:a="http://schemas.openxmlformats.org/drawingml/2006/main" xmlns:r="http://schemas.openxmlformats.org/officeDocument/2006/relationships" xmlns:p="http://schemas.openxmlformats.org/presentationml/2006/main">
+  <p:cSld>
     <p:spTree>
       <p:nvGrpSpPr>
         <p:cNvPr id="1" name=""/>
@@ -35061,7 +37684,7 @@
 </p:sld>
 </file>
 
-<file path=ppt/slides/slide5.xml><?xml version="1.0" encoding="utf-8"?>
+<file path=ppt/slides/slide7.xml><?xml version="1.0" encoding="utf-8"?>
 <p:sld xmlns:a="http://schemas.openxmlformats.org/drawingml/2006/main" xmlns:r="http://schemas.openxmlformats.org/officeDocument/2006/relationships" xmlns:p="http://schemas.openxmlformats.org/presentationml/2006/main">
   <p:cSld>
     <p:spTree>
@@ -35240,7 +37863,7 @@
 </p:sld>
 </file>
 
-<file path=ppt/slides/slide6.xml><?xml version="1.0" encoding="utf-8"?>
+<file path=ppt/slides/slide8.xml><?xml version="1.0" encoding="utf-8"?>
 <p:sld xmlns:a="http://schemas.openxmlformats.org/drawingml/2006/main" xmlns:r="http://schemas.openxmlformats.org/officeDocument/2006/relationships" xmlns:p="http://schemas.openxmlformats.org/presentationml/2006/main">
   <p:cSld>
     <p:spTree>
@@ -35300,2339 +37923,6 @@
     <p:extLst>
       <p:ext uri="{BB962C8B-B14F-4D97-AF65-F5344CB8AC3E}">
         <p14:creationId xmlns:p14="http://schemas.microsoft.com/office/powerpoint/2010/main" val="580638725"/>
-      </p:ext>
-    </p:extLst>
-  </p:cSld>
-  <p:clrMapOvr>
-    <a:masterClrMapping/>
-  </p:clrMapOvr>
-</p:sld>
-</file>
-
-<file path=ppt/slides/slide7.xml><?xml version="1.0" encoding="utf-8"?>
-<p:sld xmlns:a="http://schemas.openxmlformats.org/drawingml/2006/main" xmlns:r="http://schemas.openxmlformats.org/officeDocument/2006/relationships" xmlns:p="http://schemas.openxmlformats.org/presentationml/2006/main">
-  <p:cSld>
-    <p:spTree>
-      <p:nvGrpSpPr>
-        <p:cNvPr id="1" name=""/>
-        <p:cNvGrpSpPr/>
-        <p:nvPr/>
-      </p:nvGrpSpPr>
-      <p:grpSpPr>
-        <a:xfrm>
-          <a:off x="0" y="0"/>
-          <a:ext cx="0" cy="0"/>
-          <a:chOff x="0" y="0"/>
-          <a:chExt cx="0" cy="0"/>
-        </a:xfrm>
-      </p:grpSpPr>
-      <p:sp>
-        <p:nvSpPr>
-          <p:cNvPr id="2" name="Title 1">
-            <a:extLst>
-              <a:ext uri="{FF2B5EF4-FFF2-40B4-BE49-F238E27FC236}">
-                <a16:creationId xmlns:a16="http://schemas.microsoft.com/office/drawing/2014/main" id="{8AC6D6CB-C638-40CA-833B-725506FD2A90}"/>
-              </a:ext>
-            </a:extLst>
-          </p:cNvPr>
-          <p:cNvSpPr>
-            <a:spLocks noGrp="1"/>
-          </p:cNvSpPr>
-          <p:nvPr>
-            <p:ph type="title"/>
-          </p:nvPr>
-        </p:nvSpPr>
-        <p:spPr>
-          <a:xfrm>
-            <a:off x="838200" y="365125"/>
-            <a:ext cx="10515600" cy="733833"/>
-          </a:xfrm>
-        </p:spPr>
-        <p:txBody>
-          <a:bodyPr/>
-          <a:lstStyle/>
-          <a:p>
-            <a:r>
-              <a:rPr lang="en-US" dirty="0"/>
-              <a:t>VM versus Container</a:t>
-            </a:r>
-          </a:p>
-        </p:txBody>
-      </p:sp>
-      <p:pic>
-        <p:nvPicPr>
-          <p:cNvPr id="3" name="Picture 2">
-            <a:extLst>
-              <a:ext uri="{FF2B5EF4-FFF2-40B4-BE49-F238E27FC236}">
-                <a16:creationId xmlns:a16="http://schemas.microsoft.com/office/drawing/2014/main" id="{3DA05759-6DD7-4B0D-B941-320B135F3DF6}"/>
-              </a:ext>
-            </a:extLst>
-          </p:cNvPr>
-          <p:cNvPicPr>
-            <a:picLocks noChangeAspect="1" noChangeArrowheads="1"/>
-          </p:cNvPicPr>
-          <p:nvPr/>
-        </p:nvPicPr>
-        <p:blipFill>
-          <a:blip r:embed="rId2">
-            <a:extLst>
-              <a:ext uri="{28A0092B-C50C-407E-A947-70E740481C1C}">
-                <a14:useLocalDpi xmlns:a14="http://schemas.microsoft.com/office/drawing/2010/main" val="0"/>
-              </a:ext>
-            </a:extLst>
-          </a:blip>
-          <a:srcRect/>
-          <a:stretch>
-            <a:fillRect/>
-          </a:stretch>
-        </p:blipFill>
-        <p:spPr bwMode="auto">
-          <a:xfrm>
-            <a:off x="702932" y="1162916"/>
-            <a:ext cx="4850580" cy="4359328"/>
-          </a:xfrm>
-          <a:prstGeom prst="rect">
-            <a:avLst/>
-          </a:prstGeom>
-          <a:noFill/>
-          <a:extLst>
-            <a:ext uri="{909E8E84-426E-40DD-AFC4-6F175D3DCCD1}">
-              <a14:hiddenFill xmlns:a14="http://schemas.microsoft.com/office/drawing/2010/main">
-                <a:solidFill>
-                  <a:srgbClr val="FFFFFF"/>
-                </a:solidFill>
-              </a14:hiddenFill>
-            </a:ext>
-          </a:extLst>
-        </p:spPr>
-      </p:pic>
-      <p:pic>
-        <p:nvPicPr>
-          <p:cNvPr id="4" name="Picture 4">
-            <a:extLst>
-              <a:ext uri="{FF2B5EF4-FFF2-40B4-BE49-F238E27FC236}">
-                <a16:creationId xmlns:a16="http://schemas.microsoft.com/office/drawing/2014/main" id="{E03BA302-1E62-4FCB-AA35-381167061F64}"/>
-              </a:ext>
-            </a:extLst>
-          </p:cNvPr>
-          <p:cNvPicPr>
-            <a:picLocks noChangeAspect="1" noChangeArrowheads="1"/>
-          </p:cNvPicPr>
-          <p:nvPr/>
-        </p:nvPicPr>
-        <p:blipFill>
-          <a:blip r:embed="rId3">
-            <a:extLst>
-              <a:ext uri="{28A0092B-C50C-407E-A947-70E740481C1C}">
-                <a14:useLocalDpi xmlns:a14="http://schemas.microsoft.com/office/drawing/2010/main" val="0"/>
-              </a:ext>
-            </a:extLst>
-          </a:blip>
-          <a:srcRect/>
-          <a:stretch>
-            <a:fillRect/>
-          </a:stretch>
-        </p:blipFill>
-        <p:spPr bwMode="auto">
-          <a:xfrm>
-            <a:off x="6174193" y="1153198"/>
-            <a:ext cx="4862329" cy="4359328"/>
-          </a:xfrm>
-          <a:prstGeom prst="rect">
-            <a:avLst/>
-          </a:prstGeom>
-          <a:noFill/>
-          <a:extLst>
-            <a:ext uri="{909E8E84-426E-40DD-AFC4-6F175D3DCCD1}">
-              <a14:hiddenFill xmlns:a14="http://schemas.microsoft.com/office/drawing/2010/main">
-                <a:solidFill>
-                  <a:srgbClr val="FFFFFF"/>
-                </a:solidFill>
-              </a14:hiddenFill>
-            </a:ext>
-          </a:extLst>
-        </p:spPr>
-      </p:pic>
-      <p:sp>
-        <p:nvSpPr>
-          <p:cNvPr id="6" name="TextBox 5">
-            <a:extLst>
-              <a:ext uri="{FF2B5EF4-FFF2-40B4-BE49-F238E27FC236}">
-                <a16:creationId xmlns:a16="http://schemas.microsoft.com/office/drawing/2014/main" id="{6998A529-A9B5-4FA0-8F8B-55D4A9306A78}"/>
-              </a:ext>
-            </a:extLst>
-          </p:cNvPr>
-          <p:cNvSpPr txBox="1"/>
-          <p:nvPr/>
-        </p:nvSpPr>
-        <p:spPr>
-          <a:xfrm>
-            <a:off x="597715" y="5512526"/>
-            <a:ext cx="6094602" cy="369332"/>
-          </a:xfrm>
-          <a:prstGeom prst="rect">
-            <a:avLst/>
-          </a:prstGeom>
-          <a:noFill/>
-        </p:spPr>
-        <p:txBody>
-          <a:bodyPr wrap="square">
-            <a:spAutoFit/>
-          </a:bodyPr>
-          <a:lstStyle/>
-          <a:p>
-            <a:r>
-              <a:rPr lang="en-US" dirty="0">
-                <a:hlinkClick r:id="rId4"/>
-              </a:rPr>
-              <a:t>https://www.backblaze.com/blog/vm-vs-containers/</a:t>
-            </a:r>
-            <a:endParaRPr lang="en-US" dirty="0"/>
-          </a:p>
-        </p:txBody>
-      </p:sp>
-      <p:cxnSp>
-        <p:nvCxnSpPr>
-          <p:cNvPr id="7" name="Straight Connector 6">
-            <a:extLst>
-              <a:ext uri="{FF2B5EF4-FFF2-40B4-BE49-F238E27FC236}">
-                <a16:creationId xmlns:a16="http://schemas.microsoft.com/office/drawing/2014/main" id="{DAABE475-239E-4A6F-9703-3D91972AC4C1}"/>
-              </a:ext>
-            </a:extLst>
-          </p:cNvPr>
-          <p:cNvCxnSpPr>
-            <a:cxnSpLocks/>
-          </p:cNvCxnSpPr>
-          <p:nvPr/>
-        </p:nvCxnSpPr>
-        <p:spPr>
-          <a:xfrm>
-            <a:off x="838200" y="1015068"/>
-            <a:ext cx="10515600" cy="0"/>
-          </a:xfrm>
-          <a:prstGeom prst="line">
-            <a:avLst/>
-          </a:prstGeom>
-          <a:ln w="12700"/>
-        </p:spPr>
-        <p:style>
-          <a:lnRef idx="1">
-            <a:schemeClr val="dk1"/>
-          </a:lnRef>
-          <a:fillRef idx="0">
-            <a:schemeClr val="dk1"/>
-          </a:fillRef>
-          <a:effectRef idx="0">
-            <a:schemeClr val="dk1"/>
-          </a:effectRef>
-          <a:fontRef idx="minor">
-            <a:schemeClr val="tx1"/>
-          </a:fontRef>
-        </p:style>
-      </p:cxnSp>
-    </p:spTree>
-    <p:extLst>
-      <p:ext uri="{BB962C8B-B14F-4D97-AF65-F5344CB8AC3E}">
-        <p14:creationId xmlns:p14="http://schemas.microsoft.com/office/powerpoint/2010/main" val="1392140948"/>
-      </p:ext>
-    </p:extLst>
-  </p:cSld>
-  <p:clrMapOvr>
-    <a:masterClrMapping/>
-  </p:clrMapOvr>
-</p:sld>
-</file>
-
-<file path=ppt/slides/slide8.xml><?xml version="1.0" encoding="utf-8"?>
-<p:sld xmlns:a="http://schemas.openxmlformats.org/drawingml/2006/main" xmlns:r="http://schemas.openxmlformats.org/officeDocument/2006/relationships" xmlns:p="http://schemas.openxmlformats.org/presentationml/2006/main">
-  <p:cSld>
-    <p:spTree>
-      <p:nvGrpSpPr>
-        <p:cNvPr id="1" name=""/>
-        <p:cNvGrpSpPr/>
-        <p:nvPr/>
-      </p:nvGrpSpPr>
-      <p:grpSpPr>
-        <a:xfrm>
-          <a:off x="0" y="0"/>
-          <a:ext cx="0" cy="0"/>
-          <a:chOff x="0" y="0"/>
-          <a:chExt cx="0" cy="0"/>
-        </a:xfrm>
-      </p:grpSpPr>
-      <p:sp>
-        <p:nvSpPr>
-          <p:cNvPr id="2" name="Title 1">
-            <a:extLst>
-              <a:ext uri="{FF2B5EF4-FFF2-40B4-BE49-F238E27FC236}">
-                <a16:creationId xmlns:a16="http://schemas.microsoft.com/office/drawing/2014/main" id="{871457C1-E012-4AB3-B364-B6EE37EDD9CF}"/>
-              </a:ext>
-            </a:extLst>
-          </p:cNvPr>
-          <p:cNvSpPr>
-            <a:spLocks noGrp="1"/>
-          </p:cNvSpPr>
-          <p:nvPr>
-            <p:ph type="title"/>
-          </p:nvPr>
-        </p:nvSpPr>
-        <p:spPr>
-          <a:xfrm>
-            <a:off x="838200" y="332824"/>
-            <a:ext cx="10515600" cy="791093"/>
-          </a:xfrm>
-        </p:spPr>
-        <p:txBody>
-          <a:bodyPr>
-            <a:normAutofit/>
-          </a:bodyPr>
-          <a:lstStyle/>
-          <a:p>
-            <a:r>
-              <a:rPr lang="en-US" dirty="0"/>
-              <a:t>Docker</a:t>
-            </a:r>
-            <a:r>
-              <a:rPr lang="en-US" sz="4000" dirty="0"/>
-              <a:t> Architecture</a:t>
-            </a:r>
-          </a:p>
-        </p:txBody>
-      </p:sp>
-      <p:sp>
-        <p:nvSpPr>
-          <p:cNvPr id="3" name="Rectangle: Rounded Corners 2">
-            <a:extLst>
-              <a:ext uri="{FF2B5EF4-FFF2-40B4-BE49-F238E27FC236}">
-                <a16:creationId xmlns:a16="http://schemas.microsoft.com/office/drawing/2014/main" id="{C14DF5AA-A539-406D-8CE4-EA59ADB97A7E}"/>
-              </a:ext>
-            </a:extLst>
-          </p:cNvPr>
-          <p:cNvSpPr>
-            <a:spLocks/>
-          </p:cNvSpPr>
-          <p:nvPr/>
-        </p:nvSpPr>
-        <p:spPr>
-          <a:xfrm>
-            <a:off x="2960163" y="1355587"/>
-            <a:ext cx="4894216" cy="4187356"/>
-          </a:xfrm>
-          <a:prstGeom prst="roundRect">
-            <a:avLst/>
-          </a:prstGeom>
-        </p:spPr>
-        <p:style>
-          <a:lnRef idx="1">
-            <a:schemeClr val="accent1"/>
-          </a:lnRef>
-          <a:fillRef idx="2">
-            <a:schemeClr val="accent1"/>
-          </a:fillRef>
-          <a:effectRef idx="1">
-            <a:schemeClr val="accent1"/>
-          </a:effectRef>
-          <a:fontRef idx="minor">
-            <a:schemeClr val="dk1"/>
-          </a:fontRef>
-        </p:style>
-        <p:txBody>
-          <a:bodyPr lIns="0" tIns="0" rIns="0" bIns="0" rtlCol="0" anchor="ctr">
-            <a:noAutofit/>
-          </a:bodyPr>
-          <a:lstStyle/>
-          <a:p>
-            <a:pPr algn="l"/>
-            <a:endParaRPr lang="en-US" sz="2400" dirty="0">
-              <a:solidFill>
-                <a:schemeClr val="accent1"/>
-              </a:solidFill>
-            </a:endParaRPr>
-          </a:p>
-        </p:txBody>
-      </p:sp>
-      <p:sp>
-        <p:nvSpPr>
-          <p:cNvPr id="5" name="Rectangle: Rounded Corners 4">
-            <a:extLst>
-              <a:ext uri="{FF2B5EF4-FFF2-40B4-BE49-F238E27FC236}">
-                <a16:creationId xmlns:a16="http://schemas.microsoft.com/office/drawing/2014/main" id="{99E34FE9-710A-4286-81AA-244164B2D7A2}"/>
-              </a:ext>
-            </a:extLst>
-          </p:cNvPr>
-          <p:cNvSpPr/>
-          <p:nvPr/>
-        </p:nvSpPr>
-        <p:spPr>
-          <a:xfrm>
-            <a:off x="432756" y="1757340"/>
-            <a:ext cx="2107096" cy="1225868"/>
-          </a:xfrm>
-          <a:prstGeom prst="roundRect">
-            <a:avLst/>
-          </a:prstGeom>
-        </p:spPr>
-        <p:style>
-          <a:lnRef idx="1">
-            <a:schemeClr val="dk1"/>
-          </a:lnRef>
-          <a:fillRef idx="2">
-            <a:schemeClr val="dk1"/>
-          </a:fillRef>
-          <a:effectRef idx="1">
-            <a:schemeClr val="dk1"/>
-          </a:effectRef>
-          <a:fontRef idx="minor">
-            <a:schemeClr val="dk1"/>
-          </a:fontRef>
-        </p:style>
-        <p:txBody>
-          <a:bodyPr lIns="0" tIns="0" rIns="0" bIns="0" rtlCol="0" anchor="ctr">
-            <a:spAutoFit/>
-          </a:bodyPr>
-          <a:lstStyle/>
-          <a:p>
-            <a:pPr algn="l"/>
-            <a:r>
-              <a:rPr lang="en-US" sz="2400" dirty="0">
-                <a:solidFill>
-                  <a:schemeClr val="accent1"/>
-                </a:solidFill>
-              </a:rPr>
-              <a:t>Docker pull</a:t>
-            </a:r>
-          </a:p>
-          <a:p>
-            <a:pPr algn="l"/>
-            <a:r>
-              <a:rPr lang="en-US" sz="2400" dirty="0">
-                <a:solidFill>
-                  <a:schemeClr val="accent1"/>
-                </a:solidFill>
-              </a:rPr>
-              <a:t>Docker run</a:t>
-            </a:r>
-          </a:p>
-          <a:p>
-            <a:r>
-              <a:rPr lang="en-US" sz="2400" dirty="0">
-                <a:solidFill>
-                  <a:schemeClr val="accent1"/>
-                </a:solidFill>
-              </a:rPr>
-              <a:t>Docker Start</a:t>
-            </a:r>
-          </a:p>
-        </p:txBody>
-      </p:sp>
-      <p:sp>
-        <p:nvSpPr>
-          <p:cNvPr id="6" name="Rectangle: Rounded Corners 5">
-            <a:extLst>
-              <a:ext uri="{FF2B5EF4-FFF2-40B4-BE49-F238E27FC236}">
-                <a16:creationId xmlns:a16="http://schemas.microsoft.com/office/drawing/2014/main" id="{38C62605-4E31-4ECD-B308-1115C8895831}"/>
-              </a:ext>
-            </a:extLst>
-          </p:cNvPr>
-          <p:cNvSpPr/>
-          <p:nvPr/>
-        </p:nvSpPr>
-        <p:spPr>
-          <a:xfrm>
-            <a:off x="477219" y="1467513"/>
-            <a:ext cx="811033" cy="340519"/>
-          </a:xfrm>
-          <a:prstGeom prst="roundRect">
-            <a:avLst/>
-          </a:prstGeom>
-          <a:effectLst>
-            <a:softEdge rad="12700"/>
-          </a:effectLst>
-          <a:scene3d>
-            <a:camera prst="obliqueTopRight"/>
-            <a:lightRig rig="threePt" dir="t"/>
-          </a:scene3d>
-        </p:spPr>
-        <p:style>
-          <a:lnRef idx="2">
-            <a:schemeClr val="dk1"/>
-          </a:lnRef>
-          <a:fillRef idx="1">
-            <a:schemeClr val="lt1"/>
-          </a:fillRef>
-          <a:effectRef idx="0">
-            <a:schemeClr val="dk1"/>
-          </a:effectRef>
-          <a:fontRef idx="minor">
-            <a:schemeClr val="dk1"/>
-          </a:fontRef>
-        </p:style>
-        <p:txBody>
-          <a:bodyPr lIns="0" tIns="0" rIns="0" bIns="0" rtlCol="0" anchor="ctr">
-            <a:spAutoFit/>
-          </a:bodyPr>
-          <a:lstStyle/>
-          <a:p>
-            <a:pPr algn="l"/>
-            <a:r>
-              <a:rPr lang="en-US" sz="2000" dirty="0">
-                <a:solidFill>
-                  <a:schemeClr val="accent1"/>
-                </a:solidFill>
-              </a:rPr>
-              <a:t>Client</a:t>
-            </a:r>
-          </a:p>
-        </p:txBody>
-      </p:sp>
-      <p:sp>
-        <p:nvSpPr>
-          <p:cNvPr id="7" name="Rectangle: Rounded Corners 6">
-            <a:extLst>
-              <a:ext uri="{FF2B5EF4-FFF2-40B4-BE49-F238E27FC236}">
-                <a16:creationId xmlns:a16="http://schemas.microsoft.com/office/drawing/2014/main" id="{4432625C-22E9-4CDE-9C69-C121D5699A6C}"/>
-              </a:ext>
-            </a:extLst>
-          </p:cNvPr>
-          <p:cNvSpPr/>
-          <p:nvPr/>
-        </p:nvSpPr>
-        <p:spPr>
-          <a:xfrm>
-            <a:off x="3305638" y="1669763"/>
-            <a:ext cx="4197670" cy="306467"/>
-          </a:xfrm>
-          <a:prstGeom prst="roundRect">
-            <a:avLst/>
-          </a:prstGeom>
-        </p:spPr>
-        <p:style>
-          <a:lnRef idx="2">
-            <a:schemeClr val="dk1"/>
-          </a:lnRef>
-          <a:fillRef idx="1">
-            <a:schemeClr val="lt1"/>
-          </a:fillRef>
-          <a:effectRef idx="0">
-            <a:schemeClr val="dk1"/>
-          </a:effectRef>
-          <a:fontRef idx="minor">
-            <a:schemeClr val="dk1"/>
-          </a:fontRef>
-        </p:style>
-        <p:txBody>
-          <a:bodyPr vert="horz" lIns="0" tIns="0" rIns="0" bIns="0" rtlCol="0" anchor="t">
-            <a:spAutoFit/>
-          </a:bodyPr>
-          <a:lstStyle/>
-          <a:p>
-            <a:pPr algn="l"/>
-            <a:r>
-              <a:rPr lang="en-US" dirty="0">
-                <a:solidFill>
-                  <a:schemeClr val="accent1"/>
-                </a:solidFill>
-              </a:rPr>
-              <a:t>Docker Daemon</a:t>
-            </a:r>
-          </a:p>
-        </p:txBody>
-      </p:sp>
-      <p:sp>
-        <p:nvSpPr>
-          <p:cNvPr id="8" name="Rectangle: Rounded Corners 7">
-            <a:extLst>
-              <a:ext uri="{FF2B5EF4-FFF2-40B4-BE49-F238E27FC236}">
-                <a16:creationId xmlns:a16="http://schemas.microsoft.com/office/drawing/2014/main" id="{2DE4A118-060E-4833-8759-5FA685A5A222}"/>
-              </a:ext>
-            </a:extLst>
-          </p:cNvPr>
-          <p:cNvSpPr>
-            <a:spLocks/>
-          </p:cNvSpPr>
-          <p:nvPr/>
-        </p:nvSpPr>
-        <p:spPr>
-          <a:xfrm>
-            <a:off x="8398187" y="1376987"/>
-            <a:ext cx="1888814" cy="4187356"/>
-          </a:xfrm>
-          <a:prstGeom prst="roundRect">
-            <a:avLst/>
-          </a:prstGeom>
-        </p:spPr>
-        <p:style>
-          <a:lnRef idx="1">
-            <a:schemeClr val="accent6"/>
-          </a:lnRef>
-          <a:fillRef idx="2">
-            <a:schemeClr val="accent6"/>
-          </a:fillRef>
-          <a:effectRef idx="1">
-            <a:schemeClr val="accent6"/>
-          </a:effectRef>
-          <a:fontRef idx="minor">
-            <a:schemeClr val="dk1"/>
-          </a:fontRef>
-        </p:style>
-        <p:txBody>
-          <a:bodyPr lIns="0" tIns="0" rIns="0" bIns="0" rtlCol="0" anchor="ctr">
-            <a:noAutofit/>
-          </a:bodyPr>
-          <a:lstStyle/>
-          <a:p>
-            <a:pPr algn="l"/>
-            <a:endParaRPr lang="en-US" sz="2400" dirty="0">
-              <a:solidFill>
-                <a:schemeClr val="accent1"/>
-              </a:solidFill>
-            </a:endParaRPr>
-          </a:p>
-        </p:txBody>
-      </p:sp>
-      <p:sp>
-        <p:nvSpPr>
-          <p:cNvPr id="9" name="Rectangle: Rounded Corners 8">
-            <a:extLst>
-              <a:ext uri="{FF2B5EF4-FFF2-40B4-BE49-F238E27FC236}">
-                <a16:creationId xmlns:a16="http://schemas.microsoft.com/office/drawing/2014/main" id="{471E89BF-F282-422C-A34C-F234A2BBC9C6}"/>
-              </a:ext>
-            </a:extLst>
-          </p:cNvPr>
-          <p:cNvSpPr/>
-          <p:nvPr/>
-        </p:nvSpPr>
-        <p:spPr>
-          <a:xfrm>
-            <a:off x="8498150" y="1193637"/>
-            <a:ext cx="1159566" cy="340519"/>
-          </a:xfrm>
-          <a:prstGeom prst="roundRect">
-            <a:avLst/>
-          </a:prstGeom>
-          <a:effectLst>
-            <a:softEdge rad="12700"/>
-          </a:effectLst>
-          <a:scene3d>
-            <a:camera prst="obliqueTopRight"/>
-            <a:lightRig rig="threePt" dir="t"/>
-          </a:scene3d>
-        </p:spPr>
-        <p:style>
-          <a:lnRef idx="2">
-            <a:schemeClr val="dk1"/>
-          </a:lnRef>
-          <a:fillRef idx="1">
-            <a:schemeClr val="lt1"/>
-          </a:fillRef>
-          <a:effectRef idx="0">
-            <a:schemeClr val="dk1"/>
-          </a:effectRef>
-          <a:fontRef idx="minor">
-            <a:schemeClr val="dk1"/>
-          </a:fontRef>
-        </p:style>
-        <p:txBody>
-          <a:bodyPr lIns="0" tIns="0" rIns="0" bIns="0" rtlCol="0" anchor="ctr">
-            <a:spAutoFit/>
-          </a:bodyPr>
-          <a:lstStyle/>
-          <a:p>
-            <a:pPr algn="l"/>
-            <a:r>
-              <a:rPr lang="en-US" sz="2000" dirty="0">
-                <a:solidFill>
-                  <a:schemeClr val="accent1"/>
-                </a:solidFill>
-              </a:rPr>
-              <a:t>Registry</a:t>
-            </a:r>
-            <a:endParaRPr lang="en-US" sz="2400" dirty="0">
-              <a:solidFill>
-                <a:schemeClr val="accent1"/>
-              </a:solidFill>
-            </a:endParaRPr>
-          </a:p>
-        </p:txBody>
-      </p:sp>
-      <p:sp>
-        <p:nvSpPr>
-          <p:cNvPr id="10" name="Rectangle: Rounded Corners 9">
-            <a:extLst>
-              <a:ext uri="{FF2B5EF4-FFF2-40B4-BE49-F238E27FC236}">
-                <a16:creationId xmlns:a16="http://schemas.microsoft.com/office/drawing/2014/main" id="{45C286F5-755D-43EB-B156-D5EAAC6F6530}"/>
-              </a:ext>
-            </a:extLst>
-          </p:cNvPr>
-          <p:cNvSpPr/>
-          <p:nvPr/>
-        </p:nvSpPr>
-        <p:spPr>
-          <a:xfrm>
-            <a:off x="3518457" y="1235843"/>
-            <a:ext cx="1888814" cy="340519"/>
-          </a:xfrm>
-          <a:prstGeom prst="roundRect">
-            <a:avLst/>
-          </a:prstGeom>
-          <a:effectLst>
-            <a:softEdge rad="12700"/>
-          </a:effectLst>
-          <a:scene3d>
-            <a:camera prst="obliqueTopRight"/>
-            <a:lightRig rig="threePt" dir="t"/>
-          </a:scene3d>
-        </p:spPr>
-        <p:style>
-          <a:lnRef idx="2">
-            <a:schemeClr val="dk1"/>
-          </a:lnRef>
-          <a:fillRef idx="1">
-            <a:schemeClr val="lt1"/>
-          </a:fillRef>
-          <a:effectRef idx="0">
-            <a:schemeClr val="dk1"/>
-          </a:effectRef>
-          <a:fontRef idx="minor">
-            <a:schemeClr val="dk1"/>
-          </a:fontRef>
-        </p:style>
-        <p:txBody>
-          <a:bodyPr lIns="0" tIns="0" rIns="0" bIns="0" rtlCol="0" anchor="ctr">
-            <a:spAutoFit/>
-          </a:bodyPr>
-          <a:lstStyle/>
-          <a:p>
-            <a:pPr algn="l"/>
-            <a:r>
-              <a:rPr lang="en-US" sz="2000" dirty="0">
-                <a:solidFill>
-                  <a:schemeClr val="accent1"/>
-                </a:solidFill>
-              </a:rPr>
-              <a:t>Docker Host</a:t>
-            </a:r>
-          </a:p>
-        </p:txBody>
-      </p:sp>
-      <p:pic>
-        <p:nvPicPr>
-          <p:cNvPr id="11" name="Graphic 10">
-            <a:extLst>
-              <a:ext uri="{FF2B5EF4-FFF2-40B4-BE49-F238E27FC236}">
-                <a16:creationId xmlns:a16="http://schemas.microsoft.com/office/drawing/2014/main" id="{BDB684B7-4672-42B8-9E6F-CA1FF0E1C684}"/>
-              </a:ext>
-            </a:extLst>
-          </p:cNvPr>
-          <p:cNvPicPr>
-            <a:picLocks noChangeAspect="1"/>
-          </p:cNvPicPr>
-          <p:nvPr/>
-        </p:nvPicPr>
-        <p:blipFill>
-          <a:blip r:embed="rId2">
-            <a:extLst>
-              <a:ext uri="{96DAC541-7B7A-43D3-8B79-37D633B846F1}">
-                <asvg:svgBlip xmlns:asvg="http://schemas.microsoft.com/office/drawing/2016/SVG/main" r:embed="rId3"/>
-              </a:ext>
-            </a:extLst>
-          </a:blip>
-          <a:stretch>
-            <a:fillRect/>
-          </a:stretch>
-        </p:blipFill>
-        <p:spPr>
-          <a:xfrm>
-            <a:off x="8686897" y="1483683"/>
-            <a:ext cx="1159566" cy="937393"/>
-          </a:xfrm>
-          <a:prstGeom prst="rect">
-            <a:avLst/>
-          </a:prstGeom>
-        </p:spPr>
-      </p:pic>
-      <p:pic>
-        <p:nvPicPr>
-          <p:cNvPr id="12" name="Picture 2" descr="product logo">
-            <a:extLst>
-              <a:ext uri="{FF2B5EF4-FFF2-40B4-BE49-F238E27FC236}">
-                <a16:creationId xmlns:a16="http://schemas.microsoft.com/office/drawing/2014/main" id="{C9896EBC-8E34-4256-8A43-71B61E050F9F}"/>
-              </a:ext>
-            </a:extLst>
-          </p:cNvPr>
-          <p:cNvPicPr>
-            <a:picLocks noChangeAspect="1" noChangeArrowheads="1"/>
-          </p:cNvPicPr>
-          <p:nvPr/>
-        </p:nvPicPr>
-        <p:blipFill>
-          <a:blip r:embed="rId4">
-            <a:extLst>
-              <a:ext uri="{28A0092B-C50C-407E-A947-70E740481C1C}">
-                <a14:useLocalDpi xmlns:a14="http://schemas.microsoft.com/office/drawing/2010/main" val="0"/>
-              </a:ext>
-            </a:extLst>
-          </a:blip>
-          <a:srcRect/>
-          <a:stretch>
-            <a:fillRect/>
-          </a:stretch>
-        </p:blipFill>
-        <p:spPr bwMode="auto">
-          <a:xfrm>
-            <a:off x="8790430" y="2757851"/>
-            <a:ext cx="952500" cy="952500"/>
-          </a:xfrm>
-          <a:prstGeom prst="rect">
-            <a:avLst/>
-          </a:prstGeom>
-          <a:noFill/>
-          <a:extLst>
-            <a:ext uri="{909E8E84-426E-40DD-AFC4-6F175D3DCCD1}">
-              <a14:hiddenFill xmlns:a14="http://schemas.microsoft.com/office/drawing/2010/main">
-                <a:solidFill>
-                  <a:srgbClr val="FFFFFF"/>
-                </a:solidFill>
-              </a14:hiddenFill>
-            </a:ext>
-          </a:extLst>
-        </p:spPr>
-      </p:pic>
-      <p:pic>
-        <p:nvPicPr>
-          <p:cNvPr id="13" name="Picture 10" descr="Image result for powershell logo">
-            <a:extLst>
-              <a:ext uri="{FF2B5EF4-FFF2-40B4-BE49-F238E27FC236}">
-                <a16:creationId xmlns:a16="http://schemas.microsoft.com/office/drawing/2014/main" id="{64E921AB-4641-4BAC-9F6C-BC1F62A57534}"/>
-              </a:ext>
-            </a:extLst>
-          </p:cNvPr>
-          <p:cNvPicPr>
-            <a:picLocks noChangeAspect="1" noChangeArrowheads="1"/>
-          </p:cNvPicPr>
-          <p:nvPr/>
-        </p:nvPicPr>
-        <p:blipFill>
-          <a:blip r:embed="rId5">
-            <a:extLst>
-              <a:ext uri="{28A0092B-C50C-407E-A947-70E740481C1C}">
-                <a14:useLocalDpi xmlns:a14="http://schemas.microsoft.com/office/drawing/2010/main" val="0"/>
-              </a:ext>
-            </a:extLst>
-          </a:blip>
-          <a:srcRect/>
-          <a:stretch>
-            <a:fillRect/>
-          </a:stretch>
-        </p:blipFill>
-        <p:spPr bwMode="auto">
-          <a:xfrm>
-            <a:off x="8873910" y="4041358"/>
-            <a:ext cx="941635" cy="941635"/>
-          </a:xfrm>
-          <a:prstGeom prst="rect">
-            <a:avLst/>
-          </a:prstGeom>
-          <a:noFill/>
-          <a:extLst>
-            <a:ext uri="{909E8E84-426E-40DD-AFC4-6F175D3DCCD1}">
-              <a14:hiddenFill xmlns:a14="http://schemas.microsoft.com/office/drawing/2010/main">
-                <a:solidFill>
-                  <a:srgbClr val="FFFFFF"/>
-                </a:solidFill>
-              </a14:hiddenFill>
-            </a:ext>
-          </a:extLst>
-        </p:spPr>
-      </p:pic>
-      <p:sp>
-        <p:nvSpPr>
-          <p:cNvPr id="14" name="Rectangle: Rounded Corners 13">
-            <a:extLst>
-              <a:ext uri="{FF2B5EF4-FFF2-40B4-BE49-F238E27FC236}">
-                <a16:creationId xmlns:a16="http://schemas.microsoft.com/office/drawing/2014/main" id="{10D42F1B-938E-4111-95D2-806763A3C14F}"/>
-              </a:ext>
-            </a:extLst>
-          </p:cNvPr>
-          <p:cNvSpPr/>
-          <p:nvPr/>
-        </p:nvSpPr>
-        <p:spPr>
-          <a:xfrm>
-            <a:off x="5512657" y="2402937"/>
-            <a:ext cx="1741583" cy="2465568"/>
-          </a:xfrm>
-          <a:prstGeom prst="roundRect">
-            <a:avLst/>
-          </a:prstGeom>
-        </p:spPr>
-        <p:style>
-          <a:lnRef idx="2">
-            <a:schemeClr val="accent4"/>
-          </a:lnRef>
-          <a:fillRef idx="1">
-            <a:schemeClr val="lt1"/>
-          </a:fillRef>
-          <a:effectRef idx="0">
-            <a:schemeClr val="accent4"/>
-          </a:effectRef>
-          <a:fontRef idx="minor">
-            <a:schemeClr val="dk1"/>
-          </a:fontRef>
-        </p:style>
-        <p:txBody>
-          <a:bodyPr lIns="0" tIns="0" rIns="0" bIns="0" rtlCol="0" anchor="ctr">
-            <a:spAutoFit/>
-          </a:bodyPr>
-          <a:lstStyle/>
-          <a:p>
-            <a:pPr algn="l"/>
-            <a:endParaRPr lang="en-US" sz="2400" dirty="0">
-              <a:solidFill>
-                <a:schemeClr val="accent1"/>
-              </a:solidFill>
-            </a:endParaRPr>
-          </a:p>
-        </p:txBody>
-      </p:sp>
-      <p:pic>
-        <p:nvPicPr>
-          <p:cNvPr id="15" name="Graphic 14">
-            <a:extLst>
-              <a:ext uri="{FF2B5EF4-FFF2-40B4-BE49-F238E27FC236}">
-                <a16:creationId xmlns:a16="http://schemas.microsoft.com/office/drawing/2014/main" id="{1838993B-A259-4249-9212-1D77263F74C9}"/>
-              </a:ext>
-            </a:extLst>
-          </p:cNvPr>
-          <p:cNvPicPr>
-            <a:picLocks noChangeAspect="1"/>
-          </p:cNvPicPr>
-          <p:nvPr/>
-        </p:nvPicPr>
-        <p:blipFill>
-          <a:blip r:embed="rId2">
-            <a:extLst>
-              <a:ext uri="{96DAC541-7B7A-43D3-8B79-37D633B846F1}">
-                <asvg:svgBlip xmlns:asvg="http://schemas.microsoft.com/office/drawing/2016/SVG/main" r:embed="rId3"/>
-              </a:ext>
-            </a:extLst>
-          </a:blip>
-          <a:stretch>
-            <a:fillRect/>
-          </a:stretch>
-        </p:blipFill>
-        <p:spPr>
-          <a:xfrm>
-            <a:off x="5755655" y="2698328"/>
-            <a:ext cx="1159566" cy="937393"/>
-          </a:xfrm>
-          <a:prstGeom prst="rect">
-            <a:avLst/>
-          </a:prstGeom>
-        </p:spPr>
-      </p:pic>
-      <p:pic>
-        <p:nvPicPr>
-          <p:cNvPr id="16" name="Picture 2" descr="product logo">
-            <a:extLst>
-              <a:ext uri="{FF2B5EF4-FFF2-40B4-BE49-F238E27FC236}">
-                <a16:creationId xmlns:a16="http://schemas.microsoft.com/office/drawing/2014/main" id="{A8033544-46CB-4F89-9A68-3857DE599EC5}"/>
-              </a:ext>
-            </a:extLst>
-          </p:cNvPr>
-          <p:cNvPicPr>
-            <a:picLocks noChangeAspect="1" noChangeArrowheads="1"/>
-          </p:cNvPicPr>
-          <p:nvPr/>
-        </p:nvPicPr>
-        <p:blipFill>
-          <a:blip r:embed="rId4">
-            <a:extLst>
-              <a:ext uri="{28A0092B-C50C-407E-A947-70E740481C1C}">
-                <a14:useLocalDpi xmlns:a14="http://schemas.microsoft.com/office/drawing/2010/main" val="0"/>
-              </a:ext>
-            </a:extLst>
-          </a:blip>
-          <a:srcRect/>
-          <a:stretch>
-            <a:fillRect/>
-          </a:stretch>
-        </p:blipFill>
-        <p:spPr bwMode="auto">
-          <a:xfrm>
-            <a:off x="5859188" y="3775863"/>
-            <a:ext cx="952500" cy="952500"/>
-          </a:xfrm>
-          <a:prstGeom prst="rect">
-            <a:avLst/>
-          </a:prstGeom>
-          <a:noFill/>
-          <a:extLst>
-            <a:ext uri="{909E8E84-426E-40DD-AFC4-6F175D3DCCD1}">
-              <a14:hiddenFill xmlns:a14="http://schemas.microsoft.com/office/drawing/2010/main">
-                <a:solidFill>
-                  <a:srgbClr val="FFFFFF"/>
-                </a:solidFill>
-              </a14:hiddenFill>
-            </a:ext>
-          </a:extLst>
-        </p:spPr>
-      </p:pic>
-      <p:sp>
-        <p:nvSpPr>
-          <p:cNvPr id="17" name="Rectangle: Rounded Corners 16">
-            <a:extLst>
-              <a:ext uri="{FF2B5EF4-FFF2-40B4-BE49-F238E27FC236}">
-                <a16:creationId xmlns:a16="http://schemas.microsoft.com/office/drawing/2014/main" id="{8713CE85-97CD-479B-8623-C5FBB337F161}"/>
-              </a:ext>
-            </a:extLst>
-          </p:cNvPr>
-          <p:cNvSpPr/>
-          <p:nvPr/>
-        </p:nvSpPr>
-        <p:spPr>
-          <a:xfrm>
-            <a:off x="5617405" y="2190878"/>
-            <a:ext cx="1070778" cy="306467"/>
-          </a:xfrm>
-          <a:prstGeom prst="roundRect">
-            <a:avLst/>
-          </a:prstGeom>
-        </p:spPr>
-        <p:style>
-          <a:lnRef idx="2">
-            <a:schemeClr val="dk1"/>
-          </a:lnRef>
-          <a:fillRef idx="1">
-            <a:schemeClr val="lt1"/>
-          </a:fillRef>
-          <a:effectRef idx="0">
-            <a:schemeClr val="dk1"/>
-          </a:effectRef>
-          <a:fontRef idx="minor">
-            <a:schemeClr val="dk1"/>
-          </a:fontRef>
-        </p:style>
-        <p:txBody>
-          <a:bodyPr lIns="0" tIns="0" rIns="0" bIns="0" rtlCol="0" anchor="ctr">
-            <a:spAutoFit/>
-          </a:bodyPr>
-          <a:lstStyle/>
-          <a:p>
-            <a:pPr algn="l"/>
-            <a:r>
-              <a:rPr lang="en-US" dirty="0">
-                <a:solidFill>
-                  <a:schemeClr val="accent1"/>
-                </a:solidFill>
-              </a:rPr>
-              <a:t>Images</a:t>
-            </a:r>
-            <a:endParaRPr lang="en-US" sz="2400" dirty="0">
-              <a:solidFill>
-                <a:schemeClr val="accent1"/>
-              </a:solidFill>
-            </a:endParaRPr>
-          </a:p>
-        </p:txBody>
-      </p:sp>
-      <p:sp>
-        <p:nvSpPr>
-          <p:cNvPr id="18" name="Rectangle: Rounded Corners 17">
-            <a:extLst>
-              <a:ext uri="{FF2B5EF4-FFF2-40B4-BE49-F238E27FC236}">
-                <a16:creationId xmlns:a16="http://schemas.microsoft.com/office/drawing/2014/main" id="{AAA5EF42-CCD0-4A37-9471-66D1557DD5BC}"/>
-              </a:ext>
-            </a:extLst>
-          </p:cNvPr>
-          <p:cNvSpPr/>
-          <p:nvPr/>
-        </p:nvSpPr>
-        <p:spPr>
-          <a:xfrm>
-            <a:off x="3308550" y="2399632"/>
-            <a:ext cx="1993562" cy="2465568"/>
-          </a:xfrm>
-          <a:prstGeom prst="roundRect">
-            <a:avLst/>
-          </a:prstGeom>
-        </p:spPr>
-        <p:style>
-          <a:lnRef idx="2">
-            <a:schemeClr val="accent4"/>
-          </a:lnRef>
-          <a:fillRef idx="1">
-            <a:schemeClr val="lt1"/>
-          </a:fillRef>
-          <a:effectRef idx="0">
-            <a:schemeClr val="accent4"/>
-          </a:effectRef>
-          <a:fontRef idx="minor">
-            <a:schemeClr val="dk1"/>
-          </a:fontRef>
-        </p:style>
-        <p:txBody>
-          <a:bodyPr lIns="0" tIns="0" rIns="0" bIns="0" rtlCol="0" anchor="ctr">
-            <a:spAutoFit/>
-          </a:bodyPr>
-          <a:lstStyle/>
-          <a:p>
-            <a:pPr algn="l"/>
-            <a:endParaRPr lang="en-US" sz="2400" dirty="0">
-              <a:solidFill>
-                <a:schemeClr val="accent1"/>
-              </a:solidFill>
-            </a:endParaRPr>
-          </a:p>
-        </p:txBody>
-      </p:sp>
-      <p:sp>
-        <p:nvSpPr>
-          <p:cNvPr id="19" name="Rectangle: Rounded Corners 18">
-            <a:extLst>
-              <a:ext uri="{FF2B5EF4-FFF2-40B4-BE49-F238E27FC236}">
-                <a16:creationId xmlns:a16="http://schemas.microsoft.com/office/drawing/2014/main" id="{572EC301-F2AF-4781-B8B9-ECDE51488DED}"/>
-              </a:ext>
-            </a:extLst>
-          </p:cNvPr>
-          <p:cNvSpPr/>
-          <p:nvPr/>
-        </p:nvSpPr>
-        <p:spPr>
-          <a:xfrm>
-            <a:off x="3308550" y="2190878"/>
-            <a:ext cx="1490818" cy="306467"/>
-          </a:xfrm>
-          <a:prstGeom prst="roundRect">
-            <a:avLst/>
-          </a:prstGeom>
-        </p:spPr>
-        <p:style>
-          <a:lnRef idx="2">
-            <a:schemeClr val="dk1"/>
-          </a:lnRef>
-          <a:fillRef idx="1">
-            <a:schemeClr val="lt1"/>
-          </a:fillRef>
-          <a:effectRef idx="0">
-            <a:schemeClr val="dk1"/>
-          </a:effectRef>
-          <a:fontRef idx="minor">
-            <a:schemeClr val="dk1"/>
-          </a:fontRef>
-        </p:style>
-        <p:txBody>
-          <a:bodyPr lIns="0" tIns="0" rIns="0" bIns="0" rtlCol="0" anchor="ctr">
-            <a:spAutoFit/>
-          </a:bodyPr>
-          <a:lstStyle/>
-          <a:p>
-            <a:pPr algn="l"/>
-            <a:r>
-              <a:rPr lang="en-US" dirty="0">
-                <a:solidFill>
-                  <a:schemeClr val="accent1"/>
-                </a:solidFill>
-              </a:rPr>
-              <a:t>Containers</a:t>
-            </a:r>
-          </a:p>
-        </p:txBody>
-      </p:sp>
-      <p:grpSp>
-        <p:nvGrpSpPr>
-          <p:cNvPr id="20" name="Group 19">
-            <a:extLst>
-              <a:ext uri="{FF2B5EF4-FFF2-40B4-BE49-F238E27FC236}">
-                <a16:creationId xmlns:a16="http://schemas.microsoft.com/office/drawing/2014/main" id="{6783EA09-BC5A-4E9E-8A43-5A47A2AB3667}"/>
-              </a:ext>
-            </a:extLst>
-          </p:cNvPr>
-          <p:cNvGrpSpPr/>
-          <p:nvPr/>
-        </p:nvGrpSpPr>
-        <p:grpSpPr>
-          <a:xfrm>
-            <a:off x="3677882" y="2768964"/>
-            <a:ext cx="539533" cy="428489"/>
-            <a:chOff x="3677882" y="2953522"/>
-            <a:chExt cx="539533" cy="428489"/>
-          </a:xfrm>
-        </p:grpSpPr>
-        <p:sp>
-          <p:nvSpPr>
-            <p:cNvPr id="21" name="Cube 20">
-              <a:extLst>
-                <a:ext uri="{FF2B5EF4-FFF2-40B4-BE49-F238E27FC236}">
-                  <a16:creationId xmlns:a16="http://schemas.microsoft.com/office/drawing/2014/main" id="{2ED0C6B5-EEFB-4ACA-ABBC-A8C4DAAF2904}"/>
-                </a:ext>
-              </a:extLst>
-            </p:cNvPr>
-            <p:cNvSpPr/>
-            <p:nvPr/>
-          </p:nvSpPr>
-          <p:spPr>
-            <a:xfrm>
-              <a:off x="3677882" y="2953522"/>
-              <a:ext cx="539533" cy="428489"/>
-            </a:xfrm>
-            <a:prstGeom prst="cube">
-              <a:avLst/>
-            </a:prstGeom>
-          </p:spPr>
-          <p:style>
-            <a:lnRef idx="2">
-              <a:schemeClr val="accent6"/>
-            </a:lnRef>
-            <a:fillRef idx="1">
-              <a:schemeClr val="lt1"/>
-            </a:fillRef>
-            <a:effectRef idx="0">
-              <a:schemeClr val="accent6"/>
-            </a:effectRef>
-            <a:fontRef idx="minor">
-              <a:schemeClr val="dk1"/>
-            </a:fontRef>
-          </p:style>
-          <p:txBody>
-            <a:bodyPr lIns="0" tIns="0" rIns="0" bIns="0" rtlCol="0" anchor="ctr">
-              <a:spAutoFit/>
-            </a:bodyPr>
-            <a:lstStyle/>
-            <a:p>
-              <a:pPr algn="l"/>
-              <a:endParaRPr lang="en-US" sz="2400" dirty="0">
-                <a:solidFill>
-                  <a:schemeClr val="accent1"/>
-                </a:solidFill>
-              </a:endParaRPr>
-            </a:p>
-          </p:txBody>
-        </p:sp>
-        <p:pic>
-          <p:nvPicPr>
-            <p:cNvPr id="22" name="Graphic 21">
-              <a:extLst>
-                <a:ext uri="{FF2B5EF4-FFF2-40B4-BE49-F238E27FC236}">
-                  <a16:creationId xmlns:a16="http://schemas.microsoft.com/office/drawing/2014/main" id="{16A57E61-7BF9-4070-A158-A06DCC6F6AFA}"/>
-                </a:ext>
-              </a:extLst>
-            </p:cNvPr>
-            <p:cNvPicPr>
-              <a:picLocks noChangeAspect="1"/>
-            </p:cNvPicPr>
-            <p:nvPr/>
-          </p:nvPicPr>
-          <p:blipFill>
-            <a:blip r:embed="rId2">
-              <a:extLst>
-                <a:ext uri="{96DAC541-7B7A-43D3-8B79-37D633B846F1}">
-                  <asvg:svgBlip xmlns:asvg="http://schemas.microsoft.com/office/drawing/2016/SVG/main" r:embed="rId3"/>
-                </a:ext>
-              </a:extLst>
-            </a:blip>
-            <a:stretch>
-              <a:fillRect/>
-            </a:stretch>
-          </p:blipFill>
-          <p:spPr>
-            <a:xfrm>
-              <a:off x="3753947" y="3103998"/>
-              <a:ext cx="290462" cy="234809"/>
-            </a:xfrm>
-            <a:prstGeom prst="rect">
-              <a:avLst/>
-            </a:prstGeom>
-          </p:spPr>
-        </p:pic>
-      </p:grpSp>
-      <p:grpSp>
-        <p:nvGrpSpPr>
-          <p:cNvPr id="23" name="Group 22">
-            <a:extLst>
-              <a:ext uri="{FF2B5EF4-FFF2-40B4-BE49-F238E27FC236}">
-                <a16:creationId xmlns:a16="http://schemas.microsoft.com/office/drawing/2014/main" id="{7A5DE8F7-BBC6-4CEC-951E-E5C74D98A9A6}"/>
-              </a:ext>
-            </a:extLst>
-          </p:cNvPr>
-          <p:cNvGrpSpPr/>
-          <p:nvPr/>
-        </p:nvGrpSpPr>
-        <p:grpSpPr>
-          <a:xfrm>
-            <a:off x="4387349" y="3921722"/>
-            <a:ext cx="539533" cy="428489"/>
-            <a:chOff x="3629411" y="3518216"/>
-            <a:chExt cx="539533" cy="428489"/>
-          </a:xfrm>
-        </p:grpSpPr>
-        <p:sp>
-          <p:nvSpPr>
-            <p:cNvPr id="24" name="Cube 23">
-              <a:extLst>
-                <a:ext uri="{FF2B5EF4-FFF2-40B4-BE49-F238E27FC236}">
-                  <a16:creationId xmlns:a16="http://schemas.microsoft.com/office/drawing/2014/main" id="{D94A7A3B-CB2E-4CCA-A748-8258543138B9}"/>
-                </a:ext>
-              </a:extLst>
-            </p:cNvPr>
-            <p:cNvSpPr/>
-            <p:nvPr/>
-          </p:nvSpPr>
-          <p:spPr>
-            <a:xfrm>
-              <a:off x="3629411" y="3518216"/>
-              <a:ext cx="539533" cy="428489"/>
-            </a:xfrm>
-            <a:prstGeom prst="cube">
-              <a:avLst/>
-            </a:prstGeom>
-          </p:spPr>
-          <p:style>
-            <a:lnRef idx="2">
-              <a:schemeClr val="accent6"/>
-            </a:lnRef>
-            <a:fillRef idx="1">
-              <a:schemeClr val="lt1"/>
-            </a:fillRef>
-            <a:effectRef idx="0">
-              <a:schemeClr val="accent6"/>
-            </a:effectRef>
-            <a:fontRef idx="minor">
-              <a:schemeClr val="dk1"/>
-            </a:fontRef>
-          </p:style>
-          <p:txBody>
-            <a:bodyPr lIns="0" tIns="0" rIns="0" bIns="0" rtlCol="0" anchor="ctr">
-              <a:spAutoFit/>
-            </a:bodyPr>
-            <a:lstStyle/>
-            <a:p>
-              <a:pPr algn="l"/>
-              <a:endParaRPr lang="en-US" sz="2400" dirty="0">
-                <a:solidFill>
-                  <a:schemeClr val="accent1"/>
-                </a:solidFill>
-              </a:endParaRPr>
-            </a:p>
-          </p:txBody>
-        </p:sp>
-        <p:pic>
-          <p:nvPicPr>
-            <p:cNvPr id="25" name="Picture 2" descr="product logo">
-              <a:extLst>
-                <a:ext uri="{FF2B5EF4-FFF2-40B4-BE49-F238E27FC236}">
-                  <a16:creationId xmlns:a16="http://schemas.microsoft.com/office/drawing/2014/main" id="{4EB11B35-D8D6-4E8D-BEA9-BDBD1D70CC46}"/>
-                </a:ext>
-              </a:extLst>
-            </p:cNvPr>
-            <p:cNvPicPr>
-              <a:picLocks noChangeAspect="1" noChangeArrowheads="1"/>
-            </p:cNvPicPr>
-            <p:nvPr/>
-          </p:nvPicPr>
-          <p:blipFill>
-            <a:blip r:embed="rId4">
-              <a:extLst>
-                <a:ext uri="{28A0092B-C50C-407E-A947-70E740481C1C}">
-                  <a14:useLocalDpi xmlns:a14="http://schemas.microsoft.com/office/drawing/2010/main" val="0"/>
-                </a:ext>
-              </a:extLst>
-            </a:blip>
-            <a:srcRect/>
-            <a:stretch>
-              <a:fillRect/>
-            </a:stretch>
-          </p:blipFill>
-          <p:spPr bwMode="auto">
-            <a:xfrm>
-              <a:off x="3704009" y="3648418"/>
-              <a:ext cx="281893" cy="281893"/>
-            </a:xfrm>
-            <a:prstGeom prst="rect">
-              <a:avLst/>
-            </a:prstGeom>
-            <a:noFill/>
-            <a:extLst>
-              <a:ext uri="{909E8E84-426E-40DD-AFC4-6F175D3DCCD1}">
-                <a14:hiddenFill xmlns:a14="http://schemas.microsoft.com/office/drawing/2010/main">
-                  <a:solidFill>
-                    <a:srgbClr val="FFFFFF"/>
-                  </a:solidFill>
-                </a14:hiddenFill>
-              </a:ext>
-            </a:extLst>
-          </p:spPr>
-        </p:pic>
-      </p:grpSp>
-      <p:grpSp>
-        <p:nvGrpSpPr>
-          <p:cNvPr id="26" name="Group 25">
-            <a:extLst>
-              <a:ext uri="{FF2B5EF4-FFF2-40B4-BE49-F238E27FC236}">
-                <a16:creationId xmlns:a16="http://schemas.microsoft.com/office/drawing/2014/main" id="{AFF5D099-30B7-44F7-A606-631DB333C3E9}"/>
-              </a:ext>
-            </a:extLst>
-          </p:cNvPr>
-          <p:cNvGrpSpPr/>
-          <p:nvPr/>
-        </p:nvGrpSpPr>
-        <p:grpSpPr>
-          <a:xfrm>
-            <a:off x="3674805" y="3347929"/>
-            <a:ext cx="539533" cy="428489"/>
-            <a:chOff x="3677882" y="2953522"/>
-            <a:chExt cx="539533" cy="428489"/>
-          </a:xfrm>
-        </p:grpSpPr>
-        <p:sp>
-          <p:nvSpPr>
-            <p:cNvPr id="27" name="Cube 26">
-              <a:extLst>
-                <a:ext uri="{FF2B5EF4-FFF2-40B4-BE49-F238E27FC236}">
-                  <a16:creationId xmlns:a16="http://schemas.microsoft.com/office/drawing/2014/main" id="{B85BCAC2-BFD8-4EE0-9896-5952987366BD}"/>
-                </a:ext>
-              </a:extLst>
-            </p:cNvPr>
-            <p:cNvSpPr/>
-            <p:nvPr/>
-          </p:nvSpPr>
-          <p:spPr>
-            <a:xfrm>
-              <a:off x="3677882" y="2953522"/>
-              <a:ext cx="539533" cy="428489"/>
-            </a:xfrm>
-            <a:prstGeom prst="cube">
-              <a:avLst/>
-            </a:prstGeom>
-          </p:spPr>
-          <p:style>
-            <a:lnRef idx="2">
-              <a:schemeClr val="accent6"/>
-            </a:lnRef>
-            <a:fillRef idx="1">
-              <a:schemeClr val="lt1"/>
-            </a:fillRef>
-            <a:effectRef idx="0">
-              <a:schemeClr val="accent6"/>
-            </a:effectRef>
-            <a:fontRef idx="minor">
-              <a:schemeClr val="dk1"/>
-            </a:fontRef>
-          </p:style>
-          <p:txBody>
-            <a:bodyPr lIns="0" tIns="0" rIns="0" bIns="0" rtlCol="0" anchor="ctr">
-              <a:spAutoFit/>
-            </a:bodyPr>
-            <a:lstStyle/>
-            <a:p>
-              <a:pPr algn="l"/>
-              <a:endParaRPr lang="en-US" sz="2400" dirty="0">
-                <a:solidFill>
-                  <a:schemeClr val="accent1"/>
-                </a:solidFill>
-              </a:endParaRPr>
-            </a:p>
-          </p:txBody>
-        </p:sp>
-        <p:pic>
-          <p:nvPicPr>
-            <p:cNvPr id="28" name="Graphic 27">
-              <a:extLst>
-                <a:ext uri="{FF2B5EF4-FFF2-40B4-BE49-F238E27FC236}">
-                  <a16:creationId xmlns:a16="http://schemas.microsoft.com/office/drawing/2014/main" id="{8AE3E7CA-3339-4BB7-AB94-0C12D6C05A50}"/>
-                </a:ext>
-              </a:extLst>
-            </p:cNvPr>
-            <p:cNvPicPr>
-              <a:picLocks noChangeAspect="1"/>
-            </p:cNvPicPr>
-            <p:nvPr/>
-          </p:nvPicPr>
-          <p:blipFill>
-            <a:blip r:embed="rId2">
-              <a:extLst>
-                <a:ext uri="{96DAC541-7B7A-43D3-8B79-37D633B846F1}">
-                  <asvg:svgBlip xmlns:asvg="http://schemas.microsoft.com/office/drawing/2016/SVG/main" r:embed="rId3"/>
-                </a:ext>
-              </a:extLst>
-            </a:blip>
-            <a:stretch>
-              <a:fillRect/>
-            </a:stretch>
-          </p:blipFill>
-          <p:spPr>
-            <a:xfrm>
-              <a:off x="3753947" y="3103998"/>
-              <a:ext cx="290462" cy="234809"/>
-            </a:xfrm>
-            <a:prstGeom prst="rect">
-              <a:avLst/>
-            </a:prstGeom>
-          </p:spPr>
-        </p:pic>
-      </p:grpSp>
-      <p:grpSp>
-        <p:nvGrpSpPr>
-          <p:cNvPr id="29" name="Group 28">
-            <a:extLst>
-              <a:ext uri="{FF2B5EF4-FFF2-40B4-BE49-F238E27FC236}">
-                <a16:creationId xmlns:a16="http://schemas.microsoft.com/office/drawing/2014/main" id="{C079A9B1-5F7A-40B9-85C0-52DCCEC9D6F3}"/>
-              </a:ext>
-            </a:extLst>
-          </p:cNvPr>
-          <p:cNvGrpSpPr/>
-          <p:nvPr/>
-        </p:nvGrpSpPr>
-        <p:grpSpPr>
-          <a:xfrm>
-            <a:off x="4403561" y="2768964"/>
-            <a:ext cx="539533" cy="428489"/>
-            <a:chOff x="3629411" y="3518216"/>
-            <a:chExt cx="539533" cy="428489"/>
-          </a:xfrm>
-        </p:grpSpPr>
-        <p:sp>
-          <p:nvSpPr>
-            <p:cNvPr id="30" name="Cube 29">
-              <a:extLst>
-                <a:ext uri="{FF2B5EF4-FFF2-40B4-BE49-F238E27FC236}">
-                  <a16:creationId xmlns:a16="http://schemas.microsoft.com/office/drawing/2014/main" id="{4FAEC127-19C7-4BEA-B478-3D9B1C4AC147}"/>
-                </a:ext>
-              </a:extLst>
-            </p:cNvPr>
-            <p:cNvSpPr/>
-            <p:nvPr/>
-          </p:nvSpPr>
-          <p:spPr>
-            <a:xfrm>
-              <a:off x="3629411" y="3518216"/>
-              <a:ext cx="539533" cy="428489"/>
-            </a:xfrm>
-            <a:prstGeom prst="cube">
-              <a:avLst/>
-            </a:prstGeom>
-          </p:spPr>
-          <p:style>
-            <a:lnRef idx="2">
-              <a:schemeClr val="accent6"/>
-            </a:lnRef>
-            <a:fillRef idx="1">
-              <a:schemeClr val="lt1"/>
-            </a:fillRef>
-            <a:effectRef idx="0">
-              <a:schemeClr val="accent6"/>
-            </a:effectRef>
-            <a:fontRef idx="minor">
-              <a:schemeClr val="dk1"/>
-            </a:fontRef>
-          </p:style>
-          <p:txBody>
-            <a:bodyPr lIns="0" tIns="0" rIns="0" bIns="0" rtlCol="0" anchor="ctr">
-              <a:spAutoFit/>
-            </a:bodyPr>
-            <a:lstStyle/>
-            <a:p>
-              <a:pPr algn="l"/>
-              <a:endParaRPr lang="en-US" sz="2400" dirty="0">
-                <a:solidFill>
-                  <a:schemeClr val="accent1"/>
-                </a:solidFill>
-              </a:endParaRPr>
-            </a:p>
-          </p:txBody>
-        </p:sp>
-        <p:pic>
-          <p:nvPicPr>
-            <p:cNvPr id="31" name="Picture 2" descr="product logo">
-              <a:extLst>
-                <a:ext uri="{FF2B5EF4-FFF2-40B4-BE49-F238E27FC236}">
-                  <a16:creationId xmlns:a16="http://schemas.microsoft.com/office/drawing/2014/main" id="{AB91687F-73AD-46C6-87A2-3653590C4BFF}"/>
-                </a:ext>
-              </a:extLst>
-            </p:cNvPr>
-            <p:cNvPicPr>
-              <a:picLocks noChangeAspect="1" noChangeArrowheads="1"/>
-            </p:cNvPicPr>
-            <p:nvPr/>
-          </p:nvPicPr>
-          <p:blipFill>
-            <a:blip r:embed="rId4">
-              <a:extLst>
-                <a:ext uri="{28A0092B-C50C-407E-A947-70E740481C1C}">
-                  <a14:useLocalDpi xmlns:a14="http://schemas.microsoft.com/office/drawing/2010/main" val="0"/>
-                </a:ext>
-              </a:extLst>
-            </a:blip>
-            <a:srcRect/>
-            <a:stretch>
-              <a:fillRect/>
-            </a:stretch>
-          </p:blipFill>
-          <p:spPr bwMode="auto">
-            <a:xfrm>
-              <a:off x="3704009" y="3648418"/>
-              <a:ext cx="281893" cy="281893"/>
-            </a:xfrm>
-            <a:prstGeom prst="rect">
-              <a:avLst/>
-            </a:prstGeom>
-            <a:noFill/>
-            <a:extLst>
-              <a:ext uri="{909E8E84-426E-40DD-AFC4-6F175D3DCCD1}">
-                <a14:hiddenFill xmlns:a14="http://schemas.microsoft.com/office/drawing/2010/main">
-                  <a:solidFill>
-                    <a:srgbClr val="FFFFFF"/>
-                  </a:solidFill>
-                </a14:hiddenFill>
-              </a:ext>
-            </a:extLst>
-          </p:spPr>
-        </p:pic>
-      </p:grpSp>
-      <p:grpSp>
-        <p:nvGrpSpPr>
-          <p:cNvPr id="32" name="Group 31">
-            <a:extLst>
-              <a:ext uri="{FF2B5EF4-FFF2-40B4-BE49-F238E27FC236}">
-                <a16:creationId xmlns:a16="http://schemas.microsoft.com/office/drawing/2014/main" id="{F81BDC5B-094F-4444-A1C2-3A9AD13E8B3C}"/>
-              </a:ext>
-            </a:extLst>
-          </p:cNvPr>
-          <p:cNvGrpSpPr/>
-          <p:nvPr/>
-        </p:nvGrpSpPr>
-        <p:grpSpPr>
-          <a:xfrm>
-            <a:off x="3653482" y="3921722"/>
-            <a:ext cx="539533" cy="428489"/>
-            <a:chOff x="3677882" y="2953522"/>
-            <a:chExt cx="539533" cy="428489"/>
-          </a:xfrm>
-        </p:grpSpPr>
-        <p:sp>
-          <p:nvSpPr>
-            <p:cNvPr id="33" name="Cube 32">
-              <a:extLst>
-                <a:ext uri="{FF2B5EF4-FFF2-40B4-BE49-F238E27FC236}">
-                  <a16:creationId xmlns:a16="http://schemas.microsoft.com/office/drawing/2014/main" id="{204DD040-7FC1-40CC-8103-25552D7CC535}"/>
-                </a:ext>
-              </a:extLst>
-            </p:cNvPr>
-            <p:cNvSpPr/>
-            <p:nvPr/>
-          </p:nvSpPr>
-          <p:spPr>
-            <a:xfrm>
-              <a:off x="3677882" y="2953522"/>
-              <a:ext cx="539533" cy="428489"/>
-            </a:xfrm>
-            <a:prstGeom prst="cube">
-              <a:avLst/>
-            </a:prstGeom>
-          </p:spPr>
-          <p:style>
-            <a:lnRef idx="2">
-              <a:schemeClr val="accent6"/>
-            </a:lnRef>
-            <a:fillRef idx="1">
-              <a:schemeClr val="lt1"/>
-            </a:fillRef>
-            <a:effectRef idx="0">
-              <a:schemeClr val="accent6"/>
-            </a:effectRef>
-            <a:fontRef idx="minor">
-              <a:schemeClr val="dk1"/>
-            </a:fontRef>
-          </p:style>
-          <p:txBody>
-            <a:bodyPr lIns="0" tIns="0" rIns="0" bIns="0" rtlCol="0" anchor="ctr">
-              <a:spAutoFit/>
-            </a:bodyPr>
-            <a:lstStyle/>
-            <a:p>
-              <a:pPr algn="l"/>
-              <a:endParaRPr lang="en-US" sz="2400" dirty="0">
-                <a:solidFill>
-                  <a:schemeClr val="accent1"/>
-                </a:solidFill>
-              </a:endParaRPr>
-            </a:p>
-          </p:txBody>
-        </p:sp>
-        <p:pic>
-          <p:nvPicPr>
-            <p:cNvPr id="34" name="Graphic 33">
-              <a:extLst>
-                <a:ext uri="{FF2B5EF4-FFF2-40B4-BE49-F238E27FC236}">
-                  <a16:creationId xmlns:a16="http://schemas.microsoft.com/office/drawing/2014/main" id="{69D8D578-D2B6-4590-B7CD-2255C941D1D1}"/>
-                </a:ext>
-              </a:extLst>
-            </p:cNvPr>
-            <p:cNvPicPr>
-              <a:picLocks noChangeAspect="1"/>
-            </p:cNvPicPr>
-            <p:nvPr/>
-          </p:nvPicPr>
-          <p:blipFill>
-            <a:blip r:embed="rId2">
-              <a:extLst>
-                <a:ext uri="{96DAC541-7B7A-43D3-8B79-37D633B846F1}">
-                  <asvg:svgBlip xmlns:asvg="http://schemas.microsoft.com/office/drawing/2016/SVG/main" r:embed="rId3"/>
-                </a:ext>
-              </a:extLst>
-            </a:blip>
-            <a:stretch>
-              <a:fillRect/>
-            </a:stretch>
-          </p:blipFill>
-          <p:spPr>
-            <a:xfrm>
-              <a:off x="3753947" y="3103998"/>
-              <a:ext cx="290462" cy="234809"/>
-            </a:xfrm>
-            <a:prstGeom prst="rect">
-              <a:avLst/>
-            </a:prstGeom>
-          </p:spPr>
-        </p:pic>
-      </p:grpSp>
-      <p:grpSp>
-        <p:nvGrpSpPr>
-          <p:cNvPr id="35" name="Group 34">
-            <a:extLst>
-              <a:ext uri="{FF2B5EF4-FFF2-40B4-BE49-F238E27FC236}">
-                <a16:creationId xmlns:a16="http://schemas.microsoft.com/office/drawing/2014/main" id="{06498737-9451-46D9-B0C3-5ADBD2C1838E}"/>
-              </a:ext>
-            </a:extLst>
-          </p:cNvPr>
-          <p:cNvGrpSpPr/>
-          <p:nvPr/>
-        </p:nvGrpSpPr>
-        <p:grpSpPr>
-          <a:xfrm>
-            <a:off x="4387603" y="3333658"/>
-            <a:ext cx="539533" cy="428489"/>
-            <a:chOff x="3629411" y="3518216"/>
-            <a:chExt cx="539533" cy="428489"/>
-          </a:xfrm>
-        </p:grpSpPr>
-        <p:sp>
-          <p:nvSpPr>
-            <p:cNvPr id="36" name="Cube 35">
-              <a:extLst>
-                <a:ext uri="{FF2B5EF4-FFF2-40B4-BE49-F238E27FC236}">
-                  <a16:creationId xmlns:a16="http://schemas.microsoft.com/office/drawing/2014/main" id="{A7303AAB-0310-436B-AE42-B12612A9AB6D}"/>
-                </a:ext>
-              </a:extLst>
-            </p:cNvPr>
-            <p:cNvSpPr/>
-            <p:nvPr/>
-          </p:nvSpPr>
-          <p:spPr>
-            <a:xfrm>
-              <a:off x="3629411" y="3518216"/>
-              <a:ext cx="539533" cy="428489"/>
-            </a:xfrm>
-            <a:prstGeom prst="cube">
-              <a:avLst/>
-            </a:prstGeom>
-          </p:spPr>
-          <p:style>
-            <a:lnRef idx="2">
-              <a:schemeClr val="accent6"/>
-            </a:lnRef>
-            <a:fillRef idx="1">
-              <a:schemeClr val="lt1"/>
-            </a:fillRef>
-            <a:effectRef idx="0">
-              <a:schemeClr val="accent6"/>
-            </a:effectRef>
-            <a:fontRef idx="minor">
-              <a:schemeClr val="dk1"/>
-            </a:fontRef>
-          </p:style>
-          <p:txBody>
-            <a:bodyPr lIns="0" tIns="0" rIns="0" bIns="0" rtlCol="0" anchor="ctr">
-              <a:spAutoFit/>
-            </a:bodyPr>
-            <a:lstStyle/>
-            <a:p>
-              <a:pPr algn="l"/>
-              <a:endParaRPr lang="en-US" sz="2400" dirty="0">
-                <a:solidFill>
-                  <a:schemeClr val="accent1"/>
-                </a:solidFill>
-              </a:endParaRPr>
-            </a:p>
-          </p:txBody>
-        </p:sp>
-        <p:pic>
-          <p:nvPicPr>
-            <p:cNvPr id="37" name="Picture 2" descr="product logo">
-              <a:extLst>
-                <a:ext uri="{FF2B5EF4-FFF2-40B4-BE49-F238E27FC236}">
-                  <a16:creationId xmlns:a16="http://schemas.microsoft.com/office/drawing/2014/main" id="{29645E82-98A2-4EE0-9542-6AF2BC4786FF}"/>
-                </a:ext>
-              </a:extLst>
-            </p:cNvPr>
-            <p:cNvPicPr>
-              <a:picLocks noChangeAspect="1" noChangeArrowheads="1"/>
-            </p:cNvPicPr>
-            <p:nvPr/>
-          </p:nvPicPr>
-          <p:blipFill>
-            <a:blip r:embed="rId4">
-              <a:extLst>
-                <a:ext uri="{28A0092B-C50C-407E-A947-70E740481C1C}">
-                  <a14:useLocalDpi xmlns:a14="http://schemas.microsoft.com/office/drawing/2010/main" val="0"/>
-                </a:ext>
-              </a:extLst>
-            </a:blip>
-            <a:srcRect/>
-            <a:stretch>
-              <a:fillRect/>
-            </a:stretch>
-          </p:blipFill>
-          <p:spPr bwMode="auto">
-            <a:xfrm>
-              <a:off x="3704009" y="3648418"/>
-              <a:ext cx="281893" cy="281893"/>
-            </a:xfrm>
-            <a:prstGeom prst="rect">
-              <a:avLst/>
-            </a:prstGeom>
-            <a:noFill/>
-            <a:extLst>
-              <a:ext uri="{909E8E84-426E-40DD-AFC4-6F175D3DCCD1}">
-                <a14:hiddenFill xmlns:a14="http://schemas.microsoft.com/office/drawing/2010/main">
-                  <a:solidFill>
-                    <a:srgbClr val="FFFFFF"/>
-                  </a:solidFill>
-                </a14:hiddenFill>
-              </a:ext>
-            </a:extLst>
-          </p:spPr>
-        </p:pic>
-      </p:grpSp>
-      <p:cxnSp>
-        <p:nvCxnSpPr>
-          <p:cNvPr id="38" name="Connector: Curved 37">
-            <a:extLst>
-              <a:ext uri="{FF2B5EF4-FFF2-40B4-BE49-F238E27FC236}">
-                <a16:creationId xmlns:a16="http://schemas.microsoft.com/office/drawing/2014/main" id="{0EFD1602-1A33-426E-B32A-AC5FCF2E21D4}"/>
-              </a:ext>
-            </a:extLst>
-          </p:cNvPr>
-          <p:cNvCxnSpPr>
-            <a:cxnSpLocks/>
-          </p:cNvCxnSpPr>
-          <p:nvPr/>
-        </p:nvCxnSpPr>
-        <p:spPr>
-          <a:xfrm flipV="1">
-            <a:off x="2143748" y="1791007"/>
-            <a:ext cx="1164802" cy="608625"/>
-          </a:xfrm>
-          <a:prstGeom prst="curvedConnector3">
-            <a:avLst/>
-          </a:prstGeom>
-          <a:ln w="25400">
-            <a:solidFill>
-              <a:schemeClr val="accent1">
-                <a:alpha val="50000"/>
-              </a:schemeClr>
-            </a:solidFill>
-            <a:prstDash val="lgDashDot"/>
-            <a:tailEnd type="triangle"/>
-          </a:ln>
-        </p:spPr>
-        <p:style>
-          <a:lnRef idx="2">
-            <a:schemeClr val="accent1"/>
-          </a:lnRef>
-          <a:fillRef idx="0">
-            <a:schemeClr val="accent1"/>
-          </a:fillRef>
-          <a:effectRef idx="1">
-            <a:schemeClr val="accent1"/>
-          </a:effectRef>
-          <a:fontRef idx="minor">
-            <a:schemeClr val="tx1"/>
-          </a:fontRef>
-        </p:style>
-      </p:cxnSp>
-      <p:cxnSp>
-        <p:nvCxnSpPr>
-          <p:cNvPr id="39" name="Connector: Curved 38">
-            <a:extLst>
-              <a:ext uri="{FF2B5EF4-FFF2-40B4-BE49-F238E27FC236}">
-                <a16:creationId xmlns:a16="http://schemas.microsoft.com/office/drawing/2014/main" id="{CBC0568C-FC9C-435C-BD6F-A5E4836CA5BC}"/>
-              </a:ext>
-            </a:extLst>
-          </p:cNvPr>
-          <p:cNvCxnSpPr>
-            <a:cxnSpLocks/>
-          </p:cNvCxnSpPr>
-          <p:nvPr/>
-        </p:nvCxnSpPr>
-        <p:spPr>
-          <a:xfrm flipV="1">
-            <a:off x="2293596" y="1791010"/>
-            <a:ext cx="1014955" cy="907318"/>
-          </a:xfrm>
-          <a:prstGeom prst="curvedConnector3">
-            <a:avLst>
-              <a:gd name="adj1" fmla="val 50000"/>
-            </a:avLst>
-          </a:prstGeom>
-          <a:ln w="25400">
-            <a:solidFill>
-              <a:schemeClr val="accent1">
-                <a:alpha val="50000"/>
-              </a:schemeClr>
-            </a:solidFill>
-            <a:tailEnd type="triangle"/>
-          </a:ln>
-        </p:spPr>
-        <p:style>
-          <a:lnRef idx="2">
-            <a:schemeClr val="accent1"/>
-          </a:lnRef>
-          <a:fillRef idx="0">
-            <a:schemeClr val="accent1"/>
-          </a:fillRef>
-          <a:effectRef idx="1">
-            <a:schemeClr val="accent1"/>
-          </a:effectRef>
-          <a:fontRef idx="minor">
-            <a:schemeClr val="tx1"/>
-          </a:fontRef>
-        </p:style>
-      </p:cxnSp>
-      <p:cxnSp>
-        <p:nvCxnSpPr>
-          <p:cNvPr id="40" name="Connector: Curved 39">
-            <a:extLst>
-              <a:ext uri="{FF2B5EF4-FFF2-40B4-BE49-F238E27FC236}">
-                <a16:creationId xmlns:a16="http://schemas.microsoft.com/office/drawing/2014/main" id="{A9497FC8-052B-4562-AA09-583ADDE4C09C}"/>
-              </a:ext>
-            </a:extLst>
-          </p:cNvPr>
-          <p:cNvCxnSpPr>
-            <a:cxnSpLocks/>
-          </p:cNvCxnSpPr>
-          <p:nvPr/>
-        </p:nvCxnSpPr>
-        <p:spPr>
-          <a:xfrm flipV="1">
-            <a:off x="2272223" y="1791007"/>
-            <a:ext cx="1036327" cy="245451"/>
-          </a:xfrm>
-          <a:prstGeom prst="curvedConnector3">
-            <a:avLst/>
-          </a:prstGeom>
-          <a:ln w="25400">
-            <a:solidFill>
-              <a:schemeClr val="accent1">
-                <a:alpha val="50000"/>
-              </a:schemeClr>
-            </a:solidFill>
-            <a:prstDash val="sysDash"/>
-            <a:tailEnd type="triangle"/>
-          </a:ln>
-        </p:spPr>
-        <p:style>
-          <a:lnRef idx="2">
-            <a:schemeClr val="accent1"/>
-          </a:lnRef>
-          <a:fillRef idx="0">
-            <a:schemeClr val="accent1"/>
-          </a:fillRef>
-          <a:effectRef idx="1">
-            <a:schemeClr val="accent1"/>
-          </a:effectRef>
-          <a:fontRef idx="minor">
-            <a:schemeClr val="tx1"/>
-          </a:fontRef>
-        </p:style>
-      </p:cxnSp>
-      <p:cxnSp>
-        <p:nvCxnSpPr>
-          <p:cNvPr id="41" name="Connector: Curved 40">
-            <a:extLst>
-              <a:ext uri="{FF2B5EF4-FFF2-40B4-BE49-F238E27FC236}">
-                <a16:creationId xmlns:a16="http://schemas.microsoft.com/office/drawing/2014/main" id="{CC745F1C-0704-455A-ADE1-EBA1C33784E9}"/>
-              </a:ext>
-            </a:extLst>
-          </p:cNvPr>
-          <p:cNvCxnSpPr>
-            <a:cxnSpLocks/>
-            <a:endCxn id="16" idx="3"/>
-          </p:cNvCxnSpPr>
-          <p:nvPr/>
-        </p:nvCxnSpPr>
-        <p:spPr>
-          <a:xfrm flipH="1">
-            <a:off x="6811688" y="1791007"/>
-            <a:ext cx="694532" cy="2461106"/>
-          </a:xfrm>
-          <a:prstGeom prst="curvedConnector3">
-            <a:avLst>
-              <a:gd name="adj1" fmla="val -32914"/>
-            </a:avLst>
-          </a:prstGeom>
-          <a:ln w="25400">
-            <a:solidFill>
-              <a:schemeClr val="accent1">
-                <a:alpha val="50000"/>
-              </a:schemeClr>
-            </a:solidFill>
-            <a:prstDash val="lgDashDot"/>
-            <a:tailEnd type="triangle"/>
-          </a:ln>
-        </p:spPr>
-        <p:style>
-          <a:lnRef idx="2">
-            <a:schemeClr val="accent1"/>
-          </a:lnRef>
-          <a:fillRef idx="0">
-            <a:schemeClr val="accent1"/>
-          </a:fillRef>
-          <a:effectRef idx="1">
-            <a:schemeClr val="accent1"/>
-          </a:effectRef>
-          <a:fontRef idx="minor">
-            <a:schemeClr val="tx1"/>
-          </a:fontRef>
-        </p:style>
-      </p:cxnSp>
-      <p:cxnSp>
-        <p:nvCxnSpPr>
-          <p:cNvPr id="42" name="Connector: Curved 41">
-            <a:extLst>
-              <a:ext uri="{FF2B5EF4-FFF2-40B4-BE49-F238E27FC236}">
-                <a16:creationId xmlns:a16="http://schemas.microsoft.com/office/drawing/2014/main" id="{D26164EE-953C-411F-A45A-780034B95821}"/>
-              </a:ext>
-            </a:extLst>
-          </p:cNvPr>
-          <p:cNvCxnSpPr>
-            <a:cxnSpLocks/>
-            <a:stCxn id="11" idx="1"/>
-            <a:endCxn id="15" idx="3"/>
-          </p:cNvCxnSpPr>
-          <p:nvPr/>
-        </p:nvCxnSpPr>
-        <p:spPr>
-          <a:xfrm rot="10800000" flipV="1">
-            <a:off x="6915221" y="1952379"/>
-            <a:ext cx="1771676" cy="1214645"/>
-          </a:xfrm>
-          <a:prstGeom prst="curvedConnector3">
-            <a:avLst>
-              <a:gd name="adj1" fmla="val 50000"/>
-            </a:avLst>
-          </a:prstGeom>
-          <a:ln w="25400">
-            <a:solidFill>
-              <a:schemeClr val="accent1">
-                <a:alpha val="50000"/>
-              </a:schemeClr>
-            </a:solidFill>
-            <a:prstDash val="sysDash"/>
-            <a:tailEnd type="triangle"/>
-          </a:ln>
-        </p:spPr>
-        <p:style>
-          <a:lnRef idx="2">
-            <a:schemeClr val="accent1"/>
-          </a:lnRef>
-          <a:fillRef idx="0">
-            <a:schemeClr val="accent1"/>
-          </a:fillRef>
-          <a:effectRef idx="1">
-            <a:schemeClr val="accent1"/>
-          </a:effectRef>
-          <a:fontRef idx="minor">
-            <a:schemeClr val="tx1"/>
-          </a:fontRef>
-        </p:style>
-      </p:cxnSp>
-      <p:cxnSp>
-        <p:nvCxnSpPr>
-          <p:cNvPr id="43" name="Connector: Curved 42">
-            <a:extLst>
-              <a:ext uri="{FF2B5EF4-FFF2-40B4-BE49-F238E27FC236}">
-                <a16:creationId xmlns:a16="http://schemas.microsoft.com/office/drawing/2014/main" id="{646F37EB-853D-40B7-9673-DB0E5B824848}"/>
-              </a:ext>
-            </a:extLst>
-          </p:cNvPr>
-          <p:cNvCxnSpPr>
-            <a:cxnSpLocks/>
-          </p:cNvCxnSpPr>
-          <p:nvPr/>
-        </p:nvCxnSpPr>
-        <p:spPr>
-          <a:xfrm>
-            <a:off x="7506220" y="1791007"/>
-            <a:ext cx="1177765" cy="161372"/>
-          </a:xfrm>
-          <a:prstGeom prst="curvedConnector3">
-            <a:avLst/>
-          </a:prstGeom>
-          <a:ln w="25400">
-            <a:solidFill>
-              <a:schemeClr val="accent1">
-                <a:alpha val="50000"/>
-              </a:schemeClr>
-            </a:solidFill>
-            <a:prstDash val="sysDash"/>
-            <a:tailEnd type="triangle"/>
-          </a:ln>
-        </p:spPr>
-        <p:style>
-          <a:lnRef idx="2">
-            <a:schemeClr val="accent1"/>
-          </a:lnRef>
-          <a:fillRef idx="0">
-            <a:schemeClr val="accent1"/>
-          </a:fillRef>
-          <a:effectRef idx="1">
-            <a:schemeClr val="accent1"/>
-          </a:effectRef>
-          <a:fontRef idx="minor">
-            <a:schemeClr val="tx1"/>
-          </a:fontRef>
-        </p:style>
-      </p:cxnSp>
-      <p:cxnSp>
-        <p:nvCxnSpPr>
-          <p:cNvPr id="44" name="Connector: Curved 43">
-            <a:extLst>
-              <a:ext uri="{FF2B5EF4-FFF2-40B4-BE49-F238E27FC236}">
-                <a16:creationId xmlns:a16="http://schemas.microsoft.com/office/drawing/2014/main" id="{117CB427-7C2F-41AB-ACAF-A265EE884606}"/>
-              </a:ext>
-            </a:extLst>
-          </p:cNvPr>
-          <p:cNvCxnSpPr>
-            <a:cxnSpLocks/>
-            <a:stCxn id="16" idx="1"/>
-            <a:endCxn id="24" idx="4"/>
-          </p:cNvCxnSpPr>
-          <p:nvPr/>
-        </p:nvCxnSpPr>
-        <p:spPr>
-          <a:xfrm rot="10800000">
-            <a:off x="4819760" y="4189529"/>
-            <a:ext cx="1039428" cy="62585"/>
-          </a:xfrm>
-          <a:prstGeom prst="curvedConnector3">
-            <a:avLst>
-              <a:gd name="adj1" fmla="val 50000"/>
-            </a:avLst>
-          </a:prstGeom>
-          <a:ln w="25400">
-            <a:solidFill>
-              <a:schemeClr val="accent1">
-                <a:alpha val="50000"/>
-              </a:schemeClr>
-            </a:solidFill>
-            <a:tailEnd type="triangle"/>
-          </a:ln>
-        </p:spPr>
-        <p:style>
-          <a:lnRef idx="2">
-            <a:schemeClr val="accent1"/>
-          </a:lnRef>
-          <a:fillRef idx="0">
-            <a:schemeClr val="accent1"/>
-          </a:fillRef>
-          <a:effectRef idx="1">
-            <a:schemeClr val="accent1"/>
-          </a:effectRef>
-          <a:fontRef idx="minor">
-            <a:schemeClr val="tx1"/>
-          </a:fontRef>
-        </p:style>
-      </p:cxnSp>
-      <p:cxnSp>
-        <p:nvCxnSpPr>
-          <p:cNvPr id="45" name="Connector: Curved 44">
-            <a:extLst>
-              <a:ext uri="{FF2B5EF4-FFF2-40B4-BE49-F238E27FC236}">
-                <a16:creationId xmlns:a16="http://schemas.microsoft.com/office/drawing/2014/main" id="{B7B7355B-86C4-4304-9B0D-3377FFFD7A35}"/>
-              </a:ext>
-            </a:extLst>
-          </p:cNvPr>
-          <p:cNvCxnSpPr>
-            <a:cxnSpLocks/>
-            <a:stCxn id="15" idx="1"/>
-            <a:endCxn id="21" idx="0"/>
-          </p:cNvCxnSpPr>
-          <p:nvPr/>
-        </p:nvCxnSpPr>
-        <p:spPr>
-          <a:xfrm rot="10800000">
-            <a:off x="4001211" y="2768965"/>
-            <a:ext cx="1754445" cy="398061"/>
-          </a:xfrm>
-          <a:prstGeom prst="curvedConnector4">
-            <a:avLst>
-              <a:gd name="adj1" fmla="val 43838"/>
-              <a:gd name="adj2" fmla="val 157428"/>
-            </a:avLst>
-          </a:prstGeom>
-          <a:ln w="25400">
-            <a:solidFill>
-              <a:schemeClr val="accent1">
-                <a:alpha val="50000"/>
-              </a:schemeClr>
-            </a:solidFill>
-            <a:tailEnd type="triangle"/>
-          </a:ln>
-        </p:spPr>
-        <p:style>
-          <a:lnRef idx="2">
-            <a:schemeClr val="accent1"/>
-          </a:lnRef>
-          <a:fillRef idx="0">
-            <a:schemeClr val="accent1"/>
-          </a:fillRef>
-          <a:effectRef idx="1">
-            <a:schemeClr val="accent1"/>
-          </a:effectRef>
-          <a:fontRef idx="minor">
-            <a:schemeClr val="tx1"/>
-          </a:fontRef>
-        </p:style>
-      </p:cxnSp>
-      <p:cxnSp>
-        <p:nvCxnSpPr>
-          <p:cNvPr id="46" name="Connector: Curved 45">
-            <a:extLst>
-              <a:ext uri="{FF2B5EF4-FFF2-40B4-BE49-F238E27FC236}">
-                <a16:creationId xmlns:a16="http://schemas.microsoft.com/office/drawing/2014/main" id="{E750EB2E-CD19-4730-BC21-EE82FFC63F26}"/>
-              </a:ext>
-            </a:extLst>
-          </p:cNvPr>
-          <p:cNvCxnSpPr>
-            <a:cxnSpLocks/>
-          </p:cNvCxnSpPr>
-          <p:nvPr/>
-        </p:nvCxnSpPr>
-        <p:spPr>
-          <a:xfrm flipH="1">
-            <a:off x="6691096" y="1791007"/>
-            <a:ext cx="815124" cy="553105"/>
-          </a:xfrm>
-          <a:prstGeom prst="curvedConnector3">
-            <a:avLst>
-              <a:gd name="adj1" fmla="val -28045"/>
-            </a:avLst>
-          </a:prstGeom>
-          <a:ln w="25400">
-            <a:solidFill>
-              <a:schemeClr val="accent1">
-                <a:alpha val="50000"/>
-              </a:schemeClr>
-            </a:solidFill>
-            <a:tailEnd type="triangle"/>
-          </a:ln>
-        </p:spPr>
-        <p:style>
-          <a:lnRef idx="2">
-            <a:schemeClr val="accent1"/>
-          </a:lnRef>
-          <a:fillRef idx="0">
-            <a:schemeClr val="accent1"/>
-          </a:fillRef>
-          <a:effectRef idx="1">
-            <a:schemeClr val="accent1"/>
-          </a:effectRef>
-          <a:fontRef idx="minor">
-            <a:schemeClr val="tx1"/>
-          </a:fontRef>
-        </p:style>
-      </p:cxnSp>
-      <p:sp>
-        <p:nvSpPr>
-          <p:cNvPr id="47" name="Rectangle 46">
-            <a:extLst>
-              <a:ext uri="{FF2B5EF4-FFF2-40B4-BE49-F238E27FC236}">
-                <a16:creationId xmlns:a16="http://schemas.microsoft.com/office/drawing/2014/main" id="{A06F9639-71FA-4495-9585-8DD4BDAA4460}"/>
-              </a:ext>
-            </a:extLst>
-          </p:cNvPr>
-          <p:cNvSpPr/>
-          <p:nvPr/>
-        </p:nvSpPr>
-        <p:spPr>
-          <a:xfrm>
-            <a:off x="300160" y="5540023"/>
-            <a:ext cx="5460084" cy="369332"/>
-          </a:xfrm>
-          <a:prstGeom prst="rect">
-            <a:avLst/>
-          </a:prstGeom>
-        </p:spPr>
-        <p:txBody>
-          <a:bodyPr wrap="none">
-            <a:spAutoFit/>
-          </a:bodyPr>
-          <a:lstStyle/>
-          <a:p>
-            <a:r>
-              <a:rPr lang="en-US" dirty="0">
-                <a:hlinkClick r:id="rId6"/>
-              </a:rPr>
-              <a:t>https://www.backblaze.com/blog/vm-vs-containers/</a:t>
-            </a:r>
-            <a:endParaRPr lang="en-US" dirty="0"/>
-          </a:p>
-        </p:txBody>
-      </p:sp>
-      <p:cxnSp>
-        <p:nvCxnSpPr>
-          <p:cNvPr id="48" name="Straight Connector 47">
-            <a:extLst>
-              <a:ext uri="{FF2B5EF4-FFF2-40B4-BE49-F238E27FC236}">
-                <a16:creationId xmlns:a16="http://schemas.microsoft.com/office/drawing/2014/main" id="{5394C324-BD5D-4560-B887-3F50F771368C}"/>
-              </a:ext>
-            </a:extLst>
-          </p:cNvPr>
-          <p:cNvCxnSpPr>
-            <a:cxnSpLocks/>
-          </p:cNvCxnSpPr>
-          <p:nvPr/>
-        </p:nvCxnSpPr>
-        <p:spPr>
-          <a:xfrm>
-            <a:off x="838200" y="1015068"/>
-            <a:ext cx="10515600" cy="0"/>
-          </a:xfrm>
-          <a:prstGeom prst="line">
-            <a:avLst/>
-          </a:prstGeom>
-          <a:ln w="12700"/>
-        </p:spPr>
-        <p:style>
-          <a:lnRef idx="1">
-            <a:schemeClr val="dk1"/>
-          </a:lnRef>
-          <a:fillRef idx="0">
-            <a:schemeClr val="dk1"/>
-          </a:fillRef>
-          <a:effectRef idx="0">
-            <a:schemeClr val="dk1"/>
-          </a:effectRef>
-          <a:fontRef idx="minor">
-            <a:schemeClr val="tx1"/>
-          </a:fontRef>
-        </p:style>
-      </p:cxnSp>
-    </p:spTree>
-    <p:extLst>
-      <p:ext uri="{BB962C8B-B14F-4D97-AF65-F5344CB8AC3E}">
-        <p14:creationId xmlns:p14="http://schemas.microsoft.com/office/powerpoint/2010/main" val="424204363"/>
       </p:ext>
     </p:extLst>
   </p:cSld>
@@ -37664,7 +37954,7 @@
           <p:cNvPr id="2" name="Title 1">
             <a:extLst>
               <a:ext uri="{FF2B5EF4-FFF2-40B4-BE49-F238E27FC236}">
-                <a16:creationId xmlns:a16="http://schemas.microsoft.com/office/drawing/2014/main" id="{44F12323-B42F-497D-A8A2-9C0C351C66D3}"/>
+                <a16:creationId xmlns:a16="http://schemas.microsoft.com/office/drawing/2014/main" id="{8AC6D6CB-C638-40CA-833B-725506FD2A90}"/>
               </a:ext>
             </a:extLst>
           </p:cNvPr>
@@ -37677,19 +37967,17 @@
         </p:nvSpPr>
         <p:spPr>
           <a:xfrm>
-            <a:off x="838200" y="365126"/>
-            <a:ext cx="10515600" cy="649942"/>
+            <a:off x="838200" y="365125"/>
+            <a:ext cx="10515600" cy="733833"/>
           </a:xfrm>
         </p:spPr>
         <p:txBody>
-          <a:bodyPr>
-            <a:normAutofit fontScale="90000"/>
-          </a:bodyPr>
+          <a:bodyPr/>
           <a:lstStyle/>
           <a:p>
             <a:r>
               <a:rPr lang="en-US" dirty="0"/>
-              <a:t>Download SQL Server Image</a:t>
+              <a:t>VM versus Container</a:t>
             </a:r>
           </a:p>
         </p:txBody>
@@ -37699,37 +37987,139 @@
           <p:cNvPr id="3" name="Picture 2">
             <a:extLst>
               <a:ext uri="{FF2B5EF4-FFF2-40B4-BE49-F238E27FC236}">
-                <a16:creationId xmlns:a16="http://schemas.microsoft.com/office/drawing/2014/main" id="{947F57F7-9C50-452D-8626-94A342804708}"/>
+                <a16:creationId xmlns:a16="http://schemas.microsoft.com/office/drawing/2014/main" id="{3DA05759-6DD7-4B0D-B941-320B135F3DF6}"/>
               </a:ext>
             </a:extLst>
           </p:cNvPr>
           <p:cNvPicPr>
-            <a:picLocks noChangeAspect="1"/>
+            <a:picLocks noChangeAspect="1" noChangeArrowheads="1"/>
           </p:cNvPicPr>
           <p:nvPr/>
         </p:nvPicPr>
         <p:blipFill>
-          <a:blip r:embed="rId2"/>
+          <a:blip r:embed="rId2">
+            <a:extLst>
+              <a:ext uri="{28A0092B-C50C-407E-A947-70E740481C1C}">
+                <a14:useLocalDpi xmlns:a14="http://schemas.microsoft.com/office/drawing/2010/main" val="0"/>
+              </a:ext>
+            </a:extLst>
+          </a:blip>
+          <a:srcRect/>
           <a:stretch>
             <a:fillRect/>
           </a:stretch>
         </p:blipFill>
-        <p:spPr>
+        <p:spPr bwMode="auto">
           <a:xfrm>
-            <a:off x="953867" y="2169831"/>
-            <a:ext cx="10308612" cy="2117123"/>
+            <a:off x="702932" y="1162916"/>
+            <a:ext cx="4850580" cy="4359328"/>
           </a:xfrm>
           <a:prstGeom prst="rect">
             <a:avLst/>
           </a:prstGeom>
+          <a:noFill/>
+          <a:extLst>
+            <a:ext uri="{909E8E84-426E-40DD-AFC4-6F175D3DCCD1}">
+              <a14:hiddenFill xmlns:a14="http://schemas.microsoft.com/office/drawing/2010/main">
+                <a:solidFill>
+                  <a:srgbClr val="FFFFFF"/>
+                </a:solidFill>
+              </a14:hiddenFill>
+            </a:ext>
+          </a:extLst>
         </p:spPr>
       </p:pic>
+      <p:pic>
+        <p:nvPicPr>
+          <p:cNvPr id="4" name="Picture 4">
+            <a:extLst>
+              <a:ext uri="{FF2B5EF4-FFF2-40B4-BE49-F238E27FC236}">
+                <a16:creationId xmlns:a16="http://schemas.microsoft.com/office/drawing/2014/main" id="{E03BA302-1E62-4FCB-AA35-381167061F64}"/>
+              </a:ext>
+            </a:extLst>
+          </p:cNvPr>
+          <p:cNvPicPr>
+            <a:picLocks noChangeAspect="1" noChangeArrowheads="1"/>
+          </p:cNvPicPr>
+          <p:nvPr/>
+        </p:nvPicPr>
+        <p:blipFill>
+          <a:blip r:embed="rId3">
+            <a:extLst>
+              <a:ext uri="{28A0092B-C50C-407E-A947-70E740481C1C}">
+                <a14:useLocalDpi xmlns:a14="http://schemas.microsoft.com/office/drawing/2010/main" val="0"/>
+              </a:ext>
+            </a:extLst>
+          </a:blip>
+          <a:srcRect/>
+          <a:stretch>
+            <a:fillRect/>
+          </a:stretch>
+        </p:blipFill>
+        <p:spPr bwMode="auto">
+          <a:xfrm>
+            <a:off x="6174193" y="1153198"/>
+            <a:ext cx="4862329" cy="4359328"/>
+          </a:xfrm>
+          <a:prstGeom prst="rect">
+            <a:avLst/>
+          </a:prstGeom>
+          <a:noFill/>
+          <a:extLst>
+            <a:ext uri="{909E8E84-426E-40DD-AFC4-6F175D3DCCD1}">
+              <a14:hiddenFill xmlns:a14="http://schemas.microsoft.com/office/drawing/2010/main">
+                <a:solidFill>
+                  <a:srgbClr val="FFFFFF"/>
+                </a:solidFill>
+              </a14:hiddenFill>
+            </a:ext>
+          </a:extLst>
+        </p:spPr>
+      </p:pic>
+      <p:sp>
+        <p:nvSpPr>
+          <p:cNvPr id="6" name="TextBox 5">
+            <a:extLst>
+              <a:ext uri="{FF2B5EF4-FFF2-40B4-BE49-F238E27FC236}">
+                <a16:creationId xmlns:a16="http://schemas.microsoft.com/office/drawing/2014/main" id="{6998A529-A9B5-4FA0-8F8B-55D4A9306A78}"/>
+              </a:ext>
+            </a:extLst>
+          </p:cNvPr>
+          <p:cNvSpPr txBox="1"/>
+          <p:nvPr/>
+        </p:nvSpPr>
+        <p:spPr>
+          <a:xfrm>
+            <a:off x="597715" y="5512526"/>
+            <a:ext cx="6094602" cy="369332"/>
+          </a:xfrm>
+          <a:prstGeom prst="rect">
+            <a:avLst/>
+          </a:prstGeom>
+          <a:noFill/>
+        </p:spPr>
+        <p:txBody>
+          <a:bodyPr wrap="square">
+            <a:spAutoFit/>
+          </a:bodyPr>
+          <a:lstStyle/>
+          <a:p>
+            <a:r>
+              <a:rPr lang="en-US" dirty="0">
+                <a:hlinkClick r:id="rId4"/>
+              </a:rPr>
+              <a:t>https://www.backblaze.com/blog/vm-vs-containers/</a:t>
+            </a:r>
+            <a:endParaRPr lang="en-US" dirty="0"/>
+          </a:p>
+        </p:txBody>
+      </p:sp>
       <p:cxnSp>
         <p:nvCxnSpPr>
-          <p:cNvPr id="4" name="Straight Connector 3">
-            <a:extLst>
-              <a:ext uri="{FF2B5EF4-FFF2-40B4-BE49-F238E27FC236}">
-                <a16:creationId xmlns:a16="http://schemas.microsoft.com/office/drawing/2014/main" id="{440307C4-27EF-4842-92D9-2ED759B843D5}"/>
+          <p:cNvPr id="7" name="Straight Connector 6">
+            <a:extLst>
+              <a:ext uri="{FF2B5EF4-FFF2-40B4-BE49-F238E27FC236}">
+                <a16:creationId xmlns:a16="http://schemas.microsoft.com/office/drawing/2014/main" id="{DAABE475-239E-4A6F-9703-3D91972AC4C1}"/>
               </a:ext>
             </a:extLst>
           </p:cNvPr>
@@ -37766,7 +38156,7 @@
     </p:spTree>
     <p:extLst>
       <p:ext uri="{BB962C8B-B14F-4D97-AF65-F5344CB8AC3E}">
-        <p14:creationId xmlns:p14="http://schemas.microsoft.com/office/powerpoint/2010/main" val="3031486859"/>
+        <p14:creationId xmlns:p14="http://schemas.microsoft.com/office/powerpoint/2010/main" val="1392140948"/>
       </p:ext>
     </p:extLst>
   </p:cSld>
@@ -38691,15 +39081,6 @@
 </file>
 
 <file path=customXml/item1.xml><?xml version="1.0" encoding="utf-8"?>
-<?mso-contentType ?>
-<FormTemplates xmlns="http://schemas.microsoft.com/sharepoint/v3/contenttype/forms">
-  <Display>DocumentLibraryForm</Display>
-  <Edit>DocumentLibraryForm</Edit>
-  <New>DocumentLibraryForm</New>
-</FormTemplates>
-</file>
-
-<file path=customXml/item2.xml><?xml version="1.0" encoding="utf-8"?>
 <ct:contentTypeSchema xmlns:ct="http://schemas.microsoft.com/office/2006/metadata/contentType" xmlns:ma="http://schemas.microsoft.com/office/2006/metadata/properties/metaAttributes" ct:_="" ma:_="" ma:contentTypeName="Document" ma:contentTypeID="0x0101008A5715C365876A40AAEBF478052E19D8" ma:contentTypeVersion="13" ma:contentTypeDescription="Create a new document." ma:contentTypeScope="" ma:versionID="ac690db62c4833b624123d2430e9c052">
   <xsd:schema xmlns:xsd="http://www.w3.org/2001/XMLSchema" xmlns:xs="http://www.w3.org/2001/XMLSchema" xmlns:p="http://schemas.microsoft.com/office/2006/metadata/properties" xmlns:ns2="6495d22d-ac5c-40e9-9004-a0ad722ffa27" xmlns:ns3="2320308a-2752-4c09-8017-c9af96e55394" targetNamespace="http://schemas.microsoft.com/office/2006/metadata/properties" ma:root="true" ma:fieldsID="9f4c31d326122b30583dde7d49570dd2" ns2:_="" ns3:_="">
     <xsd:import namespace="6495d22d-ac5c-40e9-9004-a0ad722ffa27"/>
@@ -38922,6 +39303,15 @@
 </ct:contentTypeSchema>
 </file>
 
+<file path=customXml/item2.xml><?xml version="1.0" encoding="utf-8"?>
+<?mso-contentType ?>
+<FormTemplates xmlns="http://schemas.microsoft.com/sharepoint/v3/contenttype/forms">
+  <Display>DocumentLibraryForm</Display>
+  <Edit>DocumentLibraryForm</Edit>
+  <New>DocumentLibraryForm</New>
+</FormTemplates>
+</file>
+
 <file path=customXml/item3.xml><?xml version="1.0" encoding="utf-8"?>
 <p:properties xmlns:p="http://schemas.microsoft.com/office/2006/metadata/properties" xmlns:xsi="http://www.w3.org/2001/XMLSchema-instance" xmlns:pc="http://schemas.microsoft.com/office/infopath/2007/PartnerControls">
   <documentManagement/>
@@ -38929,14 +39319,6 @@
 </file>
 
 <file path=customXml/itemProps1.xml><?xml version="1.0" encoding="utf-8"?>
-<ds:datastoreItem xmlns:ds="http://schemas.openxmlformats.org/officeDocument/2006/customXml" ds:itemID="{B5600634-5921-487F-93B3-8B1A37240393}">
-  <ds:schemaRefs>
-    <ds:schemaRef ds:uri="http://schemas.microsoft.com/sharepoint/v3/contenttype/forms"/>
-  </ds:schemaRefs>
-</ds:datastoreItem>
-</file>
-
-<file path=customXml/itemProps2.xml><?xml version="1.0" encoding="utf-8"?>
 <ds:datastoreItem xmlns:ds="http://schemas.openxmlformats.org/officeDocument/2006/customXml" ds:itemID="{EE7ACCCF-097A-4451-83E9-1D7125DF1A27}">
   <ds:schemaRefs>
     <ds:schemaRef ds:uri="2320308a-2752-4c09-8017-c9af96e55394"/>
@@ -38955,6 +39337,14 @@
 </ds:datastoreItem>
 </file>
 
+<file path=customXml/itemProps2.xml><?xml version="1.0" encoding="utf-8"?>
+<ds:datastoreItem xmlns:ds="http://schemas.openxmlformats.org/officeDocument/2006/customXml" ds:itemID="{B5600634-5921-487F-93B3-8B1A37240393}">
+  <ds:schemaRefs>
+    <ds:schemaRef ds:uri="http://schemas.microsoft.com/sharepoint/v3/contenttype/forms"/>
+  </ds:schemaRefs>
+</ds:datastoreItem>
+</file>
+
 <file path=customXml/itemProps3.xml><?xml version="1.0" encoding="utf-8"?>
 <ds:datastoreItem xmlns:ds="http://schemas.openxmlformats.org/officeDocument/2006/customXml" ds:itemID="{4E939938-968F-4292-B1F5-7D5D82188517}">
   <ds:schemaRefs>
